--- a/Cours/IFDC_1.pptx
+++ b/Cours/IFDC_1.pptx
@@ -5,40 +5,41 @@
     <p:sldMasterId id="2147483648" r:id="rId1"/>
   </p:sldMasterIdLst>
   <p:notesMasterIdLst>
-    <p:notesMasterId r:id="rId33"/>
+    <p:notesMasterId r:id="rId34"/>
   </p:notesMasterIdLst>
   <p:sldIdLst>
     <p:sldId id="285" r:id="rId2"/>
     <p:sldId id="319" r:id="rId3"/>
     <p:sldId id="291" r:id="rId4"/>
     <p:sldId id="292" r:id="rId5"/>
-    <p:sldId id="339" r:id="rId6"/>
-    <p:sldId id="340" r:id="rId7"/>
-    <p:sldId id="341" r:id="rId8"/>
-    <p:sldId id="342" r:id="rId9"/>
-    <p:sldId id="344" r:id="rId10"/>
-    <p:sldId id="343" r:id="rId11"/>
-    <p:sldId id="345" r:id="rId12"/>
-    <p:sldId id="346" r:id="rId13"/>
-    <p:sldId id="347" r:id="rId14"/>
-    <p:sldId id="348" r:id="rId15"/>
-    <p:sldId id="320" r:id="rId16"/>
-    <p:sldId id="297" r:id="rId17"/>
-    <p:sldId id="298" r:id="rId18"/>
-    <p:sldId id="326" r:id="rId19"/>
-    <p:sldId id="349" r:id="rId20"/>
-    <p:sldId id="350" r:id="rId21"/>
-    <p:sldId id="351" r:id="rId22"/>
-    <p:sldId id="352" r:id="rId23"/>
-    <p:sldId id="353" r:id="rId24"/>
-    <p:sldId id="354" r:id="rId25"/>
-    <p:sldId id="355" r:id="rId26"/>
-    <p:sldId id="356" r:id="rId27"/>
-    <p:sldId id="357" r:id="rId28"/>
-    <p:sldId id="358" r:id="rId29"/>
-    <p:sldId id="359" r:id="rId30"/>
-    <p:sldId id="335" r:id="rId31"/>
-    <p:sldId id="316" r:id="rId32"/>
+    <p:sldId id="360" r:id="rId6"/>
+    <p:sldId id="339" r:id="rId7"/>
+    <p:sldId id="340" r:id="rId8"/>
+    <p:sldId id="341" r:id="rId9"/>
+    <p:sldId id="342" r:id="rId10"/>
+    <p:sldId id="344" r:id="rId11"/>
+    <p:sldId id="343" r:id="rId12"/>
+    <p:sldId id="345" r:id="rId13"/>
+    <p:sldId id="346" r:id="rId14"/>
+    <p:sldId id="347" r:id="rId15"/>
+    <p:sldId id="348" r:id="rId16"/>
+    <p:sldId id="320" r:id="rId17"/>
+    <p:sldId id="297" r:id="rId18"/>
+    <p:sldId id="298" r:id="rId19"/>
+    <p:sldId id="326" r:id="rId20"/>
+    <p:sldId id="349" r:id="rId21"/>
+    <p:sldId id="350" r:id="rId22"/>
+    <p:sldId id="351" r:id="rId23"/>
+    <p:sldId id="352" r:id="rId24"/>
+    <p:sldId id="353" r:id="rId25"/>
+    <p:sldId id="354" r:id="rId26"/>
+    <p:sldId id="355" r:id="rId27"/>
+    <p:sldId id="356" r:id="rId28"/>
+    <p:sldId id="357" r:id="rId29"/>
+    <p:sldId id="358" r:id="rId30"/>
+    <p:sldId id="359" r:id="rId31"/>
+    <p:sldId id="335" r:id="rId32"/>
+    <p:sldId id="316" r:id="rId33"/>
   </p:sldIdLst>
   <p:sldSz cx="12192000" cy="6858000"/>
   <p:notesSz cx="6858000" cy="9144000"/>
@@ -239,7 +240,7 @@
           <a:p>
             <a:fld id="{4D4C40A0-6BBE-4DBE-B061-D31F9ACB94AF}" type="datetimeFigureOut">
               <a:rPr lang="fr-FR" smtClean="0"/>
-              <a:t>27/06/2021</a:t>
+              <a:t>29/06/2021</a:t>
             </a:fld>
             <a:endParaRPr lang="fr-FR"/>
           </a:p>
@@ -762,7 +763,7 @@
           <a:p>
             <a:fld id="{BE1F1DDC-4961-4DFF-8961-DF0A67287833}" type="datetimeFigureOut">
               <a:rPr lang="fr-FR" smtClean="0"/>
-              <a:t>27/06/2021</a:t>
+              <a:t>29/06/2021</a:t>
             </a:fld>
             <a:endParaRPr lang="fr-FR"/>
           </a:p>
@@ -960,7 +961,7 @@
           <a:p>
             <a:fld id="{BE1F1DDC-4961-4DFF-8961-DF0A67287833}" type="datetimeFigureOut">
               <a:rPr lang="fr-FR" smtClean="0"/>
-              <a:t>27/06/2021</a:t>
+              <a:t>29/06/2021</a:t>
             </a:fld>
             <a:endParaRPr lang="fr-FR"/>
           </a:p>
@@ -1168,7 +1169,7 @@
           <a:p>
             <a:fld id="{BE1F1DDC-4961-4DFF-8961-DF0A67287833}" type="datetimeFigureOut">
               <a:rPr lang="fr-FR" smtClean="0"/>
-              <a:t>27/06/2021</a:t>
+              <a:t>29/06/2021</a:t>
             </a:fld>
             <a:endParaRPr lang="fr-FR"/>
           </a:p>
@@ -1366,7 +1367,7 @@
           <a:p>
             <a:fld id="{BE1F1DDC-4961-4DFF-8961-DF0A67287833}" type="datetimeFigureOut">
               <a:rPr lang="fr-FR" smtClean="0"/>
-              <a:t>27/06/2021</a:t>
+              <a:t>29/06/2021</a:t>
             </a:fld>
             <a:endParaRPr lang="fr-FR"/>
           </a:p>
@@ -1641,7 +1642,7 @@
           <a:p>
             <a:fld id="{BE1F1DDC-4961-4DFF-8961-DF0A67287833}" type="datetimeFigureOut">
               <a:rPr lang="fr-FR" smtClean="0"/>
-              <a:t>27/06/2021</a:t>
+              <a:t>29/06/2021</a:t>
             </a:fld>
             <a:endParaRPr lang="fr-FR"/>
           </a:p>
@@ -1906,7 +1907,7 @@
           <a:p>
             <a:fld id="{BE1F1DDC-4961-4DFF-8961-DF0A67287833}" type="datetimeFigureOut">
               <a:rPr lang="fr-FR" smtClean="0"/>
-              <a:t>27/06/2021</a:t>
+              <a:t>29/06/2021</a:t>
             </a:fld>
             <a:endParaRPr lang="fr-FR"/>
           </a:p>
@@ -2318,7 +2319,7 @@
           <a:p>
             <a:fld id="{BE1F1DDC-4961-4DFF-8961-DF0A67287833}" type="datetimeFigureOut">
               <a:rPr lang="fr-FR" smtClean="0"/>
-              <a:t>27/06/2021</a:t>
+              <a:t>29/06/2021</a:t>
             </a:fld>
             <a:endParaRPr lang="fr-FR"/>
           </a:p>
@@ -2459,7 +2460,7 @@
           <a:p>
             <a:fld id="{BE1F1DDC-4961-4DFF-8961-DF0A67287833}" type="datetimeFigureOut">
               <a:rPr lang="fr-FR" smtClean="0"/>
-              <a:t>27/06/2021</a:t>
+              <a:t>29/06/2021</a:t>
             </a:fld>
             <a:endParaRPr lang="fr-FR"/>
           </a:p>
@@ -2572,7 +2573,7 @@
           <a:p>
             <a:fld id="{BE1F1DDC-4961-4DFF-8961-DF0A67287833}" type="datetimeFigureOut">
               <a:rPr lang="fr-FR" smtClean="0"/>
-              <a:t>27/06/2021</a:t>
+              <a:t>29/06/2021</a:t>
             </a:fld>
             <a:endParaRPr lang="fr-FR"/>
           </a:p>
@@ -2883,7 +2884,7 @@
           <a:p>
             <a:fld id="{BE1F1DDC-4961-4DFF-8961-DF0A67287833}" type="datetimeFigureOut">
               <a:rPr lang="fr-FR" smtClean="0"/>
-              <a:t>27/06/2021</a:t>
+              <a:t>29/06/2021</a:t>
             </a:fld>
             <a:endParaRPr lang="fr-FR"/>
           </a:p>
@@ -3171,7 +3172,7 @@
           <a:p>
             <a:fld id="{BE1F1DDC-4961-4DFF-8961-DF0A67287833}" type="datetimeFigureOut">
               <a:rPr lang="fr-FR" smtClean="0"/>
-              <a:t>27/06/2021</a:t>
+              <a:t>29/06/2021</a:t>
             </a:fld>
             <a:endParaRPr lang="fr-FR"/>
           </a:p>
@@ -3440,7 +3441,7 @@
           <a:p>
             <a:fld id="{BE1F1DDC-4961-4DFF-8961-DF0A67287833}" type="datetimeFigureOut">
               <a:rPr lang="fr-FR" smtClean="0"/>
-              <a:t>27/06/2021</a:t>
+              <a:t>29/06/2021</a:t>
             </a:fld>
             <a:endParaRPr lang="fr-FR"/>
           </a:p>
@@ -4283,7 +4284,7 @@
                   <a:schemeClr val="bg1"/>
                 </a:solidFill>
               </a:rPr>
-              <a:t>Saisie de données</a:t>
+              <a:t>Saisie de données simples et mise en forme simple</a:t>
             </a:r>
             <a:endParaRPr lang="fr-FR" sz="4000" dirty="0">
               <a:solidFill>
@@ -4445,8 +4446,8 @@
         </p:nvSpPr>
         <p:spPr>
           <a:xfrm>
-            <a:off x="78327" y="1710776"/>
-            <a:ext cx="8909298" cy="830997"/>
+            <a:off x="309915" y="1710776"/>
+            <a:ext cx="8446095" cy="1200329"/>
           </a:xfrm>
           <a:prstGeom prst="rect">
             <a:avLst/>
@@ -4460,22 +4461,6 @@
           <a:lstStyle/>
           <a:p>
             <a:pPr algn="ctr"/>
-            <a:r>
-              <a:rPr lang="fr-FR" sz="2400" b="0" cap="none" spc="0" dirty="0" err="1" smtClean="0">
-                <a:ln w="0"/>
-                <a:solidFill>
-                  <a:schemeClr val="tx1"/>
-                </a:solidFill>
-                <a:effectLst>
-                  <a:outerShdw blurRad="38100" dist="19050" dir="2700000" algn="tl" rotWithShape="0">
-                    <a:schemeClr val="dk1">
-                      <a:alpha val="40000"/>
-                    </a:schemeClr>
-                  </a:outerShdw>
-                </a:effectLst>
-              </a:rPr>
-              <a:t>Saisissze</a:t>
-            </a:r>
             <a:r>
               <a:rPr lang="fr-FR" sz="2400" b="0" cap="none" spc="0" dirty="0" smtClean="0">
                 <a:ln w="0"/>
@@ -4490,7 +4475,26 @@
                   </a:outerShdw>
                 </a:effectLst>
               </a:rPr>
-              <a:t> des données numériques sur quelques cellules (cas pratique)</a:t>
+              <a:t>Pour sélectionner une cellule ( et attention, je dis bien une seule), </a:t>
+            </a:r>
+          </a:p>
+          <a:p>
+            <a:pPr algn="ctr"/>
+            <a:r>
+              <a:rPr lang="fr-FR" sz="2400" b="0" cap="none" spc="0" dirty="0" smtClean="0">
+                <a:ln w="0"/>
+                <a:solidFill>
+                  <a:schemeClr val="tx1"/>
+                </a:solidFill>
+                <a:effectLst>
+                  <a:outerShdw blurRad="38100" dist="19050" dir="2700000" algn="tl" rotWithShape="0">
+                    <a:schemeClr val="dk1">
+                      <a:alpha val="40000"/>
+                    </a:schemeClr>
+                  </a:outerShdw>
+                </a:effectLst>
+              </a:rPr>
+              <a:t>il faut cliquer sur celle-ci.</a:t>
             </a:r>
           </a:p>
           <a:p>
@@ -4532,8 +4536,8 @@
         </p:nvSpPr>
         <p:spPr>
           <a:xfrm>
-            <a:off x="78327" y="2309279"/>
-            <a:ext cx="10117950" cy="1200329"/>
+            <a:off x="-1598891" y="3036424"/>
+            <a:ext cx="12593255" cy="1569660"/>
           </a:xfrm>
           <a:prstGeom prst="rect">
             <a:avLst/>
@@ -4541,7 +4545,7 @@
           <a:noFill/>
         </p:spPr>
         <p:txBody>
-          <a:bodyPr wrap="square" lIns="91440" tIns="45720" rIns="91440" bIns="45720">
+          <a:bodyPr wrap="none" lIns="91440" tIns="45720" rIns="91440" bIns="45720">
             <a:spAutoFit/>
           </a:bodyPr>
           <a:lstStyle/>
@@ -4561,7 +4565,7 @@
                   </a:outerShdw>
                 </a:effectLst>
               </a:rPr>
-              <a:t>Sélectionnez la plage qui contient ces données puis faîtes un </a:t>
+              <a:t>Pour sélectionner un bloc de cellules, </a:t>
             </a:r>
           </a:p>
           <a:p>
@@ -4580,7 +4584,23 @@
                   </a:outerShdw>
                 </a:effectLst>
               </a:rPr>
-              <a:t>clic droit dessus puis cliquez sur</a:t>
+              <a:t>maintenez le bouton gauche de la souris enfoncé</a:t>
+            </a:r>
+          </a:p>
+          <a:p>
+            <a:pPr algn="ctr"/>
+            <a:r>
+              <a:rPr lang="fr-FR" sz="2400" dirty="0" smtClean="0">
+                <a:ln w="0"/>
+                <a:effectLst>
+                  <a:outerShdw blurRad="38100" dist="19050" dir="2700000" algn="tl" rotWithShape="0">
+                    <a:schemeClr val="dk1">
+                      <a:alpha val="40000"/>
+                    </a:schemeClr>
+                  </a:outerShdw>
+                </a:effectLst>
+              </a:rPr>
+              <a:t>Et glissez dans la zone de travail pour définir un bloc. Relâchez le bouton lorsque vous avez terminé.</a:t>
             </a:r>
           </a:p>
           <a:p>
@@ -4599,7 +4619,7 @@
                   </a:outerShdw>
                 </a:effectLst>
               </a:rPr>
-              <a:t>« Format de cellule » dans le menu déroulant.</a:t>
+              <a:t>Autres sélections: sur la feuille de travail </a:t>
             </a:r>
             <a:endParaRPr lang="fr-FR" sz="2400" b="0" cap="none" spc="0" dirty="0">
               <a:ln w="0"/>
@@ -4617,91 +4637,10 @@
           </a:p>
         </p:txBody>
       </p:sp>
-      <p:pic>
-        <p:nvPicPr>
-          <p:cNvPr id="2" name="Image 1"/>
-          <p:cNvPicPr>
-            <a:picLocks noChangeAspect="1"/>
-          </p:cNvPicPr>
-          <p:nvPr/>
-        </p:nvPicPr>
-        <p:blipFill>
-          <a:blip r:embed="rId2"/>
-          <a:stretch>
-            <a:fillRect/>
-          </a:stretch>
-        </p:blipFill>
-        <p:spPr>
-          <a:xfrm>
-            <a:off x="273232" y="3412012"/>
-            <a:ext cx="2743200" cy="3381375"/>
-          </a:xfrm>
-          <a:prstGeom prst="rect">
-            <a:avLst/>
-          </a:prstGeom>
-        </p:spPr>
-      </p:pic>
-      <p:pic>
-        <p:nvPicPr>
-          <p:cNvPr id="5" name="Image 4"/>
-          <p:cNvPicPr>
-            <a:picLocks noChangeAspect="1"/>
-          </p:cNvPicPr>
-          <p:nvPr/>
-        </p:nvPicPr>
-        <p:blipFill>
-          <a:blip r:embed="rId3"/>
-          <a:stretch>
-            <a:fillRect/>
-          </a:stretch>
-        </p:blipFill>
-        <p:spPr>
-          <a:xfrm>
-            <a:off x="6217920" y="3562014"/>
-            <a:ext cx="4940401" cy="3195637"/>
-          </a:xfrm>
-          <a:prstGeom prst="rect">
-            <a:avLst/>
-          </a:prstGeom>
-        </p:spPr>
-      </p:pic>
-      <p:cxnSp>
-        <p:nvCxnSpPr>
-          <p:cNvPr id="7" name="Connecteur droit avec flèche 6"/>
-          <p:cNvCxnSpPr/>
-          <p:nvPr/>
-        </p:nvCxnSpPr>
-        <p:spPr>
-          <a:xfrm>
-            <a:off x="3196210" y="5159832"/>
-            <a:ext cx="2673531" cy="0"/>
-          </a:xfrm>
-          <a:prstGeom prst="straightConnector1">
-            <a:avLst/>
-          </a:prstGeom>
-          <a:ln>
-            <a:tailEnd type="triangle"/>
-          </a:ln>
-        </p:spPr>
-        <p:style>
-          <a:lnRef idx="1">
-            <a:schemeClr val="accent1"/>
-          </a:lnRef>
-          <a:fillRef idx="0">
-            <a:schemeClr val="accent1"/>
-          </a:fillRef>
-          <a:effectRef idx="0">
-            <a:schemeClr val="accent1"/>
-          </a:effectRef>
-          <a:fontRef idx="minor">
-            <a:schemeClr val="tx1"/>
-          </a:fontRef>
-        </p:style>
-      </p:cxnSp>
     </p:spTree>
     <p:extLst>
       <p:ext uri="{BB962C8B-B14F-4D97-AF65-F5344CB8AC3E}">
-        <p14:creationId xmlns:p14="http://schemas.microsoft.com/office/powerpoint/2010/main" val="85694162"/>
+        <p14:creationId xmlns:p14="http://schemas.microsoft.com/office/powerpoint/2010/main" val="3693816991"/>
       </p:ext>
     </p:extLst>
   </p:cSld>
@@ -4789,7 +4728,7 @@
                   <a:schemeClr val="bg1"/>
                 </a:solidFill>
               </a:rPr>
-              <a:t>L’embellissement</a:t>
+              <a:t>Saisie de données</a:t>
             </a:r>
             <a:endParaRPr lang="fr-FR" sz="4000" dirty="0">
               <a:solidFill>
@@ -4951,8 +4890,8 @@
         </p:nvSpPr>
         <p:spPr>
           <a:xfrm>
-            <a:off x="-1861415" y="1710776"/>
-            <a:ext cx="12788822" cy="1200329"/>
+            <a:off x="78327" y="1710776"/>
+            <a:ext cx="8909298" cy="830997"/>
           </a:xfrm>
           <a:prstGeom prst="rect">
             <a:avLst/>
@@ -4966,6 +4905,22 @@
           <a:lstStyle/>
           <a:p>
             <a:pPr algn="ctr"/>
+            <a:r>
+              <a:rPr lang="fr-FR" sz="2400" b="0" cap="none" spc="0" dirty="0" err="1" smtClean="0">
+                <a:ln w="0"/>
+                <a:solidFill>
+                  <a:schemeClr val="tx1"/>
+                </a:solidFill>
+                <a:effectLst>
+                  <a:outerShdw blurRad="38100" dist="19050" dir="2700000" algn="tl" rotWithShape="0">
+                    <a:schemeClr val="dk1">
+                      <a:alpha val="40000"/>
+                    </a:schemeClr>
+                  </a:outerShdw>
+                </a:effectLst>
+              </a:rPr>
+              <a:t>Saisissze</a:t>
+            </a:r>
             <a:r>
               <a:rPr lang="fr-FR" sz="2400" b="0" cap="none" spc="0" dirty="0" smtClean="0">
                 <a:ln w="0"/>
@@ -4980,63 +4935,8 @@
                   </a:outerShdw>
                 </a:effectLst>
               </a:rPr>
-              <a:t>Sélectionnez une plage de cellules puis accédez au format de cellule. Nous zappons l’onglet « Police »</a:t>
-            </a:r>
-          </a:p>
-          <a:p>
-            <a:pPr algn="ctr"/>
-            <a:r>
-              <a:rPr lang="fr-FR" sz="2400" dirty="0" smtClean="0">
-                <a:ln w="0"/>
-                <a:effectLst>
-                  <a:outerShdw blurRad="38100" dist="19050" dir="2700000" algn="tl" rotWithShape="0">
-                    <a:schemeClr val="dk1">
-                      <a:alpha val="40000"/>
-                    </a:schemeClr>
-                  </a:outerShdw>
-                </a:effectLst>
-              </a:rPr>
-              <a:t>Mais nous nous attardons sur les bordures. Cliquez sur l’</a:t>
-            </a:r>
-            <a:r>
-              <a:rPr lang="fr-FR" sz="2400" dirty="0" err="1" smtClean="0">
-                <a:ln w="0"/>
-                <a:effectLst>
-                  <a:outerShdw blurRad="38100" dist="19050" dir="2700000" algn="tl" rotWithShape="0">
-                    <a:schemeClr val="dk1">
-                      <a:alpha val="40000"/>
-                    </a:schemeClr>
-                  </a:outerShdw>
-                </a:effectLst>
-              </a:rPr>
-              <a:t>o,glet</a:t>
-            </a:r>
-            <a:r>
-              <a:rPr lang="fr-FR" sz="2400" dirty="0" smtClean="0">
-                <a:ln w="0"/>
-                <a:effectLst>
-                  <a:outerShdw blurRad="38100" dist="19050" dir="2700000" algn="tl" rotWithShape="0">
-                    <a:schemeClr val="dk1">
-                      <a:alpha val="40000"/>
-                    </a:schemeClr>
-                  </a:outerShdw>
-                </a:effectLst>
-              </a:rPr>
-              <a:t> « Bordure »:</a:t>
-            </a:r>
-            <a:endParaRPr lang="fr-FR" sz="2400" b="0" cap="none" spc="0" dirty="0" smtClean="0">
-              <a:ln w="0"/>
-              <a:solidFill>
-                <a:schemeClr val="tx1"/>
-              </a:solidFill>
-              <a:effectLst>
-                <a:outerShdw blurRad="38100" dist="19050" dir="2700000" algn="tl" rotWithShape="0">
-                  <a:schemeClr val="dk1">
-                    <a:alpha val="40000"/>
-                  </a:schemeClr>
-                </a:outerShdw>
-              </a:effectLst>
-            </a:endParaRPr>
+              <a:t> des données numériques sur quelques cellules (cas pratique)</a:t>
+            </a:r>
           </a:p>
           <a:p>
             <a:pPr algn="ctr"/>
@@ -5069,9 +4969,102 @@
           </a:p>
         </p:txBody>
       </p:sp>
+      <p:sp>
+        <p:nvSpPr>
+          <p:cNvPr id="10" name="Rectangle 9"/>
+          <p:cNvSpPr/>
+          <p:nvPr/>
+        </p:nvSpPr>
+        <p:spPr>
+          <a:xfrm>
+            <a:off x="78327" y="2309279"/>
+            <a:ext cx="10117950" cy="1200329"/>
+          </a:xfrm>
+          <a:prstGeom prst="rect">
+            <a:avLst/>
+          </a:prstGeom>
+          <a:noFill/>
+        </p:spPr>
+        <p:txBody>
+          <a:bodyPr wrap="square" lIns="91440" tIns="45720" rIns="91440" bIns="45720">
+            <a:spAutoFit/>
+          </a:bodyPr>
+          <a:lstStyle/>
+          <a:p>
+            <a:pPr algn="ctr"/>
+            <a:r>
+              <a:rPr lang="fr-FR" sz="2400" b="0" cap="none" spc="0" dirty="0" smtClean="0">
+                <a:ln w="0"/>
+                <a:solidFill>
+                  <a:schemeClr val="tx1"/>
+                </a:solidFill>
+                <a:effectLst>
+                  <a:outerShdw blurRad="38100" dist="19050" dir="2700000" algn="tl" rotWithShape="0">
+                    <a:schemeClr val="dk1">
+                      <a:alpha val="40000"/>
+                    </a:schemeClr>
+                  </a:outerShdw>
+                </a:effectLst>
+              </a:rPr>
+              <a:t>Sélectionnez la plage qui contient ces données puis faîtes un </a:t>
+            </a:r>
+          </a:p>
+          <a:p>
+            <a:pPr algn="ctr"/>
+            <a:r>
+              <a:rPr lang="fr-FR" sz="2400" b="0" cap="none" spc="0" dirty="0" smtClean="0">
+                <a:ln w="0"/>
+                <a:solidFill>
+                  <a:schemeClr val="tx1"/>
+                </a:solidFill>
+                <a:effectLst>
+                  <a:outerShdw blurRad="38100" dist="19050" dir="2700000" algn="tl" rotWithShape="0">
+                    <a:schemeClr val="dk1">
+                      <a:alpha val="40000"/>
+                    </a:schemeClr>
+                  </a:outerShdw>
+                </a:effectLst>
+              </a:rPr>
+              <a:t>clic droit dessus puis cliquez sur</a:t>
+            </a:r>
+          </a:p>
+          <a:p>
+            <a:pPr algn="ctr"/>
+            <a:r>
+              <a:rPr lang="fr-FR" sz="2400" b="0" cap="none" spc="0" dirty="0" smtClean="0">
+                <a:ln w="0"/>
+                <a:solidFill>
+                  <a:schemeClr val="tx1"/>
+                </a:solidFill>
+                <a:effectLst>
+                  <a:outerShdw blurRad="38100" dist="19050" dir="2700000" algn="tl" rotWithShape="0">
+                    <a:schemeClr val="dk1">
+                      <a:alpha val="40000"/>
+                    </a:schemeClr>
+                  </a:outerShdw>
+                </a:effectLst>
+              </a:rPr>
+              <a:t>« Format de cellule » dans le menu déroulant.</a:t>
+            </a:r>
+            <a:endParaRPr lang="fr-FR" sz="2400" b="0" cap="none" spc="0" dirty="0">
+              <a:ln w="0"/>
+              <a:solidFill>
+                <a:schemeClr val="tx1"/>
+              </a:solidFill>
+              <a:effectLst>
+                <a:outerShdw blurRad="38100" dist="19050" dir="2700000" algn="tl" rotWithShape="0">
+                  <a:schemeClr val="dk1">
+                    <a:alpha val="40000"/>
+                  </a:schemeClr>
+                </a:outerShdw>
+              </a:effectLst>
+            </a:endParaRPr>
+          </a:p>
+        </p:txBody>
+      </p:sp>
       <p:pic>
         <p:nvPicPr>
-          <p:cNvPr id="6" name="Image 5"/>
+          <p:cNvPr id="2" name="Image 1"/>
           <p:cNvPicPr>
             <a:picLocks noChangeAspect="1"/>
           </p:cNvPicPr>
@@ -5085,18 +5078,75 @@
         </p:blipFill>
         <p:spPr>
           <a:xfrm>
-            <a:off x="1965960" y="2395220"/>
-            <a:ext cx="6972300" cy="4600575"/>
+            <a:off x="273232" y="3412012"/>
+            <a:ext cx="2743200" cy="3381375"/>
           </a:xfrm>
           <a:prstGeom prst="rect">
             <a:avLst/>
           </a:prstGeom>
         </p:spPr>
       </p:pic>
+      <p:pic>
+        <p:nvPicPr>
+          <p:cNvPr id="5" name="Image 4"/>
+          <p:cNvPicPr>
+            <a:picLocks noChangeAspect="1"/>
+          </p:cNvPicPr>
+          <p:nvPr/>
+        </p:nvPicPr>
+        <p:blipFill>
+          <a:blip r:embed="rId3"/>
+          <a:stretch>
+            <a:fillRect/>
+          </a:stretch>
+        </p:blipFill>
+        <p:spPr>
+          <a:xfrm>
+            <a:off x="6217920" y="3562014"/>
+            <a:ext cx="4940401" cy="3195637"/>
+          </a:xfrm>
+          <a:prstGeom prst="rect">
+            <a:avLst/>
+          </a:prstGeom>
+        </p:spPr>
+      </p:pic>
+      <p:cxnSp>
+        <p:nvCxnSpPr>
+          <p:cNvPr id="7" name="Connecteur droit avec flèche 6"/>
+          <p:cNvCxnSpPr/>
+          <p:nvPr/>
+        </p:nvCxnSpPr>
+        <p:spPr>
+          <a:xfrm>
+            <a:off x="3196210" y="5159832"/>
+            <a:ext cx="2673531" cy="0"/>
+          </a:xfrm>
+          <a:prstGeom prst="straightConnector1">
+            <a:avLst/>
+          </a:prstGeom>
+          <a:ln>
+            <a:tailEnd type="triangle"/>
+          </a:ln>
+        </p:spPr>
+        <p:style>
+          <a:lnRef idx="1">
+            <a:schemeClr val="accent1"/>
+          </a:lnRef>
+          <a:fillRef idx="0">
+            <a:schemeClr val="accent1"/>
+          </a:fillRef>
+          <a:effectRef idx="0">
+            <a:schemeClr val="accent1"/>
+          </a:effectRef>
+          <a:fontRef idx="minor">
+            <a:schemeClr val="tx1"/>
+          </a:fontRef>
+        </p:style>
+      </p:cxnSp>
     </p:spTree>
     <p:extLst>
       <p:ext uri="{BB962C8B-B14F-4D97-AF65-F5344CB8AC3E}">
-        <p14:creationId xmlns:p14="http://schemas.microsoft.com/office/powerpoint/2010/main" val="2326133478"/>
+        <p14:creationId xmlns:p14="http://schemas.microsoft.com/office/powerpoint/2010/main" val="85694162"/>
       </p:ext>
     </p:extLst>
   </p:cSld>
@@ -5184,7 +5234,7 @@
                   <a:schemeClr val="bg1"/>
                 </a:solidFill>
               </a:rPr>
-              <a:t>Poignée de recopie incrémentée</a:t>
+              <a:t>L’embellissement</a:t>
             </a:r>
             <a:endParaRPr lang="fr-FR" sz="4000" dirty="0">
               <a:solidFill>
@@ -5346,8 +5396,8 @@
         </p:nvSpPr>
         <p:spPr>
           <a:xfrm>
-            <a:off x="1095143" y="1710776"/>
-            <a:ext cx="6875728" cy="830997"/>
+            <a:off x="-1861415" y="1710776"/>
+            <a:ext cx="12788822" cy="1200329"/>
           </a:xfrm>
           <a:prstGeom prst="rect">
             <a:avLst/>
@@ -5375,8 +5425,63 @@
                   </a:outerShdw>
                 </a:effectLst>
               </a:rPr>
-              <a:t>Ecrivez dans une cellule un mot, ou encore un chiffre!</a:t>
-            </a:r>
+              <a:t>Sélectionnez une plage de cellules puis accédez au format de cellule. Nous zappons l’onglet « Police »</a:t>
+            </a:r>
+          </a:p>
+          <a:p>
+            <a:pPr algn="ctr"/>
+            <a:r>
+              <a:rPr lang="fr-FR" sz="2400" dirty="0" smtClean="0">
+                <a:ln w="0"/>
+                <a:effectLst>
+                  <a:outerShdw blurRad="38100" dist="19050" dir="2700000" algn="tl" rotWithShape="0">
+                    <a:schemeClr val="dk1">
+                      <a:alpha val="40000"/>
+                    </a:schemeClr>
+                  </a:outerShdw>
+                </a:effectLst>
+              </a:rPr>
+              <a:t>Mais nous nous attardons sur les bordures. Cliquez sur l’</a:t>
+            </a:r>
+            <a:r>
+              <a:rPr lang="fr-FR" sz="2400" dirty="0" err="1" smtClean="0">
+                <a:ln w="0"/>
+                <a:effectLst>
+                  <a:outerShdw blurRad="38100" dist="19050" dir="2700000" algn="tl" rotWithShape="0">
+                    <a:schemeClr val="dk1">
+                      <a:alpha val="40000"/>
+                    </a:schemeClr>
+                  </a:outerShdw>
+                </a:effectLst>
+              </a:rPr>
+              <a:t>o,glet</a:t>
+            </a:r>
+            <a:r>
+              <a:rPr lang="fr-FR" sz="2400" dirty="0" smtClean="0">
+                <a:ln w="0"/>
+                <a:effectLst>
+                  <a:outerShdw blurRad="38100" dist="19050" dir="2700000" algn="tl" rotWithShape="0">
+                    <a:schemeClr val="dk1">
+                      <a:alpha val="40000"/>
+                    </a:schemeClr>
+                  </a:outerShdw>
+                </a:effectLst>
+              </a:rPr>
+              <a:t> « Bordure »:</a:t>
+            </a:r>
+            <a:endParaRPr lang="fr-FR" sz="2400" b="0" cap="none" spc="0" dirty="0" smtClean="0">
+              <a:ln w="0"/>
+              <a:solidFill>
+                <a:schemeClr val="tx1"/>
+              </a:solidFill>
+              <a:effectLst>
+                <a:outerShdw blurRad="38100" dist="19050" dir="2700000" algn="tl" rotWithShape="0">
+                  <a:schemeClr val="dk1">
+                    <a:alpha val="40000"/>
+                  </a:schemeClr>
+                </a:outerShdw>
+              </a:effectLst>
+            </a:endParaRPr>
           </a:p>
           <a:p>
             <a:pPr algn="ctr"/>
@@ -5411,7 +5516,7 @@
       </p:sp>
       <p:pic>
         <p:nvPicPr>
-          <p:cNvPr id="2" name="Image 1"/>
+          <p:cNvPr id="6" name="Image 5"/>
           <p:cNvPicPr>
             <a:picLocks noChangeAspect="1"/>
           </p:cNvPicPr>
@@ -5425,32 +5530,8 @@
         </p:blipFill>
         <p:spPr>
           <a:xfrm>
-            <a:off x="1095143" y="2541773"/>
-            <a:ext cx="3888337" cy="3951101"/>
-          </a:xfrm>
-          <a:prstGeom prst="rect">
-            <a:avLst/>
-          </a:prstGeom>
-        </p:spPr>
-      </p:pic>
-      <p:pic>
-        <p:nvPicPr>
-          <p:cNvPr id="5" name="Image 4"/>
-          <p:cNvPicPr>
-            <a:picLocks noChangeAspect="1"/>
-          </p:cNvPicPr>
-          <p:nvPr/>
-        </p:nvPicPr>
-        <p:blipFill>
-          <a:blip r:embed="rId3"/>
-          <a:stretch>
-            <a:fillRect/>
-          </a:stretch>
-        </p:blipFill>
-        <p:spPr>
-          <a:xfrm>
-            <a:off x="6606540" y="2541773"/>
-            <a:ext cx="3886200" cy="3951101"/>
+            <a:off x="1965960" y="2395220"/>
+            <a:ext cx="6972300" cy="4600575"/>
           </a:xfrm>
           <a:prstGeom prst="rect">
             <a:avLst/>
@@ -5460,7 +5541,7 @@
     </p:spTree>
     <p:extLst>
       <p:ext uri="{BB962C8B-B14F-4D97-AF65-F5344CB8AC3E}">
-        <p14:creationId xmlns:p14="http://schemas.microsoft.com/office/powerpoint/2010/main" val="2871704754"/>
+        <p14:creationId xmlns:p14="http://schemas.microsoft.com/office/powerpoint/2010/main" val="2326133478"/>
       </p:ext>
     </p:extLst>
   </p:cSld>
@@ -5548,7 +5629,7 @@
                   <a:schemeClr val="bg1"/>
                 </a:solidFill>
               </a:rPr>
-              <a:t>Ne jamais oublier la sauvegarde!</a:t>
+              <a:t>Poignée de recopie incrémentée</a:t>
             </a:r>
             <a:endParaRPr lang="fr-FR" sz="4000" dirty="0">
               <a:solidFill>
@@ -5710,8 +5791,8 @@
         </p:nvSpPr>
         <p:spPr>
           <a:xfrm>
-            <a:off x="3509909" y="1710776"/>
-            <a:ext cx="2046202" cy="830997"/>
+            <a:off x="1095143" y="1710776"/>
+            <a:ext cx="6875728" cy="830997"/>
           </a:xfrm>
           <a:prstGeom prst="rect">
             <a:avLst/>
@@ -5739,7 +5820,7 @@
                   </a:outerShdw>
                 </a:effectLst>
               </a:rPr>
-              <a:t>Cas pratique!!!</a:t>
+              <a:t>Ecrivez dans une cellule un mot, ou encore un chiffre!</a:t>
             </a:r>
           </a:p>
           <a:p>
@@ -5775,7 +5856,7 @@
       </p:sp>
       <p:pic>
         <p:nvPicPr>
-          <p:cNvPr id="6" name="Image 5"/>
+          <p:cNvPr id="2" name="Image 1"/>
           <p:cNvPicPr>
             <a:picLocks noChangeAspect="1"/>
           </p:cNvPicPr>
@@ -5789,8 +5870,32 @@
         </p:blipFill>
         <p:spPr>
           <a:xfrm>
-            <a:off x="0" y="2094865"/>
-            <a:ext cx="11430000" cy="5426075"/>
+            <a:off x="1095143" y="2541773"/>
+            <a:ext cx="3888337" cy="3951101"/>
+          </a:xfrm>
+          <a:prstGeom prst="rect">
+            <a:avLst/>
+          </a:prstGeom>
+        </p:spPr>
+      </p:pic>
+      <p:pic>
+        <p:nvPicPr>
+          <p:cNvPr id="5" name="Image 4"/>
+          <p:cNvPicPr>
+            <a:picLocks noChangeAspect="1"/>
+          </p:cNvPicPr>
+          <p:nvPr/>
+        </p:nvPicPr>
+        <p:blipFill>
+          <a:blip r:embed="rId3"/>
+          <a:stretch>
+            <a:fillRect/>
+          </a:stretch>
+        </p:blipFill>
+        <p:spPr>
+          <a:xfrm>
+            <a:off x="6606540" y="2541773"/>
+            <a:ext cx="3886200" cy="3951101"/>
           </a:xfrm>
           <a:prstGeom prst="rect">
             <a:avLst/>
@@ -5800,7 +5905,7 @@
     </p:spTree>
     <p:extLst>
       <p:ext uri="{BB962C8B-B14F-4D97-AF65-F5344CB8AC3E}">
-        <p14:creationId xmlns:p14="http://schemas.microsoft.com/office/powerpoint/2010/main" val="1699954367"/>
+        <p14:creationId xmlns:p14="http://schemas.microsoft.com/office/powerpoint/2010/main" val="2871704754"/>
       </p:ext>
     </p:extLst>
   </p:cSld>
@@ -5888,7 +5993,7 @@
                   <a:schemeClr val="bg1"/>
                 </a:solidFill>
               </a:rPr>
-              <a:t>Cas pratique!</a:t>
+              <a:t>Ne jamais oublier la sauvegarde!</a:t>
             </a:r>
             <a:endParaRPr lang="fr-FR" sz="4000" dirty="0">
               <a:solidFill>
@@ -6050,8 +6155,8 @@
         </p:nvSpPr>
         <p:spPr>
           <a:xfrm>
-            <a:off x="1670893" y="2135826"/>
-            <a:ext cx="8010270" cy="1200329"/>
+            <a:off x="3509909" y="1710776"/>
+            <a:ext cx="2046202" cy="830997"/>
           </a:xfrm>
           <a:prstGeom prst="rect">
             <a:avLst/>
@@ -6079,26 +6184,7 @@
                   </a:outerShdw>
                 </a:effectLst>
               </a:rPr>
-              <a:t>Fusionner des cellules, Renvoie à la ligne,</a:t>
-            </a:r>
-          </a:p>
-          <a:p>
-            <a:pPr algn="ctr"/>
-            <a:r>
-              <a:rPr lang="fr-FR" sz="2400" b="0" cap="none" spc="0" dirty="0" smtClean="0">
-                <a:ln w="0"/>
-                <a:solidFill>
-                  <a:schemeClr val="tx1"/>
-                </a:solidFill>
-                <a:effectLst>
-                  <a:outerShdw blurRad="38100" dist="19050" dir="2700000" algn="tl" rotWithShape="0">
-                    <a:schemeClr val="dk1">
-                      <a:alpha val="40000"/>
-                    </a:schemeClr>
-                  </a:outerShdw>
-                </a:effectLst>
-              </a:rPr>
-              <a:t> insertion ou suppression de ligne ou de colonne, copier, coller.</a:t>
+              <a:t>Cas pratique!!!</a:t>
             </a:r>
           </a:p>
           <a:p>
@@ -6132,10 +6218,34 @@
           </a:p>
         </p:txBody>
       </p:sp>
+      <p:pic>
+        <p:nvPicPr>
+          <p:cNvPr id="6" name="Image 5"/>
+          <p:cNvPicPr>
+            <a:picLocks noChangeAspect="1"/>
+          </p:cNvPicPr>
+          <p:nvPr/>
+        </p:nvPicPr>
+        <p:blipFill>
+          <a:blip r:embed="rId2"/>
+          <a:stretch>
+            <a:fillRect/>
+          </a:stretch>
+        </p:blipFill>
+        <p:spPr>
+          <a:xfrm>
+            <a:off x="0" y="2094865"/>
+            <a:ext cx="11430000" cy="5426075"/>
+          </a:xfrm>
+          <a:prstGeom prst="rect">
+            <a:avLst/>
+          </a:prstGeom>
+        </p:spPr>
+      </p:pic>
     </p:spTree>
     <p:extLst>
       <p:ext uri="{BB962C8B-B14F-4D97-AF65-F5344CB8AC3E}">
-        <p14:creationId xmlns:p14="http://schemas.microsoft.com/office/powerpoint/2010/main" val="3339433606"/>
+        <p14:creationId xmlns:p14="http://schemas.microsoft.com/office/powerpoint/2010/main" val="1699954367"/>
       </p:ext>
     </p:extLst>
   </p:cSld>
@@ -6171,111 +6281,10 @@
       </p:grpSpPr>
       <p:sp>
         <p:nvSpPr>
-          <p:cNvPr id="10" name="Rectangle 9">
-            <a:extLst>
-              <a:ext uri="{FF2B5EF4-FFF2-40B4-BE49-F238E27FC236}">
-                <a16:creationId xmlns:a16="http://schemas.microsoft.com/office/drawing/2014/main" id="{DA4BA0ED-4844-4C8B-82B9-1189524149F8}"/>
-              </a:ext>
-            </a:extLst>
-          </p:cNvPr>
-          <p:cNvSpPr/>
-          <p:nvPr/>
-        </p:nvSpPr>
-        <p:spPr>
-          <a:xfrm>
-            <a:off x="0" y="6385815"/>
-            <a:ext cx="12192000" cy="472186"/>
-          </a:xfrm>
-          <a:prstGeom prst="rect">
-            <a:avLst/>
-          </a:prstGeom>
-          <a:solidFill>
-            <a:schemeClr val="accent1">
-              <a:lumMod val="20000"/>
-              <a:lumOff val="80000"/>
-            </a:schemeClr>
-          </a:solidFill>
-          <a:ln>
-            <a:noFill/>
-          </a:ln>
-        </p:spPr>
-        <p:style>
-          <a:lnRef idx="2">
-            <a:schemeClr val="accent1">
-              <a:shade val="50000"/>
-            </a:schemeClr>
-          </a:lnRef>
-          <a:fillRef idx="1">
-            <a:schemeClr val="accent1"/>
-          </a:fillRef>
-          <a:effectRef idx="0">
-            <a:schemeClr val="accent1"/>
-          </a:effectRef>
-          <a:fontRef idx="minor">
-            <a:schemeClr val="lt1"/>
-          </a:fontRef>
-        </p:style>
-        <p:txBody>
-          <a:bodyPr rtlCol="0" anchor="ctr"/>
-          <a:lstStyle/>
-          <a:p>
-            <a:pPr algn="ctr"/>
-            <a:endParaRPr lang="fr-FR"/>
-          </a:p>
-        </p:txBody>
-      </p:sp>
-      <p:sp>
-        <p:nvSpPr>
-          <p:cNvPr id="11" name="Espace réservé du numéro de diapositive 11">
-            <a:extLst>
-              <a:ext uri="{FF2B5EF4-FFF2-40B4-BE49-F238E27FC236}">
-                <a16:creationId xmlns:a16="http://schemas.microsoft.com/office/drawing/2014/main" id="{6E09DCDB-AE7D-46A6-BB24-B19F551B132C}"/>
-              </a:ext>
-            </a:extLst>
-          </p:cNvPr>
-          <p:cNvSpPr>
-            <a:spLocks noGrp="1"/>
-          </p:cNvSpPr>
-          <p:nvPr>
-            <p:ph type="sldNum" sz="quarter" idx="12"/>
-          </p:nvPr>
-        </p:nvSpPr>
-        <p:spPr>
-          <a:xfrm>
-            <a:off x="11158322" y="6492875"/>
-            <a:ext cx="870036" cy="365125"/>
-          </a:xfrm>
-        </p:spPr>
-        <p:txBody>
-          <a:bodyPr/>
-          <a:lstStyle/>
-          <a:p>
-            <a:fld id="{09EA0DBA-1CB7-49FD-A4E9-CB9833829DE4}" type="slidenum">
-              <a:rPr lang="fr-FR" sz="2000" b="1" smtClean="0">
-                <a:solidFill>
-                  <a:srgbClr val="FF0000"/>
-                </a:solidFill>
-                <a:latin typeface="Times New Roman" panose="02020603050405020304" pitchFamily="18" charset="0"/>
-                <a:cs typeface="Times New Roman" panose="02020603050405020304" pitchFamily="18" charset="0"/>
-              </a:rPr>
-              <a:t>15</a:t>
-            </a:fld>
-            <a:endParaRPr lang="fr-FR" sz="2000" b="1" dirty="0">
-              <a:solidFill>
-                <a:srgbClr val="FF0000"/>
-              </a:solidFill>
-              <a:latin typeface="Times New Roman" panose="02020603050405020304" pitchFamily="18" charset="0"/>
-              <a:cs typeface="Times New Roman" panose="02020603050405020304" pitchFamily="18" charset="0"/>
-            </a:endParaRPr>
-          </a:p>
-        </p:txBody>
-      </p:sp>
-      <p:sp>
-        <p:nvSpPr>
-          <p:cNvPr id="8" name="ZoneTexte 7">
-            <a:extLst>
-              <a:ext uri="{FF2B5EF4-FFF2-40B4-BE49-F238E27FC236}">
-                <a16:creationId xmlns:a16="http://schemas.microsoft.com/office/drawing/2014/main" id="{0A62A2AD-5162-491A-A819-15508085BEFB}"/>
+          <p:cNvPr id="4" name="ZoneTexte 3">
+            <a:extLst>
+              <a:ext uri="{FF2B5EF4-FFF2-40B4-BE49-F238E27FC236}">
+                <a16:creationId xmlns:a16="http://schemas.microsoft.com/office/drawing/2014/main" id="{B7191FEF-1E3F-48E9-A65A-B5A88B9994F6}"/>
               </a:ext>
             </a:extLst>
           </p:cNvPr>
@@ -6284,8 +6293,8 @@
         </p:nvSpPr>
         <p:spPr>
           <a:xfrm>
-            <a:off x="234778" y="1828804"/>
-            <a:ext cx="11728622" cy="2308324"/>
+            <a:off x="594360" y="168957"/>
+            <a:ext cx="10835640" cy="707886"/>
           </a:xfrm>
           <a:prstGeom prst="rect">
             <a:avLst/>
@@ -6318,40 +6327,28 @@
           <a:lstStyle/>
           <a:p>
             <a:pPr algn="ctr"/>
-            <a:endParaRPr lang="fr-FR" sz="4800" dirty="0"/>
-          </a:p>
-          <a:p>
-            <a:pPr algn="ctr"/>
-            <a:r>
-              <a:rPr lang="fr-FR" sz="4800" dirty="0" smtClean="0">
+            <a:r>
+              <a:rPr lang="fr-FR" sz="4000" dirty="0" smtClean="0">
                 <a:solidFill>
                   <a:schemeClr val="bg1"/>
                 </a:solidFill>
               </a:rPr>
-              <a:t>Options avancées sur la saisie de données</a:t>
-            </a:r>
-            <a:endParaRPr lang="fr-FR" sz="4800" dirty="0">
+              <a:t>Cas pratique!</a:t>
+            </a:r>
+            <a:endParaRPr lang="fr-FR" sz="4000" dirty="0">
               <a:solidFill>
                 <a:schemeClr val="bg1"/>
               </a:solidFill>
             </a:endParaRPr>
           </a:p>
-          <a:p>
-            <a:pPr algn="ctr"/>
-            <a:endParaRPr lang="fr-FR" sz="4800" dirty="0">
-              <a:solidFill>
-                <a:schemeClr val="bg1"/>
-              </a:solidFill>
-            </a:endParaRPr>
-          </a:p>
         </p:txBody>
       </p:sp>
       <p:cxnSp>
         <p:nvCxnSpPr>
-          <p:cNvPr id="9" name="Connecteur droit 8">
-            <a:extLst>
-              <a:ext uri="{FF2B5EF4-FFF2-40B4-BE49-F238E27FC236}">
-                <a16:creationId xmlns:a16="http://schemas.microsoft.com/office/drawing/2014/main" id="{CA91B1E3-FD56-4F80-9C4D-68FE7BB35AA6}"/>
+          <p:cNvPr id="3" name="Connecteur droit 2">
+            <a:extLst>
+              <a:ext uri="{FF2B5EF4-FFF2-40B4-BE49-F238E27FC236}">
+                <a16:creationId xmlns:a16="http://schemas.microsoft.com/office/drawing/2014/main" id="{2E5FFC58-89E0-45F1-AB54-88B4500CE745}"/>
               </a:ext>
             </a:extLst>
           </p:cNvPr>
@@ -6360,8 +6357,8 @@
         </p:nvCxnSpPr>
         <p:spPr>
           <a:xfrm>
-            <a:off x="1327355" y="1002890"/>
-            <a:ext cx="9674942" cy="0"/>
+            <a:off x="594360" y="876843"/>
+            <a:ext cx="10835640" cy="137795"/>
           </a:xfrm>
           <a:prstGeom prst="line">
             <a:avLst/>
@@ -6389,53 +6386,201 @@
           </a:fontRef>
         </p:style>
       </p:cxnSp>
-      <p:cxnSp>
-        <p:nvCxnSpPr>
-          <p:cNvPr id="12" name="Connecteur droit 11">
-            <a:extLst>
-              <a:ext uri="{FF2B5EF4-FFF2-40B4-BE49-F238E27FC236}">
-                <a16:creationId xmlns:a16="http://schemas.microsoft.com/office/drawing/2014/main" id="{34364D99-1E04-4083-84DA-21B4C64D9EAA}"/>
-              </a:ext>
-            </a:extLst>
-          </p:cNvPr>
-          <p:cNvCxnSpPr/>
-          <p:nvPr/>
-        </p:nvCxnSpPr>
-        <p:spPr>
-          <a:xfrm>
-            <a:off x="1327355" y="5776718"/>
-            <a:ext cx="9674942" cy="0"/>
-          </a:xfrm>
-          <a:prstGeom prst="line">
-            <a:avLst/>
-          </a:prstGeom>
-          <a:ln w="38100">
-            <a:solidFill>
-              <a:schemeClr val="accent6">
-                <a:lumMod val="50000"/>
-              </a:schemeClr>
-            </a:solidFill>
+      <p:sp>
+        <p:nvSpPr>
+          <p:cNvPr id="14" name="Rectangle 13">
+            <a:extLst>
+              <a:ext uri="{FF2B5EF4-FFF2-40B4-BE49-F238E27FC236}">
+                <a16:creationId xmlns:a16="http://schemas.microsoft.com/office/drawing/2014/main" id="{A111C86D-0A6E-4457-9131-84B9AB8CA6E2}"/>
+              </a:ext>
+            </a:extLst>
+          </p:cNvPr>
+          <p:cNvSpPr/>
+          <p:nvPr/>
+        </p:nvSpPr>
+        <p:spPr>
+          <a:xfrm>
+            <a:off x="0" y="6995795"/>
+            <a:ext cx="12192000" cy="525145"/>
+          </a:xfrm>
+          <a:prstGeom prst="rect">
+            <a:avLst/>
+          </a:prstGeom>
+          <a:solidFill>
+            <a:schemeClr val="accent1">
+              <a:lumMod val="20000"/>
+              <a:lumOff val="80000"/>
+            </a:schemeClr>
+          </a:solidFill>
+          <a:ln>
+            <a:noFill/>
           </a:ln>
         </p:spPr>
         <p:style>
-          <a:lnRef idx="1">
-            <a:schemeClr val="accent1"/>
+          <a:lnRef idx="2">
+            <a:schemeClr val="accent1">
+              <a:shade val="50000"/>
+            </a:schemeClr>
           </a:lnRef>
-          <a:fillRef idx="0">
+          <a:fillRef idx="1">
             <a:schemeClr val="accent1"/>
           </a:fillRef>
           <a:effectRef idx="0">
             <a:schemeClr val="accent1"/>
           </a:effectRef>
           <a:fontRef idx="minor">
-            <a:schemeClr val="tx1"/>
+            <a:schemeClr val="lt1"/>
           </a:fontRef>
         </p:style>
-      </p:cxnSp>
+        <p:txBody>
+          <a:bodyPr rtlCol="0" anchor="ctr"/>
+          <a:lstStyle/>
+          <a:p>
+            <a:pPr algn="ctr"/>
+            <a:endParaRPr lang="fr-FR"/>
+          </a:p>
+        </p:txBody>
+      </p:sp>
+      <p:sp>
+        <p:nvSpPr>
+          <p:cNvPr id="16" name="Espace réservé du numéro de diapositive 11">
+            <a:extLst>
+              <a:ext uri="{FF2B5EF4-FFF2-40B4-BE49-F238E27FC236}">
+                <a16:creationId xmlns:a16="http://schemas.microsoft.com/office/drawing/2014/main" id="{C4BC3E63-B4B6-49C0-95C7-9C149F176671}"/>
+              </a:ext>
+            </a:extLst>
+          </p:cNvPr>
+          <p:cNvSpPr>
+            <a:spLocks noGrp="1"/>
+          </p:cNvSpPr>
+          <p:nvPr>
+            <p:ph type="sldNum" sz="quarter" idx="12"/>
+          </p:nvPr>
+        </p:nvSpPr>
+        <p:spPr>
+          <a:xfrm>
+            <a:off x="11158322" y="6492875"/>
+            <a:ext cx="870036" cy="365125"/>
+          </a:xfrm>
+        </p:spPr>
+        <p:txBody>
+          <a:bodyPr/>
+          <a:lstStyle/>
+          <a:p>
+            <a:fld id="{09EA0DBA-1CB7-49FD-A4E9-CB9833829DE4}" type="slidenum">
+              <a:rPr lang="fr-FR" sz="2000" b="1" smtClean="0">
+                <a:solidFill>
+                  <a:srgbClr val="FF0000"/>
+                </a:solidFill>
+                <a:latin typeface="Times New Roman" panose="02020603050405020304" pitchFamily="18" charset="0"/>
+                <a:cs typeface="Times New Roman" panose="02020603050405020304" pitchFamily="18" charset="0"/>
+              </a:rPr>
+              <a:t>15</a:t>
+            </a:fld>
+            <a:endParaRPr lang="fr-FR" sz="2000" b="1" dirty="0">
+              <a:solidFill>
+                <a:srgbClr val="FF0000"/>
+              </a:solidFill>
+              <a:latin typeface="Times New Roman" panose="02020603050405020304" pitchFamily="18" charset="0"/>
+              <a:cs typeface="Times New Roman" panose="02020603050405020304" pitchFamily="18" charset="0"/>
+            </a:endParaRPr>
+          </a:p>
+        </p:txBody>
+      </p:sp>
+      <p:sp>
+        <p:nvSpPr>
+          <p:cNvPr id="9" name="Rectangle 8"/>
+          <p:cNvSpPr/>
+          <p:nvPr/>
+        </p:nvSpPr>
+        <p:spPr>
+          <a:xfrm>
+            <a:off x="1670893" y="2135826"/>
+            <a:ext cx="8010270" cy="1200329"/>
+          </a:xfrm>
+          <a:prstGeom prst="rect">
+            <a:avLst/>
+          </a:prstGeom>
+          <a:noFill/>
+        </p:spPr>
+        <p:txBody>
+          <a:bodyPr wrap="none" lIns="91440" tIns="45720" rIns="91440" bIns="45720">
+            <a:spAutoFit/>
+          </a:bodyPr>
+          <a:lstStyle/>
+          <a:p>
+            <a:pPr algn="ctr"/>
+            <a:r>
+              <a:rPr lang="fr-FR" sz="2400" b="0" cap="none" spc="0" dirty="0" smtClean="0">
+                <a:ln w="0"/>
+                <a:solidFill>
+                  <a:schemeClr val="tx1"/>
+                </a:solidFill>
+                <a:effectLst>
+                  <a:outerShdw blurRad="38100" dist="19050" dir="2700000" algn="tl" rotWithShape="0">
+                    <a:schemeClr val="dk1">
+                      <a:alpha val="40000"/>
+                    </a:schemeClr>
+                  </a:outerShdw>
+                </a:effectLst>
+              </a:rPr>
+              <a:t>Fusionner des cellules, Renvoie à la ligne,</a:t>
+            </a:r>
+          </a:p>
+          <a:p>
+            <a:pPr algn="ctr"/>
+            <a:r>
+              <a:rPr lang="fr-FR" sz="2400" b="0" cap="none" spc="0" dirty="0" smtClean="0">
+                <a:ln w="0"/>
+                <a:solidFill>
+                  <a:schemeClr val="tx1"/>
+                </a:solidFill>
+                <a:effectLst>
+                  <a:outerShdw blurRad="38100" dist="19050" dir="2700000" algn="tl" rotWithShape="0">
+                    <a:schemeClr val="dk1">
+                      <a:alpha val="40000"/>
+                    </a:schemeClr>
+                  </a:outerShdw>
+                </a:effectLst>
+              </a:rPr>
+              <a:t> insertion ou suppression de ligne ou de colonne, copier, coller.</a:t>
+            </a:r>
+          </a:p>
+          <a:p>
+            <a:pPr algn="ctr"/>
+            <a:r>
+              <a:rPr lang="fr-FR" sz="2400" dirty="0">
+                <a:ln w="0"/>
+                <a:effectLst>
+                  <a:outerShdw blurRad="38100" dist="19050" dir="2700000" algn="tl" rotWithShape="0">
+                    <a:schemeClr val="dk1">
+                      <a:alpha val="40000"/>
+                    </a:schemeClr>
+                  </a:outerShdw>
+                </a:effectLst>
+              </a:rPr>
+              <a:t>.</a:t>
+            </a:r>
+            <a:endParaRPr lang="fr-FR" sz="2400" b="0" cap="none" spc="0" dirty="0">
+              <a:ln w="0"/>
+              <a:solidFill>
+                <a:schemeClr val="tx1"/>
+              </a:solidFill>
+              <a:effectLst>
+                <a:outerShdw blurRad="38100" dist="19050" dir="2700000" algn="tl" rotWithShape="0">
+                  <a:schemeClr val="dk1">
+                    <a:alpha val="40000"/>
+                  </a:schemeClr>
+                </a:outerShdw>
+              </a:effectLst>
+            </a:endParaRPr>
+          </a:p>
+        </p:txBody>
+      </p:sp>
     </p:spTree>
     <p:extLst>
       <p:ext uri="{BB962C8B-B14F-4D97-AF65-F5344CB8AC3E}">
-        <p14:creationId xmlns:p14="http://schemas.microsoft.com/office/powerpoint/2010/main" val="289217882"/>
+        <p14:creationId xmlns:p14="http://schemas.microsoft.com/office/powerpoint/2010/main" val="3339433606"/>
       </p:ext>
     </p:extLst>
   </p:cSld>
@@ -6471,10 +6616,111 @@
       </p:grpSpPr>
       <p:sp>
         <p:nvSpPr>
-          <p:cNvPr id="4" name="ZoneTexte 3">
-            <a:extLst>
-              <a:ext uri="{FF2B5EF4-FFF2-40B4-BE49-F238E27FC236}">
-                <a16:creationId xmlns:a16="http://schemas.microsoft.com/office/drawing/2014/main" id="{B7191FEF-1E3F-48E9-A65A-B5A88B9994F6}"/>
+          <p:cNvPr id="10" name="Rectangle 9">
+            <a:extLst>
+              <a:ext uri="{FF2B5EF4-FFF2-40B4-BE49-F238E27FC236}">
+                <a16:creationId xmlns:a16="http://schemas.microsoft.com/office/drawing/2014/main" id="{DA4BA0ED-4844-4C8B-82B9-1189524149F8}"/>
+              </a:ext>
+            </a:extLst>
+          </p:cNvPr>
+          <p:cNvSpPr/>
+          <p:nvPr/>
+        </p:nvSpPr>
+        <p:spPr>
+          <a:xfrm>
+            <a:off x="0" y="6385815"/>
+            <a:ext cx="12192000" cy="472186"/>
+          </a:xfrm>
+          <a:prstGeom prst="rect">
+            <a:avLst/>
+          </a:prstGeom>
+          <a:solidFill>
+            <a:schemeClr val="accent1">
+              <a:lumMod val="20000"/>
+              <a:lumOff val="80000"/>
+            </a:schemeClr>
+          </a:solidFill>
+          <a:ln>
+            <a:noFill/>
+          </a:ln>
+        </p:spPr>
+        <p:style>
+          <a:lnRef idx="2">
+            <a:schemeClr val="accent1">
+              <a:shade val="50000"/>
+            </a:schemeClr>
+          </a:lnRef>
+          <a:fillRef idx="1">
+            <a:schemeClr val="accent1"/>
+          </a:fillRef>
+          <a:effectRef idx="0">
+            <a:schemeClr val="accent1"/>
+          </a:effectRef>
+          <a:fontRef idx="minor">
+            <a:schemeClr val="lt1"/>
+          </a:fontRef>
+        </p:style>
+        <p:txBody>
+          <a:bodyPr rtlCol="0" anchor="ctr"/>
+          <a:lstStyle/>
+          <a:p>
+            <a:pPr algn="ctr"/>
+            <a:endParaRPr lang="fr-FR"/>
+          </a:p>
+        </p:txBody>
+      </p:sp>
+      <p:sp>
+        <p:nvSpPr>
+          <p:cNvPr id="11" name="Espace réservé du numéro de diapositive 11">
+            <a:extLst>
+              <a:ext uri="{FF2B5EF4-FFF2-40B4-BE49-F238E27FC236}">
+                <a16:creationId xmlns:a16="http://schemas.microsoft.com/office/drawing/2014/main" id="{6E09DCDB-AE7D-46A6-BB24-B19F551B132C}"/>
+              </a:ext>
+            </a:extLst>
+          </p:cNvPr>
+          <p:cNvSpPr>
+            <a:spLocks noGrp="1"/>
+          </p:cNvSpPr>
+          <p:nvPr>
+            <p:ph type="sldNum" sz="quarter" idx="12"/>
+          </p:nvPr>
+        </p:nvSpPr>
+        <p:spPr>
+          <a:xfrm>
+            <a:off x="11158322" y="6492875"/>
+            <a:ext cx="870036" cy="365125"/>
+          </a:xfrm>
+        </p:spPr>
+        <p:txBody>
+          <a:bodyPr/>
+          <a:lstStyle/>
+          <a:p>
+            <a:fld id="{09EA0DBA-1CB7-49FD-A4E9-CB9833829DE4}" type="slidenum">
+              <a:rPr lang="fr-FR" sz="2000" b="1" smtClean="0">
+                <a:solidFill>
+                  <a:srgbClr val="FF0000"/>
+                </a:solidFill>
+                <a:latin typeface="Times New Roman" panose="02020603050405020304" pitchFamily="18" charset="0"/>
+                <a:cs typeface="Times New Roman" panose="02020603050405020304" pitchFamily="18" charset="0"/>
+              </a:rPr>
+              <a:t>16</a:t>
+            </a:fld>
+            <a:endParaRPr lang="fr-FR" sz="2000" b="1" dirty="0">
+              <a:solidFill>
+                <a:srgbClr val="FF0000"/>
+              </a:solidFill>
+              <a:latin typeface="Times New Roman" panose="02020603050405020304" pitchFamily="18" charset="0"/>
+              <a:cs typeface="Times New Roman" panose="02020603050405020304" pitchFamily="18" charset="0"/>
+            </a:endParaRPr>
+          </a:p>
+        </p:txBody>
+      </p:sp>
+      <p:sp>
+        <p:nvSpPr>
+          <p:cNvPr id="8" name="ZoneTexte 7">
+            <a:extLst>
+              <a:ext uri="{FF2B5EF4-FFF2-40B4-BE49-F238E27FC236}">
+                <a16:creationId xmlns:a16="http://schemas.microsoft.com/office/drawing/2014/main" id="{0A62A2AD-5162-491A-A819-15508085BEFB}"/>
               </a:ext>
             </a:extLst>
           </p:cNvPr>
@@ -6483,8 +6729,8 @@
         </p:nvSpPr>
         <p:spPr>
           <a:xfrm>
-            <a:off x="1919416" y="295004"/>
-            <a:ext cx="8353167" cy="707886"/>
+            <a:off x="234778" y="1828804"/>
+            <a:ext cx="11728622" cy="2308324"/>
           </a:xfrm>
           <a:prstGeom prst="rect">
             <a:avLst/>
@@ -6517,28 +6763,40 @@
           <a:lstStyle/>
           <a:p>
             <a:pPr algn="ctr"/>
-            <a:r>
-              <a:rPr lang="fr-FR" sz="4000" dirty="0" smtClean="0">
+            <a:endParaRPr lang="fr-FR" sz="4800" dirty="0"/>
+          </a:p>
+          <a:p>
+            <a:pPr algn="ctr"/>
+            <a:r>
+              <a:rPr lang="fr-FR" sz="4800" dirty="0" smtClean="0">
                 <a:solidFill>
                   <a:schemeClr val="bg1"/>
                 </a:solidFill>
               </a:rPr>
-              <a:t>Une liste personnalisable</a:t>
-            </a:r>
-            <a:endParaRPr lang="fr-FR" sz="4000" dirty="0">
+              <a:t>Options avancées sur la saisie de données</a:t>
+            </a:r>
+            <a:endParaRPr lang="fr-FR" sz="4800" dirty="0">
               <a:solidFill>
                 <a:schemeClr val="bg1"/>
               </a:solidFill>
             </a:endParaRPr>
           </a:p>
+          <a:p>
+            <a:pPr algn="ctr"/>
+            <a:endParaRPr lang="fr-FR" sz="4800" dirty="0">
+              <a:solidFill>
+                <a:schemeClr val="bg1"/>
+              </a:solidFill>
+            </a:endParaRPr>
+          </a:p>
         </p:txBody>
       </p:sp>
       <p:cxnSp>
         <p:nvCxnSpPr>
-          <p:cNvPr id="3" name="Connecteur droit 2">
-            <a:extLst>
-              <a:ext uri="{FF2B5EF4-FFF2-40B4-BE49-F238E27FC236}">
-                <a16:creationId xmlns:a16="http://schemas.microsoft.com/office/drawing/2014/main" id="{2E5FFC58-89E0-45F1-AB54-88B4500CE745}"/>
+          <p:cNvPr id="9" name="Connecteur droit 8">
+            <a:extLst>
+              <a:ext uri="{FF2B5EF4-FFF2-40B4-BE49-F238E27FC236}">
+                <a16:creationId xmlns:a16="http://schemas.microsoft.com/office/drawing/2014/main" id="{CA91B1E3-FD56-4F80-9C4D-68FE7BB35AA6}"/>
               </a:ext>
             </a:extLst>
           </p:cNvPr>
@@ -6576,205 +6834,53 @@
           </a:fontRef>
         </p:style>
       </p:cxnSp>
-      <p:sp>
-        <p:nvSpPr>
-          <p:cNvPr id="2" name="Rectangle 1">
-            <a:extLst>
-              <a:ext uri="{FF2B5EF4-FFF2-40B4-BE49-F238E27FC236}">
-                <a16:creationId xmlns:a16="http://schemas.microsoft.com/office/drawing/2014/main" id="{C2327DB0-0A90-4C8F-9443-ADC8C8E788A1}"/>
-              </a:ext>
-            </a:extLst>
-          </p:cNvPr>
-          <p:cNvSpPr/>
-          <p:nvPr/>
-        </p:nvSpPr>
-        <p:spPr>
-          <a:xfrm>
-            <a:off x="1327355" y="1710776"/>
-            <a:ext cx="9674942" cy="1061829"/>
-          </a:xfrm>
-          <a:prstGeom prst="rect">
-            <a:avLst/>
-          </a:prstGeom>
-        </p:spPr>
-        <p:txBody>
-          <a:bodyPr wrap="square">
-            <a:spAutoFit/>
-          </a:bodyPr>
-          <a:lstStyle/>
-          <a:p>
-            <a:pPr algn="just">
-              <a:lnSpc>
-                <a:spcPct val="150000"/>
-              </a:lnSpc>
-            </a:pPr>
-            <a:r>
-              <a:rPr lang="fr-FR" sz="2100" dirty="0" smtClean="0">
-                <a:latin typeface="Times New Roman" panose="02020603050405020304" pitchFamily="18" charset="0"/>
-                <a:cs typeface="Times New Roman" panose="02020603050405020304" pitchFamily="18" charset="0"/>
-              </a:rPr>
-              <a:t>Choisissez une colonne, et saisissez une marque par cellule, les unes en dessous des autres:</a:t>
-            </a:r>
-            <a:endParaRPr lang="fr-FR" sz="1600" dirty="0">
-              <a:latin typeface="Times New Roman" panose="02020603050405020304" pitchFamily="18" charset="0"/>
-              <a:cs typeface="Times New Roman" panose="02020603050405020304" pitchFamily="18" charset="0"/>
-            </a:endParaRPr>
-          </a:p>
-        </p:txBody>
-      </p:sp>
-      <p:sp>
-        <p:nvSpPr>
-          <p:cNvPr id="10" name="Rectangle 9">
-            <a:extLst>
-              <a:ext uri="{FF2B5EF4-FFF2-40B4-BE49-F238E27FC236}">
-                <a16:creationId xmlns:a16="http://schemas.microsoft.com/office/drawing/2014/main" id="{D0BB7C77-59ED-485D-B9DD-FEECC299B303}"/>
-              </a:ext>
-            </a:extLst>
-          </p:cNvPr>
-          <p:cNvSpPr/>
-          <p:nvPr/>
-        </p:nvSpPr>
-        <p:spPr>
-          <a:xfrm>
-            <a:off x="0" y="6385815"/>
-            <a:ext cx="12192000" cy="472186"/>
-          </a:xfrm>
-          <a:prstGeom prst="rect">
-            <a:avLst/>
-          </a:prstGeom>
-          <a:solidFill>
-            <a:schemeClr val="accent1">
-              <a:lumMod val="20000"/>
-              <a:lumOff val="80000"/>
-            </a:schemeClr>
-          </a:solidFill>
-          <a:ln>
-            <a:noFill/>
+      <p:cxnSp>
+        <p:nvCxnSpPr>
+          <p:cNvPr id="12" name="Connecteur droit 11">
+            <a:extLst>
+              <a:ext uri="{FF2B5EF4-FFF2-40B4-BE49-F238E27FC236}">
+                <a16:creationId xmlns:a16="http://schemas.microsoft.com/office/drawing/2014/main" id="{34364D99-1E04-4083-84DA-21B4C64D9EAA}"/>
+              </a:ext>
+            </a:extLst>
+          </p:cNvPr>
+          <p:cNvCxnSpPr/>
+          <p:nvPr/>
+        </p:nvCxnSpPr>
+        <p:spPr>
+          <a:xfrm>
+            <a:off x="1327355" y="5776718"/>
+            <a:ext cx="9674942" cy="0"/>
+          </a:xfrm>
+          <a:prstGeom prst="line">
+            <a:avLst/>
+          </a:prstGeom>
+          <a:ln w="38100">
+            <a:solidFill>
+              <a:schemeClr val="accent6">
+                <a:lumMod val="50000"/>
+              </a:schemeClr>
+            </a:solidFill>
           </a:ln>
         </p:spPr>
         <p:style>
-          <a:lnRef idx="2">
-            <a:schemeClr val="accent1">
-              <a:shade val="50000"/>
-            </a:schemeClr>
+          <a:lnRef idx="1">
+            <a:schemeClr val="accent1"/>
           </a:lnRef>
-          <a:fillRef idx="1">
+          <a:fillRef idx="0">
             <a:schemeClr val="accent1"/>
           </a:fillRef>
           <a:effectRef idx="0">
             <a:schemeClr val="accent1"/>
           </a:effectRef>
           <a:fontRef idx="minor">
-            <a:schemeClr val="lt1"/>
+            <a:schemeClr val="tx1"/>
           </a:fontRef>
         </p:style>
-        <p:txBody>
-          <a:bodyPr rtlCol="0" anchor="ctr"/>
-          <a:lstStyle/>
-          <a:p>
-            <a:pPr algn="ctr"/>
-            <a:endParaRPr lang="fr-FR"/>
-          </a:p>
-        </p:txBody>
-      </p:sp>
-      <p:sp>
-        <p:nvSpPr>
-          <p:cNvPr id="11" name="Espace réservé du numéro de diapositive 11">
-            <a:extLst>
-              <a:ext uri="{FF2B5EF4-FFF2-40B4-BE49-F238E27FC236}">
-                <a16:creationId xmlns:a16="http://schemas.microsoft.com/office/drawing/2014/main" id="{8B1FEE92-7727-4A0E-8B54-7FDF0190C177}"/>
-              </a:ext>
-            </a:extLst>
-          </p:cNvPr>
-          <p:cNvSpPr>
-            <a:spLocks noGrp="1"/>
-          </p:cNvSpPr>
-          <p:nvPr>
-            <p:ph type="sldNum" sz="quarter" idx="12"/>
-          </p:nvPr>
-        </p:nvSpPr>
-        <p:spPr>
-          <a:xfrm>
-            <a:off x="11158322" y="6492875"/>
-            <a:ext cx="870036" cy="365125"/>
-          </a:xfrm>
-        </p:spPr>
-        <p:txBody>
-          <a:bodyPr/>
-          <a:lstStyle/>
-          <a:p>
-            <a:fld id="{09EA0DBA-1CB7-49FD-A4E9-CB9833829DE4}" type="slidenum">
-              <a:rPr lang="fr-FR" sz="2000" b="1" smtClean="0">
-                <a:solidFill>
-                  <a:srgbClr val="FF0000"/>
-                </a:solidFill>
-                <a:latin typeface="Times New Roman" panose="02020603050405020304" pitchFamily="18" charset="0"/>
-                <a:cs typeface="Times New Roman" panose="02020603050405020304" pitchFamily="18" charset="0"/>
-              </a:rPr>
-              <a:t>16</a:t>
-            </a:fld>
-            <a:endParaRPr lang="fr-FR" sz="2000" b="1" dirty="0">
-              <a:solidFill>
-                <a:srgbClr val="FF0000"/>
-              </a:solidFill>
-              <a:latin typeface="Times New Roman" panose="02020603050405020304" pitchFamily="18" charset="0"/>
-              <a:cs typeface="Times New Roman" panose="02020603050405020304" pitchFamily="18" charset="0"/>
-            </a:endParaRPr>
-          </a:p>
-        </p:txBody>
-      </p:sp>
-      <p:pic>
-        <p:nvPicPr>
-          <p:cNvPr id="8" name="Image 7"/>
-          <p:cNvPicPr>
-            <a:picLocks noChangeAspect="1"/>
-          </p:cNvPicPr>
-          <p:nvPr/>
-        </p:nvPicPr>
-        <p:blipFill>
-          <a:blip r:embed="rId2"/>
-          <a:stretch>
-            <a:fillRect/>
-          </a:stretch>
-        </p:blipFill>
-        <p:spPr>
-          <a:xfrm>
-            <a:off x="824041" y="2971800"/>
-            <a:ext cx="1987739" cy="3108959"/>
-          </a:xfrm>
-          <a:prstGeom prst="rect">
-            <a:avLst/>
-          </a:prstGeom>
-        </p:spPr>
-      </p:pic>
-      <p:pic>
-        <p:nvPicPr>
-          <p:cNvPr id="9" name="Image 8"/>
-          <p:cNvPicPr>
-            <a:picLocks noChangeAspect="1"/>
-          </p:cNvPicPr>
-          <p:nvPr/>
-        </p:nvPicPr>
-        <p:blipFill>
-          <a:blip r:embed="rId3"/>
-          <a:stretch>
-            <a:fillRect/>
-          </a:stretch>
-        </p:blipFill>
-        <p:spPr>
-          <a:xfrm>
-            <a:off x="5896927" y="2583180"/>
-            <a:ext cx="3795713" cy="3802634"/>
-          </a:xfrm>
-          <a:prstGeom prst="rect">
-            <a:avLst/>
-          </a:prstGeom>
-        </p:spPr>
-      </p:pic>
+      </p:cxnSp>
     </p:spTree>
     <p:extLst>
       <p:ext uri="{BB962C8B-B14F-4D97-AF65-F5344CB8AC3E}">
-        <p14:creationId xmlns:p14="http://schemas.microsoft.com/office/powerpoint/2010/main" val="112851279"/>
+        <p14:creationId xmlns:p14="http://schemas.microsoft.com/office/powerpoint/2010/main" val="289217882"/>
       </p:ext>
     </p:extLst>
   </p:cSld>
@@ -6857,13 +6963,18 @@
           <a:p>
             <a:pPr algn="ctr"/>
             <a:r>
-              <a:rPr lang="fr-FR" sz="4000" dirty="0">
+              <a:rPr lang="fr-FR" sz="4000" dirty="0" smtClean="0">
                 <a:solidFill>
                   <a:schemeClr val="bg1"/>
                 </a:solidFill>
               </a:rPr>
               <a:t>Une liste personnalisable</a:t>
             </a:r>
+            <a:endParaRPr lang="fr-FR" sz="4000" dirty="0">
+              <a:solidFill>
+                <a:schemeClr val="bg1"/>
+              </a:solidFill>
+            </a:endParaRPr>
           </a:p>
         </p:txBody>
       </p:sp>
@@ -6912,10 +7023,56 @@
       </p:cxnSp>
       <p:sp>
         <p:nvSpPr>
-          <p:cNvPr id="14" name="Rectangle 13">
-            <a:extLst>
-              <a:ext uri="{FF2B5EF4-FFF2-40B4-BE49-F238E27FC236}">
-                <a16:creationId xmlns:a16="http://schemas.microsoft.com/office/drawing/2014/main" id="{7F448B43-D049-47E2-AFB8-3F156777C439}"/>
+          <p:cNvPr id="2" name="Rectangle 1">
+            <a:extLst>
+              <a:ext uri="{FF2B5EF4-FFF2-40B4-BE49-F238E27FC236}">
+                <a16:creationId xmlns:a16="http://schemas.microsoft.com/office/drawing/2014/main" id="{C2327DB0-0A90-4C8F-9443-ADC8C8E788A1}"/>
+              </a:ext>
+            </a:extLst>
+          </p:cNvPr>
+          <p:cNvSpPr/>
+          <p:nvPr/>
+        </p:nvSpPr>
+        <p:spPr>
+          <a:xfrm>
+            <a:off x="1327355" y="1710776"/>
+            <a:ext cx="9674942" cy="1061829"/>
+          </a:xfrm>
+          <a:prstGeom prst="rect">
+            <a:avLst/>
+          </a:prstGeom>
+        </p:spPr>
+        <p:txBody>
+          <a:bodyPr wrap="square">
+            <a:spAutoFit/>
+          </a:bodyPr>
+          <a:lstStyle/>
+          <a:p>
+            <a:pPr algn="just">
+              <a:lnSpc>
+                <a:spcPct val="150000"/>
+              </a:lnSpc>
+            </a:pPr>
+            <a:r>
+              <a:rPr lang="fr-FR" sz="2100" dirty="0" smtClean="0">
+                <a:latin typeface="Times New Roman" panose="02020603050405020304" pitchFamily="18" charset="0"/>
+                <a:cs typeface="Times New Roman" panose="02020603050405020304" pitchFamily="18" charset="0"/>
+              </a:rPr>
+              <a:t>Choisissez une colonne, et saisissez une marque par cellule, les unes en dessous des autres:</a:t>
+            </a:r>
+            <a:endParaRPr lang="fr-FR" sz="1600" dirty="0">
+              <a:latin typeface="Times New Roman" panose="02020603050405020304" pitchFamily="18" charset="0"/>
+              <a:cs typeface="Times New Roman" panose="02020603050405020304" pitchFamily="18" charset="0"/>
+            </a:endParaRPr>
+          </a:p>
+        </p:txBody>
+      </p:sp>
+      <p:sp>
+        <p:nvSpPr>
+          <p:cNvPr id="10" name="Rectangle 9">
+            <a:extLst>
+              <a:ext uri="{FF2B5EF4-FFF2-40B4-BE49-F238E27FC236}">
+                <a16:creationId xmlns:a16="http://schemas.microsoft.com/office/drawing/2014/main" id="{D0BB7C77-59ED-485D-B9DD-FEECC299B303}"/>
               </a:ext>
             </a:extLst>
           </p:cNvPr>
@@ -6967,10 +7124,10 @@
       </p:sp>
       <p:sp>
         <p:nvSpPr>
-          <p:cNvPr id="15" name="Espace réservé du numéro de diapositive 11">
-            <a:extLst>
-              <a:ext uri="{FF2B5EF4-FFF2-40B4-BE49-F238E27FC236}">
-                <a16:creationId xmlns:a16="http://schemas.microsoft.com/office/drawing/2014/main" id="{43514CE0-42FD-4E8C-A570-33D26B0F86F6}"/>
+          <p:cNvPr id="11" name="Espace réservé du numéro de diapositive 11">
+            <a:extLst>
+              <a:ext uri="{FF2B5EF4-FFF2-40B4-BE49-F238E27FC236}">
+                <a16:creationId xmlns:a16="http://schemas.microsoft.com/office/drawing/2014/main" id="{8B1FEE92-7727-4A0E-8B54-7FDF0190C177}"/>
               </a:ext>
             </a:extLst>
           </p:cNvPr>
@@ -7013,7 +7170,7 @@
       </p:sp>
       <p:pic>
         <p:nvPicPr>
-          <p:cNvPr id="2" name="Image 1"/>
+          <p:cNvPr id="8" name="Image 7"/>
           <p:cNvPicPr>
             <a:picLocks noChangeAspect="1"/>
           </p:cNvPicPr>
@@ -7027,8 +7184,32 @@
         </p:blipFill>
         <p:spPr>
           <a:xfrm>
-            <a:off x="1051560" y="1188720"/>
-            <a:ext cx="9950737" cy="5197094"/>
+            <a:off x="824041" y="2971800"/>
+            <a:ext cx="1987739" cy="3108959"/>
+          </a:xfrm>
+          <a:prstGeom prst="rect">
+            <a:avLst/>
+          </a:prstGeom>
+        </p:spPr>
+      </p:pic>
+      <p:pic>
+        <p:nvPicPr>
+          <p:cNvPr id="9" name="Image 8"/>
+          <p:cNvPicPr>
+            <a:picLocks noChangeAspect="1"/>
+          </p:cNvPicPr>
+          <p:nvPr/>
+        </p:nvPicPr>
+        <p:blipFill>
+          <a:blip r:embed="rId3"/>
+          <a:stretch>
+            <a:fillRect/>
+          </a:stretch>
+        </p:blipFill>
+        <p:spPr>
+          <a:xfrm>
+            <a:off x="5896927" y="2583180"/>
+            <a:ext cx="3795713" cy="3802634"/>
           </a:xfrm>
           <a:prstGeom prst="rect">
             <a:avLst/>
@@ -7038,7 +7219,7 @@
     </p:spTree>
     <p:extLst>
       <p:ext uri="{BB962C8B-B14F-4D97-AF65-F5344CB8AC3E}">
-        <p14:creationId xmlns:p14="http://schemas.microsoft.com/office/powerpoint/2010/main" val="3905002071"/>
+        <p14:creationId xmlns:p14="http://schemas.microsoft.com/office/powerpoint/2010/main" val="112851279"/>
       </p:ext>
     </p:extLst>
   </p:cSld>
@@ -7291,8 +7472,8 @@
         </p:blipFill>
         <p:spPr>
           <a:xfrm>
-            <a:off x="731520" y="1917939"/>
-            <a:ext cx="10426802" cy="4254261"/>
+            <a:off x="1051560" y="1188720"/>
+            <a:ext cx="9950737" cy="5197094"/>
           </a:xfrm>
           <a:prstGeom prst="rect">
             <a:avLst/>
@@ -7302,7 +7483,7 @@
     </p:spTree>
     <p:extLst>
       <p:ext uri="{BB962C8B-B14F-4D97-AF65-F5344CB8AC3E}">
-        <p14:creationId xmlns:p14="http://schemas.microsoft.com/office/powerpoint/2010/main" val="3821304507"/>
+        <p14:creationId xmlns:p14="http://schemas.microsoft.com/office/powerpoint/2010/main" val="3905002071"/>
       </p:ext>
     </p:extLst>
   </p:cSld>
@@ -7541,7 +7722,7 @@
       </p:sp>
       <p:pic>
         <p:nvPicPr>
-          <p:cNvPr id="5" name="Image 4"/>
+          <p:cNvPr id="2" name="Image 1"/>
           <p:cNvPicPr>
             <a:picLocks noChangeAspect="1"/>
           </p:cNvPicPr>
@@ -7555,8 +7736,8 @@
         </p:blipFill>
         <p:spPr>
           <a:xfrm>
-            <a:off x="346709" y="1163479"/>
-            <a:ext cx="11498579" cy="5511958"/>
+            <a:off x="731520" y="1917939"/>
+            <a:ext cx="10426802" cy="4254261"/>
           </a:xfrm>
           <a:prstGeom prst="rect">
             <a:avLst/>
@@ -7566,7 +7747,7 @@
     </p:spTree>
     <p:extLst>
       <p:ext uri="{BB962C8B-B14F-4D97-AF65-F5344CB8AC3E}">
-        <p14:creationId xmlns:p14="http://schemas.microsoft.com/office/powerpoint/2010/main" val="1194607497"/>
+        <p14:creationId xmlns:p14="http://schemas.microsoft.com/office/powerpoint/2010/main" val="3821304507"/>
       </p:ext>
     </p:extLst>
   </p:cSld>
@@ -7911,7 +8092,7 @@
         <p:spPr>
           <a:xfrm>
             <a:off x="1919416" y="295004"/>
-            <a:ext cx="8801924" cy="707886"/>
+            <a:ext cx="8353167" cy="707886"/>
           </a:xfrm>
           <a:prstGeom prst="rect">
             <a:avLst/>
@@ -7945,18 +8126,13 @@
           <a:p>
             <a:pPr algn="ctr"/>
             <a:r>
-              <a:rPr lang="fr-FR" sz="4000" dirty="0" smtClean="0">
+              <a:rPr lang="fr-FR" sz="4000" dirty="0">
                 <a:solidFill>
                   <a:schemeClr val="bg1"/>
                 </a:solidFill>
               </a:rPr>
-              <a:t>Validation de saisie : Gérer les contrôles</a:t>
-            </a:r>
-            <a:endParaRPr lang="fr-FR" sz="4000" dirty="0">
-              <a:solidFill>
-                <a:schemeClr val="bg1"/>
-              </a:solidFill>
-            </a:endParaRPr>
+              <a:t>Une liste personnalisable</a:t>
+            </a:r>
           </a:p>
         </p:txBody>
       </p:sp>
@@ -8104,69 +8280,9 @@
           </a:p>
         </p:txBody>
       </p:sp>
-      <p:sp>
-        <p:nvSpPr>
-          <p:cNvPr id="7" name="Rectangle 6">
-            <a:extLst>
-              <a:ext uri="{FF2B5EF4-FFF2-40B4-BE49-F238E27FC236}">
-                <a16:creationId xmlns:a16="http://schemas.microsoft.com/office/drawing/2014/main" id="{C2327DB0-0A90-4C8F-9443-ADC8C8E788A1}"/>
-              </a:ext>
-            </a:extLst>
-          </p:cNvPr>
-          <p:cNvSpPr/>
-          <p:nvPr/>
-        </p:nvSpPr>
-        <p:spPr>
-          <a:xfrm>
-            <a:off x="1327355" y="1710776"/>
-            <a:ext cx="9674942" cy="1003736"/>
-          </a:xfrm>
-          <a:prstGeom prst="rect">
-            <a:avLst/>
-          </a:prstGeom>
-        </p:spPr>
-        <p:txBody>
-          <a:bodyPr wrap="square">
-            <a:spAutoFit/>
-          </a:bodyPr>
-          <a:lstStyle/>
-          <a:p>
-            <a:pPr algn="just">
-              <a:lnSpc>
-                <a:spcPct val="150000"/>
-              </a:lnSpc>
-            </a:pPr>
-            <a:r>
-              <a:rPr lang="fr-FR" sz="2100" dirty="0" smtClean="0">
-                <a:latin typeface="Times New Roman" panose="02020603050405020304" pitchFamily="18" charset="0"/>
-                <a:cs typeface="Times New Roman" panose="02020603050405020304" pitchFamily="18" charset="0"/>
-              </a:rPr>
-              <a:t>Cette fois-ci, nous voulons obtenir un tableau pré-rempli afin de le compléter en fonction de l’âge (par </a:t>
-            </a:r>
-            <a:r>
-              <a:rPr lang="fr-FR" sz="2100" dirty="0" err="1" smtClean="0">
-                <a:latin typeface="Times New Roman" panose="02020603050405020304" pitchFamily="18" charset="0"/>
-                <a:cs typeface="Times New Roman" panose="02020603050405020304" pitchFamily="18" charset="0"/>
-              </a:rPr>
-              <a:t>ecemple</a:t>
-            </a:r>
-            <a:r>
-              <a:rPr lang="fr-FR" sz="2100" dirty="0" smtClean="0">
-                <a:latin typeface="Times New Roman" panose="02020603050405020304" pitchFamily="18" charset="0"/>
-                <a:cs typeface="Times New Roman" panose="02020603050405020304" pitchFamily="18" charset="0"/>
-              </a:rPr>
-              <a:t>). L’âge doit être compris entre 12-17 ans.</a:t>
-            </a:r>
-            <a:endParaRPr lang="fr-FR" sz="1600" dirty="0">
-              <a:latin typeface="Times New Roman" panose="02020603050405020304" pitchFamily="18" charset="0"/>
-              <a:cs typeface="Times New Roman" panose="02020603050405020304" pitchFamily="18" charset="0"/>
-            </a:endParaRPr>
-          </a:p>
-        </p:txBody>
-      </p:sp>
       <p:pic>
         <p:nvPicPr>
-          <p:cNvPr id="2" name="Image 1"/>
+          <p:cNvPr id="5" name="Image 4"/>
           <p:cNvPicPr>
             <a:picLocks noChangeAspect="1"/>
           </p:cNvPicPr>
@@ -8180,32 +8296,8 @@
         </p:blipFill>
         <p:spPr>
           <a:xfrm>
-            <a:off x="651098" y="2821573"/>
-            <a:ext cx="5669280" cy="3671302"/>
-          </a:xfrm>
-          <a:prstGeom prst="rect">
-            <a:avLst/>
-          </a:prstGeom>
-        </p:spPr>
-      </p:pic>
-      <p:pic>
-        <p:nvPicPr>
-          <p:cNvPr id="6" name="Image 5"/>
-          <p:cNvPicPr>
-            <a:picLocks noChangeAspect="1"/>
-          </p:cNvPicPr>
-          <p:nvPr/>
-        </p:nvPicPr>
-        <p:blipFill>
-          <a:blip r:embed="rId3"/>
-          <a:stretch>
-            <a:fillRect/>
-          </a:stretch>
-        </p:blipFill>
-        <p:spPr>
-          <a:xfrm>
-            <a:off x="7282024" y="2875104"/>
-            <a:ext cx="4517733" cy="3457181"/>
+            <a:off x="346709" y="1163479"/>
+            <a:ext cx="11498579" cy="5511958"/>
           </a:xfrm>
           <a:prstGeom prst="rect">
             <a:avLst/>
@@ -8215,7 +8307,7 @@
     </p:spTree>
     <p:extLst>
       <p:ext uri="{BB962C8B-B14F-4D97-AF65-F5344CB8AC3E}">
-        <p14:creationId xmlns:p14="http://schemas.microsoft.com/office/powerpoint/2010/main" val="2979005533"/>
+        <p14:creationId xmlns:p14="http://schemas.microsoft.com/office/powerpoint/2010/main" val="1194607497"/>
       </p:ext>
     </p:extLst>
   </p:cSld>
@@ -8519,7 +8611,7 @@
       </p:sp>
       <p:pic>
         <p:nvPicPr>
-          <p:cNvPr id="5" name="Image 4"/>
+          <p:cNvPr id="2" name="Image 1"/>
           <p:cNvPicPr>
             <a:picLocks noChangeAspect="1"/>
           </p:cNvPicPr>
@@ -8533,8 +8625,32 @@
         </p:blipFill>
         <p:spPr>
           <a:xfrm>
-            <a:off x="822960" y="2821572"/>
-            <a:ext cx="10561320" cy="3350627"/>
+            <a:off x="651098" y="2821573"/>
+            <a:ext cx="5669280" cy="3671302"/>
+          </a:xfrm>
+          <a:prstGeom prst="rect">
+            <a:avLst/>
+          </a:prstGeom>
+        </p:spPr>
+      </p:pic>
+      <p:pic>
+        <p:nvPicPr>
+          <p:cNvPr id="6" name="Image 5"/>
+          <p:cNvPicPr>
+            <a:picLocks noChangeAspect="1"/>
+          </p:cNvPicPr>
+          <p:nvPr/>
+        </p:nvPicPr>
+        <p:blipFill>
+          <a:blip r:embed="rId3"/>
+          <a:stretch>
+            <a:fillRect/>
+          </a:stretch>
+        </p:blipFill>
+        <p:spPr>
+          <a:xfrm>
+            <a:off x="7282024" y="2875104"/>
+            <a:ext cx="4517733" cy="3457181"/>
           </a:xfrm>
           <a:prstGeom prst="rect">
             <a:avLst/>
@@ -8544,7 +8660,7 @@
     </p:spTree>
     <p:extLst>
       <p:ext uri="{BB962C8B-B14F-4D97-AF65-F5344CB8AC3E}">
-        <p14:creationId xmlns:p14="http://schemas.microsoft.com/office/powerpoint/2010/main" val="1631989333"/>
+        <p14:creationId xmlns:p14="http://schemas.microsoft.com/office/powerpoint/2010/main" val="2979005533"/>
       </p:ext>
     </p:extLst>
   </p:cSld>
@@ -8786,9 +8902,69 @@
           </a:p>
         </p:txBody>
       </p:sp>
+      <p:sp>
+        <p:nvSpPr>
+          <p:cNvPr id="7" name="Rectangle 6">
+            <a:extLst>
+              <a:ext uri="{FF2B5EF4-FFF2-40B4-BE49-F238E27FC236}">
+                <a16:creationId xmlns:a16="http://schemas.microsoft.com/office/drawing/2014/main" id="{C2327DB0-0A90-4C8F-9443-ADC8C8E788A1}"/>
+              </a:ext>
+            </a:extLst>
+          </p:cNvPr>
+          <p:cNvSpPr/>
+          <p:nvPr/>
+        </p:nvSpPr>
+        <p:spPr>
+          <a:xfrm>
+            <a:off x="1327355" y="1710776"/>
+            <a:ext cx="9674942" cy="1003736"/>
+          </a:xfrm>
+          <a:prstGeom prst="rect">
+            <a:avLst/>
+          </a:prstGeom>
+        </p:spPr>
+        <p:txBody>
+          <a:bodyPr wrap="square">
+            <a:spAutoFit/>
+          </a:bodyPr>
+          <a:lstStyle/>
+          <a:p>
+            <a:pPr algn="just">
+              <a:lnSpc>
+                <a:spcPct val="150000"/>
+              </a:lnSpc>
+            </a:pPr>
+            <a:r>
+              <a:rPr lang="fr-FR" sz="2100" dirty="0" smtClean="0">
+                <a:latin typeface="Times New Roman" panose="02020603050405020304" pitchFamily="18" charset="0"/>
+                <a:cs typeface="Times New Roman" panose="02020603050405020304" pitchFamily="18" charset="0"/>
+              </a:rPr>
+              <a:t>Cette fois-ci, nous voulons obtenir un tableau pré-rempli afin de le compléter en fonction de l’âge (par </a:t>
+            </a:r>
+            <a:r>
+              <a:rPr lang="fr-FR" sz="2100" dirty="0" err="1" smtClean="0">
+                <a:latin typeface="Times New Roman" panose="02020603050405020304" pitchFamily="18" charset="0"/>
+                <a:cs typeface="Times New Roman" panose="02020603050405020304" pitchFamily="18" charset="0"/>
+              </a:rPr>
+              <a:t>ecemple</a:t>
+            </a:r>
+            <a:r>
+              <a:rPr lang="fr-FR" sz="2100" dirty="0" smtClean="0">
+                <a:latin typeface="Times New Roman" panose="02020603050405020304" pitchFamily="18" charset="0"/>
+                <a:cs typeface="Times New Roman" panose="02020603050405020304" pitchFamily="18" charset="0"/>
+              </a:rPr>
+              <a:t>). L’âge doit être compris entre 12-17 ans.</a:t>
+            </a:r>
+            <a:endParaRPr lang="fr-FR" sz="1600" dirty="0">
+              <a:latin typeface="Times New Roman" panose="02020603050405020304" pitchFamily="18" charset="0"/>
+              <a:cs typeface="Times New Roman" panose="02020603050405020304" pitchFamily="18" charset="0"/>
+            </a:endParaRPr>
+          </a:p>
+        </p:txBody>
+      </p:sp>
       <p:pic>
         <p:nvPicPr>
-          <p:cNvPr id="6" name="Image 5"/>
+          <p:cNvPr id="5" name="Image 4"/>
           <p:cNvPicPr>
             <a:picLocks noChangeAspect="1"/>
           </p:cNvPicPr>
@@ -8802,8 +8978,8 @@
         </p:blipFill>
         <p:spPr>
           <a:xfrm>
-            <a:off x="617219" y="1002891"/>
-            <a:ext cx="10385077" cy="5489984"/>
+            <a:off x="822960" y="2821572"/>
+            <a:ext cx="10561320" cy="3350627"/>
           </a:xfrm>
           <a:prstGeom prst="rect">
             <a:avLst/>
@@ -8813,7 +8989,7 @@
     </p:spTree>
     <p:extLst>
       <p:ext uri="{BB962C8B-B14F-4D97-AF65-F5344CB8AC3E}">
-        <p14:creationId xmlns:p14="http://schemas.microsoft.com/office/powerpoint/2010/main" val="2624798917"/>
+        <p14:creationId xmlns:p14="http://schemas.microsoft.com/office/powerpoint/2010/main" val="1631989333"/>
       </p:ext>
     </p:extLst>
   </p:cSld>
@@ -9057,7 +9233,7 @@
       </p:sp>
       <p:pic>
         <p:nvPicPr>
-          <p:cNvPr id="2" name="Image 1"/>
+          <p:cNvPr id="6" name="Image 5"/>
           <p:cNvPicPr>
             <a:picLocks noChangeAspect="1"/>
           </p:cNvPicPr>
@@ -9071,64 +9247,18 @@
         </p:blipFill>
         <p:spPr>
           <a:xfrm>
-            <a:off x="525780" y="2217420"/>
-            <a:ext cx="11087099" cy="3886199"/>
+            <a:off x="617219" y="1002891"/>
+            <a:ext cx="10385077" cy="5489984"/>
           </a:xfrm>
           <a:prstGeom prst="rect">
             <a:avLst/>
           </a:prstGeom>
         </p:spPr>
       </p:pic>
-      <p:sp>
-        <p:nvSpPr>
-          <p:cNvPr id="8" name="Rectangle 7">
-            <a:extLst>
-              <a:ext uri="{FF2B5EF4-FFF2-40B4-BE49-F238E27FC236}">
-                <a16:creationId xmlns:a16="http://schemas.microsoft.com/office/drawing/2014/main" id="{C2327DB0-0A90-4C8F-9443-ADC8C8E788A1}"/>
-              </a:ext>
-            </a:extLst>
-          </p:cNvPr>
-          <p:cNvSpPr/>
-          <p:nvPr/>
-        </p:nvSpPr>
-        <p:spPr>
-          <a:xfrm>
-            <a:off x="1258529" y="1285086"/>
-            <a:ext cx="9674942" cy="518988"/>
-          </a:xfrm>
-          <a:prstGeom prst="rect">
-            <a:avLst/>
-          </a:prstGeom>
-        </p:spPr>
-        <p:txBody>
-          <a:bodyPr wrap="square">
-            <a:spAutoFit/>
-          </a:bodyPr>
-          <a:lstStyle/>
-          <a:p>
-            <a:pPr algn="just">
-              <a:lnSpc>
-                <a:spcPct val="150000"/>
-              </a:lnSpc>
-            </a:pPr>
-            <a:r>
-              <a:rPr lang="fr-FR" sz="2100" dirty="0" smtClean="0">
-                <a:latin typeface="Times New Roman" panose="02020603050405020304" pitchFamily="18" charset="0"/>
-                <a:cs typeface="Times New Roman" panose="02020603050405020304" pitchFamily="18" charset="0"/>
-              </a:rPr>
-              <a:t>Message d’erreur!</a:t>
-            </a:r>
-            <a:endParaRPr lang="fr-FR" sz="1600" dirty="0">
-              <a:latin typeface="Times New Roman" panose="02020603050405020304" pitchFamily="18" charset="0"/>
-              <a:cs typeface="Times New Roman" panose="02020603050405020304" pitchFamily="18" charset="0"/>
-            </a:endParaRPr>
-          </a:p>
-        </p:txBody>
-      </p:sp>
     </p:spTree>
     <p:extLst>
       <p:ext uri="{BB962C8B-B14F-4D97-AF65-F5344CB8AC3E}">
-        <p14:creationId xmlns:p14="http://schemas.microsoft.com/office/powerpoint/2010/main" val="2924691015"/>
+        <p14:creationId xmlns:p14="http://schemas.microsoft.com/office/powerpoint/2010/main" val="2624798917"/>
       </p:ext>
     </p:extLst>
   </p:cSld>
@@ -9370,55 +9500,9 @@
           </a:p>
         </p:txBody>
       </p:sp>
-      <p:sp>
-        <p:nvSpPr>
-          <p:cNvPr id="8" name="Rectangle 7">
-            <a:extLst>
-              <a:ext uri="{FF2B5EF4-FFF2-40B4-BE49-F238E27FC236}">
-                <a16:creationId xmlns:a16="http://schemas.microsoft.com/office/drawing/2014/main" id="{C2327DB0-0A90-4C8F-9443-ADC8C8E788A1}"/>
-              </a:ext>
-            </a:extLst>
-          </p:cNvPr>
-          <p:cNvSpPr/>
-          <p:nvPr/>
-        </p:nvSpPr>
-        <p:spPr>
-          <a:xfrm>
-            <a:off x="1258529" y="1285086"/>
-            <a:ext cx="9674942" cy="518988"/>
-          </a:xfrm>
-          <a:prstGeom prst="rect">
-            <a:avLst/>
-          </a:prstGeom>
-        </p:spPr>
-        <p:txBody>
-          <a:bodyPr wrap="square">
-            <a:spAutoFit/>
-          </a:bodyPr>
-          <a:lstStyle/>
-          <a:p>
-            <a:pPr algn="just">
-              <a:lnSpc>
-                <a:spcPct val="150000"/>
-              </a:lnSpc>
-            </a:pPr>
-            <a:r>
-              <a:rPr lang="fr-FR" sz="2100" dirty="0" smtClean="0">
-                <a:latin typeface="Times New Roman" panose="02020603050405020304" pitchFamily="18" charset="0"/>
-                <a:cs typeface="Times New Roman" panose="02020603050405020304" pitchFamily="18" charset="0"/>
-              </a:rPr>
-              <a:t>Personnalisation du message d’erreur.</a:t>
-            </a:r>
-            <a:endParaRPr lang="fr-FR" sz="1600" dirty="0">
-              <a:latin typeface="Times New Roman" panose="02020603050405020304" pitchFamily="18" charset="0"/>
-              <a:cs typeface="Times New Roman" panose="02020603050405020304" pitchFamily="18" charset="0"/>
-            </a:endParaRPr>
-          </a:p>
-        </p:txBody>
-      </p:sp>
       <p:pic>
         <p:nvPicPr>
-          <p:cNvPr id="5" name="Image 4"/>
+          <p:cNvPr id="2" name="Image 1"/>
           <p:cNvPicPr>
             <a:picLocks noChangeAspect="1"/>
           </p:cNvPicPr>
@@ -9432,18 +9516,64 @@
         </p:blipFill>
         <p:spPr>
           <a:xfrm>
-            <a:off x="297180" y="1876424"/>
-            <a:ext cx="11731177" cy="4509389"/>
+            <a:off x="525780" y="2217420"/>
+            <a:ext cx="11087099" cy="3886199"/>
           </a:xfrm>
           <a:prstGeom prst="rect">
             <a:avLst/>
           </a:prstGeom>
         </p:spPr>
       </p:pic>
+      <p:sp>
+        <p:nvSpPr>
+          <p:cNvPr id="8" name="Rectangle 7">
+            <a:extLst>
+              <a:ext uri="{FF2B5EF4-FFF2-40B4-BE49-F238E27FC236}">
+                <a16:creationId xmlns:a16="http://schemas.microsoft.com/office/drawing/2014/main" id="{C2327DB0-0A90-4C8F-9443-ADC8C8E788A1}"/>
+              </a:ext>
+            </a:extLst>
+          </p:cNvPr>
+          <p:cNvSpPr/>
+          <p:nvPr/>
+        </p:nvSpPr>
+        <p:spPr>
+          <a:xfrm>
+            <a:off x="1258529" y="1285086"/>
+            <a:ext cx="9674942" cy="518988"/>
+          </a:xfrm>
+          <a:prstGeom prst="rect">
+            <a:avLst/>
+          </a:prstGeom>
+        </p:spPr>
+        <p:txBody>
+          <a:bodyPr wrap="square">
+            <a:spAutoFit/>
+          </a:bodyPr>
+          <a:lstStyle/>
+          <a:p>
+            <a:pPr algn="just">
+              <a:lnSpc>
+                <a:spcPct val="150000"/>
+              </a:lnSpc>
+            </a:pPr>
+            <a:r>
+              <a:rPr lang="fr-FR" sz="2100" dirty="0" smtClean="0">
+                <a:latin typeface="Times New Roman" panose="02020603050405020304" pitchFamily="18" charset="0"/>
+                <a:cs typeface="Times New Roman" panose="02020603050405020304" pitchFamily="18" charset="0"/>
+              </a:rPr>
+              <a:t>Message d’erreur!</a:t>
+            </a:r>
+            <a:endParaRPr lang="fr-FR" sz="1600" dirty="0">
+              <a:latin typeface="Times New Roman" panose="02020603050405020304" pitchFamily="18" charset="0"/>
+              <a:cs typeface="Times New Roman" panose="02020603050405020304" pitchFamily="18" charset="0"/>
+            </a:endParaRPr>
+          </a:p>
+        </p:txBody>
+      </p:sp>
     </p:spTree>
     <p:extLst>
       <p:ext uri="{BB962C8B-B14F-4D97-AF65-F5344CB8AC3E}">
-        <p14:creationId xmlns:p14="http://schemas.microsoft.com/office/powerpoint/2010/main" val="3042654821"/>
+        <p14:creationId xmlns:p14="http://schemas.microsoft.com/office/powerpoint/2010/main" val="2924691015"/>
       </p:ext>
     </p:extLst>
   </p:cSld>
@@ -9733,7 +9863,7 @@
       </p:sp>
       <p:pic>
         <p:nvPicPr>
-          <p:cNvPr id="2" name="Image 1"/>
+          <p:cNvPr id="5" name="Image 4"/>
           <p:cNvPicPr>
             <a:picLocks noChangeAspect="1"/>
           </p:cNvPicPr>
@@ -9747,8 +9877,8 @@
         </p:blipFill>
         <p:spPr>
           <a:xfrm>
-            <a:off x="205740" y="2086269"/>
-            <a:ext cx="11658599" cy="4131651"/>
+            <a:off x="297180" y="1876424"/>
+            <a:ext cx="11731177" cy="4509389"/>
           </a:xfrm>
           <a:prstGeom prst="rect">
             <a:avLst/>
@@ -9758,7 +9888,7 @@
     </p:spTree>
     <p:extLst>
       <p:ext uri="{BB962C8B-B14F-4D97-AF65-F5344CB8AC3E}">
-        <p14:creationId xmlns:p14="http://schemas.microsoft.com/office/powerpoint/2010/main" val="1112073871"/>
+        <p14:creationId xmlns:p14="http://schemas.microsoft.com/office/powerpoint/2010/main" val="3042654821"/>
       </p:ext>
     </p:extLst>
   </p:cSld>
@@ -10037,7 +10167,7 @@
                 <a:latin typeface="Times New Roman" panose="02020603050405020304" pitchFamily="18" charset="0"/>
                 <a:cs typeface="Times New Roman" panose="02020603050405020304" pitchFamily="18" charset="0"/>
               </a:rPr>
-              <a:t>Message de saisie.</a:t>
+              <a:t>Personnalisation du message d’erreur.</a:t>
             </a:r>
             <a:endParaRPr lang="fr-FR" sz="1600" dirty="0">
               <a:latin typeface="Times New Roman" panose="02020603050405020304" pitchFamily="18" charset="0"/>
@@ -10048,7 +10178,7 @@
       </p:sp>
       <p:pic>
         <p:nvPicPr>
-          <p:cNvPr id="5" name="Image 4"/>
+          <p:cNvPr id="2" name="Image 1"/>
           <p:cNvPicPr>
             <a:picLocks noChangeAspect="1"/>
           </p:cNvPicPr>
@@ -10062,8 +10192,8 @@
         </p:blipFill>
         <p:spPr>
           <a:xfrm>
-            <a:off x="-182880" y="1826323"/>
-            <a:ext cx="10698480" cy="4666552"/>
+            <a:off x="205740" y="2086269"/>
+            <a:ext cx="11658599" cy="4131651"/>
           </a:xfrm>
           <a:prstGeom prst="rect">
             <a:avLst/>
@@ -10073,7 +10203,7 @@
     </p:spTree>
     <p:extLst>
       <p:ext uri="{BB962C8B-B14F-4D97-AF65-F5344CB8AC3E}">
-        <p14:creationId xmlns:p14="http://schemas.microsoft.com/office/powerpoint/2010/main" val="1821266383"/>
+        <p14:creationId xmlns:p14="http://schemas.microsoft.com/office/powerpoint/2010/main" val="1112073871"/>
       </p:ext>
     </p:extLst>
   </p:cSld>
@@ -10363,7 +10493,7 @@
       </p:sp>
       <p:pic>
         <p:nvPicPr>
-          <p:cNvPr id="2" name="Image 1"/>
+          <p:cNvPr id="5" name="Image 4"/>
           <p:cNvPicPr>
             <a:picLocks noChangeAspect="1"/>
           </p:cNvPicPr>
@@ -10377,8 +10507,8 @@
         </p:blipFill>
         <p:spPr>
           <a:xfrm>
-            <a:off x="320041" y="2086269"/>
-            <a:ext cx="6919912" cy="3628327"/>
+            <a:off x="-182880" y="1826323"/>
+            <a:ext cx="10698480" cy="4666552"/>
           </a:xfrm>
           <a:prstGeom prst="rect">
             <a:avLst/>
@@ -10388,7 +10518,7 @@
     </p:spTree>
     <p:extLst>
       <p:ext uri="{BB962C8B-B14F-4D97-AF65-F5344CB8AC3E}">
-        <p14:creationId xmlns:p14="http://schemas.microsoft.com/office/powerpoint/2010/main" val="876702520"/>
+        <p14:creationId xmlns:p14="http://schemas.microsoft.com/office/powerpoint/2010/main" val="1821266383"/>
       </p:ext>
     </p:extLst>
   </p:cSld>
@@ -10436,8 +10566,8 @@
         </p:nvSpPr>
         <p:spPr>
           <a:xfrm>
-            <a:off x="571500" y="295004"/>
-            <a:ext cx="11456858" cy="707886"/>
+            <a:off x="1919416" y="295004"/>
+            <a:ext cx="8801924" cy="707886"/>
           </a:xfrm>
           <a:prstGeom prst="rect">
             <a:avLst/>
@@ -10476,7 +10606,7 @@
                   <a:schemeClr val="bg1"/>
                 </a:solidFill>
               </a:rPr>
-              <a:t>Validation de saisie : Utiliser une liste déroulante</a:t>
+              <a:t>Validation de saisie : Gérer les contrôles</a:t>
             </a:r>
             <a:endParaRPr lang="fr-FR" sz="4000" dirty="0">
               <a:solidFill>
@@ -10667,7 +10797,7 @@
                 <a:latin typeface="Times New Roman" panose="02020603050405020304" pitchFamily="18" charset="0"/>
                 <a:cs typeface="Times New Roman" panose="02020603050405020304" pitchFamily="18" charset="0"/>
               </a:rPr>
-              <a:t>Voici ce que nous allons faire:</a:t>
+              <a:t>Message de saisie.</a:t>
             </a:r>
             <a:endParaRPr lang="fr-FR" sz="1600" dirty="0">
               <a:latin typeface="Times New Roman" panose="02020603050405020304" pitchFamily="18" charset="0"/>
@@ -10678,7 +10808,7 @@
       </p:sp>
       <p:pic>
         <p:nvPicPr>
-          <p:cNvPr id="5" name="Image 4"/>
+          <p:cNvPr id="2" name="Image 1"/>
           <p:cNvPicPr>
             <a:picLocks noChangeAspect="1"/>
           </p:cNvPicPr>
@@ -10692,8 +10822,8 @@
         </p:blipFill>
         <p:spPr>
           <a:xfrm>
-            <a:off x="571500" y="2086269"/>
-            <a:ext cx="5440680" cy="3262971"/>
+            <a:off x="320041" y="2086269"/>
+            <a:ext cx="6919912" cy="3628327"/>
           </a:xfrm>
           <a:prstGeom prst="rect">
             <a:avLst/>
@@ -10703,7 +10833,7 @@
     </p:spTree>
     <p:extLst>
       <p:ext uri="{BB962C8B-B14F-4D97-AF65-F5344CB8AC3E}">
-        <p14:creationId xmlns:p14="http://schemas.microsoft.com/office/powerpoint/2010/main" val="3942230049"/>
+        <p14:creationId xmlns:p14="http://schemas.microsoft.com/office/powerpoint/2010/main" val="876702520"/>
       </p:ext>
     </p:extLst>
   </p:cSld>
@@ -10945,9 +11075,55 @@
           </a:p>
         </p:txBody>
       </p:sp>
+      <p:sp>
+        <p:nvSpPr>
+          <p:cNvPr id="8" name="Rectangle 7">
+            <a:extLst>
+              <a:ext uri="{FF2B5EF4-FFF2-40B4-BE49-F238E27FC236}">
+                <a16:creationId xmlns:a16="http://schemas.microsoft.com/office/drawing/2014/main" id="{C2327DB0-0A90-4C8F-9443-ADC8C8E788A1}"/>
+              </a:ext>
+            </a:extLst>
+          </p:cNvPr>
+          <p:cNvSpPr/>
+          <p:nvPr/>
+        </p:nvSpPr>
+        <p:spPr>
+          <a:xfrm>
+            <a:off x="1258529" y="1285086"/>
+            <a:ext cx="9674942" cy="518988"/>
+          </a:xfrm>
+          <a:prstGeom prst="rect">
+            <a:avLst/>
+          </a:prstGeom>
+        </p:spPr>
+        <p:txBody>
+          <a:bodyPr wrap="square">
+            <a:spAutoFit/>
+          </a:bodyPr>
+          <a:lstStyle/>
+          <a:p>
+            <a:pPr algn="just">
+              <a:lnSpc>
+                <a:spcPct val="150000"/>
+              </a:lnSpc>
+            </a:pPr>
+            <a:r>
+              <a:rPr lang="fr-FR" sz="2100" dirty="0" smtClean="0">
+                <a:latin typeface="Times New Roman" panose="02020603050405020304" pitchFamily="18" charset="0"/>
+                <a:cs typeface="Times New Roman" panose="02020603050405020304" pitchFamily="18" charset="0"/>
+              </a:rPr>
+              <a:t>Voici ce que nous allons faire:</a:t>
+            </a:r>
+            <a:endParaRPr lang="fr-FR" sz="1600" dirty="0">
+              <a:latin typeface="Times New Roman" panose="02020603050405020304" pitchFamily="18" charset="0"/>
+              <a:cs typeface="Times New Roman" panose="02020603050405020304" pitchFamily="18" charset="0"/>
+            </a:endParaRPr>
+          </a:p>
+        </p:txBody>
+      </p:sp>
       <p:pic>
         <p:nvPicPr>
-          <p:cNvPr id="2" name="Image 1"/>
+          <p:cNvPr id="5" name="Image 4"/>
           <p:cNvPicPr>
             <a:picLocks noChangeAspect="1"/>
           </p:cNvPicPr>
@@ -10961,8 +11137,8 @@
         </p:blipFill>
         <p:spPr>
           <a:xfrm>
-            <a:off x="1258529" y="2086270"/>
-            <a:ext cx="9257071" cy="3960348"/>
+            <a:off x="571500" y="2086269"/>
+            <a:ext cx="5440680" cy="3262971"/>
           </a:xfrm>
           <a:prstGeom prst="rect">
             <a:avLst/>
@@ -10972,7 +11148,7 @@
     </p:spTree>
     <p:extLst>
       <p:ext uri="{BB962C8B-B14F-4D97-AF65-F5344CB8AC3E}">
-        <p14:creationId xmlns:p14="http://schemas.microsoft.com/office/powerpoint/2010/main" val="32716136"/>
+        <p14:creationId xmlns:p14="http://schemas.microsoft.com/office/powerpoint/2010/main" val="3942230049"/>
       </p:ext>
     </p:extLst>
   </p:cSld>
@@ -12286,10 +12462,117 @@
       </p:grpSpPr>
       <p:sp>
         <p:nvSpPr>
-          <p:cNvPr id="10" name="Rectangle 9">
-            <a:extLst>
-              <a:ext uri="{FF2B5EF4-FFF2-40B4-BE49-F238E27FC236}">
-                <a16:creationId xmlns:a16="http://schemas.microsoft.com/office/drawing/2014/main" id="{DA4BA0ED-4844-4C8B-82B9-1189524149F8}"/>
+          <p:cNvPr id="4" name="ZoneTexte 3">
+            <a:extLst>
+              <a:ext uri="{FF2B5EF4-FFF2-40B4-BE49-F238E27FC236}">
+                <a16:creationId xmlns:a16="http://schemas.microsoft.com/office/drawing/2014/main" id="{B7191FEF-1E3F-48E9-A65A-B5A88B9994F6}"/>
+              </a:ext>
+            </a:extLst>
+          </p:cNvPr>
+          <p:cNvSpPr txBox="1"/>
+          <p:nvPr/>
+        </p:nvSpPr>
+        <p:spPr>
+          <a:xfrm>
+            <a:off x="571500" y="295004"/>
+            <a:ext cx="11456858" cy="707886"/>
+          </a:xfrm>
+          <a:prstGeom prst="rect">
+            <a:avLst/>
+          </a:prstGeom>
+          <a:solidFill>
+            <a:schemeClr val="accent6">
+              <a:lumMod val="50000"/>
+            </a:schemeClr>
+          </a:solidFill>
+          <a:ln>
+            <a:solidFill>
+              <a:schemeClr val="accent6">
+                <a:lumMod val="50000"/>
+              </a:schemeClr>
+            </a:solidFill>
+          </a:ln>
+          <a:effectLst>
+            <a:outerShdw blurRad="50800" dist="38100" dir="13500000" algn="br" rotWithShape="0">
+              <a:schemeClr val="accent1">
+                <a:alpha val="40000"/>
+              </a:schemeClr>
+            </a:outerShdw>
+            <a:reflection blurRad="6350" stA="50000" endA="300" endPos="55000" dir="5400000" sy="-100000" algn="bl" rotWithShape="0"/>
+          </a:effectLst>
+        </p:spPr>
+        <p:txBody>
+          <a:bodyPr wrap="square" rtlCol="0">
+            <a:spAutoFit/>
+          </a:bodyPr>
+          <a:lstStyle/>
+          <a:p>
+            <a:pPr algn="ctr"/>
+            <a:r>
+              <a:rPr lang="fr-FR" sz="4000" dirty="0" smtClean="0">
+                <a:solidFill>
+                  <a:schemeClr val="bg1"/>
+                </a:solidFill>
+              </a:rPr>
+              <a:t>Validation de saisie : Utiliser une liste déroulante</a:t>
+            </a:r>
+            <a:endParaRPr lang="fr-FR" sz="4000" dirty="0">
+              <a:solidFill>
+                <a:schemeClr val="bg1"/>
+              </a:solidFill>
+            </a:endParaRPr>
+          </a:p>
+        </p:txBody>
+      </p:sp>
+      <p:cxnSp>
+        <p:nvCxnSpPr>
+          <p:cNvPr id="3" name="Connecteur droit 2">
+            <a:extLst>
+              <a:ext uri="{FF2B5EF4-FFF2-40B4-BE49-F238E27FC236}">
+                <a16:creationId xmlns:a16="http://schemas.microsoft.com/office/drawing/2014/main" id="{2E5FFC58-89E0-45F1-AB54-88B4500CE745}"/>
+              </a:ext>
+            </a:extLst>
+          </p:cNvPr>
+          <p:cNvCxnSpPr/>
+          <p:nvPr/>
+        </p:nvCxnSpPr>
+        <p:spPr>
+          <a:xfrm>
+            <a:off x="1327355" y="1002890"/>
+            <a:ext cx="9674942" cy="0"/>
+          </a:xfrm>
+          <a:prstGeom prst="line">
+            <a:avLst/>
+          </a:prstGeom>
+          <a:ln w="38100">
+            <a:solidFill>
+              <a:schemeClr val="accent6">
+                <a:lumMod val="50000"/>
+              </a:schemeClr>
+            </a:solidFill>
+          </a:ln>
+        </p:spPr>
+        <p:style>
+          <a:lnRef idx="1">
+            <a:schemeClr val="accent1"/>
+          </a:lnRef>
+          <a:fillRef idx="0">
+            <a:schemeClr val="accent1"/>
+          </a:fillRef>
+          <a:effectRef idx="0">
+            <a:schemeClr val="accent1"/>
+          </a:effectRef>
+          <a:fontRef idx="minor">
+            <a:schemeClr val="tx1"/>
+          </a:fontRef>
+        </p:style>
+      </p:cxnSp>
+      <p:sp>
+        <p:nvSpPr>
+          <p:cNvPr id="14" name="Rectangle 13">
+            <a:extLst>
+              <a:ext uri="{FF2B5EF4-FFF2-40B4-BE49-F238E27FC236}">
+                <a16:creationId xmlns:a16="http://schemas.microsoft.com/office/drawing/2014/main" id="{7F448B43-D049-47E2-AFB8-3F156777C439}"/>
               </a:ext>
             </a:extLst>
           </p:cNvPr>
@@ -12341,10 +12624,10 @@
       </p:sp>
       <p:sp>
         <p:nvSpPr>
-          <p:cNvPr id="11" name="Espace réservé du numéro de diapositive 11">
-            <a:extLst>
-              <a:ext uri="{FF2B5EF4-FFF2-40B4-BE49-F238E27FC236}">
-                <a16:creationId xmlns:a16="http://schemas.microsoft.com/office/drawing/2014/main" id="{6E09DCDB-AE7D-46A6-BB24-B19F551B132C}"/>
+          <p:cNvPr id="15" name="Espace réservé du numéro de diapositive 11">
+            <a:extLst>
+              <a:ext uri="{FF2B5EF4-FFF2-40B4-BE49-F238E27FC236}">
+                <a16:creationId xmlns:a16="http://schemas.microsoft.com/office/drawing/2014/main" id="{43514CE0-42FD-4E8C-A570-33D26B0F86F6}"/>
               </a:ext>
             </a:extLst>
           </p:cNvPr>
@@ -12374,6 +12657,168 @@
                 <a:cs typeface="Times New Roman" panose="02020603050405020304" pitchFamily="18" charset="0"/>
               </a:rPr>
               <a:t>30</a:t>
+            </a:fld>
+            <a:endParaRPr lang="fr-FR" sz="2000" b="1" dirty="0">
+              <a:solidFill>
+                <a:srgbClr val="FF0000"/>
+              </a:solidFill>
+              <a:latin typeface="Times New Roman" panose="02020603050405020304" pitchFamily="18" charset="0"/>
+              <a:cs typeface="Times New Roman" panose="02020603050405020304" pitchFamily="18" charset="0"/>
+            </a:endParaRPr>
+          </a:p>
+        </p:txBody>
+      </p:sp>
+      <p:pic>
+        <p:nvPicPr>
+          <p:cNvPr id="2" name="Image 1"/>
+          <p:cNvPicPr>
+            <a:picLocks noChangeAspect="1"/>
+          </p:cNvPicPr>
+          <p:nvPr/>
+        </p:nvPicPr>
+        <p:blipFill>
+          <a:blip r:embed="rId2"/>
+          <a:stretch>
+            <a:fillRect/>
+          </a:stretch>
+        </p:blipFill>
+        <p:spPr>
+          <a:xfrm>
+            <a:off x="1258529" y="2086270"/>
+            <a:ext cx="9257071" cy="3960348"/>
+          </a:xfrm>
+          <a:prstGeom prst="rect">
+            <a:avLst/>
+          </a:prstGeom>
+        </p:spPr>
+      </p:pic>
+    </p:spTree>
+    <p:extLst>
+      <p:ext uri="{BB962C8B-B14F-4D97-AF65-F5344CB8AC3E}">
+        <p14:creationId xmlns:p14="http://schemas.microsoft.com/office/powerpoint/2010/main" val="32716136"/>
+      </p:ext>
+    </p:extLst>
+  </p:cSld>
+  <p:clrMapOvr>
+    <a:masterClrMapping/>
+  </p:clrMapOvr>
+  <p:timing>
+    <p:tnLst>
+      <p:par>
+        <p:cTn id="1" dur="indefinite" restart="never" nodeType="tmRoot"/>
+      </p:par>
+    </p:tnLst>
+  </p:timing>
+</p:sld>
+</file>
+
+<file path=ppt/slides/slide31.xml><?xml version="1.0" encoding="utf-8"?>
+<p:sld xmlns:a="http://schemas.openxmlformats.org/drawingml/2006/main" xmlns:r="http://schemas.openxmlformats.org/officeDocument/2006/relationships" xmlns:p="http://schemas.openxmlformats.org/presentationml/2006/main">
+  <p:cSld>
+    <p:spTree>
+      <p:nvGrpSpPr>
+        <p:cNvPr id="1" name=""/>
+        <p:cNvGrpSpPr/>
+        <p:nvPr/>
+      </p:nvGrpSpPr>
+      <p:grpSpPr>
+        <a:xfrm>
+          <a:off x="0" y="0"/>
+          <a:ext cx="0" cy="0"/>
+          <a:chOff x="0" y="0"/>
+          <a:chExt cx="0" cy="0"/>
+        </a:xfrm>
+      </p:grpSpPr>
+      <p:sp>
+        <p:nvSpPr>
+          <p:cNvPr id="10" name="Rectangle 9">
+            <a:extLst>
+              <a:ext uri="{FF2B5EF4-FFF2-40B4-BE49-F238E27FC236}">
+                <a16:creationId xmlns:a16="http://schemas.microsoft.com/office/drawing/2014/main" id="{DA4BA0ED-4844-4C8B-82B9-1189524149F8}"/>
+              </a:ext>
+            </a:extLst>
+          </p:cNvPr>
+          <p:cNvSpPr/>
+          <p:nvPr/>
+        </p:nvSpPr>
+        <p:spPr>
+          <a:xfrm>
+            <a:off x="0" y="6385815"/>
+            <a:ext cx="12192000" cy="472186"/>
+          </a:xfrm>
+          <a:prstGeom prst="rect">
+            <a:avLst/>
+          </a:prstGeom>
+          <a:solidFill>
+            <a:schemeClr val="accent1">
+              <a:lumMod val="20000"/>
+              <a:lumOff val="80000"/>
+            </a:schemeClr>
+          </a:solidFill>
+          <a:ln>
+            <a:noFill/>
+          </a:ln>
+        </p:spPr>
+        <p:style>
+          <a:lnRef idx="2">
+            <a:schemeClr val="accent1">
+              <a:shade val="50000"/>
+            </a:schemeClr>
+          </a:lnRef>
+          <a:fillRef idx="1">
+            <a:schemeClr val="accent1"/>
+          </a:fillRef>
+          <a:effectRef idx="0">
+            <a:schemeClr val="accent1"/>
+          </a:effectRef>
+          <a:fontRef idx="minor">
+            <a:schemeClr val="lt1"/>
+          </a:fontRef>
+        </p:style>
+        <p:txBody>
+          <a:bodyPr rtlCol="0" anchor="ctr"/>
+          <a:lstStyle/>
+          <a:p>
+            <a:pPr algn="ctr"/>
+            <a:endParaRPr lang="fr-FR"/>
+          </a:p>
+        </p:txBody>
+      </p:sp>
+      <p:sp>
+        <p:nvSpPr>
+          <p:cNvPr id="11" name="Espace réservé du numéro de diapositive 11">
+            <a:extLst>
+              <a:ext uri="{FF2B5EF4-FFF2-40B4-BE49-F238E27FC236}">
+                <a16:creationId xmlns:a16="http://schemas.microsoft.com/office/drawing/2014/main" id="{6E09DCDB-AE7D-46A6-BB24-B19F551B132C}"/>
+              </a:ext>
+            </a:extLst>
+          </p:cNvPr>
+          <p:cNvSpPr>
+            <a:spLocks noGrp="1"/>
+          </p:cNvSpPr>
+          <p:nvPr>
+            <p:ph type="sldNum" sz="quarter" idx="12"/>
+          </p:nvPr>
+        </p:nvSpPr>
+        <p:spPr>
+          <a:xfrm>
+            <a:off x="11158322" y="6492875"/>
+            <a:ext cx="870036" cy="365125"/>
+          </a:xfrm>
+        </p:spPr>
+        <p:txBody>
+          <a:bodyPr/>
+          <a:lstStyle/>
+          <a:p>
+            <a:fld id="{09EA0DBA-1CB7-49FD-A4E9-CB9833829DE4}" type="slidenum">
+              <a:rPr lang="fr-FR" sz="2000" b="1" smtClean="0">
+                <a:solidFill>
+                  <a:srgbClr val="FF0000"/>
+                </a:solidFill>
+                <a:latin typeface="Times New Roman" panose="02020603050405020304" pitchFamily="18" charset="0"/>
+                <a:cs typeface="Times New Roman" panose="02020603050405020304" pitchFamily="18" charset="0"/>
+              </a:rPr>
+              <a:t>31</a:t>
             </a:fld>
             <a:endParaRPr lang="fr-FR" sz="2000" b="1" dirty="0">
               <a:solidFill>
@@ -12563,7 +13008,7 @@
 </p:sld>
 </file>
 
-<file path=ppt/slides/slide31.xml><?xml version="1.0" encoding="utf-8"?>
+<file path=ppt/slides/slide32.xml><?xml version="1.0" encoding="utf-8"?>
 <p:sld xmlns:a="http://schemas.openxmlformats.org/drawingml/2006/main" xmlns:r="http://schemas.openxmlformats.org/officeDocument/2006/relationships" xmlns:p="http://schemas.openxmlformats.org/presentationml/2006/main">
   <p:cSld>
     <p:spTree>
@@ -13375,6 +13820,74 @@
       </p:grpSpPr>
       <p:sp>
         <p:nvSpPr>
+          <p:cNvPr id="2" name="Titre 1"/>
+          <p:cNvSpPr>
+            <a:spLocks noGrp="1"/>
+          </p:cNvSpPr>
+          <p:nvPr>
+            <p:ph type="title"/>
+          </p:nvPr>
+        </p:nvSpPr>
+        <p:spPr/>
+        <p:txBody>
+          <a:bodyPr/>
+          <a:lstStyle/>
+          <a:p>
+            <a:endParaRPr lang="fr-FR"/>
+          </a:p>
+        </p:txBody>
+      </p:sp>
+      <p:sp>
+        <p:nvSpPr>
+          <p:cNvPr id="3" name="Espace réservé du contenu 2"/>
+          <p:cNvSpPr>
+            <a:spLocks noGrp="1"/>
+          </p:cNvSpPr>
+          <p:nvPr>
+            <p:ph idx="1"/>
+          </p:nvPr>
+        </p:nvSpPr>
+        <p:spPr/>
+        <p:txBody>
+          <a:bodyPr/>
+          <a:lstStyle/>
+          <a:p>
+            <a:endParaRPr lang="fr-FR"/>
+          </a:p>
+        </p:txBody>
+      </p:sp>
+    </p:spTree>
+    <p:extLst>
+      <p:ext uri="{BB962C8B-B14F-4D97-AF65-F5344CB8AC3E}">
+        <p14:creationId xmlns:p14="http://schemas.microsoft.com/office/powerpoint/2010/main" val="3870182786"/>
+      </p:ext>
+    </p:extLst>
+  </p:cSld>
+  <p:clrMapOvr>
+    <a:masterClrMapping/>
+  </p:clrMapOvr>
+</p:sld>
+</file>
+
+<file path=ppt/slides/slide6.xml><?xml version="1.0" encoding="utf-8"?>
+<p:sld xmlns:a="http://schemas.openxmlformats.org/drawingml/2006/main" xmlns:r="http://schemas.openxmlformats.org/officeDocument/2006/relationships" xmlns:p="http://schemas.openxmlformats.org/presentationml/2006/main">
+  <p:cSld>
+    <p:spTree>
+      <p:nvGrpSpPr>
+        <p:cNvPr id="1" name=""/>
+        <p:cNvGrpSpPr/>
+        <p:nvPr/>
+      </p:nvGrpSpPr>
+      <p:grpSpPr>
+        <a:xfrm>
+          <a:off x="0" y="0"/>
+          <a:ext cx="0" cy="0"/>
+          <a:chOff x="0" y="0"/>
+          <a:chExt cx="0" cy="0"/>
+        </a:xfrm>
+      </p:grpSpPr>
+      <p:sp>
+        <p:nvSpPr>
           <p:cNvPr id="4" name="ZoneTexte 3">
             <a:extLst>
               <a:ext uri="{FF2B5EF4-FFF2-40B4-BE49-F238E27FC236}">
@@ -13569,275 +14082,6 @@
                 <a:latin typeface="Times New Roman" panose="02020603050405020304" pitchFamily="18" charset="0"/>
                 <a:cs typeface="Times New Roman" panose="02020603050405020304" pitchFamily="18" charset="0"/>
               </a:rPr>
-              <a:t>5</a:t>
-            </a:fld>
-            <a:endParaRPr lang="fr-FR" sz="2000" b="1" dirty="0">
-              <a:solidFill>
-                <a:srgbClr val="FF0000"/>
-              </a:solidFill>
-              <a:latin typeface="Times New Roman" panose="02020603050405020304" pitchFamily="18" charset="0"/>
-              <a:cs typeface="Times New Roman" panose="02020603050405020304" pitchFamily="18" charset="0"/>
-            </a:endParaRPr>
-          </a:p>
-        </p:txBody>
-      </p:sp>
-      <p:pic>
-        <p:nvPicPr>
-          <p:cNvPr id="10" name="Image 9"/>
-          <p:cNvPicPr>
-            <a:picLocks noChangeAspect="1"/>
-          </p:cNvPicPr>
-          <p:nvPr/>
-        </p:nvPicPr>
-        <p:blipFill>
-          <a:blip r:embed="rId2"/>
-          <a:stretch>
-            <a:fillRect/>
-          </a:stretch>
-        </p:blipFill>
-        <p:spPr>
-          <a:xfrm>
-            <a:off x="0" y="1072694"/>
-            <a:ext cx="11101583" cy="5923100"/>
-          </a:xfrm>
-          <a:prstGeom prst="rect">
-            <a:avLst/>
-          </a:prstGeom>
-        </p:spPr>
-      </p:pic>
-    </p:spTree>
-    <p:extLst>
-      <p:ext uri="{BB962C8B-B14F-4D97-AF65-F5344CB8AC3E}">
-        <p14:creationId xmlns:p14="http://schemas.microsoft.com/office/powerpoint/2010/main" val="3715760350"/>
-      </p:ext>
-    </p:extLst>
-  </p:cSld>
-  <p:clrMapOvr>
-    <a:masterClrMapping/>
-  </p:clrMapOvr>
-  <p:timing>
-    <p:tnLst>
-      <p:par>
-        <p:cTn id="1" dur="indefinite" restart="never" nodeType="tmRoot"/>
-      </p:par>
-    </p:tnLst>
-  </p:timing>
-</p:sld>
-</file>
-
-<file path=ppt/slides/slide6.xml><?xml version="1.0" encoding="utf-8"?>
-<p:sld xmlns:a="http://schemas.openxmlformats.org/drawingml/2006/main" xmlns:r="http://schemas.openxmlformats.org/officeDocument/2006/relationships" xmlns:p="http://schemas.openxmlformats.org/presentationml/2006/main">
-  <p:cSld>
-    <p:spTree>
-      <p:nvGrpSpPr>
-        <p:cNvPr id="1" name=""/>
-        <p:cNvGrpSpPr/>
-        <p:nvPr/>
-      </p:nvGrpSpPr>
-      <p:grpSpPr>
-        <a:xfrm>
-          <a:off x="0" y="0"/>
-          <a:ext cx="0" cy="0"/>
-          <a:chOff x="0" y="0"/>
-          <a:chExt cx="0" cy="0"/>
-        </a:xfrm>
-      </p:grpSpPr>
-      <p:sp>
-        <p:nvSpPr>
-          <p:cNvPr id="4" name="ZoneTexte 3">
-            <a:extLst>
-              <a:ext uri="{FF2B5EF4-FFF2-40B4-BE49-F238E27FC236}">
-                <a16:creationId xmlns:a16="http://schemas.microsoft.com/office/drawing/2014/main" id="{B7191FEF-1E3F-48E9-A65A-B5A88B9994F6}"/>
-              </a:ext>
-            </a:extLst>
-          </p:cNvPr>
-          <p:cNvSpPr txBox="1"/>
-          <p:nvPr/>
-        </p:nvSpPr>
-        <p:spPr>
-          <a:xfrm>
-            <a:off x="1919416" y="295004"/>
-            <a:ext cx="8353167" cy="707886"/>
-          </a:xfrm>
-          <a:prstGeom prst="rect">
-            <a:avLst/>
-          </a:prstGeom>
-          <a:solidFill>
-            <a:schemeClr val="accent6">
-              <a:lumMod val="50000"/>
-            </a:schemeClr>
-          </a:solidFill>
-          <a:ln>
-            <a:solidFill>
-              <a:schemeClr val="accent6">
-                <a:lumMod val="50000"/>
-              </a:schemeClr>
-            </a:solidFill>
-          </a:ln>
-          <a:effectLst>
-            <a:outerShdw blurRad="50800" dist="38100" dir="13500000" algn="br" rotWithShape="0">
-              <a:schemeClr val="accent1">
-                <a:alpha val="40000"/>
-              </a:schemeClr>
-            </a:outerShdw>
-            <a:reflection blurRad="6350" stA="50000" endA="300" endPos="55000" dir="5400000" sy="-100000" algn="bl" rotWithShape="0"/>
-          </a:effectLst>
-        </p:spPr>
-        <p:txBody>
-          <a:bodyPr wrap="square" rtlCol="0">
-            <a:spAutoFit/>
-          </a:bodyPr>
-          <a:lstStyle/>
-          <a:p>
-            <a:pPr algn="ctr"/>
-            <a:r>
-              <a:rPr lang="fr-FR" sz="4000" dirty="0" smtClean="0">
-                <a:solidFill>
-                  <a:schemeClr val="bg1"/>
-                </a:solidFill>
-              </a:rPr>
-              <a:t>Présentation du logiciel: Le ruban</a:t>
-            </a:r>
-            <a:endParaRPr lang="fr-FR" sz="4000" dirty="0">
-              <a:solidFill>
-                <a:schemeClr val="bg1"/>
-              </a:solidFill>
-            </a:endParaRPr>
-          </a:p>
-        </p:txBody>
-      </p:sp>
-      <p:cxnSp>
-        <p:nvCxnSpPr>
-          <p:cNvPr id="3" name="Connecteur droit 2">
-            <a:extLst>
-              <a:ext uri="{FF2B5EF4-FFF2-40B4-BE49-F238E27FC236}">
-                <a16:creationId xmlns:a16="http://schemas.microsoft.com/office/drawing/2014/main" id="{2E5FFC58-89E0-45F1-AB54-88B4500CE745}"/>
-              </a:ext>
-            </a:extLst>
-          </p:cNvPr>
-          <p:cNvCxnSpPr/>
-          <p:nvPr/>
-        </p:nvCxnSpPr>
-        <p:spPr>
-          <a:xfrm>
-            <a:off x="1327355" y="1002890"/>
-            <a:ext cx="9674942" cy="0"/>
-          </a:xfrm>
-          <a:prstGeom prst="line">
-            <a:avLst/>
-          </a:prstGeom>
-          <a:ln w="38100">
-            <a:solidFill>
-              <a:schemeClr val="accent6">
-                <a:lumMod val="50000"/>
-              </a:schemeClr>
-            </a:solidFill>
-          </a:ln>
-        </p:spPr>
-        <p:style>
-          <a:lnRef idx="1">
-            <a:schemeClr val="accent1"/>
-          </a:lnRef>
-          <a:fillRef idx="0">
-            <a:schemeClr val="accent1"/>
-          </a:fillRef>
-          <a:effectRef idx="0">
-            <a:schemeClr val="accent1"/>
-          </a:effectRef>
-          <a:fontRef idx="minor">
-            <a:schemeClr val="tx1"/>
-          </a:fontRef>
-        </p:style>
-      </p:cxnSp>
-      <p:sp>
-        <p:nvSpPr>
-          <p:cNvPr id="14" name="Rectangle 13">
-            <a:extLst>
-              <a:ext uri="{FF2B5EF4-FFF2-40B4-BE49-F238E27FC236}">
-                <a16:creationId xmlns:a16="http://schemas.microsoft.com/office/drawing/2014/main" id="{A111C86D-0A6E-4457-9131-84B9AB8CA6E2}"/>
-              </a:ext>
-            </a:extLst>
-          </p:cNvPr>
-          <p:cNvSpPr/>
-          <p:nvPr/>
-        </p:nvSpPr>
-        <p:spPr>
-          <a:xfrm>
-            <a:off x="0" y="6995795"/>
-            <a:ext cx="12192000" cy="525145"/>
-          </a:xfrm>
-          <a:prstGeom prst="rect">
-            <a:avLst/>
-          </a:prstGeom>
-          <a:solidFill>
-            <a:schemeClr val="accent1">
-              <a:lumMod val="20000"/>
-              <a:lumOff val="80000"/>
-            </a:schemeClr>
-          </a:solidFill>
-          <a:ln>
-            <a:noFill/>
-          </a:ln>
-        </p:spPr>
-        <p:style>
-          <a:lnRef idx="2">
-            <a:schemeClr val="accent1">
-              <a:shade val="50000"/>
-            </a:schemeClr>
-          </a:lnRef>
-          <a:fillRef idx="1">
-            <a:schemeClr val="accent1"/>
-          </a:fillRef>
-          <a:effectRef idx="0">
-            <a:schemeClr val="accent1"/>
-          </a:effectRef>
-          <a:fontRef idx="minor">
-            <a:schemeClr val="lt1"/>
-          </a:fontRef>
-        </p:style>
-        <p:txBody>
-          <a:bodyPr rtlCol="0" anchor="ctr"/>
-          <a:lstStyle/>
-          <a:p>
-            <a:pPr algn="ctr"/>
-            <a:endParaRPr lang="fr-FR"/>
-          </a:p>
-        </p:txBody>
-      </p:sp>
-      <p:sp>
-        <p:nvSpPr>
-          <p:cNvPr id="16" name="Espace réservé du numéro de diapositive 11">
-            <a:extLst>
-              <a:ext uri="{FF2B5EF4-FFF2-40B4-BE49-F238E27FC236}">
-                <a16:creationId xmlns:a16="http://schemas.microsoft.com/office/drawing/2014/main" id="{C4BC3E63-B4B6-49C0-95C7-9C149F176671}"/>
-              </a:ext>
-            </a:extLst>
-          </p:cNvPr>
-          <p:cNvSpPr>
-            <a:spLocks noGrp="1"/>
-          </p:cNvSpPr>
-          <p:nvPr>
-            <p:ph type="sldNum" sz="quarter" idx="12"/>
-          </p:nvPr>
-        </p:nvSpPr>
-        <p:spPr>
-          <a:xfrm>
-            <a:off x="11158322" y="6492875"/>
-            <a:ext cx="870036" cy="365125"/>
-          </a:xfrm>
-        </p:spPr>
-        <p:txBody>
-          <a:bodyPr/>
-          <a:lstStyle/>
-          <a:p>
-            <a:fld id="{09EA0DBA-1CB7-49FD-A4E9-CB9833829DE4}" type="slidenum">
-              <a:rPr lang="fr-FR" sz="2000" b="1" smtClean="0">
-                <a:solidFill>
-                  <a:srgbClr val="FF0000"/>
-                </a:solidFill>
-                <a:latin typeface="Times New Roman" panose="02020603050405020304" pitchFamily="18" charset="0"/>
-                <a:cs typeface="Times New Roman" panose="02020603050405020304" pitchFamily="18" charset="0"/>
-              </a:rPr>
               <a:t>6</a:t>
             </a:fld>
             <a:endParaRPr lang="fr-FR" sz="2000" b="1" dirty="0">
@@ -13852,7 +14096,7 @@
       </p:sp>
       <p:pic>
         <p:nvPicPr>
-          <p:cNvPr id="2" name="Image 1"/>
+          <p:cNvPr id="10" name="Image 9"/>
           <p:cNvPicPr>
             <a:picLocks noChangeAspect="1"/>
           </p:cNvPicPr>
@@ -13866,8 +14110,8 @@
         </p:blipFill>
         <p:spPr>
           <a:xfrm>
-            <a:off x="548640" y="1593670"/>
-            <a:ext cx="10881360" cy="4761410"/>
+            <a:off x="0" y="1072694"/>
+            <a:ext cx="11101583" cy="5923100"/>
           </a:xfrm>
           <a:prstGeom prst="rect">
             <a:avLst/>
@@ -13877,7 +14121,7 @@
     </p:spTree>
     <p:extLst>
       <p:ext uri="{BB962C8B-B14F-4D97-AF65-F5344CB8AC3E}">
-        <p14:creationId xmlns:p14="http://schemas.microsoft.com/office/powerpoint/2010/main" val="4172587323"/>
+        <p14:creationId xmlns:p14="http://schemas.microsoft.com/office/powerpoint/2010/main" val="3715760350"/>
       </p:ext>
     </p:extLst>
   </p:cSld>
@@ -13965,7 +14209,7 @@
                   <a:schemeClr val="bg1"/>
                 </a:solidFill>
               </a:rPr>
-              <a:t>Présentation du logiciel: La barre d’état</a:t>
+              <a:t>Présentation du logiciel: Le ruban</a:t>
             </a:r>
             <a:endParaRPr lang="fr-FR" sz="4000" dirty="0">
               <a:solidFill>
@@ -14121,7 +14365,7 @@
       </p:sp>
       <p:pic>
         <p:nvPicPr>
-          <p:cNvPr id="5" name="Image 4"/>
+          <p:cNvPr id="2" name="Image 1"/>
           <p:cNvPicPr>
             <a:picLocks noChangeAspect="1"/>
           </p:cNvPicPr>
@@ -14135,8 +14379,8 @@
         </p:blipFill>
         <p:spPr>
           <a:xfrm>
-            <a:off x="594360" y="1710776"/>
-            <a:ext cx="11018520" cy="4530004"/>
+            <a:off x="548640" y="1593670"/>
+            <a:ext cx="10881360" cy="4761410"/>
           </a:xfrm>
           <a:prstGeom prst="rect">
             <a:avLst/>
@@ -14146,7 +14390,7 @@
     </p:spTree>
     <p:extLst>
       <p:ext uri="{BB962C8B-B14F-4D97-AF65-F5344CB8AC3E}">
-        <p14:creationId xmlns:p14="http://schemas.microsoft.com/office/powerpoint/2010/main" val="689766448"/>
+        <p14:creationId xmlns:p14="http://schemas.microsoft.com/office/powerpoint/2010/main" val="4172587323"/>
       </p:ext>
     </p:extLst>
   </p:cSld>
@@ -14194,8 +14438,8 @@
         </p:nvSpPr>
         <p:spPr>
           <a:xfrm>
-            <a:off x="594360" y="168957"/>
-            <a:ext cx="10835640" cy="707886"/>
+            <a:off x="1919416" y="295004"/>
+            <a:ext cx="8353167" cy="707886"/>
           </a:xfrm>
           <a:prstGeom prst="rect">
             <a:avLst/>
@@ -14234,7 +14478,7 @@
                   <a:schemeClr val="bg1"/>
                 </a:solidFill>
               </a:rPr>
-              <a:t>Saisie de données simples et mise en forme simple</a:t>
+              <a:t>Présentation du logiciel: La barre d’état</a:t>
             </a:r>
             <a:endParaRPr lang="fr-FR" sz="4000" dirty="0">
               <a:solidFill>
@@ -14258,8 +14502,8 @@
         </p:nvCxnSpPr>
         <p:spPr>
           <a:xfrm>
-            <a:off x="594360" y="876843"/>
-            <a:ext cx="10835640" cy="137795"/>
+            <a:off x="1327355" y="1002890"/>
+            <a:ext cx="9674942" cy="0"/>
           </a:xfrm>
           <a:prstGeom prst="line">
             <a:avLst/>
@@ -14388,139 +14632,34 @@
           </a:p>
         </p:txBody>
       </p:sp>
-      <p:sp>
-        <p:nvSpPr>
-          <p:cNvPr id="9" name="Rectangle 8"/>
-          <p:cNvSpPr/>
-          <p:nvPr/>
-        </p:nvSpPr>
-        <p:spPr>
-          <a:xfrm>
-            <a:off x="-164754" y="1710776"/>
-            <a:ext cx="9395393" cy="830997"/>
+      <p:pic>
+        <p:nvPicPr>
+          <p:cNvPr id="5" name="Image 4"/>
+          <p:cNvPicPr>
+            <a:picLocks noChangeAspect="1"/>
+          </p:cNvPicPr>
+          <p:nvPr/>
+        </p:nvPicPr>
+        <p:blipFill>
+          <a:blip r:embed="rId2"/>
+          <a:stretch>
+            <a:fillRect/>
+          </a:stretch>
+        </p:blipFill>
+        <p:spPr>
+          <a:xfrm>
+            <a:off x="594360" y="1710776"/>
+            <a:ext cx="11018520" cy="4530004"/>
           </a:xfrm>
           <a:prstGeom prst="rect">
             <a:avLst/>
           </a:prstGeom>
-          <a:noFill/>
-        </p:spPr>
-        <p:txBody>
-          <a:bodyPr wrap="none" lIns="91440" tIns="45720" rIns="91440" bIns="45720">
-            <a:spAutoFit/>
-          </a:bodyPr>
-          <a:lstStyle/>
-          <a:p>
-            <a:pPr algn="ctr"/>
-            <a:r>
-              <a:rPr lang="fr-FR" sz="2400" b="0" cap="none" spc="0" dirty="0" smtClean="0">
-                <a:ln w="0"/>
-                <a:solidFill>
-                  <a:schemeClr val="tx1"/>
-                </a:solidFill>
-                <a:effectLst>
-                  <a:outerShdw blurRad="38100" dist="19050" dir="2700000" algn="tl" rotWithShape="0">
-                    <a:schemeClr val="dk1">
-                      <a:alpha val="40000"/>
-                    </a:schemeClr>
-                  </a:outerShdw>
-                </a:effectLst>
-              </a:rPr>
-              <a:t>Dans cette partie, nous verrons comment </a:t>
-            </a:r>
-          </a:p>
-          <a:p>
-            <a:pPr algn="ctr"/>
-            <a:r>
-              <a:rPr lang="fr-FR" sz="2400" b="0" cap="none" spc="0" dirty="0" smtClean="0">
-                <a:ln w="0"/>
-                <a:solidFill>
-                  <a:schemeClr val="tx1"/>
-                </a:solidFill>
-                <a:effectLst>
-                  <a:outerShdw blurRad="38100" dist="19050" dir="2700000" algn="tl" rotWithShape="0">
-                    <a:schemeClr val="dk1">
-                      <a:alpha val="40000"/>
-                    </a:schemeClr>
-                  </a:outerShdw>
-                </a:effectLst>
-              </a:rPr>
-              <a:t>sélectionner des objets de votre zone de travail (colonnes, cellules, lignes).</a:t>
-            </a:r>
-            <a:endParaRPr lang="fr-FR" sz="2400" b="0" cap="none" spc="0" dirty="0">
-              <a:ln w="0"/>
-              <a:solidFill>
-                <a:schemeClr val="tx1"/>
-              </a:solidFill>
-              <a:effectLst>
-                <a:outerShdw blurRad="38100" dist="19050" dir="2700000" algn="tl" rotWithShape="0">
-                  <a:schemeClr val="dk1">
-                    <a:alpha val="40000"/>
-                  </a:schemeClr>
-                </a:outerShdw>
-              </a:effectLst>
-            </a:endParaRPr>
-          </a:p>
-        </p:txBody>
-      </p:sp>
-      <p:sp>
-        <p:nvSpPr>
-          <p:cNvPr id="10" name="Rectangle 9"/>
-          <p:cNvSpPr/>
-          <p:nvPr/>
-        </p:nvSpPr>
-        <p:spPr>
-          <a:xfrm>
-            <a:off x="31627" y="3036424"/>
-            <a:ext cx="9332170" cy="461665"/>
-          </a:xfrm>
-          <a:prstGeom prst="rect">
-            <a:avLst/>
-          </a:prstGeom>
-          <a:noFill/>
-        </p:spPr>
-        <p:txBody>
-          <a:bodyPr wrap="none" lIns="91440" tIns="45720" rIns="91440" bIns="45720">
-            <a:spAutoFit/>
-          </a:bodyPr>
-          <a:lstStyle/>
-          <a:p>
-            <a:pPr algn="ctr"/>
-            <a:r>
-              <a:rPr lang="fr-FR" sz="2400" b="0" cap="none" spc="0" dirty="0" smtClean="0">
-                <a:ln w="0"/>
-                <a:solidFill>
-                  <a:schemeClr val="tx1"/>
-                </a:solidFill>
-                <a:effectLst>
-                  <a:outerShdw blurRad="38100" dist="19050" dir="2700000" algn="tl" rotWithShape="0">
-                    <a:schemeClr val="dk1">
-                      <a:alpha val="40000"/>
-                    </a:schemeClr>
-                  </a:outerShdw>
-                </a:effectLst>
-              </a:rPr>
-              <a:t>Comment saisir des données, choisir leur format, mettre de la couleur …?</a:t>
-            </a:r>
-            <a:endParaRPr lang="fr-FR" sz="2400" b="0" cap="none" spc="0" dirty="0">
-              <a:ln w="0"/>
-              <a:solidFill>
-                <a:schemeClr val="tx1"/>
-              </a:solidFill>
-              <a:effectLst>
-                <a:outerShdw blurRad="38100" dist="19050" dir="2700000" algn="tl" rotWithShape="0">
-                  <a:schemeClr val="dk1">
-                    <a:alpha val="40000"/>
-                  </a:schemeClr>
-                </a:outerShdw>
-              </a:effectLst>
-            </a:endParaRPr>
-          </a:p>
-        </p:txBody>
-      </p:sp>
+        </p:spPr>
+      </p:pic>
     </p:spTree>
     <p:extLst>
       <p:ext uri="{BB962C8B-B14F-4D97-AF65-F5344CB8AC3E}">
-        <p14:creationId xmlns:p14="http://schemas.microsoft.com/office/powerpoint/2010/main" val="1641989782"/>
+        <p14:creationId xmlns:p14="http://schemas.microsoft.com/office/powerpoint/2010/main" val="689766448"/>
       </p:ext>
     </p:extLst>
   </p:cSld>
@@ -14770,8 +14909,8 @@
         </p:nvSpPr>
         <p:spPr>
           <a:xfrm>
-            <a:off x="309915" y="1710776"/>
-            <a:ext cx="8446095" cy="1200329"/>
+            <a:off x="-164754" y="1710776"/>
+            <a:ext cx="9395393" cy="830997"/>
           </a:xfrm>
           <a:prstGeom prst="rect">
             <a:avLst/>
@@ -14799,7 +14938,7 @@
                   </a:outerShdw>
                 </a:effectLst>
               </a:rPr>
-              <a:t>Pour sélectionner une cellule ( et attention, je dis bien une seule), </a:t>
+              <a:t>Dans cette partie, nous verrons comment </a:t>
             </a:r>
           </a:p>
           <a:p>
@@ -14818,23 +14957,7 @@
                   </a:outerShdw>
                 </a:effectLst>
               </a:rPr>
-              <a:t>il faut cliquer sur celle-ci.</a:t>
-            </a:r>
-          </a:p>
-          <a:p>
-            <a:pPr algn="ctr"/>
-            <a:r>
-              <a:rPr lang="fr-FR" sz="2400" dirty="0">
-                <a:ln w="0"/>
-                <a:effectLst>
-                  <a:outerShdw blurRad="38100" dist="19050" dir="2700000" algn="tl" rotWithShape="0">
-                    <a:schemeClr val="dk1">
-                      <a:alpha val="40000"/>
-                    </a:schemeClr>
-                  </a:outerShdw>
-                </a:effectLst>
-              </a:rPr>
-              <a:t>.</a:t>
+              <a:t>sélectionner des objets de votre zone de travail (colonnes, cellules, lignes).</a:t>
             </a:r>
             <a:endParaRPr lang="fr-FR" sz="2400" b="0" cap="none" spc="0" dirty="0">
               <a:ln w="0"/>
@@ -14860,8 +14983,8 @@
         </p:nvSpPr>
         <p:spPr>
           <a:xfrm>
-            <a:off x="-1598891" y="3036424"/>
-            <a:ext cx="12593255" cy="1569660"/>
+            <a:off x="31627" y="3036424"/>
+            <a:ext cx="9332170" cy="461665"/>
           </a:xfrm>
           <a:prstGeom prst="rect">
             <a:avLst/>
@@ -14889,61 +15012,7 @@
                   </a:outerShdw>
                 </a:effectLst>
               </a:rPr>
-              <a:t>Pour sélectionner un bloc de cellules, </a:t>
-            </a:r>
-          </a:p>
-          <a:p>
-            <a:pPr algn="ctr"/>
-            <a:r>
-              <a:rPr lang="fr-FR" sz="2400" b="0" cap="none" spc="0" dirty="0" smtClean="0">
-                <a:ln w="0"/>
-                <a:solidFill>
-                  <a:schemeClr val="tx1"/>
-                </a:solidFill>
-                <a:effectLst>
-                  <a:outerShdw blurRad="38100" dist="19050" dir="2700000" algn="tl" rotWithShape="0">
-                    <a:schemeClr val="dk1">
-                      <a:alpha val="40000"/>
-                    </a:schemeClr>
-                  </a:outerShdw>
-                </a:effectLst>
-              </a:rPr>
-              <a:t>maintenez le bouton gauche de la souris enfoncé</a:t>
-            </a:r>
-          </a:p>
-          <a:p>
-            <a:pPr algn="ctr"/>
-            <a:r>
-              <a:rPr lang="fr-FR" sz="2400" dirty="0" smtClean="0">
-                <a:ln w="0"/>
-                <a:effectLst>
-                  <a:outerShdw blurRad="38100" dist="19050" dir="2700000" algn="tl" rotWithShape="0">
-                    <a:schemeClr val="dk1">
-                      <a:alpha val="40000"/>
-                    </a:schemeClr>
-                  </a:outerShdw>
-                </a:effectLst>
-              </a:rPr>
-              <a:t>Et glissez dans la zone de travail pour définir un bloc. Relâchez le bouton lorsque vous avez terminé.</a:t>
-            </a:r>
-          </a:p>
-          <a:p>
-            <a:pPr algn="ctr"/>
-            <a:r>
-              <a:rPr lang="fr-FR" sz="2400" b="0" cap="none" spc="0" dirty="0" smtClean="0">
-                <a:ln w="0"/>
-                <a:solidFill>
-                  <a:schemeClr val="tx1"/>
-                </a:solidFill>
-                <a:effectLst>
-                  <a:outerShdw blurRad="38100" dist="19050" dir="2700000" algn="tl" rotWithShape="0">
-                    <a:schemeClr val="dk1">
-                      <a:alpha val="40000"/>
-                    </a:schemeClr>
-                  </a:outerShdw>
-                </a:effectLst>
-              </a:rPr>
-              <a:t>Autres sélections: sur la feuille de travail </a:t>
+              <a:t>Comment saisir des données, choisir leur format, mettre de la couleur …?</a:t>
             </a:r>
             <a:endParaRPr lang="fr-FR" sz="2400" b="0" cap="none" spc="0" dirty="0">
               <a:ln w="0"/>
@@ -14964,7 +15033,7 @@
     </p:spTree>
     <p:extLst>
       <p:ext uri="{BB962C8B-B14F-4D97-AF65-F5344CB8AC3E}">
-        <p14:creationId xmlns:p14="http://schemas.microsoft.com/office/powerpoint/2010/main" val="3693816991"/>
+        <p14:creationId xmlns:p14="http://schemas.microsoft.com/office/powerpoint/2010/main" val="1641989782"/>
       </p:ext>
     </p:extLst>
   </p:cSld>

--- a/Cours/IFDC_1.pptx
+++ b/Cours/IFDC_1.pptx
@@ -5,41 +5,40 @@
     <p:sldMasterId id="2147483648" r:id="rId1"/>
   </p:sldMasterIdLst>
   <p:notesMasterIdLst>
-    <p:notesMasterId r:id="rId34"/>
+    <p:notesMasterId r:id="rId33"/>
   </p:notesMasterIdLst>
   <p:sldIdLst>
     <p:sldId id="285" r:id="rId2"/>
     <p:sldId id="319" r:id="rId3"/>
     <p:sldId id="291" r:id="rId4"/>
     <p:sldId id="292" r:id="rId5"/>
-    <p:sldId id="360" r:id="rId6"/>
-    <p:sldId id="339" r:id="rId7"/>
-    <p:sldId id="340" r:id="rId8"/>
-    <p:sldId id="341" r:id="rId9"/>
-    <p:sldId id="342" r:id="rId10"/>
-    <p:sldId id="344" r:id="rId11"/>
-    <p:sldId id="343" r:id="rId12"/>
-    <p:sldId id="345" r:id="rId13"/>
-    <p:sldId id="346" r:id="rId14"/>
-    <p:sldId id="347" r:id="rId15"/>
-    <p:sldId id="348" r:id="rId16"/>
-    <p:sldId id="320" r:id="rId17"/>
-    <p:sldId id="297" r:id="rId18"/>
-    <p:sldId id="298" r:id="rId19"/>
-    <p:sldId id="326" r:id="rId20"/>
-    <p:sldId id="349" r:id="rId21"/>
-    <p:sldId id="350" r:id="rId22"/>
-    <p:sldId id="351" r:id="rId23"/>
-    <p:sldId id="352" r:id="rId24"/>
-    <p:sldId id="353" r:id="rId25"/>
-    <p:sldId id="354" r:id="rId26"/>
-    <p:sldId id="355" r:id="rId27"/>
-    <p:sldId id="356" r:id="rId28"/>
-    <p:sldId id="357" r:id="rId29"/>
-    <p:sldId id="358" r:id="rId30"/>
-    <p:sldId id="359" r:id="rId31"/>
-    <p:sldId id="335" r:id="rId32"/>
-    <p:sldId id="316" r:id="rId33"/>
+    <p:sldId id="339" r:id="rId6"/>
+    <p:sldId id="340" r:id="rId7"/>
+    <p:sldId id="341" r:id="rId8"/>
+    <p:sldId id="342" r:id="rId9"/>
+    <p:sldId id="344" r:id="rId10"/>
+    <p:sldId id="343" r:id="rId11"/>
+    <p:sldId id="345" r:id="rId12"/>
+    <p:sldId id="346" r:id="rId13"/>
+    <p:sldId id="347" r:id="rId14"/>
+    <p:sldId id="348" r:id="rId15"/>
+    <p:sldId id="320" r:id="rId16"/>
+    <p:sldId id="297" r:id="rId17"/>
+    <p:sldId id="298" r:id="rId18"/>
+    <p:sldId id="326" r:id="rId19"/>
+    <p:sldId id="349" r:id="rId20"/>
+    <p:sldId id="350" r:id="rId21"/>
+    <p:sldId id="351" r:id="rId22"/>
+    <p:sldId id="352" r:id="rId23"/>
+    <p:sldId id="353" r:id="rId24"/>
+    <p:sldId id="354" r:id="rId25"/>
+    <p:sldId id="355" r:id="rId26"/>
+    <p:sldId id="356" r:id="rId27"/>
+    <p:sldId id="357" r:id="rId28"/>
+    <p:sldId id="358" r:id="rId29"/>
+    <p:sldId id="359" r:id="rId30"/>
+    <p:sldId id="335" r:id="rId31"/>
+    <p:sldId id="316" r:id="rId32"/>
   </p:sldIdLst>
   <p:sldSz cx="12192000" cy="6858000"/>
   <p:notesSz cx="6858000" cy="9144000"/>
@@ -607,6 +606,184 @@
     <p:extLst>
       <p:ext uri="{BB962C8B-B14F-4D97-AF65-F5344CB8AC3E}">
         <p14:creationId xmlns:p14="http://schemas.microsoft.com/office/powerpoint/2010/main" val="4205172727"/>
+      </p:ext>
+    </p:extLst>
+  </p:cSld>
+  <p:clrMapOvr>
+    <a:masterClrMapping/>
+  </p:clrMapOvr>
+</p:notes>
+</file>
+
+<file path=ppt/notesSlides/notesSlide2.xml><?xml version="1.0" encoding="utf-8"?>
+<p:notes xmlns:a="http://schemas.openxmlformats.org/drawingml/2006/main" xmlns:r="http://schemas.openxmlformats.org/officeDocument/2006/relationships" xmlns:p="http://schemas.openxmlformats.org/presentationml/2006/main">
+  <p:cSld>
+    <p:spTree>
+      <p:nvGrpSpPr>
+        <p:cNvPr id="1" name=""/>
+        <p:cNvGrpSpPr/>
+        <p:nvPr/>
+      </p:nvGrpSpPr>
+      <p:grpSpPr>
+        <a:xfrm>
+          <a:off x="0" y="0"/>
+          <a:ext cx="0" cy="0"/>
+          <a:chOff x="0" y="0"/>
+          <a:chExt cx="0" cy="0"/>
+        </a:xfrm>
+      </p:grpSpPr>
+      <p:sp>
+        <p:nvSpPr>
+          <p:cNvPr id="2" name="Espace réservé de l'image des diapositives 1"/>
+          <p:cNvSpPr>
+            <a:spLocks noGrp="1" noRot="1" noChangeAspect="1"/>
+          </p:cNvSpPr>
+          <p:nvPr>
+            <p:ph type="sldImg"/>
+          </p:nvPr>
+        </p:nvSpPr>
+        <p:spPr/>
+      </p:sp>
+      <p:sp>
+        <p:nvSpPr>
+          <p:cNvPr id="3" name="Espace réservé des notes 2"/>
+          <p:cNvSpPr>
+            <a:spLocks noGrp="1"/>
+          </p:cNvSpPr>
+          <p:nvPr>
+            <p:ph type="body" idx="1"/>
+          </p:nvPr>
+        </p:nvSpPr>
+        <p:spPr/>
+        <p:txBody>
+          <a:bodyPr/>
+          <a:lstStyle/>
+          <a:p>
+            <a:r>
+              <a:rPr lang="fr-FR" dirty="0" smtClean="0"/>
+              <a:t>Questions:</a:t>
+            </a:r>
+            <a:r>
+              <a:rPr lang="fr-FR" baseline="0" dirty="0" smtClean="0"/>
+              <a:t> - Qu’est ce que Excel ?</a:t>
+            </a:r>
+          </a:p>
+          <a:p>
+            <a:r>
+              <a:rPr lang="fr-FR" baseline="0" dirty="0" smtClean="0"/>
+              <a:t>Selon vous quels sont les fichiers </a:t>
+            </a:r>
+            <a:r>
+              <a:rPr lang="fr-FR" baseline="0" dirty="0" err="1" smtClean="0"/>
+              <a:t>excels</a:t>
+            </a:r>
+            <a:r>
+              <a:rPr lang="fr-FR" baseline="0" dirty="0" smtClean="0"/>
+              <a:t> qu’on peut trouver? : (.</a:t>
+            </a:r>
+            <a:r>
+              <a:rPr lang="fr-FR" baseline="0" dirty="0" err="1" smtClean="0"/>
+              <a:t>xlsx</a:t>
+            </a:r>
+            <a:r>
+              <a:rPr lang="fr-FR" baseline="0" dirty="0" smtClean="0"/>
+              <a:t>: classeur </a:t>
+            </a:r>
+            <a:r>
+              <a:rPr lang="fr-FR" baseline="0" dirty="0" err="1" smtClean="0"/>
+              <a:t>excel</a:t>
+            </a:r>
+            <a:r>
+              <a:rPr lang="fr-FR" baseline="0" dirty="0" smtClean="0"/>
+              <a:t>, .</a:t>
+            </a:r>
+            <a:r>
+              <a:rPr lang="fr-FR" baseline="0" dirty="0" err="1" smtClean="0"/>
+              <a:t>xlsm:macros</a:t>
+            </a:r>
+            <a:r>
+              <a:rPr lang="fr-FR" baseline="0" dirty="0" smtClean="0"/>
+              <a:t>; .</a:t>
+            </a:r>
+            <a:r>
+              <a:rPr lang="fr-FR" baseline="0" dirty="0" err="1" smtClean="0"/>
+              <a:t>xlsb</a:t>
+            </a:r>
+            <a:r>
+              <a:rPr lang="fr-FR" baseline="0" dirty="0" smtClean="0"/>
+              <a:t> : classeur </a:t>
+            </a:r>
+            <a:r>
+              <a:rPr lang="fr-FR" baseline="0" dirty="0" err="1" smtClean="0"/>
+              <a:t>excel</a:t>
+            </a:r>
+            <a:r>
+              <a:rPr lang="fr-FR" baseline="0" dirty="0" smtClean="0"/>
+              <a:t> binaire; .</a:t>
+            </a:r>
+            <a:r>
+              <a:rPr lang="fr-FR" baseline="0" dirty="0" err="1" smtClean="0"/>
+              <a:t>xltx</a:t>
+            </a:r>
+            <a:r>
+              <a:rPr lang="fr-FR" baseline="0" dirty="0" smtClean="0"/>
+              <a:t>: modèle; .</a:t>
+            </a:r>
+            <a:r>
+              <a:rPr lang="fr-FR" baseline="0" dirty="0" err="1" smtClean="0"/>
+              <a:t>xltm</a:t>
+            </a:r>
+            <a:r>
+              <a:rPr lang="fr-FR" baseline="0" dirty="0" smtClean="0"/>
+              <a:t>: modèle (code); .</a:t>
+            </a:r>
+            <a:r>
+              <a:rPr lang="fr-FR" baseline="0" dirty="0" err="1" smtClean="0"/>
+              <a:t>xls</a:t>
+            </a:r>
+            <a:r>
+              <a:rPr lang="fr-FR" baseline="0" dirty="0" smtClean="0"/>
+              <a:t>: classeur </a:t>
+            </a:r>
+            <a:r>
+              <a:rPr lang="fr-FR" baseline="0" dirty="0" err="1" smtClean="0"/>
+              <a:t>excel</a:t>
+            </a:r>
+            <a:r>
+              <a:rPr lang="fr-FR" baseline="0" dirty="0" smtClean="0"/>
+              <a:t> 97-2003</a:t>
+            </a:r>
+            <a:endParaRPr lang="fr-FR" dirty="0"/>
+          </a:p>
+        </p:txBody>
+      </p:sp>
+      <p:sp>
+        <p:nvSpPr>
+          <p:cNvPr id="4" name="Espace réservé du numéro de diapositive 3"/>
+          <p:cNvSpPr>
+            <a:spLocks noGrp="1"/>
+          </p:cNvSpPr>
+          <p:nvPr>
+            <p:ph type="sldNum" sz="quarter" idx="10"/>
+          </p:nvPr>
+        </p:nvSpPr>
+        <p:spPr/>
+        <p:txBody>
+          <a:bodyPr/>
+          <a:lstStyle/>
+          <a:p>
+            <a:fld id="{1F1577FF-2AC1-489B-AB72-B2CEC46442EF}" type="slidenum">
+              <a:rPr lang="fr-FR" smtClean="0"/>
+              <a:t>4</a:t>
+            </a:fld>
+            <a:endParaRPr lang="fr-FR"/>
+          </a:p>
+        </p:txBody>
+      </p:sp>
+    </p:spTree>
+    <p:extLst>
+      <p:ext uri="{BB962C8B-B14F-4D97-AF65-F5344CB8AC3E}">
+        <p14:creationId xmlns:p14="http://schemas.microsoft.com/office/powerpoint/2010/main" val="1277743186"/>
       </p:ext>
     </p:extLst>
   </p:cSld>
@@ -4066,7 +4243,7 @@
         <p:spPr>
           <a:xfrm>
             <a:off x="2831269" y="3495912"/>
-            <a:ext cx="9286240" cy="523220"/>
+            <a:ext cx="9286240" cy="769441"/>
           </a:xfrm>
           <a:prstGeom prst="rect">
             <a:avLst/>
@@ -4080,7 +4257,7 @@
           <a:p>
             <a:pPr algn="just"/>
             <a:r>
-              <a:rPr lang="fr-FR" sz="2800" b="1" dirty="0" smtClean="0"/>
+              <a:rPr lang="fr-FR" sz="4400" b="1" dirty="0" smtClean="0"/>
               <a:t>Prise en main du logiciel Excel</a:t>
             </a:r>
             <a:endParaRPr lang="fr-SN" sz="4400" dirty="0"/>
@@ -4284,7 +4461,7 @@
                   <a:schemeClr val="bg1"/>
                 </a:solidFill>
               </a:rPr>
-              <a:t>Saisie de données simples et mise en forme simple</a:t>
+              <a:t>Saisie de données</a:t>
             </a:r>
             <a:endParaRPr lang="fr-FR" sz="4000" dirty="0">
               <a:solidFill>
@@ -4446,8 +4623,8 @@
         </p:nvSpPr>
         <p:spPr>
           <a:xfrm>
-            <a:off x="309915" y="1710776"/>
-            <a:ext cx="8446095" cy="1200329"/>
+            <a:off x="78327" y="1710776"/>
+            <a:ext cx="8909298" cy="830997"/>
           </a:xfrm>
           <a:prstGeom prst="rect">
             <a:avLst/>
@@ -4461,6 +4638,22 @@
           <a:lstStyle/>
           <a:p>
             <a:pPr algn="ctr"/>
+            <a:r>
+              <a:rPr lang="fr-FR" sz="2400" b="0" cap="none" spc="0" dirty="0" err="1" smtClean="0">
+                <a:ln w="0"/>
+                <a:solidFill>
+                  <a:schemeClr val="tx1"/>
+                </a:solidFill>
+                <a:effectLst>
+                  <a:outerShdw blurRad="38100" dist="19050" dir="2700000" algn="tl" rotWithShape="0">
+                    <a:schemeClr val="dk1">
+                      <a:alpha val="40000"/>
+                    </a:schemeClr>
+                  </a:outerShdw>
+                </a:effectLst>
+              </a:rPr>
+              <a:t>Saisissze</a:t>
+            </a:r>
             <a:r>
               <a:rPr lang="fr-FR" sz="2400" b="0" cap="none" spc="0" dirty="0" smtClean="0">
                 <a:ln w="0"/>
@@ -4475,9 +4668,61 @@
                   </a:outerShdw>
                 </a:effectLst>
               </a:rPr>
-              <a:t>Pour sélectionner une cellule ( et attention, je dis bien une seule), </a:t>
-            </a:r>
-          </a:p>
+              <a:t> des données numériques sur quelques cellules (cas pratique)</a:t>
+            </a:r>
+          </a:p>
+          <a:p>
+            <a:pPr algn="ctr"/>
+            <a:r>
+              <a:rPr lang="fr-FR" sz="2400" dirty="0">
+                <a:ln w="0"/>
+                <a:effectLst>
+                  <a:outerShdw blurRad="38100" dist="19050" dir="2700000" algn="tl" rotWithShape="0">
+                    <a:schemeClr val="dk1">
+                      <a:alpha val="40000"/>
+                    </a:schemeClr>
+                  </a:outerShdw>
+                </a:effectLst>
+              </a:rPr>
+              <a:t>.</a:t>
+            </a:r>
+            <a:endParaRPr lang="fr-FR" sz="2400" b="0" cap="none" spc="0" dirty="0">
+              <a:ln w="0"/>
+              <a:solidFill>
+                <a:schemeClr val="tx1"/>
+              </a:solidFill>
+              <a:effectLst>
+                <a:outerShdw blurRad="38100" dist="19050" dir="2700000" algn="tl" rotWithShape="0">
+                  <a:schemeClr val="dk1">
+                    <a:alpha val="40000"/>
+                  </a:schemeClr>
+                </a:outerShdw>
+              </a:effectLst>
+            </a:endParaRPr>
+          </a:p>
+        </p:txBody>
+      </p:sp>
+      <p:sp>
+        <p:nvSpPr>
+          <p:cNvPr id="10" name="Rectangle 9"/>
+          <p:cNvSpPr/>
+          <p:nvPr/>
+        </p:nvSpPr>
+        <p:spPr>
+          <a:xfrm>
+            <a:off x="78327" y="2309279"/>
+            <a:ext cx="10117950" cy="1200329"/>
+          </a:xfrm>
+          <a:prstGeom prst="rect">
+            <a:avLst/>
+          </a:prstGeom>
+          <a:noFill/>
+        </p:spPr>
+        <p:txBody>
+          <a:bodyPr wrap="square" lIns="91440" tIns="45720" rIns="91440" bIns="45720">
+            <a:spAutoFit/>
+          </a:bodyPr>
+          <a:lstStyle/>
           <a:p>
             <a:pPr algn="ctr"/>
             <a:r>
@@ -4494,14 +4739,17 @@
                   </a:outerShdw>
                 </a:effectLst>
               </a:rPr>
-              <a:t>il faut cliquer sur celle-ci.</a:t>
+              <a:t>Sélectionnez la plage qui contient ces données puis faîtes un </a:t>
             </a:r>
           </a:p>
           <a:p>
             <a:pPr algn="ctr"/>
             <a:r>
-              <a:rPr lang="fr-FR" sz="2400" dirty="0">
+              <a:rPr lang="fr-FR" sz="2400" b="0" cap="none" spc="0" dirty="0" smtClean="0">
                 <a:ln w="0"/>
+                <a:solidFill>
+                  <a:schemeClr val="tx1"/>
+                </a:solidFill>
                 <a:effectLst>
                   <a:outerShdw blurRad="38100" dist="19050" dir="2700000" algn="tl" rotWithShape="0">
                     <a:schemeClr val="dk1">
@@ -4510,7 +4758,26 @@
                   </a:outerShdw>
                 </a:effectLst>
               </a:rPr>
-              <a:t>.</a:t>
+              <a:t>clic droit dessus puis cliquez sur</a:t>
+            </a:r>
+          </a:p>
+          <a:p>
+            <a:pPr algn="ctr"/>
+            <a:r>
+              <a:rPr lang="fr-FR" sz="2400" b="0" cap="none" spc="0" dirty="0" smtClean="0">
+                <a:ln w="0"/>
+                <a:solidFill>
+                  <a:schemeClr val="tx1"/>
+                </a:solidFill>
+                <a:effectLst>
+                  <a:outerShdw blurRad="38100" dist="19050" dir="2700000" algn="tl" rotWithShape="0">
+                    <a:schemeClr val="dk1">
+                      <a:alpha val="40000"/>
+                    </a:schemeClr>
+                  </a:outerShdw>
+                </a:effectLst>
+              </a:rPr>
+              <a:t>« Format de cellule » dans le menu déroulant.</a:t>
             </a:r>
             <a:endParaRPr lang="fr-FR" sz="2400" b="0" cap="none" spc="0" dirty="0">
               <a:ln w="0"/>
@@ -4528,119 +4795,91 @@
           </a:p>
         </p:txBody>
       </p:sp>
-      <p:sp>
-        <p:nvSpPr>
-          <p:cNvPr id="10" name="Rectangle 9"/>
-          <p:cNvSpPr/>
+      <p:pic>
+        <p:nvPicPr>
+          <p:cNvPr id="2" name="Image 1"/>
+          <p:cNvPicPr>
+            <a:picLocks noChangeAspect="1"/>
+          </p:cNvPicPr>
           <p:nvPr/>
-        </p:nvSpPr>
-        <p:spPr>
-          <a:xfrm>
-            <a:off x="-1598891" y="3036424"/>
-            <a:ext cx="12593255" cy="1569660"/>
+        </p:nvPicPr>
+        <p:blipFill>
+          <a:blip r:embed="rId2"/>
+          <a:stretch>
+            <a:fillRect/>
+          </a:stretch>
+        </p:blipFill>
+        <p:spPr>
+          <a:xfrm>
+            <a:off x="273232" y="3412012"/>
+            <a:ext cx="2743200" cy="3381375"/>
           </a:xfrm>
           <a:prstGeom prst="rect">
             <a:avLst/>
           </a:prstGeom>
-          <a:noFill/>
-        </p:spPr>
-        <p:txBody>
-          <a:bodyPr wrap="none" lIns="91440" tIns="45720" rIns="91440" bIns="45720">
-            <a:spAutoFit/>
-          </a:bodyPr>
-          <a:lstStyle/>
-          <a:p>
-            <a:pPr algn="ctr"/>
-            <a:r>
-              <a:rPr lang="fr-FR" sz="2400" b="0" cap="none" spc="0" dirty="0" smtClean="0">
-                <a:ln w="0"/>
-                <a:solidFill>
-                  <a:schemeClr val="tx1"/>
-                </a:solidFill>
-                <a:effectLst>
-                  <a:outerShdw blurRad="38100" dist="19050" dir="2700000" algn="tl" rotWithShape="0">
-                    <a:schemeClr val="dk1">
-                      <a:alpha val="40000"/>
-                    </a:schemeClr>
-                  </a:outerShdw>
-                </a:effectLst>
-              </a:rPr>
-              <a:t>Pour sélectionner un bloc de cellules, </a:t>
-            </a:r>
-          </a:p>
-          <a:p>
-            <a:pPr algn="ctr"/>
-            <a:r>
-              <a:rPr lang="fr-FR" sz="2400" b="0" cap="none" spc="0" dirty="0" smtClean="0">
-                <a:ln w="0"/>
-                <a:solidFill>
-                  <a:schemeClr val="tx1"/>
-                </a:solidFill>
-                <a:effectLst>
-                  <a:outerShdw blurRad="38100" dist="19050" dir="2700000" algn="tl" rotWithShape="0">
-                    <a:schemeClr val="dk1">
-                      <a:alpha val="40000"/>
-                    </a:schemeClr>
-                  </a:outerShdw>
-                </a:effectLst>
-              </a:rPr>
-              <a:t>maintenez le bouton gauche de la souris enfoncé</a:t>
-            </a:r>
-          </a:p>
-          <a:p>
-            <a:pPr algn="ctr"/>
-            <a:r>
-              <a:rPr lang="fr-FR" sz="2400" dirty="0" smtClean="0">
-                <a:ln w="0"/>
-                <a:effectLst>
-                  <a:outerShdw blurRad="38100" dist="19050" dir="2700000" algn="tl" rotWithShape="0">
-                    <a:schemeClr val="dk1">
-                      <a:alpha val="40000"/>
-                    </a:schemeClr>
-                  </a:outerShdw>
-                </a:effectLst>
-              </a:rPr>
-              <a:t>Et glissez dans la zone de travail pour définir un bloc. Relâchez le bouton lorsque vous avez terminé.</a:t>
-            </a:r>
-          </a:p>
-          <a:p>
-            <a:pPr algn="ctr"/>
-            <a:r>
-              <a:rPr lang="fr-FR" sz="2400" b="0" cap="none" spc="0" dirty="0" smtClean="0">
-                <a:ln w="0"/>
-                <a:solidFill>
-                  <a:schemeClr val="tx1"/>
-                </a:solidFill>
-                <a:effectLst>
-                  <a:outerShdw blurRad="38100" dist="19050" dir="2700000" algn="tl" rotWithShape="0">
-                    <a:schemeClr val="dk1">
-                      <a:alpha val="40000"/>
-                    </a:schemeClr>
-                  </a:outerShdw>
-                </a:effectLst>
-              </a:rPr>
-              <a:t>Autres sélections: sur la feuille de travail </a:t>
-            </a:r>
-            <a:endParaRPr lang="fr-FR" sz="2400" b="0" cap="none" spc="0" dirty="0">
-              <a:ln w="0"/>
-              <a:solidFill>
-                <a:schemeClr val="tx1"/>
-              </a:solidFill>
-              <a:effectLst>
-                <a:outerShdw blurRad="38100" dist="19050" dir="2700000" algn="tl" rotWithShape="0">
-                  <a:schemeClr val="dk1">
-                    <a:alpha val="40000"/>
-                  </a:schemeClr>
-                </a:outerShdw>
-              </a:effectLst>
-            </a:endParaRPr>
-          </a:p>
-        </p:txBody>
-      </p:sp>
+        </p:spPr>
+      </p:pic>
+      <p:pic>
+        <p:nvPicPr>
+          <p:cNvPr id="5" name="Image 4"/>
+          <p:cNvPicPr>
+            <a:picLocks noChangeAspect="1"/>
+          </p:cNvPicPr>
+          <p:nvPr/>
+        </p:nvPicPr>
+        <p:blipFill>
+          <a:blip r:embed="rId3"/>
+          <a:stretch>
+            <a:fillRect/>
+          </a:stretch>
+        </p:blipFill>
+        <p:spPr>
+          <a:xfrm>
+            <a:off x="6217920" y="3562014"/>
+            <a:ext cx="4940401" cy="3195637"/>
+          </a:xfrm>
+          <a:prstGeom prst="rect">
+            <a:avLst/>
+          </a:prstGeom>
+        </p:spPr>
+      </p:pic>
+      <p:cxnSp>
+        <p:nvCxnSpPr>
+          <p:cNvPr id="7" name="Connecteur droit avec flèche 6"/>
+          <p:cNvCxnSpPr/>
+          <p:nvPr/>
+        </p:nvCxnSpPr>
+        <p:spPr>
+          <a:xfrm>
+            <a:off x="3196210" y="5159832"/>
+            <a:ext cx="2673531" cy="0"/>
+          </a:xfrm>
+          <a:prstGeom prst="straightConnector1">
+            <a:avLst/>
+          </a:prstGeom>
+          <a:ln>
+            <a:tailEnd type="triangle"/>
+          </a:ln>
+        </p:spPr>
+        <p:style>
+          <a:lnRef idx="1">
+            <a:schemeClr val="accent1"/>
+          </a:lnRef>
+          <a:fillRef idx="0">
+            <a:schemeClr val="accent1"/>
+          </a:fillRef>
+          <a:effectRef idx="0">
+            <a:schemeClr val="accent1"/>
+          </a:effectRef>
+          <a:fontRef idx="minor">
+            <a:schemeClr val="tx1"/>
+          </a:fontRef>
+        </p:style>
+      </p:cxnSp>
     </p:spTree>
     <p:extLst>
       <p:ext uri="{BB962C8B-B14F-4D97-AF65-F5344CB8AC3E}">
-        <p14:creationId xmlns:p14="http://schemas.microsoft.com/office/powerpoint/2010/main" val="3693816991"/>
+        <p14:creationId xmlns:p14="http://schemas.microsoft.com/office/powerpoint/2010/main" val="85694162"/>
       </p:ext>
     </p:extLst>
   </p:cSld>
@@ -4728,7 +4967,7 @@
                   <a:schemeClr val="bg1"/>
                 </a:solidFill>
               </a:rPr>
-              <a:t>Saisie de données</a:t>
+              <a:t>L’embellissement</a:t>
             </a:r>
             <a:endParaRPr lang="fr-FR" sz="4000" dirty="0">
               <a:solidFill>
@@ -4890,8 +5129,8 @@
         </p:nvSpPr>
         <p:spPr>
           <a:xfrm>
-            <a:off x="78327" y="1710776"/>
-            <a:ext cx="8909298" cy="830997"/>
+            <a:off x="-1861415" y="1710776"/>
+            <a:ext cx="12788822" cy="1200329"/>
           </a:xfrm>
           <a:prstGeom prst="rect">
             <a:avLst/>
@@ -4905,22 +5144,6 @@
           <a:lstStyle/>
           <a:p>
             <a:pPr algn="ctr"/>
-            <a:r>
-              <a:rPr lang="fr-FR" sz="2400" b="0" cap="none" spc="0" dirty="0" err="1" smtClean="0">
-                <a:ln w="0"/>
-                <a:solidFill>
-                  <a:schemeClr val="tx1"/>
-                </a:solidFill>
-                <a:effectLst>
-                  <a:outerShdw blurRad="38100" dist="19050" dir="2700000" algn="tl" rotWithShape="0">
-                    <a:schemeClr val="dk1">
-                      <a:alpha val="40000"/>
-                    </a:schemeClr>
-                  </a:outerShdw>
-                </a:effectLst>
-              </a:rPr>
-              <a:t>Saisissze</a:t>
-            </a:r>
             <a:r>
               <a:rPr lang="fr-FR" sz="2400" b="0" cap="none" spc="0" dirty="0" smtClean="0">
                 <a:ln w="0"/>
@@ -4935,8 +5158,63 @@
                   </a:outerShdw>
                 </a:effectLst>
               </a:rPr>
-              <a:t> des données numériques sur quelques cellules (cas pratique)</a:t>
-            </a:r>
+              <a:t>Sélectionnez une plage de cellules puis accédez au format de cellule. Nous zappons l’onglet « Police »</a:t>
+            </a:r>
+          </a:p>
+          <a:p>
+            <a:pPr algn="ctr"/>
+            <a:r>
+              <a:rPr lang="fr-FR" sz="2400" dirty="0" smtClean="0">
+                <a:ln w="0"/>
+                <a:effectLst>
+                  <a:outerShdw blurRad="38100" dist="19050" dir="2700000" algn="tl" rotWithShape="0">
+                    <a:schemeClr val="dk1">
+                      <a:alpha val="40000"/>
+                    </a:schemeClr>
+                  </a:outerShdw>
+                </a:effectLst>
+              </a:rPr>
+              <a:t>Mais nous nous attardons sur les bordures. Cliquez sur l’</a:t>
+            </a:r>
+            <a:r>
+              <a:rPr lang="fr-FR" sz="2400" dirty="0" err="1" smtClean="0">
+                <a:ln w="0"/>
+                <a:effectLst>
+                  <a:outerShdw blurRad="38100" dist="19050" dir="2700000" algn="tl" rotWithShape="0">
+                    <a:schemeClr val="dk1">
+                      <a:alpha val="40000"/>
+                    </a:schemeClr>
+                  </a:outerShdw>
+                </a:effectLst>
+              </a:rPr>
+              <a:t>o,glet</a:t>
+            </a:r>
+            <a:r>
+              <a:rPr lang="fr-FR" sz="2400" dirty="0" smtClean="0">
+                <a:ln w="0"/>
+                <a:effectLst>
+                  <a:outerShdw blurRad="38100" dist="19050" dir="2700000" algn="tl" rotWithShape="0">
+                    <a:schemeClr val="dk1">
+                      <a:alpha val="40000"/>
+                    </a:schemeClr>
+                  </a:outerShdw>
+                </a:effectLst>
+              </a:rPr>
+              <a:t> « Bordure »:</a:t>
+            </a:r>
+            <a:endParaRPr lang="fr-FR" sz="2400" b="0" cap="none" spc="0" dirty="0" smtClean="0">
+              <a:ln w="0"/>
+              <a:solidFill>
+                <a:schemeClr val="tx1"/>
+              </a:solidFill>
+              <a:effectLst>
+                <a:outerShdw blurRad="38100" dist="19050" dir="2700000" algn="tl" rotWithShape="0">
+                  <a:schemeClr val="dk1">
+                    <a:alpha val="40000"/>
+                  </a:schemeClr>
+                </a:outerShdw>
+              </a:effectLst>
+            </a:endParaRPr>
           </a:p>
           <a:p>
             <a:pPr algn="ctr"/>
@@ -4969,102 +5247,9 @@
           </a:p>
         </p:txBody>
       </p:sp>
-      <p:sp>
-        <p:nvSpPr>
-          <p:cNvPr id="10" name="Rectangle 9"/>
-          <p:cNvSpPr/>
-          <p:nvPr/>
-        </p:nvSpPr>
-        <p:spPr>
-          <a:xfrm>
-            <a:off x="78327" y="2309279"/>
-            <a:ext cx="10117950" cy="1200329"/>
-          </a:xfrm>
-          <a:prstGeom prst="rect">
-            <a:avLst/>
-          </a:prstGeom>
-          <a:noFill/>
-        </p:spPr>
-        <p:txBody>
-          <a:bodyPr wrap="square" lIns="91440" tIns="45720" rIns="91440" bIns="45720">
-            <a:spAutoFit/>
-          </a:bodyPr>
-          <a:lstStyle/>
-          <a:p>
-            <a:pPr algn="ctr"/>
-            <a:r>
-              <a:rPr lang="fr-FR" sz="2400" b="0" cap="none" spc="0" dirty="0" smtClean="0">
-                <a:ln w="0"/>
-                <a:solidFill>
-                  <a:schemeClr val="tx1"/>
-                </a:solidFill>
-                <a:effectLst>
-                  <a:outerShdw blurRad="38100" dist="19050" dir="2700000" algn="tl" rotWithShape="0">
-                    <a:schemeClr val="dk1">
-                      <a:alpha val="40000"/>
-                    </a:schemeClr>
-                  </a:outerShdw>
-                </a:effectLst>
-              </a:rPr>
-              <a:t>Sélectionnez la plage qui contient ces données puis faîtes un </a:t>
-            </a:r>
-          </a:p>
-          <a:p>
-            <a:pPr algn="ctr"/>
-            <a:r>
-              <a:rPr lang="fr-FR" sz="2400" b="0" cap="none" spc="0" dirty="0" smtClean="0">
-                <a:ln w="0"/>
-                <a:solidFill>
-                  <a:schemeClr val="tx1"/>
-                </a:solidFill>
-                <a:effectLst>
-                  <a:outerShdw blurRad="38100" dist="19050" dir="2700000" algn="tl" rotWithShape="0">
-                    <a:schemeClr val="dk1">
-                      <a:alpha val="40000"/>
-                    </a:schemeClr>
-                  </a:outerShdw>
-                </a:effectLst>
-              </a:rPr>
-              <a:t>clic droit dessus puis cliquez sur</a:t>
-            </a:r>
-          </a:p>
-          <a:p>
-            <a:pPr algn="ctr"/>
-            <a:r>
-              <a:rPr lang="fr-FR" sz="2400" b="0" cap="none" spc="0" dirty="0" smtClean="0">
-                <a:ln w="0"/>
-                <a:solidFill>
-                  <a:schemeClr val="tx1"/>
-                </a:solidFill>
-                <a:effectLst>
-                  <a:outerShdw blurRad="38100" dist="19050" dir="2700000" algn="tl" rotWithShape="0">
-                    <a:schemeClr val="dk1">
-                      <a:alpha val="40000"/>
-                    </a:schemeClr>
-                  </a:outerShdw>
-                </a:effectLst>
-              </a:rPr>
-              <a:t>« Format de cellule » dans le menu déroulant.</a:t>
-            </a:r>
-            <a:endParaRPr lang="fr-FR" sz="2400" b="0" cap="none" spc="0" dirty="0">
-              <a:ln w="0"/>
-              <a:solidFill>
-                <a:schemeClr val="tx1"/>
-              </a:solidFill>
-              <a:effectLst>
-                <a:outerShdw blurRad="38100" dist="19050" dir="2700000" algn="tl" rotWithShape="0">
-                  <a:schemeClr val="dk1">
-                    <a:alpha val="40000"/>
-                  </a:schemeClr>
-                </a:outerShdw>
-              </a:effectLst>
-            </a:endParaRPr>
-          </a:p>
-        </p:txBody>
-      </p:sp>
       <p:pic>
         <p:nvPicPr>
-          <p:cNvPr id="2" name="Image 1"/>
+          <p:cNvPr id="6" name="Image 5"/>
           <p:cNvPicPr>
             <a:picLocks noChangeAspect="1"/>
           </p:cNvPicPr>
@@ -5078,75 +5263,18 @@
         </p:blipFill>
         <p:spPr>
           <a:xfrm>
-            <a:off x="273232" y="3412012"/>
-            <a:ext cx="2743200" cy="3381375"/>
+            <a:off x="1965960" y="2395220"/>
+            <a:ext cx="6972300" cy="4600575"/>
           </a:xfrm>
           <a:prstGeom prst="rect">
             <a:avLst/>
           </a:prstGeom>
         </p:spPr>
       </p:pic>
-      <p:pic>
-        <p:nvPicPr>
-          <p:cNvPr id="5" name="Image 4"/>
-          <p:cNvPicPr>
-            <a:picLocks noChangeAspect="1"/>
-          </p:cNvPicPr>
-          <p:nvPr/>
-        </p:nvPicPr>
-        <p:blipFill>
-          <a:blip r:embed="rId3"/>
-          <a:stretch>
-            <a:fillRect/>
-          </a:stretch>
-        </p:blipFill>
-        <p:spPr>
-          <a:xfrm>
-            <a:off x="6217920" y="3562014"/>
-            <a:ext cx="4940401" cy="3195637"/>
-          </a:xfrm>
-          <a:prstGeom prst="rect">
-            <a:avLst/>
-          </a:prstGeom>
-        </p:spPr>
-      </p:pic>
-      <p:cxnSp>
-        <p:nvCxnSpPr>
-          <p:cNvPr id="7" name="Connecteur droit avec flèche 6"/>
-          <p:cNvCxnSpPr/>
-          <p:nvPr/>
-        </p:nvCxnSpPr>
-        <p:spPr>
-          <a:xfrm>
-            <a:off x="3196210" y="5159832"/>
-            <a:ext cx="2673531" cy="0"/>
-          </a:xfrm>
-          <a:prstGeom prst="straightConnector1">
-            <a:avLst/>
-          </a:prstGeom>
-          <a:ln>
-            <a:tailEnd type="triangle"/>
-          </a:ln>
-        </p:spPr>
-        <p:style>
-          <a:lnRef idx="1">
-            <a:schemeClr val="accent1"/>
-          </a:lnRef>
-          <a:fillRef idx="0">
-            <a:schemeClr val="accent1"/>
-          </a:fillRef>
-          <a:effectRef idx="0">
-            <a:schemeClr val="accent1"/>
-          </a:effectRef>
-          <a:fontRef idx="minor">
-            <a:schemeClr val="tx1"/>
-          </a:fontRef>
-        </p:style>
-      </p:cxnSp>
     </p:spTree>
     <p:extLst>
       <p:ext uri="{BB962C8B-B14F-4D97-AF65-F5344CB8AC3E}">
-        <p14:creationId xmlns:p14="http://schemas.microsoft.com/office/powerpoint/2010/main" val="85694162"/>
+        <p14:creationId xmlns:p14="http://schemas.microsoft.com/office/powerpoint/2010/main" val="2326133478"/>
       </p:ext>
     </p:extLst>
   </p:cSld>
@@ -5234,7 +5362,7 @@
                   <a:schemeClr val="bg1"/>
                 </a:solidFill>
               </a:rPr>
-              <a:t>L’embellissement</a:t>
+              <a:t>Poignée de recopie incrémentée</a:t>
             </a:r>
             <a:endParaRPr lang="fr-FR" sz="4000" dirty="0">
               <a:solidFill>
@@ -5396,8 +5524,8 @@
         </p:nvSpPr>
         <p:spPr>
           <a:xfrm>
-            <a:off x="-1861415" y="1710776"/>
-            <a:ext cx="12788822" cy="1200329"/>
+            <a:off x="1095143" y="1710776"/>
+            <a:ext cx="6875728" cy="830997"/>
           </a:xfrm>
           <a:prstGeom prst="rect">
             <a:avLst/>
@@ -5425,63 +5553,8 @@
                   </a:outerShdw>
                 </a:effectLst>
               </a:rPr>
-              <a:t>Sélectionnez une plage de cellules puis accédez au format de cellule. Nous zappons l’onglet « Police »</a:t>
-            </a:r>
-          </a:p>
-          <a:p>
-            <a:pPr algn="ctr"/>
-            <a:r>
-              <a:rPr lang="fr-FR" sz="2400" dirty="0" smtClean="0">
-                <a:ln w="0"/>
-                <a:effectLst>
-                  <a:outerShdw blurRad="38100" dist="19050" dir="2700000" algn="tl" rotWithShape="0">
-                    <a:schemeClr val="dk1">
-                      <a:alpha val="40000"/>
-                    </a:schemeClr>
-                  </a:outerShdw>
-                </a:effectLst>
-              </a:rPr>
-              <a:t>Mais nous nous attardons sur les bordures. Cliquez sur l’</a:t>
-            </a:r>
-            <a:r>
-              <a:rPr lang="fr-FR" sz="2400" dirty="0" err="1" smtClean="0">
-                <a:ln w="0"/>
-                <a:effectLst>
-                  <a:outerShdw blurRad="38100" dist="19050" dir="2700000" algn="tl" rotWithShape="0">
-                    <a:schemeClr val="dk1">
-                      <a:alpha val="40000"/>
-                    </a:schemeClr>
-                  </a:outerShdw>
-                </a:effectLst>
-              </a:rPr>
-              <a:t>o,glet</a:t>
-            </a:r>
-            <a:r>
-              <a:rPr lang="fr-FR" sz="2400" dirty="0" smtClean="0">
-                <a:ln w="0"/>
-                <a:effectLst>
-                  <a:outerShdw blurRad="38100" dist="19050" dir="2700000" algn="tl" rotWithShape="0">
-                    <a:schemeClr val="dk1">
-                      <a:alpha val="40000"/>
-                    </a:schemeClr>
-                  </a:outerShdw>
-                </a:effectLst>
-              </a:rPr>
-              <a:t> « Bordure »:</a:t>
-            </a:r>
-            <a:endParaRPr lang="fr-FR" sz="2400" b="0" cap="none" spc="0" dirty="0" smtClean="0">
-              <a:ln w="0"/>
-              <a:solidFill>
-                <a:schemeClr val="tx1"/>
-              </a:solidFill>
-              <a:effectLst>
-                <a:outerShdw blurRad="38100" dist="19050" dir="2700000" algn="tl" rotWithShape="0">
-                  <a:schemeClr val="dk1">
-                    <a:alpha val="40000"/>
-                  </a:schemeClr>
-                </a:outerShdw>
-              </a:effectLst>
-            </a:endParaRPr>
+              <a:t>Ecrivez dans une cellule un mot, ou encore un chiffre!</a:t>
+            </a:r>
           </a:p>
           <a:p>
             <a:pPr algn="ctr"/>
@@ -5516,7 +5589,7 @@
       </p:sp>
       <p:pic>
         <p:nvPicPr>
-          <p:cNvPr id="6" name="Image 5"/>
+          <p:cNvPr id="2" name="Image 1"/>
           <p:cNvPicPr>
             <a:picLocks noChangeAspect="1"/>
           </p:cNvPicPr>
@@ -5530,8 +5603,32 @@
         </p:blipFill>
         <p:spPr>
           <a:xfrm>
-            <a:off x="1965960" y="2395220"/>
-            <a:ext cx="6972300" cy="4600575"/>
+            <a:off x="1095143" y="2541773"/>
+            <a:ext cx="3888337" cy="3951101"/>
+          </a:xfrm>
+          <a:prstGeom prst="rect">
+            <a:avLst/>
+          </a:prstGeom>
+        </p:spPr>
+      </p:pic>
+      <p:pic>
+        <p:nvPicPr>
+          <p:cNvPr id="5" name="Image 4"/>
+          <p:cNvPicPr>
+            <a:picLocks noChangeAspect="1"/>
+          </p:cNvPicPr>
+          <p:nvPr/>
+        </p:nvPicPr>
+        <p:blipFill>
+          <a:blip r:embed="rId3"/>
+          <a:stretch>
+            <a:fillRect/>
+          </a:stretch>
+        </p:blipFill>
+        <p:spPr>
+          <a:xfrm>
+            <a:off x="6606540" y="2541773"/>
+            <a:ext cx="3886200" cy="3951101"/>
           </a:xfrm>
           <a:prstGeom prst="rect">
             <a:avLst/>
@@ -5541,7 +5638,7 @@
     </p:spTree>
     <p:extLst>
       <p:ext uri="{BB962C8B-B14F-4D97-AF65-F5344CB8AC3E}">
-        <p14:creationId xmlns:p14="http://schemas.microsoft.com/office/powerpoint/2010/main" val="2326133478"/>
+        <p14:creationId xmlns:p14="http://schemas.microsoft.com/office/powerpoint/2010/main" val="2871704754"/>
       </p:ext>
     </p:extLst>
   </p:cSld>
@@ -5629,7 +5726,7 @@
                   <a:schemeClr val="bg1"/>
                 </a:solidFill>
               </a:rPr>
-              <a:t>Poignée de recopie incrémentée</a:t>
+              <a:t>Ne jamais oublier la sauvegarde!</a:t>
             </a:r>
             <a:endParaRPr lang="fr-FR" sz="4000" dirty="0">
               <a:solidFill>
@@ -5791,8 +5888,8 @@
         </p:nvSpPr>
         <p:spPr>
           <a:xfrm>
-            <a:off x="1095143" y="1710776"/>
-            <a:ext cx="6875728" cy="830997"/>
+            <a:off x="3509909" y="1710776"/>
+            <a:ext cx="2046202" cy="830997"/>
           </a:xfrm>
           <a:prstGeom prst="rect">
             <a:avLst/>
@@ -5820,7 +5917,7 @@
                   </a:outerShdw>
                 </a:effectLst>
               </a:rPr>
-              <a:t>Ecrivez dans une cellule un mot, ou encore un chiffre!</a:t>
+              <a:t>Cas pratique!!!</a:t>
             </a:r>
           </a:p>
           <a:p>
@@ -5856,7 +5953,7 @@
       </p:sp>
       <p:pic>
         <p:nvPicPr>
-          <p:cNvPr id="2" name="Image 1"/>
+          <p:cNvPr id="6" name="Image 5"/>
           <p:cNvPicPr>
             <a:picLocks noChangeAspect="1"/>
           </p:cNvPicPr>
@@ -5870,32 +5967,8 @@
         </p:blipFill>
         <p:spPr>
           <a:xfrm>
-            <a:off x="1095143" y="2541773"/>
-            <a:ext cx="3888337" cy="3951101"/>
-          </a:xfrm>
-          <a:prstGeom prst="rect">
-            <a:avLst/>
-          </a:prstGeom>
-        </p:spPr>
-      </p:pic>
-      <p:pic>
-        <p:nvPicPr>
-          <p:cNvPr id="5" name="Image 4"/>
-          <p:cNvPicPr>
-            <a:picLocks noChangeAspect="1"/>
-          </p:cNvPicPr>
-          <p:nvPr/>
-        </p:nvPicPr>
-        <p:blipFill>
-          <a:blip r:embed="rId3"/>
-          <a:stretch>
-            <a:fillRect/>
-          </a:stretch>
-        </p:blipFill>
-        <p:spPr>
-          <a:xfrm>
-            <a:off x="6606540" y="2541773"/>
-            <a:ext cx="3886200" cy="3951101"/>
+            <a:off x="0" y="2094865"/>
+            <a:ext cx="11430000" cy="5426075"/>
           </a:xfrm>
           <a:prstGeom prst="rect">
             <a:avLst/>
@@ -5905,7 +5978,7 @@
     </p:spTree>
     <p:extLst>
       <p:ext uri="{BB962C8B-B14F-4D97-AF65-F5344CB8AC3E}">
-        <p14:creationId xmlns:p14="http://schemas.microsoft.com/office/powerpoint/2010/main" val="2871704754"/>
+        <p14:creationId xmlns:p14="http://schemas.microsoft.com/office/powerpoint/2010/main" val="1699954367"/>
       </p:ext>
     </p:extLst>
   </p:cSld>
@@ -5993,7 +6066,7 @@
                   <a:schemeClr val="bg1"/>
                 </a:solidFill>
               </a:rPr>
-              <a:t>Ne jamais oublier la sauvegarde!</a:t>
+              <a:t>Cas pratique!</a:t>
             </a:r>
             <a:endParaRPr lang="fr-FR" sz="4000" dirty="0">
               <a:solidFill>
@@ -6155,8 +6228,8 @@
         </p:nvSpPr>
         <p:spPr>
           <a:xfrm>
-            <a:off x="3509909" y="1710776"/>
-            <a:ext cx="2046202" cy="830997"/>
+            <a:off x="1670893" y="2135826"/>
+            <a:ext cx="8010270" cy="1200329"/>
           </a:xfrm>
           <a:prstGeom prst="rect">
             <a:avLst/>
@@ -6184,7 +6257,26 @@
                   </a:outerShdw>
                 </a:effectLst>
               </a:rPr>
-              <a:t>Cas pratique!!!</a:t>
+              <a:t>Fusionner des cellules, Renvoie à la ligne,</a:t>
+            </a:r>
+          </a:p>
+          <a:p>
+            <a:pPr algn="ctr"/>
+            <a:r>
+              <a:rPr lang="fr-FR" sz="2400" b="0" cap="none" spc="0" dirty="0" smtClean="0">
+                <a:ln w="0"/>
+                <a:solidFill>
+                  <a:schemeClr val="tx1"/>
+                </a:solidFill>
+                <a:effectLst>
+                  <a:outerShdw blurRad="38100" dist="19050" dir="2700000" algn="tl" rotWithShape="0">
+                    <a:schemeClr val="dk1">
+                      <a:alpha val="40000"/>
+                    </a:schemeClr>
+                  </a:outerShdw>
+                </a:effectLst>
+              </a:rPr>
+              <a:t> insertion ou suppression de ligne ou de colonne, copier, coller.</a:t>
             </a:r>
           </a:p>
           <a:p>
@@ -6218,34 +6310,10 @@
           </a:p>
         </p:txBody>
       </p:sp>
-      <p:pic>
-        <p:nvPicPr>
-          <p:cNvPr id="6" name="Image 5"/>
-          <p:cNvPicPr>
-            <a:picLocks noChangeAspect="1"/>
-          </p:cNvPicPr>
-          <p:nvPr/>
-        </p:nvPicPr>
-        <p:blipFill>
-          <a:blip r:embed="rId2"/>
-          <a:stretch>
-            <a:fillRect/>
-          </a:stretch>
-        </p:blipFill>
-        <p:spPr>
-          <a:xfrm>
-            <a:off x="0" y="2094865"/>
-            <a:ext cx="11430000" cy="5426075"/>
-          </a:xfrm>
-          <a:prstGeom prst="rect">
-            <a:avLst/>
-          </a:prstGeom>
-        </p:spPr>
-      </p:pic>
     </p:spTree>
     <p:extLst>
       <p:ext uri="{BB962C8B-B14F-4D97-AF65-F5344CB8AC3E}">
-        <p14:creationId xmlns:p14="http://schemas.microsoft.com/office/powerpoint/2010/main" val="1699954367"/>
+        <p14:creationId xmlns:p14="http://schemas.microsoft.com/office/powerpoint/2010/main" val="3339433606"/>
       </p:ext>
     </p:extLst>
   </p:cSld>
@@ -6281,10 +6349,111 @@
       </p:grpSpPr>
       <p:sp>
         <p:nvSpPr>
-          <p:cNvPr id="4" name="ZoneTexte 3">
-            <a:extLst>
-              <a:ext uri="{FF2B5EF4-FFF2-40B4-BE49-F238E27FC236}">
-                <a16:creationId xmlns:a16="http://schemas.microsoft.com/office/drawing/2014/main" id="{B7191FEF-1E3F-48E9-A65A-B5A88B9994F6}"/>
+          <p:cNvPr id="10" name="Rectangle 9">
+            <a:extLst>
+              <a:ext uri="{FF2B5EF4-FFF2-40B4-BE49-F238E27FC236}">
+                <a16:creationId xmlns:a16="http://schemas.microsoft.com/office/drawing/2014/main" id="{DA4BA0ED-4844-4C8B-82B9-1189524149F8}"/>
+              </a:ext>
+            </a:extLst>
+          </p:cNvPr>
+          <p:cNvSpPr/>
+          <p:nvPr/>
+        </p:nvSpPr>
+        <p:spPr>
+          <a:xfrm>
+            <a:off x="0" y="6385815"/>
+            <a:ext cx="12192000" cy="472186"/>
+          </a:xfrm>
+          <a:prstGeom prst="rect">
+            <a:avLst/>
+          </a:prstGeom>
+          <a:solidFill>
+            <a:schemeClr val="accent1">
+              <a:lumMod val="20000"/>
+              <a:lumOff val="80000"/>
+            </a:schemeClr>
+          </a:solidFill>
+          <a:ln>
+            <a:noFill/>
+          </a:ln>
+        </p:spPr>
+        <p:style>
+          <a:lnRef idx="2">
+            <a:schemeClr val="accent1">
+              <a:shade val="50000"/>
+            </a:schemeClr>
+          </a:lnRef>
+          <a:fillRef idx="1">
+            <a:schemeClr val="accent1"/>
+          </a:fillRef>
+          <a:effectRef idx="0">
+            <a:schemeClr val="accent1"/>
+          </a:effectRef>
+          <a:fontRef idx="minor">
+            <a:schemeClr val="lt1"/>
+          </a:fontRef>
+        </p:style>
+        <p:txBody>
+          <a:bodyPr rtlCol="0" anchor="ctr"/>
+          <a:lstStyle/>
+          <a:p>
+            <a:pPr algn="ctr"/>
+            <a:endParaRPr lang="fr-FR"/>
+          </a:p>
+        </p:txBody>
+      </p:sp>
+      <p:sp>
+        <p:nvSpPr>
+          <p:cNvPr id="11" name="Espace réservé du numéro de diapositive 11">
+            <a:extLst>
+              <a:ext uri="{FF2B5EF4-FFF2-40B4-BE49-F238E27FC236}">
+                <a16:creationId xmlns:a16="http://schemas.microsoft.com/office/drawing/2014/main" id="{6E09DCDB-AE7D-46A6-BB24-B19F551B132C}"/>
+              </a:ext>
+            </a:extLst>
+          </p:cNvPr>
+          <p:cNvSpPr>
+            <a:spLocks noGrp="1"/>
+          </p:cNvSpPr>
+          <p:nvPr>
+            <p:ph type="sldNum" sz="quarter" idx="12"/>
+          </p:nvPr>
+        </p:nvSpPr>
+        <p:spPr>
+          <a:xfrm>
+            <a:off x="11158322" y="6492875"/>
+            <a:ext cx="870036" cy="365125"/>
+          </a:xfrm>
+        </p:spPr>
+        <p:txBody>
+          <a:bodyPr/>
+          <a:lstStyle/>
+          <a:p>
+            <a:fld id="{09EA0DBA-1CB7-49FD-A4E9-CB9833829DE4}" type="slidenum">
+              <a:rPr lang="fr-FR" sz="2000" b="1" smtClean="0">
+                <a:solidFill>
+                  <a:srgbClr val="FF0000"/>
+                </a:solidFill>
+                <a:latin typeface="Times New Roman" panose="02020603050405020304" pitchFamily="18" charset="0"/>
+                <a:cs typeface="Times New Roman" panose="02020603050405020304" pitchFamily="18" charset="0"/>
+              </a:rPr>
+              <a:t>15</a:t>
+            </a:fld>
+            <a:endParaRPr lang="fr-FR" sz="2000" b="1" dirty="0">
+              <a:solidFill>
+                <a:srgbClr val="FF0000"/>
+              </a:solidFill>
+              <a:latin typeface="Times New Roman" panose="02020603050405020304" pitchFamily="18" charset="0"/>
+              <a:cs typeface="Times New Roman" panose="02020603050405020304" pitchFamily="18" charset="0"/>
+            </a:endParaRPr>
+          </a:p>
+        </p:txBody>
+      </p:sp>
+      <p:sp>
+        <p:nvSpPr>
+          <p:cNvPr id="8" name="ZoneTexte 7">
+            <a:extLst>
+              <a:ext uri="{FF2B5EF4-FFF2-40B4-BE49-F238E27FC236}">
+                <a16:creationId xmlns:a16="http://schemas.microsoft.com/office/drawing/2014/main" id="{0A62A2AD-5162-491A-A819-15508085BEFB}"/>
               </a:ext>
             </a:extLst>
           </p:cNvPr>
@@ -6293,8 +6462,8 @@
         </p:nvSpPr>
         <p:spPr>
           <a:xfrm>
-            <a:off x="594360" y="168957"/>
-            <a:ext cx="10835640" cy="707886"/>
+            <a:off x="234778" y="1828804"/>
+            <a:ext cx="11728622" cy="2308324"/>
           </a:xfrm>
           <a:prstGeom prst="rect">
             <a:avLst/>
@@ -6327,28 +6496,40 @@
           <a:lstStyle/>
           <a:p>
             <a:pPr algn="ctr"/>
-            <a:r>
-              <a:rPr lang="fr-FR" sz="4000" dirty="0" smtClean="0">
+            <a:endParaRPr lang="fr-FR" sz="4800" dirty="0"/>
+          </a:p>
+          <a:p>
+            <a:pPr algn="ctr"/>
+            <a:r>
+              <a:rPr lang="fr-FR" sz="4800" dirty="0" smtClean="0">
                 <a:solidFill>
                   <a:schemeClr val="bg1"/>
                 </a:solidFill>
               </a:rPr>
-              <a:t>Cas pratique!</a:t>
-            </a:r>
-            <a:endParaRPr lang="fr-FR" sz="4000" dirty="0">
+              <a:t>Options avancées sur la saisie de données</a:t>
+            </a:r>
+            <a:endParaRPr lang="fr-FR" sz="4800" dirty="0">
               <a:solidFill>
                 <a:schemeClr val="bg1"/>
               </a:solidFill>
             </a:endParaRPr>
           </a:p>
+          <a:p>
+            <a:pPr algn="ctr"/>
+            <a:endParaRPr lang="fr-FR" sz="4800" dirty="0">
+              <a:solidFill>
+                <a:schemeClr val="bg1"/>
+              </a:solidFill>
+            </a:endParaRPr>
+          </a:p>
         </p:txBody>
       </p:sp>
       <p:cxnSp>
         <p:nvCxnSpPr>
-          <p:cNvPr id="3" name="Connecteur droit 2">
-            <a:extLst>
-              <a:ext uri="{FF2B5EF4-FFF2-40B4-BE49-F238E27FC236}">
-                <a16:creationId xmlns:a16="http://schemas.microsoft.com/office/drawing/2014/main" id="{2E5FFC58-89E0-45F1-AB54-88B4500CE745}"/>
+          <p:cNvPr id="9" name="Connecteur droit 8">
+            <a:extLst>
+              <a:ext uri="{FF2B5EF4-FFF2-40B4-BE49-F238E27FC236}">
+                <a16:creationId xmlns:a16="http://schemas.microsoft.com/office/drawing/2014/main" id="{CA91B1E3-FD56-4F80-9C4D-68FE7BB35AA6}"/>
               </a:ext>
             </a:extLst>
           </p:cNvPr>
@@ -6357,8 +6538,8 @@
         </p:nvCxnSpPr>
         <p:spPr>
           <a:xfrm>
-            <a:off x="594360" y="876843"/>
-            <a:ext cx="10835640" cy="137795"/>
+            <a:off x="1327355" y="1002890"/>
+            <a:ext cx="9674942" cy="0"/>
           </a:xfrm>
           <a:prstGeom prst="line">
             <a:avLst/>
@@ -6386,201 +6567,53 @@
           </a:fontRef>
         </p:style>
       </p:cxnSp>
-      <p:sp>
-        <p:nvSpPr>
-          <p:cNvPr id="14" name="Rectangle 13">
-            <a:extLst>
-              <a:ext uri="{FF2B5EF4-FFF2-40B4-BE49-F238E27FC236}">
-                <a16:creationId xmlns:a16="http://schemas.microsoft.com/office/drawing/2014/main" id="{A111C86D-0A6E-4457-9131-84B9AB8CA6E2}"/>
-              </a:ext>
-            </a:extLst>
-          </p:cNvPr>
-          <p:cNvSpPr/>
+      <p:cxnSp>
+        <p:nvCxnSpPr>
+          <p:cNvPr id="12" name="Connecteur droit 11">
+            <a:extLst>
+              <a:ext uri="{FF2B5EF4-FFF2-40B4-BE49-F238E27FC236}">
+                <a16:creationId xmlns:a16="http://schemas.microsoft.com/office/drawing/2014/main" id="{34364D99-1E04-4083-84DA-21B4C64D9EAA}"/>
+              </a:ext>
+            </a:extLst>
+          </p:cNvPr>
+          <p:cNvCxnSpPr/>
           <p:nvPr/>
-        </p:nvSpPr>
-        <p:spPr>
-          <a:xfrm>
-            <a:off x="0" y="6995795"/>
-            <a:ext cx="12192000" cy="525145"/>
-          </a:xfrm>
-          <a:prstGeom prst="rect">
-            <a:avLst/>
-          </a:prstGeom>
-          <a:solidFill>
-            <a:schemeClr val="accent1">
-              <a:lumMod val="20000"/>
-              <a:lumOff val="80000"/>
-            </a:schemeClr>
-          </a:solidFill>
-          <a:ln>
-            <a:noFill/>
+        </p:nvCxnSpPr>
+        <p:spPr>
+          <a:xfrm>
+            <a:off x="1327355" y="5776718"/>
+            <a:ext cx="9674942" cy="0"/>
+          </a:xfrm>
+          <a:prstGeom prst="line">
+            <a:avLst/>
+          </a:prstGeom>
+          <a:ln w="38100">
+            <a:solidFill>
+              <a:schemeClr val="accent6">
+                <a:lumMod val="50000"/>
+              </a:schemeClr>
+            </a:solidFill>
           </a:ln>
         </p:spPr>
         <p:style>
-          <a:lnRef idx="2">
-            <a:schemeClr val="accent1">
-              <a:shade val="50000"/>
-            </a:schemeClr>
+          <a:lnRef idx="1">
+            <a:schemeClr val="accent1"/>
           </a:lnRef>
-          <a:fillRef idx="1">
+          <a:fillRef idx="0">
             <a:schemeClr val="accent1"/>
           </a:fillRef>
           <a:effectRef idx="0">
             <a:schemeClr val="accent1"/>
           </a:effectRef>
           <a:fontRef idx="minor">
-            <a:schemeClr val="lt1"/>
+            <a:schemeClr val="tx1"/>
           </a:fontRef>
         </p:style>
-        <p:txBody>
-          <a:bodyPr rtlCol="0" anchor="ctr"/>
-          <a:lstStyle/>
-          <a:p>
-            <a:pPr algn="ctr"/>
-            <a:endParaRPr lang="fr-FR"/>
-          </a:p>
-        </p:txBody>
-      </p:sp>
-      <p:sp>
-        <p:nvSpPr>
-          <p:cNvPr id="16" name="Espace réservé du numéro de diapositive 11">
-            <a:extLst>
-              <a:ext uri="{FF2B5EF4-FFF2-40B4-BE49-F238E27FC236}">
-                <a16:creationId xmlns:a16="http://schemas.microsoft.com/office/drawing/2014/main" id="{C4BC3E63-B4B6-49C0-95C7-9C149F176671}"/>
-              </a:ext>
-            </a:extLst>
-          </p:cNvPr>
-          <p:cNvSpPr>
-            <a:spLocks noGrp="1"/>
-          </p:cNvSpPr>
-          <p:nvPr>
-            <p:ph type="sldNum" sz="quarter" idx="12"/>
-          </p:nvPr>
-        </p:nvSpPr>
-        <p:spPr>
-          <a:xfrm>
-            <a:off x="11158322" y="6492875"/>
-            <a:ext cx="870036" cy="365125"/>
-          </a:xfrm>
-        </p:spPr>
-        <p:txBody>
-          <a:bodyPr/>
-          <a:lstStyle/>
-          <a:p>
-            <a:fld id="{09EA0DBA-1CB7-49FD-A4E9-CB9833829DE4}" type="slidenum">
-              <a:rPr lang="fr-FR" sz="2000" b="1" smtClean="0">
-                <a:solidFill>
-                  <a:srgbClr val="FF0000"/>
-                </a:solidFill>
-                <a:latin typeface="Times New Roman" panose="02020603050405020304" pitchFamily="18" charset="0"/>
-                <a:cs typeface="Times New Roman" panose="02020603050405020304" pitchFamily="18" charset="0"/>
-              </a:rPr>
-              <a:t>15</a:t>
-            </a:fld>
-            <a:endParaRPr lang="fr-FR" sz="2000" b="1" dirty="0">
-              <a:solidFill>
-                <a:srgbClr val="FF0000"/>
-              </a:solidFill>
-              <a:latin typeface="Times New Roman" panose="02020603050405020304" pitchFamily="18" charset="0"/>
-              <a:cs typeface="Times New Roman" panose="02020603050405020304" pitchFamily="18" charset="0"/>
-            </a:endParaRPr>
-          </a:p>
-        </p:txBody>
-      </p:sp>
-      <p:sp>
-        <p:nvSpPr>
-          <p:cNvPr id="9" name="Rectangle 8"/>
-          <p:cNvSpPr/>
-          <p:nvPr/>
-        </p:nvSpPr>
-        <p:spPr>
-          <a:xfrm>
-            <a:off x="1670893" y="2135826"/>
-            <a:ext cx="8010270" cy="1200329"/>
-          </a:xfrm>
-          <a:prstGeom prst="rect">
-            <a:avLst/>
-          </a:prstGeom>
-          <a:noFill/>
-        </p:spPr>
-        <p:txBody>
-          <a:bodyPr wrap="none" lIns="91440" tIns="45720" rIns="91440" bIns="45720">
-            <a:spAutoFit/>
-          </a:bodyPr>
-          <a:lstStyle/>
-          <a:p>
-            <a:pPr algn="ctr"/>
-            <a:r>
-              <a:rPr lang="fr-FR" sz="2400" b="0" cap="none" spc="0" dirty="0" smtClean="0">
-                <a:ln w="0"/>
-                <a:solidFill>
-                  <a:schemeClr val="tx1"/>
-                </a:solidFill>
-                <a:effectLst>
-                  <a:outerShdw blurRad="38100" dist="19050" dir="2700000" algn="tl" rotWithShape="0">
-                    <a:schemeClr val="dk1">
-                      <a:alpha val="40000"/>
-                    </a:schemeClr>
-                  </a:outerShdw>
-                </a:effectLst>
-              </a:rPr>
-              <a:t>Fusionner des cellules, Renvoie à la ligne,</a:t>
-            </a:r>
-          </a:p>
-          <a:p>
-            <a:pPr algn="ctr"/>
-            <a:r>
-              <a:rPr lang="fr-FR" sz="2400" b="0" cap="none" spc="0" dirty="0" smtClean="0">
-                <a:ln w="0"/>
-                <a:solidFill>
-                  <a:schemeClr val="tx1"/>
-                </a:solidFill>
-                <a:effectLst>
-                  <a:outerShdw blurRad="38100" dist="19050" dir="2700000" algn="tl" rotWithShape="0">
-                    <a:schemeClr val="dk1">
-                      <a:alpha val="40000"/>
-                    </a:schemeClr>
-                  </a:outerShdw>
-                </a:effectLst>
-              </a:rPr>
-              <a:t> insertion ou suppression de ligne ou de colonne, copier, coller.</a:t>
-            </a:r>
-          </a:p>
-          <a:p>
-            <a:pPr algn="ctr"/>
-            <a:r>
-              <a:rPr lang="fr-FR" sz="2400" dirty="0">
-                <a:ln w="0"/>
-                <a:effectLst>
-                  <a:outerShdw blurRad="38100" dist="19050" dir="2700000" algn="tl" rotWithShape="0">
-                    <a:schemeClr val="dk1">
-                      <a:alpha val="40000"/>
-                    </a:schemeClr>
-                  </a:outerShdw>
-                </a:effectLst>
-              </a:rPr>
-              <a:t>.</a:t>
-            </a:r>
-            <a:endParaRPr lang="fr-FR" sz="2400" b="0" cap="none" spc="0" dirty="0">
-              <a:ln w="0"/>
-              <a:solidFill>
-                <a:schemeClr val="tx1"/>
-              </a:solidFill>
-              <a:effectLst>
-                <a:outerShdw blurRad="38100" dist="19050" dir="2700000" algn="tl" rotWithShape="0">
-                  <a:schemeClr val="dk1">
-                    <a:alpha val="40000"/>
-                  </a:schemeClr>
-                </a:outerShdw>
-              </a:effectLst>
-            </a:endParaRPr>
-          </a:p>
-        </p:txBody>
-      </p:sp>
+      </p:cxnSp>
     </p:spTree>
     <p:extLst>
       <p:ext uri="{BB962C8B-B14F-4D97-AF65-F5344CB8AC3E}">
-        <p14:creationId xmlns:p14="http://schemas.microsoft.com/office/powerpoint/2010/main" val="3339433606"/>
+        <p14:creationId xmlns:p14="http://schemas.microsoft.com/office/powerpoint/2010/main" val="289217882"/>
       </p:ext>
     </p:extLst>
   </p:cSld>
@@ -6616,111 +6649,10 @@
       </p:grpSpPr>
       <p:sp>
         <p:nvSpPr>
-          <p:cNvPr id="10" name="Rectangle 9">
-            <a:extLst>
-              <a:ext uri="{FF2B5EF4-FFF2-40B4-BE49-F238E27FC236}">
-                <a16:creationId xmlns:a16="http://schemas.microsoft.com/office/drawing/2014/main" id="{DA4BA0ED-4844-4C8B-82B9-1189524149F8}"/>
-              </a:ext>
-            </a:extLst>
-          </p:cNvPr>
-          <p:cNvSpPr/>
-          <p:nvPr/>
-        </p:nvSpPr>
-        <p:spPr>
-          <a:xfrm>
-            <a:off x="0" y="6385815"/>
-            <a:ext cx="12192000" cy="472186"/>
-          </a:xfrm>
-          <a:prstGeom prst="rect">
-            <a:avLst/>
-          </a:prstGeom>
-          <a:solidFill>
-            <a:schemeClr val="accent1">
-              <a:lumMod val="20000"/>
-              <a:lumOff val="80000"/>
-            </a:schemeClr>
-          </a:solidFill>
-          <a:ln>
-            <a:noFill/>
-          </a:ln>
-        </p:spPr>
-        <p:style>
-          <a:lnRef idx="2">
-            <a:schemeClr val="accent1">
-              <a:shade val="50000"/>
-            </a:schemeClr>
-          </a:lnRef>
-          <a:fillRef idx="1">
-            <a:schemeClr val="accent1"/>
-          </a:fillRef>
-          <a:effectRef idx="0">
-            <a:schemeClr val="accent1"/>
-          </a:effectRef>
-          <a:fontRef idx="minor">
-            <a:schemeClr val="lt1"/>
-          </a:fontRef>
-        </p:style>
-        <p:txBody>
-          <a:bodyPr rtlCol="0" anchor="ctr"/>
-          <a:lstStyle/>
-          <a:p>
-            <a:pPr algn="ctr"/>
-            <a:endParaRPr lang="fr-FR"/>
-          </a:p>
-        </p:txBody>
-      </p:sp>
-      <p:sp>
-        <p:nvSpPr>
-          <p:cNvPr id="11" name="Espace réservé du numéro de diapositive 11">
-            <a:extLst>
-              <a:ext uri="{FF2B5EF4-FFF2-40B4-BE49-F238E27FC236}">
-                <a16:creationId xmlns:a16="http://schemas.microsoft.com/office/drawing/2014/main" id="{6E09DCDB-AE7D-46A6-BB24-B19F551B132C}"/>
-              </a:ext>
-            </a:extLst>
-          </p:cNvPr>
-          <p:cNvSpPr>
-            <a:spLocks noGrp="1"/>
-          </p:cNvSpPr>
-          <p:nvPr>
-            <p:ph type="sldNum" sz="quarter" idx="12"/>
-          </p:nvPr>
-        </p:nvSpPr>
-        <p:spPr>
-          <a:xfrm>
-            <a:off x="11158322" y="6492875"/>
-            <a:ext cx="870036" cy="365125"/>
-          </a:xfrm>
-        </p:spPr>
-        <p:txBody>
-          <a:bodyPr/>
-          <a:lstStyle/>
-          <a:p>
-            <a:fld id="{09EA0DBA-1CB7-49FD-A4E9-CB9833829DE4}" type="slidenum">
-              <a:rPr lang="fr-FR" sz="2000" b="1" smtClean="0">
-                <a:solidFill>
-                  <a:srgbClr val="FF0000"/>
-                </a:solidFill>
-                <a:latin typeface="Times New Roman" panose="02020603050405020304" pitchFamily="18" charset="0"/>
-                <a:cs typeface="Times New Roman" panose="02020603050405020304" pitchFamily="18" charset="0"/>
-              </a:rPr>
-              <a:t>16</a:t>
-            </a:fld>
-            <a:endParaRPr lang="fr-FR" sz="2000" b="1" dirty="0">
-              <a:solidFill>
-                <a:srgbClr val="FF0000"/>
-              </a:solidFill>
-              <a:latin typeface="Times New Roman" panose="02020603050405020304" pitchFamily="18" charset="0"/>
-              <a:cs typeface="Times New Roman" panose="02020603050405020304" pitchFamily="18" charset="0"/>
-            </a:endParaRPr>
-          </a:p>
-        </p:txBody>
-      </p:sp>
-      <p:sp>
-        <p:nvSpPr>
-          <p:cNvPr id="8" name="ZoneTexte 7">
-            <a:extLst>
-              <a:ext uri="{FF2B5EF4-FFF2-40B4-BE49-F238E27FC236}">
-                <a16:creationId xmlns:a16="http://schemas.microsoft.com/office/drawing/2014/main" id="{0A62A2AD-5162-491A-A819-15508085BEFB}"/>
+          <p:cNvPr id="4" name="ZoneTexte 3">
+            <a:extLst>
+              <a:ext uri="{FF2B5EF4-FFF2-40B4-BE49-F238E27FC236}">
+                <a16:creationId xmlns:a16="http://schemas.microsoft.com/office/drawing/2014/main" id="{B7191FEF-1E3F-48E9-A65A-B5A88B9994F6}"/>
               </a:ext>
             </a:extLst>
           </p:cNvPr>
@@ -6729,8 +6661,8 @@
         </p:nvSpPr>
         <p:spPr>
           <a:xfrm>
-            <a:off x="234778" y="1828804"/>
-            <a:ext cx="11728622" cy="2308324"/>
+            <a:off x="1919416" y="295004"/>
+            <a:ext cx="8353167" cy="707886"/>
           </a:xfrm>
           <a:prstGeom prst="rect">
             <a:avLst/>
@@ -6763,40 +6695,28 @@
           <a:lstStyle/>
           <a:p>
             <a:pPr algn="ctr"/>
-            <a:endParaRPr lang="fr-FR" sz="4800" dirty="0"/>
-          </a:p>
-          <a:p>
-            <a:pPr algn="ctr"/>
-            <a:r>
-              <a:rPr lang="fr-FR" sz="4800" dirty="0" smtClean="0">
+            <a:r>
+              <a:rPr lang="fr-FR" sz="4000" dirty="0" smtClean="0">
                 <a:solidFill>
                   <a:schemeClr val="bg1"/>
                 </a:solidFill>
               </a:rPr>
-              <a:t>Options avancées sur la saisie de données</a:t>
-            </a:r>
-            <a:endParaRPr lang="fr-FR" sz="4800" dirty="0">
+              <a:t>Une liste personnalisable</a:t>
+            </a:r>
+            <a:endParaRPr lang="fr-FR" sz="4000" dirty="0">
               <a:solidFill>
                 <a:schemeClr val="bg1"/>
               </a:solidFill>
             </a:endParaRPr>
           </a:p>
-          <a:p>
-            <a:pPr algn="ctr"/>
-            <a:endParaRPr lang="fr-FR" sz="4800" dirty="0">
-              <a:solidFill>
-                <a:schemeClr val="bg1"/>
-              </a:solidFill>
-            </a:endParaRPr>
-          </a:p>
         </p:txBody>
       </p:sp>
       <p:cxnSp>
         <p:nvCxnSpPr>
-          <p:cNvPr id="9" name="Connecteur droit 8">
-            <a:extLst>
-              <a:ext uri="{FF2B5EF4-FFF2-40B4-BE49-F238E27FC236}">
-                <a16:creationId xmlns:a16="http://schemas.microsoft.com/office/drawing/2014/main" id="{CA91B1E3-FD56-4F80-9C4D-68FE7BB35AA6}"/>
+          <p:cNvPr id="3" name="Connecteur droit 2">
+            <a:extLst>
+              <a:ext uri="{FF2B5EF4-FFF2-40B4-BE49-F238E27FC236}">
+                <a16:creationId xmlns:a16="http://schemas.microsoft.com/office/drawing/2014/main" id="{2E5FFC58-89E0-45F1-AB54-88B4500CE745}"/>
               </a:ext>
             </a:extLst>
           </p:cNvPr>
@@ -6834,53 +6754,205 @@
           </a:fontRef>
         </p:style>
       </p:cxnSp>
-      <p:cxnSp>
-        <p:nvCxnSpPr>
-          <p:cNvPr id="12" name="Connecteur droit 11">
-            <a:extLst>
-              <a:ext uri="{FF2B5EF4-FFF2-40B4-BE49-F238E27FC236}">
-                <a16:creationId xmlns:a16="http://schemas.microsoft.com/office/drawing/2014/main" id="{34364D99-1E04-4083-84DA-21B4C64D9EAA}"/>
-              </a:ext>
-            </a:extLst>
-          </p:cNvPr>
-          <p:cNvCxnSpPr/>
+      <p:sp>
+        <p:nvSpPr>
+          <p:cNvPr id="2" name="Rectangle 1">
+            <a:extLst>
+              <a:ext uri="{FF2B5EF4-FFF2-40B4-BE49-F238E27FC236}">
+                <a16:creationId xmlns:a16="http://schemas.microsoft.com/office/drawing/2014/main" id="{C2327DB0-0A90-4C8F-9443-ADC8C8E788A1}"/>
+              </a:ext>
+            </a:extLst>
+          </p:cNvPr>
+          <p:cNvSpPr/>
           <p:nvPr/>
-        </p:nvCxnSpPr>
-        <p:spPr>
-          <a:xfrm>
-            <a:off x="1327355" y="5776718"/>
-            <a:ext cx="9674942" cy="0"/>
-          </a:xfrm>
-          <a:prstGeom prst="line">
-            <a:avLst/>
-          </a:prstGeom>
-          <a:ln w="38100">
-            <a:solidFill>
-              <a:schemeClr val="accent6">
-                <a:lumMod val="50000"/>
-              </a:schemeClr>
-            </a:solidFill>
+        </p:nvSpPr>
+        <p:spPr>
+          <a:xfrm>
+            <a:off x="1327355" y="1710776"/>
+            <a:ext cx="9674942" cy="1061829"/>
+          </a:xfrm>
+          <a:prstGeom prst="rect">
+            <a:avLst/>
+          </a:prstGeom>
+        </p:spPr>
+        <p:txBody>
+          <a:bodyPr wrap="square">
+            <a:spAutoFit/>
+          </a:bodyPr>
+          <a:lstStyle/>
+          <a:p>
+            <a:pPr algn="just">
+              <a:lnSpc>
+                <a:spcPct val="150000"/>
+              </a:lnSpc>
+            </a:pPr>
+            <a:r>
+              <a:rPr lang="fr-FR" sz="2100" dirty="0" smtClean="0">
+                <a:latin typeface="Times New Roman" panose="02020603050405020304" pitchFamily="18" charset="0"/>
+                <a:cs typeface="Times New Roman" panose="02020603050405020304" pitchFamily="18" charset="0"/>
+              </a:rPr>
+              <a:t>Choisissez une colonne, et saisissez une marque par cellule, les unes en dessous des autres:</a:t>
+            </a:r>
+            <a:endParaRPr lang="fr-FR" sz="1600" dirty="0">
+              <a:latin typeface="Times New Roman" panose="02020603050405020304" pitchFamily="18" charset="0"/>
+              <a:cs typeface="Times New Roman" panose="02020603050405020304" pitchFamily="18" charset="0"/>
+            </a:endParaRPr>
+          </a:p>
+        </p:txBody>
+      </p:sp>
+      <p:sp>
+        <p:nvSpPr>
+          <p:cNvPr id="10" name="Rectangle 9">
+            <a:extLst>
+              <a:ext uri="{FF2B5EF4-FFF2-40B4-BE49-F238E27FC236}">
+                <a16:creationId xmlns:a16="http://schemas.microsoft.com/office/drawing/2014/main" id="{D0BB7C77-59ED-485D-B9DD-FEECC299B303}"/>
+              </a:ext>
+            </a:extLst>
+          </p:cNvPr>
+          <p:cNvSpPr/>
+          <p:nvPr/>
+        </p:nvSpPr>
+        <p:spPr>
+          <a:xfrm>
+            <a:off x="0" y="6385815"/>
+            <a:ext cx="12192000" cy="472186"/>
+          </a:xfrm>
+          <a:prstGeom prst="rect">
+            <a:avLst/>
+          </a:prstGeom>
+          <a:solidFill>
+            <a:schemeClr val="accent1">
+              <a:lumMod val="20000"/>
+              <a:lumOff val="80000"/>
+            </a:schemeClr>
+          </a:solidFill>
+          <a:ln>
+            <a:noFill/>
           </a:ln>
         </p:spPr>
         <p:style>
-          <a:lnRef idx="1">
-            <a:schemeClr val="accent1"/>
+          <a:lnRef idx="2">
+            <a:schemeClr val="accent1">
+              <a:shade val="50000"/>
+            </a:schemeClr>
           </a:lnRef>
-          <a:fillRef idx="0">
+          <a:fillRef idx="1">
             <a:schemeClr val="accent1"/>
           </a:fillRef>
           <a:effectRef idx="0">
             <a:schemeClr val="accent1"/>
           </a:effectRef>
           <a:fontRef idx="minor">
-            <a:schemeClr val="tx1"/>
+            <a:schemeClr val="lt1"/>
           </a:fontRef>
         </p:style>
-      </p:cxnSp>
+        <p:txBody>
+          <a:bodyPr rtlCol="0" anchor="ctr"/>
+          <a:lstStyle/>
+          <a:p>
+            <a:pPr algn="ctr"/>
+            <a:endParaRPr lang="fr-FR"/>
+          </a:p>
+        </p:txBody>
+      </p:sp>
+      <p:sp>
+        <p:nvSpPr>
+          <p:cNvPr id="11" name="Espace réservé du numéro de diapositive 11">
+            <a:extLst>
+              <a:ext uri="{FF2B5EF4-FFF2-40B4-BE49-F238E27FC236}">
+                <a16:creationId xmlns:a16="http://schemas.microsoft.com/office/drawing/2014/main" id="{8B1FEE92-7727-4A0E-8B54-7FDF0190C177}"/>
+              </a:ext>
+            </a:extLst>
+          </p:cNvPr>
+          <p:cNvSpPr>
+            <a:spLocks noGrp="1"/>
+          </p:cNvSpPr>
+          <p:nvPr>
+            <p:ph type="sldNum" sz="quarter" idx="12"/>
+          </p:nvPr>
+        </p:nvSpPr>
+        <p:spPr>
+          <a:xfrm>
+            <a:off x="11158322" y="6492875"/>
+            <a:ext cx="870036" cy="365125"/>
+          </a:xfrm>
+        </p:spPr>
+        <p:txBody>
+          <a:bodyPr/>
+          <a:lstStyle/>
+          <a:p>
+            <a:fld id="{09EA0DBA-1CB7-49FD-A4E9-CB9833829DE4}" type="slidenum">
+              <a:rPr lang="fr-FR" sz="2000" b="1" smtClean="0">
+                <a:solidFill>
+                  <a:srgbClr val="FF0000"/>
+                </a:solidFill>
+                <a:latin typeface="Times New Roman" panose="02020603050405020304" pitchFamily="18" charset="0"/>
+                <a:cs typeface="Times New Roman" panose="02020603050405020304" pitchFamily="18" charset="0"/>
+              </a:rPr>
+              <a:t>16</a:t>
+            </a:fld>
+            <a:endParaRPr lang="fr-FR" sz="2000" b="1" dirty="0">
+              <a:solidFill>
+                <a:srgbClr val="FF0000"/>
+              </a:solidFill>
+              <a:latin typeface="Times New Roman" panose="02020603050405020304" pitchFamily="18" charset="0"/>
+              <a:cs typeface="Times New Roman" panose="02020603050405020304" pitchFamily="18" charset="0"/>
+            </a:endParaRPr>
+          </a:p>
+        </p:txBody>
+      </p:sp>
+      <p:pic>
+        <p:nvPicPr>
+          <p:cNvPr id="8" name="Image 7"/>
+          <p:cNvPicPr>
+            <a:picLocks noChangeAspect="1"/>
+          </p:cNvPicPr>
+          <p:nvPr/>
+        </p:nvPicPr>
+        <p:blipFill>
+          <a:blip r:embed="rId2"/>
+          <a:stretch>
+            <a:fillRect/>
+          </a:stretch>
+        </p:blipFill>
+        <p:spPr>
+          <a:xfrm>
+            <a:off x="824041" y="2971800"/>
+            <a:ext cx="1987739" cy="3108959"/>
+          </a:xfrm>
+          <a:prstGeom prst="rect">
+            <a:avLst/>
+          </a:prstGeom>
+        </p:spPr>
+      </p:pic>
+      <p:pic>
+        <p:nvPicPr>
+          <p:cNvPr id="9" name="Image 8"/>
+          <p:cNvPicPr>
+            <a:picLocks noChangeAspect="1"/>
+          </p:cNvPicPr>
+          <p:nvPr/>
+        </p:nvPicPr>
+        <p:blipFill>
+          <a:blip r:embed="rId3"/>
+          <a:stretch>
+            <a:fillRect/>
+          </a:stretch>
+        </p:blipFill>
+        <p:spPr>
+          <a:xfrm>
+            <a:off x="5896927" y="2583180"/>
+            <a:ext cx="3795713" cy="3802634"/>
+          </a:xfrm>
+          <a:prstGeom prst="rect">
+            <a:avLst/>
+          </a:prstGeom>
+        </p:spPr>
+      </p:pic>
     </p:spTree>
     <p:extLst>
       <p:ext uri="{BB962C8B-B14F-4D97-AF65-F5344CB8AC3E}">
-        <p14:creationId xmlns:p14="http://schemas.microsoft.com/office/powerpoint/2010/main" val="289217882"/>
+        <p14:creationId xmlns:p14="http://schemas.microsoft.com/office/powerpoint/2010/main" val="112851279"/>
       </p:ext>
     </p:extLst>
   </p:cSld>
@@ -6963,18 +7035,13 @@
           <a:p>
             <a:pPr algn="ctr"/>
             <a:r>
-              <a:rPr lang="fr-FR" sz="4000" dirty="0" smtClean="0">
+              <a:rPr lang="fr-FR" sz="4000" dirty="0">
                 <a:solidFill>
                   <a:schemeClr val="bg1"/>
                 </a:solidFill>
               </a:rPr>
               <a:t>Une liste personnalisable</a:t>
             </a:r>
-            <a:endParaRPr lang="fr-FR" sz="4000" dirty="0">
-              <a:solidFill>
-                <a:schemeClr val="bg1"/>
-              </a:solidFill>
-            </a:endParaRPr>
           </a:p>
         </p:txBody>
       </p:sp>
@@ -7023,56 +7090,10 @@
       </p:cxnSp>
       <p:sp>
         <p:nvSpPr>
-          <p:cNvPr id="2" name="Rectangle 1">
-            <a:extLst>
-              <a:ext uri="{FF2B5EF4-FFF2-40B4-BE49-F238E27FC236}">
-                <a16:creationId xmlns:a16="http://schemas.microsoft.com/office/drawing/2014/main" id="{C2327DB0-0A90-4C8F-9443-ADC8C8E788A1}"/>
-              </a:ext>
-            </a:extLst>
-          </p:cNvPr>
-          <p:cNvSpPr/>
-          <p:nvPr/>
-        </p:nvSpPr>
-        <p:spPr>
-          <a:xfrm>
-            <a:off x="1327355" y="1710776"/>
-            <a:ext cx="9674942" cy="1061829"/>
-          </a:xfrm>
-          <a:prstGeom prst="rect">
-            <a:avLst/>
-          </a:prstGeom>
-        </p:spPr>
-        <p:txBody>
-          <a:bodyPr wrap="square">
-            <a:spAutoFit/>
-          </a:bodyPr>
-          <a:lstStyle/>
-          <a:p>
-            <a:pPr algn="just">
-              <a:lnSpc>
-                <a:spcPct val="150000"/>
-              </a:lnSpc>
-            </a:pPr>
-            <a:r>
-              <a:rPr lang="fr-FR" sz="2100" dirty="0" smtClean="0">
-                <a:latin typeface="Times New Roman" panose="02020603050405020304" pitchFamily="18" charset="0"/>
-                <a:cs typeface="Times New Roman" panose="02020603050405020304" pitchFamily="18" charset="0"/>
-              </a:rPr>
-              <a:t>Choisissez une colonne, et saisissez une marque par cellule, les unes en dessous des autres:</a:t>
-            </a:r>
-            <a:endParaRPr lang="fr-FR" sz="1600" dirty="0">
-              <a:latin typeface="Times New Roman" panose="02020603050405020304" pitchFamily="18" charset="0"/>
-              <a:cs typeface="Times New Roman" panose="02020603050405020304" pitchFamily="18" charset="0"/>
-            </a:endParaRPr>
-          </a:p>
-        </p:txBody>
-      </p:sp>
-      <p:sp>
-        <p:nvSpPr>
-          <p:cNvPr id="10" name="Rectangle 9">
-            <a:extLst>
-              <a:ext uri="{FF2B5EF4-FFF2-40B4-BE49-F238E27FC236}">
-                <a16:creationId xmlns:a16="http://schemas.microsoft.com/office/drawing/2014/main" id="{D0BB7C77-59ED-485D-B9DD-FEECC299B303}"/>
+          <p:cNvPr id="14" name="Rectangle 13">
+            <a:extLst>
+              <a:ext uri="{FF2B5EF4-FFF2-40B4-BE49-F238E27FC236}">
+                <a16:creationId xmlns:a16="http://schemas.microsoft.com/office/drawing/2014/main" id="{7F448B43-D049-47E2-AFB8-3F156777C439}"/>
               </a:ext>
             </a:extLst>
           </p:cNvPr>
@@ -7124,10 +7145,10 @@
       </p:sp>
       <p:sp>
         <p:nvSpPr>
-          <p:cNvPr id="11" name="Espace réservé du numéro de diapositive 11">
-            <a:extLst>
-              <a:ext uri="{FF2B5EF4-FFF2-40B4-BE49-F238E27FC236}">
-                <a16:creationId xmlns:a16="http://schemas.microsoft.com/office/drawing/2014/main" id="{8B1FEE92-7727-4A0E-8B54-7FDF0190C177}"/>
+          <p:cNvPr id="15" name="Espace réservé du numéro de diapositive 11">
+            <a:extLst>
+              <a:ext uri="{FF2B5EF4-FFF2-40B4-BE49-F238E27FC236}">
+                <a16:creationId xmlns:a16="http://schemas.microsoft.com/office/drawing/2014/main" id="{43514CE0-42FD-4E8C-A570-33D26B0F86F6}"/>
               </a:ext>
             </a:extLst>
           </p:cNvPr>
@@ -7170,7 +7191,7 @@
       </p:sp>
       <p:pic>
         <p:nvPicPr>
-          <p:cNvPr id="8" name="Image 7"/>
+          <p:cNvPr id="2" name="Image 1"/>
           <p:cNvPicPr>
             <a:picLocks noChangeAspect="1"/>
           </p:cNvPicPr>
@@ -7184,32 +7205,8 @@
         </p:blipFill>
         <p:spPr>
           <a:xfrm>
-            <a:off x="824041" y="2971800"/>
-            <a:ext cx="1987739" cy="3108959"/>
-          </a:xfrm>
-          <a:prstGeom prst="rect">
-            <a:avLst/>
-          </a:prstGeom>
-        </p:spPr>
-      </p:pic>
-      <p:pic>
-        <p:nvPicPr>
-          <p:cNvPr id="9" name="Image 8"/>
-          <p:cNvPicPr>
-            <a:picLocks noChangeAspect="1"/>
-          </p:cNvPicPr>
-          <p:nvPr/>
-        </p:nvPicPr>
-        <p:blipFill>
-          <a:blip r:embed="rId3"/>
-          <a:stretch>
-            <a:fillRect/>
-          </a:stretch>
-        </p:blipFill>
-        <p:spPr>
-          <a:xfrm>
-            <a:off x="5896927" y="2583180"/>
-            <a:ext cx="3795713" cy="3802634"/>
+            <a:off x="1051560" y="1188720"/>
+            <a:ext cx="9950737" cy="5197094"/>
           </a:xfrm>
           <a:prstGeom prst="rect">
             <a:avLst/>
@@ -7219,7 +7216,7 @@
     </p:spTree>
     <p:extLst>
       <p:ext uri="{BB962C8B-B14F-4D97-AF65-F5344CB8AC3E}">
-        <p14:creationId xmlns:p14="http://schemas.microsoft.com/office/powerpoint/2010/main" val="112851279"/>
+        <p14:creationId xmlns:p14="http://schemas.microsoft.com/office/powerpoint/2010/main" val="3905002071"/>
       </p:ext>
     </p:extLst>
   </p:cSld>
@@ -7472,8 +7469,8 @@
         </p:blipFill>
         <p:spPr>
           <a:xfrm>
-            <a:off x="1051560" y="1188720"/>
-            <a:ext cx="9950737" cy="5197094"/>
+            <a:off x="731520" y="1917939"/>
+            <a:ext cx="10426802" cy="4254261"/>
           </a:xfrm>
           <a:prstGeom prst="rect">
             <a:avLst/>
@@ -7483,7 +7480,7 @@
     </p:spTree>
     <p:extLst>
       <p:ext uri="{BB962C8B-B14F-4D97-AF65-F5344CB8AC3E}">
-        <p14:creationId xmlns:p14="http://schemas.microsoft.com/office/powerpoint/2010/main" val="3905002071"/>
+        <p14:creationId xmlns:p14="http://schemas.microsoft.com/office/powerpoint/2010/main" val="3821304507"/>
       </p:ext>
     </p:extLst>
   </p:cSld>
@@ -7722,7 +7719,7 @@
       </p:sp>
       <p:pic>
         <p:nvPicPr>
-          <p:cNvPr id="2" name="Image 1"/>
+          <p:cNvPr id="5" name="Image 4"/>
           <p:cNvPicPr>
             <a:picLocks noChangeAspect="1"/>
           </p:cNvPicPr>
@@ -7736,8 +7733,8 @@
         </p:blipFill>
         <p:spPr>
           <a:xfrm>
-            <a:off x="731520" y="1917939"/>
-            <a:ext cx="10426802" cy="4254261"/>
+            <a:off x="346709" y="1163479"/>
+            <a:ext cx="11498579" cy="5511958"/>
           </a:xfrm>
           <a:prstGeom prst="rect">
             <a:avLst/>
@@ -7747,7 +7744,7 @@
     </p:spTree>
     <p:extLst>
       <p:ext uri="{BB962C8B-B14F-4D97-AF65-F5344CB8AC3E}">
-        <p14:creationId xmlns:p14="http://schemas.microsoft.com/office/powerpoint/2010/main" val="3821304507"/>
+        <p14:creationId xmlns:p14="http://schemas.microsoft.com/office/powerpoint/2010/main" val="1194607497"/>
       </p:ext>
     </p:extLst>
   </p:cSld>
@@ -8092,7 +8089,7 @@
         <p:spPr>
           <a:xfrm>
             <a:off x="1919416" y="295004"/>
-            <a:ext cx="8353167" cy="707886"/>
+            <a:ext cx="8801924" cy="707886"/>
           </a:xfrm>
           <a:prstGeom prst="rect">
             <a:avLst/>
@@ -8126,13 +8123,18 @@
           <a:p>
             <a:pPr algn="ctr"/>
             <a:r>
-              <a:rPr lang="fr-FR" sz="4000" dirty="0">
+              <a:rPr lang="fr-FR" sz="4000" dirty="0" smtClean="0">
                 <a:solidFill>
                   <a:schemeClr val="bg1"/>
                 </a:solidFill>
               </a:rPr>
-              <a:t>Une liste personnalisable</a:t>
-            </a:r>
+              <a:t>Validation de saisie : Gérer les contrôles</a:t>
+            </a:r>
+            <a:endParaRPr lang="fr-FR" sz="4000" dirty="0">
+              <a:solidFill>
+                <a:schemeClr val="bg1"/>
+              </a:solidFill>
+            </a:endParaRPr>
           </a:p>
         </p:txBody>
       </p:sp>
@@ -8280,9 +8282,69 @@
           </a:p>
         </p:txBody>
       </p:sp>
+      <p:sp>
+        <p:nvSpPr>
+          <p:cNvPr id="7" name="Rectangle 6">
+            <a:extLst>
+              <a:ext uri="{FF2B5EF4-FFF2-40B4-BE49-F238E27FC236}">
+                <a16:creationId xmlns:a16="http://schemas.microsoft.com/office/drawing/2014/main" id="{C2327DB0-0A90-4C8F-9443-ADC8C8E788A1}"/>
+              </a:ext>
+            </a:extLst>
+          </p:cNvPr>
+          <p:cNvSpPr/>
+          <p:nvPr/>
+        </p:nvSpPr>
+        <p:spPr>
+          <a:xfrm>
+            <a:off x="1327355" y="1710776"/>
+            <a:ext cx="9674942" cy="1003736"/>
+          </a:xfrm>
+          <a:prstGeom prst="rect">
+            <a:avLst/>
+          </a:prstGeom>
+        </p:spPr>
+        <p:txBody>
+          <a:bodyPr wrap="square">
+            <a:spAutoFit/>
+          </a:bodyPr>
+          <a:lstStyle/>
+          <a:p>
+            <a:pPr algn="just">
+              <a:lnSpc>
+                <a:spcPct val="150000"/>
+              </a:lnSpc>
+            </a:pPr>
+            <a:r>
+              <a:rPr lang="fr-FR" sz="2100" dirty="0" smtClean="0">
+                <a:latin typeface="Times New Roman" panose="02020603050405020304" pitchFamily="18" charset="0"/>
+                <a:cs typeface="Times New Roman" panose="02020603050405020304" pitchFamily="18" charset="0"/>
+              </a:rPr>
+              <a:t>Cette fois-ci, nous voulons obtenir un tableau pré-rempli afin de le compléter en fonction de l’âge (par </a:t>
+            </a:r>
+            <a:r>
+              <a:rPr lang="fr-FR" sz="2100" dirty="0" err="1" smtClean="0">
+                <a:latin typeface="Times New Roman" panose="02020603050405020304" pitchFamily="18" charset="0"/>
+                <a:cs typeface="Times New Roman" panose="02020603050405020304" pitchFamily="18" charset="0"/>
+              </a:rPr>
+              <a:t>ecemple</a:t>
+            </a:r>
+            <a:r>
+              <a:rPr lang="fr-FR" sz="2100" dirty="0" smtClean="0">
+                <a:latin typeface="Times New Roman" panose="02020603050405020304" pitchFamily="18" charset="0"/>
+                <a:cs typeface="Times New Roman" panose="02020603050405020304" pitchFamily="18" charset="0"/>
+              </a:rPr>
+              <a:t>). L’âge doit être compris entre 12-17 ans.</a:t>
+            </a:r>
+            <a:endParaRPr lang="fr-FR" sz="1600" dirty="0">
+              <a:latin typeface="Times New Roman" panose="02020603050405020304" pitchFamily="18" charset="0"/>
+              <a:cs typeface="Times New Roman" panose="02020603050405020304" pitchFamily="18" charset="0"/>
+            </a:endParaRPr>
+          </a:p>
+        </p:txBody>
+      </p:sp>
       <p:pic>
         <p:nvPicPr>
-          <p:cNvPr id="5" name="Image 4"/>
+          <p:cNvPr id="2" name="Image 1"/>
           <p:cNvPicPr>
             <a:picLocks noChangeAspect="1"/>
           </p:cNvPicPr>
@@ -8296,8 +8358,32 @@
         </p:blipFill>
         <p:spPr>
           <a:xfrm>
-            <a:off x="346709" y="1163479"/>
-            <a:ext cx="11498579" cy="5511958"/>
+            <a:off x="651098" y="2821573"/>
+            <a:ext cx="5669280" cy="3671302"/>
+          </a:xfrm>
+          <a:prstGeom prst="rect">
+            <a:avLst/>
+          </a:prstGeom>
+        </p:spPr>
+      </p:pic>
+      <p:pic>
+        <p:nvPicPr>
+          <p:cNvPr id="6" name="Image 5"/>
+          <p:cNvPicPr>
+            <a:picLocks noChangeAspect="1"/>
+          </p:cNvPicPr>
+          <p:nvPr/>
+        </p:nvPicPr>
+        <p:blipFill>
+          <a:blip r:embed="rId3"/>
+          <a:stretch>
+            <a:fillRect/>
+          </a:stretch>
+        </p:blipFill>
+        <p:spPr>
+          <a:xfrm>
+            <a:off x="7282024" y="2875104"/>
+            <a:ext cx="4517733" cy="3457181"/>
           </a:xfrm>
           <a:prstGeom prst="rect">
             <a:avLst/>
@@ -8307,7 +8393,7 @@
     </p:spTree>
     <p:extLst>
       <p:ext uri="{BB962C8B-B14F-4D97-AF65-F5344CB8AC3E}">
-        <p14:creationId xmlns:p14="http://schemas.microsoft.com/office/powerpoint/2010/main" val="1194607497"/>
+        <p14:creationId xmlns:p14="http://schemas.microsoft.com/office/powerpoint/2010/main" val="2979005533"/>
       </p:ext>
     </p:extLst>
   </p:cSld>
@@ -8611,7 +8697,7 @@
       </p:sp>
       <p:pic>
         <p:nvPicPr>
-          <p:cNvPr id="2" name="Image 1"/>
+          <p:cNvPr id="5" name="Image 4"/>
           <p:cNvPicPr>
             <a:picLocks noChangeAspect="1"/>
           </p:cNvPicPr>
@@ -8625,32 +8711,8 @@
         </p:blipFill>
         <p:spPr>
           <a:xfrm>
-            <a:off x="651098" y="2821573"/>
-            <a:ext cx="5669280" cy="3671302"/>
-          </a:xfrm>
-          <a:prstGeom prst="rect">
-            <a:avLst/>
-          </a:prstGeom>
-        </p:spPr>
-      </p:pic>
-      <p:pic>
-        <p:nvPicPr>
-          <p:cNvPr id="6" name="Image 5"/>
-          <p:cNvPicPr>
-            <a:picLocks noChangeAspect="1"/>
-          </p:cNvPicPr>
-          <p:nvPr/>
-        </p:nvPicPr>
-        <p:blipFill>
-          <a:blip r:embed="rId3"/>
-          <a:stretch>
-            <a:fillRect/>
-          </a:stretch>
-        </p:blipFill>
-        <p:spPr>
-          <a:xfrm>
-            <a:off x="7282024" y="2875104"/>
-            <a:ext cx="4517733" cy="3457181"/>
+            <a:off x="822960" y="2821572"/>
+            <a:ext cx="10561320" cy="3350627"/>
           </a:xfrm>
           <a:prstGeom prst="rect">
             <a:avLst/>
@@ -8660,7 +8722,7 @@
     </p:spTree>
     <p:extLst>
       <p:ext uri="{BB962C8B-B14F-4D97-AF65-F5344CB8AC3E}">
-        <p14:creationId xmlns:p14="http://schemas.microsoft.com/office/powerpoint/2010/main" val="2979005533"/>
+        <p14:creationId xmlns:p14="http://schemas.microsoft.com/office/powerpoint/2010/main" val="1631989333"/>
       </p:ext>
     </p:extLst>
   </p:cSld>
@@ -8902,69 +8964,9 @@
           </a:p>
         </p:txBody>
       </p:sp>
-      <p:sp>
-        <p:nvSpPr>
-          <p:cNvPr id="7" name="Rectangle 6">
-            <a:extLst>
-              <a:ext uri="{FF2B5EF4-FFF2-40B4-BE49-F238E27FC236}">
-                <a16:creationId xmlns:a16="http://schemas.microsoft.com/office/drawing/2014/main" id="{C2327DB0-0A90-4C8F-9443-ADC8C8E788A1}"/>
-              </a:ext>
-            </a:extLst>
-          </p:cNvPr>
-          <p:cNvSpPr/>
-          <p:nvPr/>
-        </p:nvSpPr>
-        <p:spPr>
-          <a:xfrm>
-            <a:off x="1327355" y="1710776"/>
-            <a:ext cx="9674942" cy="1003736"/>
-          </a:xfrm>
-          <a:prstGeom prst="rect">
-            <a:avLst/>
-          </a:prstGeom>
-        </p:spPr>
-        <p:txBody>
-          <a:bodyPr wrap="square">
-            <a:spAutoFit/>
-          </a:bodyPr>
-          <a:lstStyle/>
-          <a:p>
-            <a:pPr algn="just">
-              <a:lnSpc>
-                <a:spcPct val="150000"/>
-              </a:lnSpc>
-            </a:pPr>
-            <a:r>
-              <a:rPr lang="fr-FR" sz="2100" dirty="0" smtClean="0">
-                <a:latin typeface="Times New Roman" panose="02020603050405020304" pitchFamily="18" charset="0"/>
-                <a:cs typeface="Times New Roman" panose="02020603050405020304" pitchFamily="18" charset="0"/>
-              </a:rPr>
-              <a:t>Cette fois-ci, nous voulons obtenir un tableau pré-rempli afin de le compléter en fonction de l’âge (par </a:t>
-            </a:r>
-            <a:r>
-              <a:rPr lang="fr-FR" sz="2100" dirty="0" err="1" smtClean="0">
-                <a:latin typeface="Times New Roman" panose="02020603050405020304" pitchFamily="18" charset="0"/>
-                <a:cs typeface="Times New Roman" panose="02020603050405020304" pitchFamily="18" charset="0"/>
-              </a:rPr>
-              <a:t>ecemple</a:t>
-            </a:r>
-            <a:r>
-              <a:rPr lang="fr-FR" sz="2100" dirty="0" smtClean="0">
-                <a:latin typeface="Times New Roman" panose="02020603050405020304" pitchFamily="18" charset="0"/>
-                <a:cs typeface="Times New Roman" panose="02020603050405020304" pitchFamily="18" charset="0"/>
-              </a:rPr>
-              <a:t>). L’âge doit être compris entre 12-17 ans.</a:t>
-            </a:r>
-            <a:endParaRPr lang="fr-FR" sz="1600" dirty="0">
-              <a:latin typeface="Times New Roman" panose="02020603050405020304" pitchFamily="18" charset="0"/>
-              <a:cs typeface="Times New Roman" panose="02020603050405020304" pitchFamily="18" charset="0"/>
-            </a:endParaRPr>
-          </a:p>
-        </p:txBody>
-      </p:sp>
       <p:pic>
         <p:nvPicPr>
-          <p:cNvPr id="5" name="Image 4"/>
+          <p:cNvPr id="6" name="Image 5"/>
           <p:cNvPicPr>
             <a:picLocks noChangeAspect="1"/>
           </p:cNvPicPr>
@@ -8978,8 +8980,8 @@
         </p:blipFill>
         <p:spPr>
           <a:xfrm>
-            <a:off x="822960" y="2821572"/>
-            <a:ext cx="10561320" cy="3350627"/>
+            <a:off x="617219" y="1002891"/>
+            <a:ext cx="10385077" cy="5489984"/>
           </a:xfrm>
           <a:prstGeom prst="rect">
             <a:avLst/>
@@ -8989,7 +8991,7 @@
     </p:spTree>
     <p:extLst>
       <p:ext uri="{BB962C8B-B14F-4D97-AF65-F5344CB8AC3E}">
-        <p14:creationId xmlns:p14="http://schemas.microsoft.com/office/powerpoint/2010/main" val="1631989333"/>
+        <p14:creationId xmlns:p14="http://schemas.microsoft.com/office/powerpoint/2010/main" val="2624798917"/>
       </p:ext>
     </p:extLst>
   </p:cSld>
@@ -9233,7 +9235,7 @@
       </p:sp>
       <p:pic>
         <p:nvPicPr>
-          <p:cNvPr id="6" name="Image 5"/>
+          <p:cNvPr id="2" name="Image 1"/>
           <p:cNvPicPr>
             <a:picLocks noChangeAspect="1"/>
           </p:cNvPicPr>
@@ -9247,18 +9249,64 @@
         </p:blipFill>
         <p:spPr>
           <a:xfrm>
-            <a:off x="617219" y="1002891"/>
-            <a:ext cx="10385077" cy="5489984"/>
+            <a:off x="525780" y="2217420"/>
+            <a:ext cx="11087099" cy="3886199"/>
           </a:xfrm>
           <a:prstGeom prst="rect">
             <a:avLst/>
           </a:prstGeom>
         </p:spPr>
       </p:pic>
+      <p:sp>
+        <p:nvSpPr>
+          <p:cNvPr id="8" name="Rectangle 7">
+            <a:extLst>
+              <a:ext uri="{FF2B5EF4-FFF2-40B4-BE49-F238E27FC236}">
+                <a16:creationId xmlns:a16="http://schemas.microsoft.com/office/drawing/2014/main" id="{C2327DB0-0A90-4C8F-9443-ADC8C8E788A1}"/>
+              </a:ext>
+            </a:extLst>
+          </p:cNvPr>
+          <p:cNvSpPr/>
+          <p:nvPr/>
+        </p:nvSpPr>
+        <p:spPr>
+          <a:xfrm>
+            <a:off x="1258529" y="1285086"/>
+            <a:ext cx="9674942" cy="518988"/>
+          </a:xfrm>
+          <a:prstGeom prst="rect">
+            <a:avLst/>
+          </a:prstGeom>
+        </p:spPr>
+        <p:txBody>
+          <a:bodyPr wrap="square">
+            <a:spAutoFit/>
+          </a:bodyPr>
+          <a:lstStyle/>
+          <a:p>
+            <a:pPr algn="just">
+              <a:lnSpc>
+                <a:spcPct val="150000"/>
+              </a:lnSpc>
+            </a:pPr>
+            <a:r>
+              <a:rPr lang="fr-FR" sz="2100" dirty="0" smtClean="0">
+                <a:latin typeface="Times New Roman" panose="02020603050405020304" pitchFamily="18" charset="0"/>
+                <a:cs typeface="Times New Roman" panose="02020603050405020304" pitchFamily="18" charset="0"/>
+              </a:rPr>
+              <a:t>Message d’erreur!</a:t>
+            </a:r>
+            <a:endParaRPr lang="fr-FR" sz="1600" dirty="0">
+              <a:latin typeface="Times New Roman" panose="02020603050405020304" pitchFamily="18" charset="0"/>
+              <a:cs typeface="Times New Roman" panose="02020603050405020304" pitchFamily="18" charset="0"/>
+            </a:endParaRPr>
+          </a:p>
+        </p:txBody>
+      </p:sp>
     </p:spTree>
     <p:extLst>
       <p:ext uri="{BB962C8B-B14F-4D97-AF65-F5344CB8AC3E}">
-        <p14:creationId xmlns:p14="http://schemas.microsoft.com/office/powerpoint/2010/main" val="2624798917"/>
+        <p14:creationId xmlns:p14="http://schemas.microsoft.com/office/powerpoint/2010/main" val="2924691015"/>
       </p:ext>
     </p:extLst>
   </p:cSld>
@@ -9500,9 +9548,55 @@
           </a:p>
         </p:txBody>
       </p:sp>
+      <p:sp>
+        <p:nvSpPr>
+          <p:cNvPr id="8" name="Rectangle 7">
+            <a:extLst>
+              <a:ext uri="{FF2B5EF4-FFF2-40B4-BE49-F238E27FC236}">
+                <a16:creationId xmlns:a16="http://schemas.microsoft.com/office/drawing/2014/main" id="{C2327DB0-0A90-4C8F-9443-ADC8C8E788A1}"/>
+              </a:ext>
+            </a:extLst>
+          </p:cNvPr>
+          <p:cNvSpPr/>
+          <p:nvPr/>
+        </p:nvSpPr>
+        <p:spPr>
+          <a:xfrm>
+            <a:off x="1258529" y="1285086"/>
+            <a:ext cx="9674942" cy="518988"/>
+          </a:xfrm>
+          <a:prstGeom prst="rect">
+            <a:avLst/>
+          </a:prstGeom>
+        </p:spPr>
+        <p:txBody>
+          <a:bodyPr wrap="square">
+            <a:spAutoFit/>
+          </a:bodyPr>
+          <a:lstStyle/>
+          <a:p>
+            <a:pPr algn="just">
+              <a:lnSpc>
+                <a:spcPct val="150000"/>
+              </a:lnSpc>
+            </a:pPr>
+            <a:r>
+              <a:rPr lang="fr-FR" sz="2100" dirty="0" smtClean="0">
+                <a:latin typeface="Times New Roman" panose="02020603050405020304" pitchFamily="18" charset="0"/>
+                <a:cs typeface="Times New Roman" panose="02020603050405020304" pitchFamily="18" charset="0"/>
+              </a:rPr>
+              <a:t>Personnalisation du message d’erreur.</a:t>
+            </a:r>
+            <a:endParaRPr lang="fr-FR" sz="1600" dirty="0">
+              <a:latin typeface="Times New Roman" panose="02020603050405020304" pitchFamily="18" charset="0"/>
+              <a:cs typeface="Times New Roman" panose="02020603050405020304" pitchFamily="18" charset="0"/>
+            </a:endParaRPr>
+          </a:p>
+        </p:txBody>
+      </p:sp>
       <p:pic>
         <p:nvPicPr>
-          <p:cNvPr id="2" name="Image 1"/>
+          <p:cNvPr id="5" name="Image 4"/>
           <p:cNvPicPr>
             <a:picLocks noChangeAspect="1"/>
           </p:cNvPicPr>
@@ -9516,64 +9610,18 @@
         </p:blipFill>
         <p:spPr>
           <a:xfrm>
-            <a:off x="525780" y="2217420"/>
-            <a:ext cx="11087099" cy="3886199"/>
+            <a:off x="297180" y="1876424"/>
+            <a:ext cx="11731177" cy="4509389"/>
           </a:xfrm>
           <a:prstGeom prst="rect">
             <a:avLst/>
           </a:prstGeom>
         </p:spPr>
       </p:pic>
-      <p:sp>
-        <p:nvSpPr>
-          <p:cNvPr id="8" name="Rectangle 7">
-            <a:extLst>
-              <a:ext uri="{FF2B5EF4-FFF2-40B4-BE49-F238E27FC236}">
-                <a16:creationId xmlns:a16="http://schemas.microsoft.com/office/drawing/2014/main" id="{C2327DB0-0A90-4C8F-9443-ADC8C8E788A1}"/>
-              </a:ext>
-            </a:extLst>
-          </p:cNvPr>
-          <p:cNvSpPr/>
-          <p:nvPr/>
-        </p:nvSpPr>
-        <p:spPr>
-          <a:xfrm>
-            <a:off x="1258529" y="1285086"/>
-            <a:ext cx="9674942" cy="518988"/>
-          </a:xfrm>
-          <a:prstGeom prst="rect">
-            <a:avLst/>
-          </a:prstGeom>
-        </p:spPr>
-        <p:txBody>
-          <a:bodyPr wrap="square">
-            <a:spAutoFit/>
-          </a:bodyPr>
-          <a:lstStyle/>
-          <a:p>
-            <a:pPr algn="just">
-              <a:lnSpc>
-                <a:spcPct val="150000"/>
-              </a:lnSpc>
-            </a:pPr>
-            <a:r>
-              <a:rPr lang="fr-FR" sz="2100" dirty="0" smtClean="0">
-                <a:latin typeface="Times New Roman" panose="02020603050405020304" pitchFamily="18" charset="0"/>
-                <a:cs typeface="Times New Roman" panose="02020603050405020304" pitchFamily="18" charset="0"/>
-              </a:rPr>
-              <a:t>Message d’erreur!</a:t>
-            </a:r>
-            <a:endParaRPr lang="fr-FR" sz="1600" dirty="0">
-              <a:latin typeface="Times New Roman" panose="02020603050405020304" pitchFamily="18" charset="0"/>
-              <a:cs typeface="Times New Roman" panose="02020603050405020304" pitchFamily="18" charset="0"/>
-            </a:endParaRPr>
-          </a:p>
-        </p:txBody>
-      </p:sp>
     </p:spTree>
     <p:extLst>
       <p:ext uri="{BB962C8B-B14F-4D97-AF65-F5344CB8AC3E}">
-        <p14:creationId xmlns:p14="http://schemas.microsoft.com/office/powerpoint/2010/main" val="2924691015"/>
+        <p14:creationId xmlns:p14="http://schemas.microsoft.com/office/powerpoint/2010/main" val="3042654821"/>
       </p:ext>
     </p:extLst>
   </p:cSld>
@@ -9863,7 +9911,7 @@
       </p:sp>
       <p:pic>
         <p:nvPicPr>
-          <p:cNvPr id="5" name="Image 4"/>
+          <p:cNvPr id="2" name="Image 1"/>
           <p:cNvPicPr>
             <a:picLocks noChangeAspect="1"/>
           </p:cNvPicPr>
@@ -9877,8 +9925,8 @@
         </p:blipFill>
         <p:spPr>
           <a:xfrm>
-            <a:off x="297180" y="1876424"/>
-            <a:ext cx="11731177" cy="4509389"/>
+            <a:off x="205740" y="2086269"/>
+            <a:ext cx="11658599" cy="4131651"/>
           </a:xfrm>
           <a:prstGeom prst="rect">
             <a:avLst/>
@@ -9888,7 +9936,7 @@
     </p:spTree>
     <p:extLst>
       <p:ext uri="{BB962C8B-B14F-4D97-AF65-F5344CB8AC3E}">
-        <p14:creationId xmlns:p14="http://schemas.microsoft.com/office/powerpoint/2010/main" val="3042654821"/>
+        <p14:creationId xmlns:p14="http://schemas.microsoft.com/office/powerpoint/2010/main" val="1112073871"/>
       </p:ext>
     </p:extLst>
   </p:cSld>
@@ -10167,7 +10215,7 @@
                 <a:latin typeface="Times New Roman" panose="02020603050405020304" pitchFamily="18" charset="0"/>
                 <a:cs typeface="Times New Roman" panose="02020603050405020304" pitchFamily="18" charset="0"/>
               </a:rPr>
-              <a:t>Personnalisation du message d’erreur.</a:t>
+              <a:t>Message de saisie.</a:t>
             </a:r>
             <a:endParaRPr lang="fr-FR" sz="1600" dirty="0">
               <a:latin typeface="Times New Roman" panose="02020603050405020304" pitchFamily="18" charset="0"/>
@@ -10178,7 +10226,7 @@
       </p:sp>
       <p:pic>
         <p:nvPicPr>
-          <p:cNvPr id="2" name="Image 1"/>
+          <p:cNvPr id="5" name="Image 4"/>
           <p:cNvPicPr>
             <a:picLocks noChangeAspect="1"/>
           </p:cNvPicPr>
@@ -10192,8 +10240,8 @@
         </p:blipFill>
         <p:spPr>
           <a:xfrm>
-            <a:off x="205740" y="2086269"/>
-            <a:ext cx="11658599" cy="4131651"/>
+            <a:off x="-182880" y="1826323"/>
+            <a:ext cx="10698480" cy="4666552"/>
           </a:xfrm>
           <a:prstGeom prst="rect">
             <a:avLst/>
@@ -10203,7 +10251,7 @@
     </p:spTree>
     <p:extLst>
       <p:ext uri="{BB962C8B-B14F-4D97-AF65-F5344CB8AC3E}">
-        <p14:creationId xmlns:p14="http://schemas.microsoft.com/office/powerpoint/2010/main" val="1112073871"/>
+        <p14:creationId xmlns:p14="http://schemas.microsoft.com/office/powerpoint/2010/main" val="1821266383"/>
       </p:ext>
     </p:extLst>
   </p:cSld>
@@ -10493,7 +10541,7 @@
       </p:sp>
       <p:pic>
         <p:nvPicPr>
-          <p:cNvPr id="5" name="Image 4"/>
+          <p:cNvPr id="2" name="Image 1"/>
           <p:cNvPicPr>
             <a:picLocks noChangeAspect="1"/>
           </p:cNvPicPr>
@@ -10507,8 +10555,8 @@
         </p:blipFill>
         <p:spPr>
           <a:xfrm>
-            <a:off x="-182880" y="1826323"/>
-            <a:ext cx="10698480" cy="4666552"/>
+            <a:off x="320041" y="2086269"/>
+            <a:ext cx="6919912" cy="3628327"/>
           </a:xfrm>
           <a:prstGeom prst="rect">
             <a:avLst/>
@@ -10518,7 +10566,7 @@
     </p:spTree>
     <p:extLst>
       <p:ext uri="{BB962C8B-B14F-4D97-AF65-F5344CB8AC3E}">
-        <p14:creationId xmlns:p14="http://schemas.microsoft.com/office/powerpoint/2010/main" val="1821266383"/>
+        <p14:creationId xmlns:p14="http://schemas.microsoft.com/office/powerpoint/2010/main" val="876702520"/>
       </p:ext>
     </p:extLst>
   </p:cSld>
@@ -10566,8 +10614,8 @@
         </p:nvSpPr>
         <p:spPr>
           <a:xfrm>
-            <a:off x="1919416" y="295004"/>
-            <a:ext cx="8801924" cy="707886"/>
+            <a:off x="571500" y="295004"/>
+            <a:ext cx="11456858" cy="707886"/>
           </a:xfrm>
           <a:prstGeom prst="rect">
             <a:avLst/>
@@ -10606,7 +10654,7 @@
                   <a:schemeClr val="bg1"/>
                 </a:solidFill>
               </a:rPr>
-              <a:t>Validation de saisie : Gérer les contrôles</a:t>
+              <a:t>Validation de saisie : Utiliser une liste déroulante</a:t>
             </a:r>
             <a:endParaRPr lang="fr-FR" sz="4000" dirty="0">
               <a:solidFill>
@@ -10797,7 +10845,7 @@
                 <a:latin typeface="Times New Roman" panose="02020603050405020304" pitchFamily="18" charset="0"/>
                 <a:cs typeface="Times New Roman" panose="02020603050405020304" pitchFamily="18" charset="0"/>
               </a:rPr>
-              <a:t>Message de saisie.</a:t>
+              <a:t>Voici ce que nous allons faire:</a:t>
             </a:r>
             <a:endParaRPr lang="fr-FR" sz="1600" dirty="0">
               <a:latin typeface="Times New Roman" panose="02020603050405020304" pitchFamily="18" charset="0"/>
@@ -10808,7 +10856,7 @@
       </p:sp>
       <p:pic>
         <p:nvPicPr>
-          <p:cNvPr id="2" name="Image 1"/>
+          <p:cNvPr id="5" name="Image 4"/>
           <p:cNvPicPr>
             <a:picLocks noChangeAspect="1"/>
           </p:cNvPicPr>
@@ -10822,8 +10870,8 @@
         </p:blipFill>
         <p:spPr>
           <a:xfrm>
-            <a:off x="320041" y="2086269"/>
-            <a:ext cx="6919912" cy="3628327"/>
+            <a:off x="571500" y="2086269"/>
+            <a:ext cx="5440680" cy="3262971"/>
           </a:xfrm>
           <a:prstGeom prst="rect">
             <a:avLst/>
@@ -10833,7 +10881,7 @@
     </p:spTree>
     <p:extLst>
       <p:ext uri="{BB962C8B-B14F-4D97-AF65-F5344CB8AC3E}">
-        <p14:creationId xmlns:p14="http://schemas.microsoft.com/office/powerpoint/2010/main" val="876702520"/>
+        <p14:creationId xmlns:p14="http://schemas.microsoft.com/office/powerpoint/2010/main" val="3942230049"/>
       </p:ext>
     </p:extLst>
   </p:cSld>
@@ -11075,55 +11123,9 @@
           </a:p>
         </p:txBody>
       </p:sp>
-      <p:sp>
-        <p:nvSpPr>
-          <p:cNvPr id="8" name="Rectangle 7">
-            <a:extLst>
-              <a:ext uri="{FF2B5EF4-FFF2-40B4-BE49-F238E27FC236}">
-                <a16:creationId xmlns:a16="http://schemas.microsoft.com/office/drawing/2014/main" id="{C2327DB0-0A90-4C8F-9443-ADC8C8E788A1}"/>
-              </a:ext>
-            </a:extLst>
-          </p:cNvPr>
-          <p:cNvSpPr/>
-          <p:nvPr/>
-        </p:nvSpPr>
-        <p:spPr>
-          <a:xfrm>
-            <a:off x="1258529" y="1285086"/>
-            <a:ext cx="9674942" cy="518988"/>
-          </a:xfrm>
-          <a:prstGeom prst="rect">
-            <a:avLst/>
-          </a:prstGeom>
-        </p:spPr>
-        <p:txBody>
-          <a:bodyPr wrap="square">
-            <a:spAutoFit/>
-          </a:bodyPr>
-          <a:lstStyle/>
-          <a:p>
-            <a:pPr algn="just">
-              <a:lnSpc>
-                <a:spcPct val="150000"/>
-              </a:lnSpc>
-            </a:pPr>
-            <a:r>
-              <a:rPr lang="fr-FR" sz="2100" dirty="0" smtClean="0">
-                <a:latin typeface="Times New Roman" panose="02020603050405020304" pitchFamily="18" charset="0"/>
-                <a:cs typeface="Times New Roman" panose="02020603050405020304" pitchFamily="18" charset="0"/>
-              </a:rPr>
-              <a:t>Voici ce que nous allons faire:</a:t>
-            </a:r>
-            <a:endParaRPr lang="fr-FR" sz="1600" dirty="0">
-              <a:latin typeface="Times New Roman" panose="02020603050405020304" pitchFamily="18" charset="0"/>
-              <a:cs typeface="Times New Roman" panose="02020603050405020304" pitchFamily="18" charset="0"/>
-            </a:endParaRPr>
-          </a:p>
-        </p:txBody>
-      </p:sp>
       <p:pic>
         <p:nvPicPr>
-          <p:cNvPr id="5" name="Image 4"/>
+          <p:cNvPr id="2" name="Image 1"/>
           <p:cNvPicPr>
             <a:picLocks noChangeAspect="1"/>
           </p:cNvPicPr>
@@ -11137,8 +11139,8 @@
         </p:blipFill>
         <p:spPr>
           <a:xfrm>
-            <a:off x="571500" y="2086269"/>
-            <a:ext cx="5440680" cy="3262971"/>
+            <a:off x="1258529" y="2086270"/>
+            <a:ext cx="9257071" cy="3960348"/>
           </a:xfrm>
           <a:prstGeom prst="rect">
             <a:avLst/>
@@ -11148,7 +11150,7 @@
     </p:spTree>
     <p:extLst>
       <p:ext uri="{BB962C8B-B14F-4D97-AF65-F5344CB8AC3E}">
-        <p14:creationId xmlns:p14="http://schemas.microsoft.com/office/powerpoint/2010/main" val="3942230049"/>
+        <p14:creationId xmlns:p14="http://schemas.microsoft.com/office/powerpoint/2010/main" val="32716136"/>
       </p:ext>
     </p:extLst>
   </p:cSld>
@@ -11298,7 +11300,7 @@
         </p:nvGrpSpPr>
         <p:grpSpPr>
           <a:xfrm>
-            <a:off x="711987" y="2206429"/>
+            <a:off x="4748" y="1977932"/>
             <a:ext cx="3448496" cy="3510112"/>
             <a:chOff x="179106" y="1504339"/>
             <a:chExt cx="3802959" cy="4689981"/>
@@ -11555,9 +11557,9 @@
         </p:nvGrpSpPr>
         <p:grpSpPr>
           <a:xfrm>
-            <a:off x="2973382" y="2114573"/>
-            <a:ext cx="6574616" cy="427151"/>
-            <a:chOff x="2973382" y="2114573"/>
+            <a:off x="2674060" y="2066378"/>
+            <a:ext cx="8465957" cy="427151"/>
+            <a:chOff x="2973382" y="2066378"/>
             <a:chExt cx="6574616" cy="427151"/>
           </a:xfrm>
           <a:solidFill>
@@ -11680,7 +11682,7 @@
           </p:nvSpPr>
           <p:spPr>
             <a:xfrm>
-              <a:off x="3908323" y="2114573"/>
+              <a:off x="3033510" y="2066378"/>
               <a:ext cx="551482" cy="427151"/>
             </a:xfrm>
             <a:prstGeom prst="ellipse">
@@ -11738,8 +11740,8 @@
         </p:nvSpPr>
         <p:spPr>
           <a:xfrm>
-            <a:off x="5221211" y="1804928"/>
-            <a:ext cx="3448495" cy="1384995"/>
+            <a:off x="4424376" y="1765217"/>
+            <a:ext cx="4876378" cy="1015663"/>
           </a:xfrm>
           <a:prstGeom prst="rect">
             <a:avLst/>
@@ -11753,10 +11755,10 @@
           <a:lstStyle/>
           <a:p>
             <a:r>
-              <a:rPr lang="fr-FR" sz="2800" dirty="0" smtClean="0"/>
+              <a:rPr lang="fr-FR" sz="3200" b="1" dirty="0" smtClean="0"/>
               <a:t>Présentation du logiciel</a:t>
             </a:r>
-            <a:endParaRPr lang="fr-FR" sz="2800" dirty="0"/>
+            <a:endParaRPr lang="fr-FR" sz="3200" b="1" dirty="0"/>
           </a:p>
           <a:p>
             <a:endParaRPr lang="fr-FR" sz="2800" dirty="0">
@@ -11780,10 +11782,10 @@
         </p:nvGrpSpPr>
         <p:grpSpPr>
           <a:xfrm>
-            <a:off x="4068591" y="3207042"/>
-            <a:ext cx="6574616" cy="427151"/>
-            <a:chOff x="2973382" y="2114573"/>
-            <a:chExt cx="6574616" cy="427151"/>
+            <a:off x="3407197" y="3207041"/>
+            <a:ext cx="8127306" cy="427151"/>
+            <a:chOff x="2937486" y="2114572"/>
+            <a:chExt cx="6610512" cy="427151"/>
           </a:xfrm>
           <a:solidFill>
             <a:schemeClr val="accent6">
@@ -11905,7 +11907,7 @@
           </p:nvSpPr>
           <p:spPr>
             <a:xfrm>
-              <a:off x="3908323" y="2114573"/>
+              <a:off x="2937486" y="2114572"/>
               <a:ext cx="551482" cy="427151"/>
             </a:xfrm>
             <a:prstGeom prst="ellipse">
@@ -11963,10 +11965,10 @@
         </p:nvGrpSpPr>
         <p:grpSpPr>
           <a:xfrm>
-            <a:off x="4068591" y="4297268"/>
-            <a:ext cx="6574616" cy="427151"/>
-            <a:chOff x="2973382" y="2114573"/>
-            <a:chExt cx="6574616" cy="427151"/>
+            <a:off x="3265837" y="4283159"/>
+            <a:ext cx="8164163" cy="427151"/>
+            <a:chOff x="2938382" y="2100464"/>
+            <a:chExt cx="6609616" cy="427151"/>
           </a:xfrm>
           <a:solidFill>
             <a:schemeClr val="accent6">
@@ -12088,7 +12090,7 @@
           </p:nvSpPr>
           <p:spPr>
             <a:xfrm>
-              <a:off x="3908323" y="2114573"/>
+              <a:off x="2938382" y="2100464"/>
               <a:ext cx="551482" cy="427151"/>
             </a:xfrm>
             <a:prstGeom prst="ellipse">
@@ -12146,10 +12148,10 @@
         </p:nvGrpSpPr>
         <p:grpSpPr>
           <a:xfrm>
-            <a:off x="2674060" y="5381246"/>
-            <a:ext cx="6574616" cy="427151"/>
-            <a:chOff x="2973382" y="2114573"/>
-            <a:chExt cx="6574616" cy="427151"/>
+            <a:off x="2090057" y="5260245"/>
+            <a:ext cx="6650013" cy="427151"/>
+            <a:chOff x="2973382" y="2139786"/>
+            <a:chExt cx="6141121" cy="427151"/>
           </a:xfrm>
           <a:solidFill>
             <a:schemeClr val="accent6">
@@ -12217,7 +12219,7 @@
           </p:nvSpPr>
           <p:spPr>
             <a:xfrm>
-              <a:off x="9114503" y="2172296"/>
+              <a:off x="8681008" y="2172317"/>
               <a:ext cx="433495" cy="311704"/>
             </a:xfrm>
             <a:prstGeom prst="ellipse">
@@ -12271,7 +12273,7 @@
           </p:nvSpPr>
           <p:spPr>
             <a:xfrm>
-              <a:off x="3908323" y="2114573"/>
+              <a:off x="3084836" y="2139786"/>
               <a:ext cx="551482" cy="427151"/>
             </a:xfrm>
             <a:prstGeom prst="ellipse">
@@ -12329,8 +12331,8 @@
         </p:nvSpPr>
         <p:spPr>
           <a:xfrm>
-            <a:off x="5541497" y="2918676"/>
-            <a:ext cx="5598520" cy="954107"/>
+            <a:off x="4355181" y="2918676"/>
+            <a:ext cx="6784836" cy="523220"/>
           </a:xfrm>
           <a:prstGeom prst="rect">
             <a:avLst/>
@@ -12344,10 +12346,10 @@
           <a:lstStyle/>
           <a:p>
             <a:r>
-              <a:rPr lang="fr-FR" sz="2800" dirty="0" smtClean="0"/>
+              <a:rPr lang="fr-FR" sz="2800" b="1" dirty="0" smtClean="0"/>
               <a:t>Saisie de données simples et mise en forme</a:t>
             </a:r>
-            <a:endParaRPr lang="fr-FR" sz="2800" dirty="0"/>
+            <a:endParaRPr lang="fr-FR" sz="2800" b="1" dirty="0"/>
           </a:p>
         </p:txBody>
       </p:sp>
@@ -12365,8 +12367,8 @@
         </p:nvSpPr>
         <p:spPr>
           <a:xfrm>
-            <a:off x="5642452" y="4027393"/>
-            <a:ext cx="4312917" cy="954107"/>
+            <a:off x="4355181" y="4015455"/>
+            <a:ext cx="6646360" cy="523220"/>
           </a:xfrm>
           <a:prstGeom prst="rect">
             <a:avLst/>
@@ -12380,10 +12382,10 @@
           <a:lstStyle/>
           <a:p>
             <a:r>
-              <a:rPr lang="fr-FR" sz="2800" dirty="0" smtClean="0"/>
+              <a:rPr lang="fr-FR" sz="2800" b="1" dirty="0" smtClean="0"/>
               <a:t>Options avancées sur la saisie de données</a:t>
             </a:r>
-            <a:endParaRPr lang="fr-FR" sz="2800" dirty="0"/>
+            <a:endParaRPr lang="fr-FR" sz="2800" b="1" dirty="0"/>
           </a:p>
         </p:txBody>
       </p:sp>
@@ -12401,7 +12403,7 @@
         </p:nvSpPr>
         <p:spPr>
           <a:xfrm>
-            <a:off x="4459804" y="5138963"/>
+            <a:off x="4030088" y="4981500"/>
             <a:ext cx="4209901" cy="523220"/>
           </a:xfrm>
           <a:prstGeom prst="rect">
@@ -12416,10 +12418,10 @@
           <a:lstStyle/>
           <a:p>
             <a:r>
-              <a:rPr lang="fr-FR" sz="2800" dirty="0" smtClean="0"/>
+              <a:rPr lang="fr-FR" sz="2800" b="1" dirty="0" smtClean="0"/>
               <a:t>Résumons</a:t>
             </a:r>
-            <a:endParaRPr lang="fr-FR" sz="2800" dirty="0"/>
+            <a:endParaRPr lang="fr-FR" sz="2800" b="1" dirty="0"/>
           </a:p>
         </p:txBody>
       </p:sp>
@@ -12436,9 +12438,218 @@
   <p:timing>
     <p:tnLst>
       <p:par>
-        <p:cTn id="1" dur="indefinite" restart="never" nodeType="tmRoot"/>
+        <p:cTn id="1" dur="indefinite" restart="never" nodeType="tmRoot">
+          <p:childTnLst>
+            <p:seq concurrent="1" nextAc="seek">
+              <p:cTn id="2" dur="indefinite" nodeType="mainSeq">
+                <p:childTnLst>
+                  <p:par>
+                    <p:cTn id="3" fill="hold">
+                      <p:stCondLst>
+                        <p:cond delay="indefinite"/>
+                      </p:stCondLst>
+                      <p:childTnLst>
+                        <p:par>
+                          <p:cTn id="4" fill="hold">
+                            <p:stCondLst>
+                              <p:cond delay="0"/>
+                            </p:stCondLst>
+                            <p:childTnLst>
+                              <p:par>
+                                <p:cTn id="5" presetID="1" presetClass="entr" presetSubtype="0" fill="hold" grpId="0" nodeType="clickEffect">
+                                  <p:stCondLst>
+                                    <p:cond delay="0"/>
+                                  </p:stCondLst>
+                                  <p:childTnLst>
+                                    <p:set>
+                                      <p:cBhvr>
+                                        <p:cTn id="6" dur="1" fill="hold">
+                                          <p:stCondLst>
+                                            <p:cond delay="0"/>
+                                          </p:stCondLst>
+                                        </p:cTn>
+                                        <p:tgtEl>
+                                          <p:spTgt spid="17"/>
+                                        </p:tgtEl>
+                                        <p:attrNameLst>
+                                          <p:attrName>style.visibility</p:attrName>
+                                        </p:attrNameLst>
+                                      </p:cBhvr>
+                                      <p:to>
+                                        <p:strVal val="visible"/>
+                                      </p:to>
+                                    </p:set>
+                                  </p:childTnLst>
+                                </p:cTn>
+                              </p:par>
+                            </p:childTnLst>
+                          </p:cTn>
+                        </p:par>
+                      </p:childTnLst>
+                    </p:cTn>
+                  </p:par>
+                  <p:par>
+                    <p:cTn id="7" fill="hold">
+                      <p:stCondLst>
+                        <p:cond delay="indefinite"/>
+                      </p:stCondLst>
+                      <p:childTnLst>
+                        <p:par>
+                          <p:cTn id="8" fill="hold">
+                            <p:stCondLst>
+                              <p:cond delay="0"/>
+                            </p:stCondLst>
+                            <p:childTnLst>
+                              <p:par>
+                                <p:cTn id="9" presetID="1" presetClass="entr" presetSubtype="0" fill="hold" grpId="0" nodeType="clickEffect">
+                                  <p:stCondLst>
+                                    <p:cond delay="0"/>
+                                  </p:stCondLst>
+                                  <p:childTnLst>
+                                    <p:set>
+                                      <p:cBhvr>
+                                        <p:cTn id="10" dur="1" fill="hold">
+                                          <p:stCondLst>
+                                            <p:cond delay="0"/>
+                                          </p:stCondLst>
+                                        </p:cTn>
+                                        <p:tgtEl>
+                                          <p:spTgt spid="33"/>
+                                        </p:tgtEl>
+                                        <p:attrNameLst>
+                                          <p:attrName>style.visibility</p:attrName>
+                                        </p:attrNameLst>
+                                      </p:cBhvr>
+                                      <p:to>
+                                        <p:strVal val="visible"/>
+                                      </p:to>
+                                    </p:set>
+                                  </p:childTnLst>
+                                </p:cTn>
+                              </p:par>
+                            </p:childTnLst>
+                          </p:cTn>
+                        </p:par>
+                      </p:childTnLst>
+                    </p:cTn>
+                  </p:par>
+                  <p:par>
+                    <p:cTn id="11" fill="hold">
+                      <p:stCondLst>
+                        <p:cond delay="indefinite"/>
+                      </p:stCondLst>
+                      <p:childTnLst>
+                        <p:par>
+                          <p:cTn id="12" fill="hold">
+                            <p:stCondLst>
+                              <p:cond delay="0"/>
+                            </p:stCondLst>
+                            <p:childTnLst>
+                              <p:par>
+                                <p:cTn id="13" presetID="1" presetClass="entr" presetSubtype="0" fill="hold" grpId="0" nodeType="clickEffect">
+                                  <p:stCondLst>
+                                    <p:cond delay="0"/>
+                                  </p:stCondLst>
+                                  <p:childTnLst>
+                                    <p:set>
+                                      <p:cBhvr>
+                                        <p:cTn id="14" dur="1" fill="hold">
+                                          <p:stCondLst>
+                                            <p:cond delay="0"/>
+                                          </p:stCondLst>
+                                        </p:cTn>
+                                        <p:tgtEl>
+                                          <p:spTgt spid="34"/>
+                                        </p:tgtEl>
+                                        <p:attrNameLst>
+                                          <p:attrName>style.visibility</p:attrName>
+                                        </p:attrNameLst>
+                                      </p:cBhvr>
+                                      <p:to>
+                                        <p:strVal val="visible"/>
+                                      </p:to>
+                                    </p:set>
+                                  </p:childTnLst>
+                                </p:cTn>
+                              </p:par>
+                            </p:childTnLst>
+                          </p:cTn>
+                        </p:par>
+                      </p:childTnLst>
+                    </p:cTn>
+                  </p:par>
+                  <p:par>
+                    <p:cTn id="15" fill="hold">
+                      <p:stCondLst>
+                        <p:cond delay="indefinite"/>
+                      </p:stCondLst>
+                      <p:childTnLst>
+                        <p:par>
+                          <p:cTn id="16" fill="hold">
+                            <p:stCondLst>
+                              <p:cond delay="0"/>
+                            </p:stCondLst>
+                            <p:childTnLst>
+                              <p:par>
+                                <p:cTn id="17" presetID="1" presetClass="entr" presetSubtype="0" fill="hold" grpId="0" nodeType="clickEffect">
+                                  <p:stCondLst>
+                                    <p:cond delay="0"/>
+                                  </p:stCondLst>
+                                  <p:childTnLst>
+                                    <p:set>
+                                      <p:cBhvr>
+                                        <p:cTn id="18" dur="1" fill="hold">
+                                          <p:stCondLst>
+                                            <p:cond delay="0"/>
+                                          </p:stCondLst>
+                                        </p:cTn>
+                                        <p:tgtEl>
+                                          <p:spTgt spid="35"/>
+                                        </p:tgtEl>
+                                        <p:attrNameLst>
+                                          <p:attrName>style.visibility</p:attrName>
+                                        </p:attrNameLst>
+                                      </p:cBhvr>
+                                      <p:to>
+                                        <p:strVal val="visible"/>
+                                      </p:to>
+                                    </p:set>
+                                  </p:childTnLst>
+                                </p:cTn>
+                              </p:par>
+                            </p:childTnLst>
+                          </p:cTn>
+                        </p:par>
+                      </p:childTnLst>
+                    </p:cTn>
+                  </p:par>
+                </p:childTnLst>
+              </p:cTn>
+              <p:prevCondLst>
+                <p:cond evt="onPrev" delay="0">
+                  <p:tgtEl>
+                    <p:sldTgt/>
+                  </p:tgtEl>
+                </p:cond>
+              </p:prevCondLst>
+              <p:nextCondLst>
+                <p:cond evt="onNext" delay="0">
+                  <p:tgtEl>
+                    <p:sldTgt/>
+                  </p:tgtEl>
+                </p:cond>
+              </p:nextCondLst>
+            </p:seq>
+          </p:childTnLst>
+        </p:cTn>
       </p:par>
     </p:tnLst>
+    <p:bldLst>
+      <p:bldP spid="17" grpId="0"/>
+      <p:bldP spid="33" grpId="0"/>
+      <p:bldP spid="34" grpId="0"/>
+      <p:bldP spid="35" grpId="0"/>
+    </p:bldLst>
   </p:timing>
 </p:sld>
 </file>
@@ -12462,117 +12673,10 @@
       </p:grpSpPr>
       <p:sp>
         <p:nvSpPr>
-          <p:cNvPr id="4" name="ZoneTexte 3">
-            <a:extLst>
-              <a:ext uri="{FF2B5EF4-FFF2-40B4-BE49-F238E27FC236}">
-                <a16:creationId xmlns:a16="http://schemas.microsoft.com/office/drawing/2014/main" id="{B7191FEF-1E3F-48E9-A65A-B5A88B9994F6}"/>
-              </a:ext>
-            </a:extLst>
-          </p:cNvPr>
-          <p:cNvSpPr txBox="1"/>
-          <p:nvPr/>
-        </p:nvSpPr>
-        <p:spPr>
-          <a:xfrm>
-            <a:off x="571500" y="295004"/>
-            <a:ext cx="11456858" cy="707886"/>
-          </a:xfrm>
-          <a:prstGeom prst="rect">
-            <a:avLst/>
-          </a:prstGeom>
-          <a:solidFill>
-            <a:schemeClr val="accent6">
-              <a:lumMod val="50000"/>
-            </a:schemeClr>
-          </a:solidFill>
-          <a:ln>
-            <a:solidFill>
-              <a:schemeClr val="accent6">
-                <a:lumMod val="50000"/>
-              </a:schemeClr>
-            </a:solidFill>
-          </a:ln>
-          <a:effectLst>
-            <a:outerShdw blurRad="50800" dist="38100" dir="13500000" algn="br" rotWithShape="0">
-              <a:schemeClr val="accent1">
-                <a:alpha val="40000"/>
-              </a:schemeClr>
-            </a:outerShdw>
-            <a:reflection blurRad="6350" stA="50000" endA="300" endPos="55000" dir="5400000" sy="-100000" algn="bl" rotWithShape="0"/>
-          </a:effectLst>
-        </p:spPr>
-        <p:txBody>
-          <a:bodyPr wrap="square" rtlCol="0">
-            <a:spAutoFit/>
-          </a:bodyPr>
-          <a:lstStyle/>
-          <a:p>
-            <a:pPr algn="ctr"/>
-            <a:r>
-              <a:rPr lang="fr-FR" sz="4000" dirty="0" smtClean="0">
-                <a:solidFill>
-                  <a:schemeClr val="bg1"/>
-                </a:solidFill>
-              </a:rPr>
-              <a:t>Validation de saisie : Utiliser une liste déroulante</a:t>
-            </a:r>
-            <a:endParaRPr lang="fr-FR" sz="4000" dirty="0">
-              <a:solidFill>
-                <a:schemeClr val="bg1"/>
-              </a:solidFill>
-            </a:endParaRPr>
-          </a:p>
-        </p:txBody>
-      </p:sp>
-      <p:cxnSp>
-        <p:nvCxnSpPr>
-          <p:cNvPr id="3" name="Connecteur droit 2">
-            <a:extLst>
-              <a:ext uri="{FF2B5EF4-FFF2-40B4-BE49-F238E27FC236}">
-                <a16:creationId xmlns:a16="http://schemas.microsoft.com/office/drawing/2014/main" id="{2E5FFC58-89E0-45F1-AB54-88B4500CE745}"/>
-              </a:ext>
-            </a:extLst>
-          </p:cNvPr>
-          <p:cNvCxnSpPr/>
-          <p:nvPr/>
-        </p:nvCxnSpPr>
-        <p:spPr>
-          <a:xfrm>
-            <a:off x="1327355" y="1002890"/>
-            <a:ext cx="9674942" cy="0"/>
-          </a:xfrm>
-          <a:prstGeom prst="line">
-            <a:avLst/>
-          </a:prstGeom>
-          <a:ln w="38100">
-            <a:solidFill>
-              <a:schemeClr val="accent6">
-                <a:lumMod val="50000"/>
-              </a:schemeClr>
-            </a:solidFill>
-          </a:ln>
-        </p:spPr>
-        <p:style>
-          <a:lnRef idx="1">
-            <a:schemeClr val="accent1"/>
-          </a:lnRef>
-          <a:fillRef idx="0">
-            <a:schemeClr val="accent1"/>
-          </a:fillRef>
-          <a:effectRef idx="0">
-            <a:schemeClr val="accent1"/>
-          </a:effectRef>
-          <a:fontRef idx="minor">
-            <a:schemeClr val="tx1"/>
-          </a:fontRef>
-        </p:style>
-      </p:cxnSp>
-      <p:sp>
-        <p:nvSpPr>
-          <p:cNvPr id="14" name="Rectangle 13">
-            <a:extLst>
-              <a:ext uri="{FF2B5EF4-FFF2-40B4-BE49-F238E27FC236}">
-                <a16:creationId xmlns:a16="http://schemas.microsoft.com/office/drawing/2014/main" id="{7F448B43-D049-47E2-AFB8-3F156777C439}"/>
+          <p:cNvPr id="10" name="Rectangle 9">
+            <a:extLst>
+              <a:ext uri="{FF2B5EF4-FFF2-40B4-BE49-F238E27FC236}">
+                <a16:creationId xmlns:a16="http://schemas.microsoft.com/office/drawing/2014/main" id="{DA4BA0ED-4844-4C8B-82B9-1189524149F8}"/>
               </a:ext>
             </a:extLst>
           </p:cNvPr>
@@ -12624,10 +12728,10 @@
       </p:sp>
       <p:sp>
         <p:nvSpPr>
-          <p:cNvPr id="15" name="Espace réservé du numéro de diapositive 11">
-            <a:extLst>
-              <a:ext uri="{FF2B5EF4-FFF2-40B4-BE49-F238E27FC236}">
-                <a16:creationId xmlns:a16="http://schemas.microsoft.com/office/drawing/2014/main" id="{43514CE0-42FD-4E8C-A570-33D26B0F86F6}"/>
+          <p:cNvPr id="11" name="Espace réservé du numéro de diapositive 11">
+            <a:extLst>
+              <a:ext uri="{FF2B5EF4-FFF2-40B4-BE49-F238E27FC236}">
+                <a16:creationId xmlns:a16="http://schemas.microsoft.com/office/drawing/2014/main" id="{6E09DCDB-AE7D-46A6-BB24-B19F551B132C}"/>
               </a:ext>
             </a:extLst>
           </p:cNvPr>
@@ -12657,168 +12761,6 @@
                 <a:cs typeface="Times New Roman" panose="02020603050405020304" pitchFamily="18" charset="0"/>
               </a:rPr>
               <a:t>30</a:t>
-            </a:fld>
-            <a:endParaRPr lang="fr-FR" sz="2000" b="1" dirty="0">
-              <a:solidFill>
-                <a:srgbClr val="FF0000"/>
-              </a:solidFill>
-              <a:latin typeface="Times New Roman" panose="02020603050405020304" pitchFamily="18" charset="0"/>
-              <a:cs typeface="Times New Roman" panose="02020603050405020304" pitchFamily="18" charset="0"/>
-            </a:endParaRPr>
-          </a:p>
-        </p:txBody>
-      </p:sp>
-      <p:pic>
-        <p:nvPicPr>
-          <p:cNvPr id="2" name="Image 1"/>
-          <p:cNvPicPr>
-            <a:picLocks noChangeAspect="1"/>
-          </p:cNvPicPr>
-          <p:nvPr/>
-        </p:nvPicPr>
-        <p:blipFill>
-          <a:blip r:embed="rId2"/>
-          <a:stretch>
-            <a:fillRect/>
-          </a:stretch>
-        </p:blipFill>
-        <p:spPr>
-          <a:xfrm>
-            <a:off x="1258529" y="2086270"/>
-            <a:ext cx="9257071" cy="3960348"/>
-          </a:xfrm>
-          <a:prstGeom prst="rect">
-            <a:avLst/>
-          </a:prstGeom>
-        </p:spPr>
-      </p:pic>
-    </p:spTree>
-    <p:extLst>
-      <p:ext uri="{BB962C8B-B14F-4D97-AF65-F5344CB8AC3E}">
-        <p14:creationId xmlns:p14="http://schemas.microsoft.com/office/powerpoint/2010/main" val="32716136"/>
-      </p:ext>
-    </p:extLst>
-  </p:cSld>
-  <p:clrMapOvr>
-    <a:masterClrMapping/>
-  </p:clrMapOvr>
-  <p:timing>
-    <p:tnLst>
-      <p:par>
-        <p:cTn id="1" dur="indefinite" restart="never" nodeType="tmRoot"/>
-      </p:par>
-    </p:tnLst>
-  </p:timing>
-</p:sld>
-</file>
-
-<file path=ppt/slides/slide31.xml><?xml version="1.0" encoding="utf-8"?>
-<p:sld xmlns:a="http://schemas.openxmlformats.org/drawingml/2006/main" xmlns:r="http://schemas.openxmlformats.org/officeDocument/2006/relationships" xmlns:p="http://schemas.openxmlformats.org/presentationml/2006/main">
-  <p:cSld>
-    <p:spTree>
-      <p:nvGrpSpPr>
-        <p:cNvPr id="1" name=""/>
-        <p:cNvGrpSpPr/>
-        <p:nvPr/>
-      </p:nvGrpSpPr>
-      <p:grpSpPr>
-        <a:xfrm>
-          <a:off x="0" y="0"/>
-          <a:ext cx="0" cy="0"/>
-          <a:chOff x="0" y="0"/>
-          <a:chExt cx="0" cy="0"/>
-        </a:xfrm>
-      </p:grpSpPr>
-      <p:sp>
-        <p:nvSpPr>
-          <p:cNvPr id="10" name="Rectangle 9">
-            <a:extLst>
-              <a:ext uri="{FF2B5EF4-FFF2-40B4-BE49-F238E27FC236}">
-                <a16:creationId xmlns:a16="http://schemas.microsoft.com/office/drawing/2014/main" id="{DA4BA0ED-4844-4C8B-82B9-1189524149F8}"/>
-              </a:ext>
-            </a:extLst>
-          </p:cNvPr>
-          <p:cNvSpPr/>
-          <p:nvPr/>
-        </p:nvSpPr>
-        <p:spPr>
-          <a:xfrm>
-            <a:off x="0" y="6385815"/>
-            <a:ext cx="12192000" cy="472186"/>
-          </a:xfrm>
-          <a:prstGeom prst="rect">
-            <a:avLst/>
-          </a:prstGeom>
-          <a:solidFill>
-            <a:schemeClr val="accent1">
-              <a:lumMod val="20000"/>
-              <a:lumOff val="80000"/>
-            </a:schemeClr>
-          </a:solidFill>
-          <a:ln>
-            <a:noFill/>
-          </a:ln>
-        </p:spPr>
-        <p:style>
-          <a:lnRef idx="2">
-            <a:schemeClr val="accent1">
-              <a:shade val="50000"/>
-            </a:schemeClr>
-          </a:lnRef>
-          <a:fillRef idx="1">
-            <a:schemeClr val="accent1"/>
-          </a:fillRef>
-          <a:effectRef idx="0">
-            <a:schemeClr val="accent1"/>
-          </a:effectRef>
-          <a:fontRef idx="minor">
-            <a:schemeClr val="lt1"/>
-          </a:fontRef>
-        </p:style>
-        <p:txBody>
-          <a:bodyPr rtlCol="0" anchor="ctr"/>
-          <a:lstStyle/>
-          <a:p>
-            <a:pPr algn="ctr"/>
-            <a:endParaRPr lang="fr-FR"/>
-          </a:p>
-        </p:txBody>
-      </p:sp>
-      <p:sp>
-        <p:nvSpPr>
-          <p:cNvPr id="11" name="Espace réservé du numéro de diapositive 11">
-            <a:extLst>
-              <a:ext uri="{FF2B5EF4-FFF2-40B4-BE49-F238E27FC236}">
-                <a16:creationId xmlns:a16="http://schemas.microsoft.com/office/drawing/2014/main" id="{6E09DCDB-AE7D-46A6-BB24-B19F551B132C}"/>
-              </a:ext>
-            </a:extLst>
-          </p:cNvPr>
-          <p:cNvSpPr>
-            <a:spLocks noGrp="1"/>
-          </p:cNvSpPr>
-          <p:nvPr>
-            <p:ph type="sldNum" sz="quarter" idx="12"/>
-          </p:nvPr>
-        </p:nvSpPr>
-        <p:spPr>
-          <a:xfrm>
-            <a:off x="11158322" y="6492875"/>
-            <a:ext cx="870036" cy="365125"/>
-          </a:xfrm>
-        </p:spPr>
-        <p:txBody>
-          <a:bodyPr/>
-          <a:lstStyle/>
-          <a:p>
-            <a:fld id="{09EA0DBA-1CB7-49FD-A4E9-CB9833829DE4}" type="slidenum">
-              <a:rPr lang="fr-FR" sz="2000" b="1" smtClean="0">
-                <a:solidFill>
-                  <a:srgbClr val="FF0000"/>
-                </a:solidFill>
-                <a:latin typeface="Times New Roman" panose="02020603050405020304" pitchFamily="18" charset="0"/>
-                <a:cs typeface="Times New Roman" panose="02020603050405020304" pitchFamily="18" charset="0"/>
-              </a:rPr>
-              <a:t>31</a:t>
             </a:fld>
             <a:endParaRPr lang="fr-FR" sz="2000" b="1" dirty="0">
               <a:solidFill>
@@ -13008,7 +12950,7 @@
 </p:sld>
 </file>
 
-<file path=ppt/slides/slide32.xml><?xml version="1.0" encoding="utf-8"?>
+<file path=ppt/slides/slide31.xml><?xml version="1.0" encoding="utf-8"?>
 <p:sld xmlns:a="http://schemas.openxmlformats.org/drawingml/2006/main" xmlns:r="http://schemas.openxmlformats.org/officeDocument/2006/relationships" xmlns:p="http://schemas.openxmlformats.org/presentationml/2006/main">
   <p:cSld>
     <p:spTree>
@@ -13474,8 +13416,8 @@
         </p:nvSpPr>
         <p:spPr>
           <a:xfrm>
-            <a:off x="926775" y="1710776"/>
-            <a:ext cx="7212295" cy="461665"/>
+            <a:off x="431074" y="1544795"/>
+            <a:ext cx="8578118" cy="523220"/>
           </a:xfrm>
           <a:prstGeom prst="rect">
             <a:avLst/>
@@ -13490,7 +13432,7 @@
           <a:p>
             <a:pPr algn="ctr"/>
             <a:r>
-              <a:rPr lang="fr-FR" sz="2400" b="0" cap="none" spc="0" dirty="0" smtClean="0">
+              <a:rPr lang="fr-FR" sz="2800" cap="none" spc="0" dirty="0" smtClean="0">
                 <a:ln w="0"/>
                 <a:solidFill>
                   <a:schemeClr val="tx1"/>
@@ -13505,7 +13447,7 @@
               </a:rPr>
               <a:t>Excel est issu de la suite de logiciels bureautiques Office.</a:t>
             </a:r>
-            <a:endParaRPr lang="fr-FR" sz="2400" b="0" cap="none" spc="0" dirty="0">
+            <a:endParaRPr lang="fr-FR" sz="2800" cap="none" spc="0" dirty="0">
               <a:ln w="0"/>
               <a:solidFill>
                 <a:schemeClr val="tx1"/>
@@ -13529,8 +13471,8 @@
         </p:nvSpPr>
         <p:spPr>
           <a:xfrm>
-            <a:off x="950959" y="2647911"/>
-            <a:ext cx="7163949" cy="461665"/>
+            <a:off x="431074" y="2609922"/>
+            <a:ext cx="7322326" cy="461665"/>
           </a:xfrm>
           <a:prstGeom prst="rect">
             <a:avLst/>
@@ -13545,7 +13487,7 @@
           <a:p>
             <a:pPr algn="ctr"/>
             <a:r>
-              <a:rPr lang="fr-FR" sz="2400" b="0" cap="none" spc="0" dirty="0" smtClean="0">
+              <a:rPr lang="fr-FR" sz="2400" cap="none" spc="0" dirty="0" smtClean="0">
                 <a:ln w="0"/>
                 <a:solidFill>
                   <a:schemeClr val="tx1"/>
@@ -13574,7 +13516,7 @@
               <a:t>d</a:t>
             </a:r>
             <a:r>
-              <a:rPr lang="fr-FR" sz="2400" b="0" cap="none" spc="0" dirty="0" smtClean="0">
+              <a:rPr lang="fr-FR" sz="2400" cap="none" spc="0" dirty="0" smtClean="0">
                 <a:ln w="0"/>
                 <a:solidFill>
                   <a:schemeClr val="tx1"/>
@@ -13589,7 +13531,7 @@
               </a:rPr>
               <a:t>es données.</a:t>
             </a:r>
-            <a:endParaRPr lang="fr-FR" sz="2400" b="0" cap="none" spc="0" dirty="0">
+            <a:endParaRPr lang="fr-FR" sz="2400" cap="none" spc="0" dirty="0">
               <a:ln w="0"/>
               <a:solidFill>
                 <a:schemeClr val="tx1"/>
@@ -13607,33 +13549,66 @@
       </p:sp>
       <p:sp>
         <p:nvSpPr>
-          <p:cNvPr id="15" name="Rectangle 14"/>
+          <p:cNvPr id="11" name="Rectangle 10"/>
           <p:cNvSpPr/>
           <p:nvPr/>
         </p:nvSpPr>
         <p:spPr>
           <a:xfrm>
-            <a:off x="-451684" y="3396697"/>
-            <a:ext cx="11343573" cy="1200329"/>
+            <a:off x="559169" y="5089857"/>
+            <a:ext cx="9797966" cy="461665"/>
           </a:xfrm>
           <a:prstGeom prst="rect">
             <a:avLst/>
           </a:prstGeom>
-          <a:noFill/>
-        </p:spPr>
-        <p:txBody>
-          <a:bodyPr wrap="square" lIns="91440" tIns="45720" rIns="91440" bIns="45720">
+        </p:spPr>
+        <p:txBody>
+          <a:bodyPr wrap="square">
             <a:spAutoFit/>
           </a:bodyPr>
           <a:lstStyle/>
           <a:p>
-            <a:pPr algn="ctr"/>
-            <a:r>
-              <a:rPr lang="fr-FR" sz="2400" b="0" cap="none" spc="0" dirty="0" smtClean="0">
+            <a:r>
+              <a:rPr lang="fr-FR" sz="2400" dirty="0">
                 <a:ln w="0"/>
-                <a:solidFill>
-                  <a:schemeClr val="tx1"/>
-                </a:solidFill>
+                <a:effectLst>
+                  <a:outerShdw blurRad="38100" dist="19050" dir="2700000" algn="tl" rotWithShape="0">
+                    <a:schemeClr val="dk1">
+                      <a:alpha val="40000"/>
+                    </a:schemeClr>
+                  </a:outerShdw>
+                </a:effectLst>
+              </a:rPr>
+              <a:t>Pour démarrer Excel, vous pouvez vous rendre dans le menu « Démarrer »:</a:t>
+            </a:r>
+          </a:p>
+        </p:txBody>
+      </p:sp>
+      <p:sp>
+        <p:nvSpPr>
+          <p:cNvPr id="2" name="ZoneTexte 1"/>
+          <p:cNvSpPr txBox="1"/>
+          <p:nvPr/>
+        </p:nvSpPr>
+        <p:spPr>
+          <a:xfrm>
+            <a:off x="559169" y="3720892"/>
+            <a:ext cx="11469189" cy="830997"/>
+          </a:xfrm>
+          <a:prstGeom prst="rect">
+            <a:avLst/>
+          </a:prstGeom>
+          <a:noFill/>
+        </p:spPr>
+        <p:txBody>
+          <a:bodyPr wrap="square" rtlCol="0">
+            <a:spAutoFit/>
+          </a:bodyPr>
+          <a:lstStyle/>
+          <a:p>
+            <a:r>
+              <a:rPr lang="fr-FR" sz="2400" dirty="0">
+                <a:ln w="0"/>
                 <a:effectLst>
                   <a:outerShdw blurRad="38100" dist="19050" dir="2700000" algn="tl" rotWithShape="0">
                     <a:schemeClr val="dk1">
@@ -13643,60 +13618,6 @@
                 </a:effectLst>
               </a:rPr>
               <a:t>Autrement dit, il fait subir à des données brutes des transformations </a:t>
-            </a:r>
-          </a:p>
-          <a:p>
-            <a:pPr algn="ctr"/>
-            <a:r>
-              <a:rPr lang="fr-FR" sz="2400" b="0" cap="none" spc="0" dirty="0" smtClean="0">
-                <a:ln w="0"/>
-                <a:solidFill>
-                  <a:schemeClr val="tx1"/>
-                </a:solidFill>
-                <a:effectLst>
-                  <a:outerShdw blurRad="38100" dist="19050" dir="2700000" algn="tl" rotWithShape="0">
-                    <a:schemeClr val="dk1">
-                      <a:alpha val="40000"/>
-                    </a:schemeClr>
-                  </a:outerShdw>
-                </a:effectLst>
-              </a:rPr>
-              <a:t>de toutes sortes </a:t>
-            </a:r>
-          </a:p>
-          <a:p>
-            <a:pPr algn="ctr"/>
-            <a:r>
-              <a:rPr lang="fr-FR" sz="2400" b="0" cap="none" spc="0" dirty="0" smtClean="0">
-                <a:ln w="0"/>
-                <a:solidFill>
-                  <a:schemeClr val="tx1"/>
-                </a:solidFill>
-                <a:effectLst>
-                  <a:outerShdw blurRad="38100" dist="19050" dir="2700000" algn="tl" rotWithShape="0">
-                    <a:schemeClr val="dk1">
-                      <a:alpha val="40000"/>
-                    </a:schemeClr>
-                  </a:outerShdw>
-                </a:effectLst>
-              </a:rPr>
-              <a:t>(mise en forme, calculs, gestions, </a:t>
-            </a:r>
-            <a:r>
-              <a:rPr lang="fr-FR" sz="2400" b="0" cap="none" spc="0" dirty="0" err="1" smtClean="0">
-                <a:ln w="0"/>
-                <a:solidFill>
-                  <a:schemeClr val="tx1"/>
-                </a:solidFill>
-                <a:effectLst>
-                  <a:outerShdw blurRad="38100" dist="19050" dir="2700000" algn="tl" rotWithShape="0">
-                    <a:schemeClr val="dk1">
-                      <a:alpha val="40000"/>
-                    </a:schemeClr>
-                  </a:outerShdw>
-                </a:effectLst>
-              </a:rPr>
-              <a:t>etc</a:t>
             </a:r>
             <a:r>
               <a:rPr lang="fr-FR" sz="2400" dirty="0" smtClean="0">
@@ -13709,64 +13630,10 @@
                   </a:outerShdw>
                 </a:effectLst>
               </a:rPr>
-              <a:t>) e</a:t>
-            </a:r>
-            <a:r>
-              <a:rPr lang="fr-FR" sz="2400" b="0" cap="none" spc="0" dirty="0" smtClean="0">
-                <a:ln w="0"/>
-                <a:solidFill>
-                  <a:schemeClr val="tx1"/>
-                </a:solidFill>
-                <a:effectLst>
-                  <a:outerShdw blurRad="38100" dist="19050" dir="2700000" algn="tl" rotWithShape="0">
-                    <a:schemeClr val="dk1">
-                      <a:alpha val="40000"/>
-                    </a:schemeClr>
-                  </a:outerShdw>
-                </a:effectLst>
-              </a:rPr>
-              <a:t>n vue d’une utilisation spécifique.</a:t>
-            </a:r>
-            <a:endParaRPr lang="fr-FR" sz="2400" b="0" cap="none" spc="0" dirty="0">
-              <a:ln w="0"/>
-              <a:solidFill>
-                <a:schemeClr val="tx1"/>
-              </a:solidFill>
-              <a:effectLst>
-                <a:outerShdw blurRad="38100" dist="19050" dir="2700000" algn="tl" rotWithShape="0">
-                  <a:schemeClr val="dk1">
-                    <a:alpha val="40000"/>
-                  </a:schemeClr>
-                </a:outerShdw>
-              </a:effectLst>
-            </a:endParaRPr>
-          </a:p>
-        </p:txBody>
-      </p:sp>
-      <p:sp>
-        <p:nvSpPr>
-          <p:cNvPr id="11" name="Rectangle 10"/>
-          <p:cNvSpPr/>
-          <p:nvPr/>
-        </p:nvSpPr>
-        <p:spPr>
-          <a:xfrm>
-            <a:off x="474617" y="5180216"/>
-            <a:ext cx="9797966" cy="369332"/>
-          </a:xfrm>
-          <a:prstGeom prst="rect">
-            <a:avLst/>
-          </a:prstGeom>
-        </p:spPr>
-        <p:txBody>
-          <a:bodyPr wrap="square">
-            <a:spAutoFit/>
-          </a:bodyPr>
-          <a:lstStyle/>
-          <a:p>
-            <a:pPr algn="ctr"/>
-            <a:r>
-              <a:rPr lang="fr-FR" dirty="0">
+              <a:t>de </a:t>
+            </a:r>
+            <a:r>
+              <a:rPr lang="fr-FR" sz="2400" dirty="0">
                 <a:ln w="0"/>
                 <a:effectLst>
                   <a:outerShdw blurRad="38100" dist="19050" dir="2700000" algn="tl" rotWithShape="0">
@@ -13776,8 +13643,70 @@
                   </a:outerShdw>
                 </a:effectLst>
               </a:rPr>
-              <a:t>Pour démarrer Excel, vous pouvez vous rendre dans le menu « Démarrer »:</a:t>
-            </a:r>
+              <a:t>toutes sortes </a:t>
+            </a:r>
+            <a:r>
+              <a:rPr lang="fr-FR" sz="2400" dirty="0" smtClean="0">
+                <a:ln w="0"/>
+                <a:effectLst>
+                  <a:outerShdw blurRad="38100" dist="19050" dir="2700000" algn="tl" rotWithShape="0">
+                    <a:schemeClr val="dk1">
+                      <a:alpha val="40000"/>
+                    </a:schemeClr>
+                  </a:outerShdw>
+                </a:effectLst>
+              </a:rPr>
+              <a:t>(</a:t>
+            </a:r>
+            <a:r>
+              <a:rPr lang="fr-FR" sz="2400" dirty="0">
+                <a:ln w="0"/>
+                <a:effectLst>
+                  <a:outerShdw blurRad="38100" dist="19050" dir="2700000" algn="tl" rotWithShape="0">
+                    <a:schemeClr val="dk1">
+                      <a:alpha val="40000"/>
+                    </a:schemeClr>
+                  </a:outerShdw>
+                </a:effectLst>
+              </a:rPr>
+              <a:t>mise en forme, calculs, gestions, </a:t>
+            </a:r>
+            <a:r>
+              <a:rPr lang="fr-FR" sz="2400" dirty="0" err="1">
+                <a:ln w="0"/>
+                <a:effectLst>
+                  <a:outerShdw blurRad="38100" dist="19050" dir="2700000" algn="tl" rotWithShape="0">
+                    <a:schemeClr val="dk1">
+                      <a:alpha val="40000"/>
+                    </a:schemeClr>
+                  </a:outerShdw>
+                </a:effectLst>
+              </a:rPr>
+              <a:t>etc</a:t>
+            </a:r>
+            <a:r>
+              <a:rPr lang="fr-FR" sz="2400" dirty="0">
+                <a:ln w="0"/>
+                <a:effectLst>
+                  <a:outerShdw blurRad="38100" dist="19050" dir="2700000" algn="tl" rotWithShape="0">
+                    <a:schemeClr val="dk1">
+                      <a:alpha val="40000"/>
+                    </a:schemeClr>
+                  </a:outerShdw>
+                </a:effectLst>
+              </a:rPr>
+              <a:t>) en vue d’une utilisation spécifique.</a:t>
+            </a:r>
+            <a:endParaRPr lang="fr-FR" sz="2400" dirty="0">
+              <a:ln w="0"/>
+              <a:effectLst>
+                <a:outerShdw blurRad="38100" dist="19050" dir="2700000" algn="tl" rotWithShape="0">
+                  <a:schemeClr val="dk1">
+                    <a:alpha val="40000"/>
+                  </a:schemeClr>
+                </a:outerShdw>
+              </a:effectLst>
+            </a:endParaRPr>
           </a:p>
         </p:txBody>
       </p:sp>
@@ -13820,52 +13749,253 @@
       </p:grpSpPr>
       <p:sp>
         <p:nvSpPr>
-          <p:cNvPr id="2" name="Titre 1"/>
+          <p:cNvPr id="4" name="ZoneTexte 3">
+            <a:extLst>
+              <a:ext uri="{FF2B5EF4-FFF2-40B4-BE49-F238E27FC236}">
+                <a16:creationId xmlns:a16="http://schemas.microsoft.com/office/drawing/2014/main" id="{B7191FEF-1E3F-48E9-A65A-B5A88B9994F6}"/>
+              </a:ext>
+            </a:extLst>
+          </p:cNvPr>
+          <p:cNvSpPr txBox="1"/>
+          <p:nvPr/>
+        </p:nvSpPr>
+        <p:spPr>
+          <a:xfrm>
+            <a:off x="1919416" y="295004"/>
+            <a:ext cx="8353167" cy="707886"/>
+          </a:xfrm>
+          <a:prstGeom prst="rect">
+            <a:avLst/>
+          </a:prstGeom>
+          <a:solidFill>
+            <a:schemeClr val="accent6">
+              <a:lumMod val="50000"/>
+            </a:schemeClr>
+          </a:solidFill>
+          <a:ln>
+            <a:solidFill>
+              <a:schemeClr val="accent6">
+                <a:lumMod val="50000"/>
+              </a:schemeClr>
+            </a:solidFill>
+          </a:ln>
+          <a:effectLst>
+            <a:outerShdw blurRad="50800" dist="38100" dir="13500000" algn="br" rotWithShape="0">
+              <a:schemeClr val="accent1">
+                <a:alpha val="40000"/>
+              </a:schemeClr>
+            </a:outerShdw>
+            <a:reflection blurRad="6350" stA="50000" endA="300" endPos="55000" dir="5400000" sy="-100000" algn="bl" rotWithShape="0"/>
+          </a:effectLst>
+        </p:spPr>
+        <p:txBody>
+          <a:bodyPr wrap="square" rtlCol="0">
+            <a:spAutoFit/>
+          </a:bodyPr>
+          <a:lstStyle/>
+          <a:p>
+            <a:pPr algn="ctr"/>
+            <a:r>
+              <a:rPr lang="fr-FR" sz="4000" dirty="0" smtClean="0">
+                <a:solidFill>
+                  <a:schemeClr val="bg1"/>
+                </a:solidFill>
+              </a:rPr>
+              <a:t>Présentation du logiciel: Interface</a:t>
+            </a:r>
+            <a:endParaRPr lang="fr-FR" sz="4000" dirty="0">
+              <a:solidFill>
+                <a:schemeClr val="bg1"/>
+              </a:solidFill>
+            </a:endParaRPr>
+          </a:p>
+        </p:txBody>
+      </p:sp>
+      <p:cxnSp>
+        <p:nvCxnSpPr>
+          <p:cNvPr id="3" name="Connecteur droit 2">
+            <a:extLst>
+              <a:ext uri="{FF2B5EF4-FFF2-40B4-BE49-F238E27FC236}">
+                <a16:creationId xmlns:a16="http://schemas.microsoft.com/office/drawing/2014/main" id="{2E5FFC58-89E0-45F1-AB54-88B4500CE745}"/>
+              </a:ext>
+            </a:extLst>
+          </p:cNvPr>
+          <p:cNvCxnSpPr/>
+          <p:nvPr/>
+        </p:nvCxnSpPr>
+        <p:spPr>
+          <a:xfrm>
+            <a:off x="1327355" y="1002890"/>
+            <a:ext cx="9674942" cy="0"/>
+          </a:xfrm>
+          <a:prstGeom prst="line">
+            <a:avLst/>
+          </a:prstGeom>
+          <a:ln w="38100">
+            <a:solidFill>
+              <a:schemeClr val="accent6">
+                <a:lumMod val="50000"/>
+              </a:schemeClr>
+            </a:solidFill>
+          </a:ln>
+        </p:spPr>
+        <p:style>
+          <a:lnRef idx="1">
+            <a:schemeClr val="accent1"/>
+          </a:lnRef>
+          <a:fillRef idx="0">
+            <a:schemeClr val="accent1"/>
+          </a:fillRef>
+          <a:effectRef idx="0">
+            <a:schemeClr val="accent1"/>
+          </a:effectRef>
+          <a:fontRef idx="minor">
+            <a:schemeClr val="tx1"/>
+          </a:fontRef>
+        </p:style>
+      </p:cxnSp>
+      <p:sp>
+        <p:nvSpPr>
+          <p:cNvPr id="14" name="Rectangle 13">
+            <a:extLst>
+              <a:ext uri="{FF2B5EF4-FFF2-40B4-BE49-F238E27FC236}">
+                <a16:creationId xmlns:a16="http://schemas.microsoft.com/office/drawing/2014/main" id="{A111C86D-0A6E-4457-9131-84B9AB8CA6E2}"/>
+              </a:ext>
+            </a:extLst>
+          </p:cNvPr>
+          <p:cNvSpPr/>
+          <p:nvPr/>
+        </p:nvSpPr>
+        <p:spPr>
+          <a:xfrm>
+            <a:off x="0" y="6995795"/>
+            <a:ext cx="12192000" cy="525145"/>
+          </a:xfrm>
+          <a:prstGeom prst="rect">
+            <a:avLst/>
+          </a:prstGeom>
+          <a:solidFill>
+            <a:schemeClr val="accent1">
+              <a:lumMod val="20000"/>
+              <a:lumOff val="80000"/>
+            </a:schemeClr>
+          </a:solidFill>
+          <a:ln>
+            <a:noFill/>
+          </a:ln>
+        </p:spPr>
+        <p:style>
+          <a:lnRef idx="2">
+            <a:schemeClr val="accent1">
+              <a:shade val="50000"/>
+            </a:schemeClr>
+          </a:lnRef>
+          <a:fillRef idx="1">
+            <a:schemeClr val="accent1"/>
+          </a:fillRef>
+          <a:effectRef idx="0">
+            <a:schemeClr val="accent1"/>
+          </a:effectRef>
+          <a:fontRef idx="minor">
+            <a:schemeClr val="lt1"/>
+          </a:fontRef>
+        </p:style>
+        <p:txBody>
+          <a:bodyPr rtlCol="0" anchor="ctr"/>
+          <a:lstStyle/>
+          <a:p>
+            <a:pPr algn="ctr"/>
+            <a:endParaRPr lang="fr-FR"/>
+          </a:p>
+        </p:txBody>
+      </p:sp>
+      <p:sp>
+        <p:nvSpPr>
+          <p:cNvPr id="16" name="Espace réservé du numéro de diapositive 11">
+            <a:extLst>
+              <a:ext uri="{FF2B5EF4-FFF2-40B4-BE49-F238E27FC236}">
+                <a16:creationId xmlns:a16="http://schemas.microsoft.com/office/drawing/2014/main" id="{C4BC3E63-B4B6-49C0-95C7-9C149F176671}"/>
+              </a:ext>
+            </a:extLst>
+          </p:cNvPr>
           <p:cNvSpPr>
             <a:spLocks noGrp="1"/>
           </p:cNvSpPr>
           <p:nvPr>
-            <p:ph type="title"/>
+            <p:ph type="sldNum" sz="quarter" idx="12"/>
           </p:nvPr>
         </p:nvSpPr>
-        <p:spPr/>
+        <p:spPr>
+          <a:xfrm>
+            <a:off x="11158322" y="6492875"/>
+            <a:ext cx="870036" cy="365125"/>
+          </a:xfrm>
+        </p:spPr>
         <p:txBody>
           <a:bodyPr/>
           <a:lstStyle/>
           <a:p>
-            <a:endParaRPr lang="fr-FR"/>
-          </a:p>
-        </p:txBody>
-      </p:sp>
-      <p:sp>
-        <p:nvSpPr>
-          <p:cNvPr id="3" name="Espace réservé du contenu 2"/>
-          <p:cNvSpPr>
-            <a:spLocks noGrp="1"/>
-          </p:cNvSpPr>
-          <p:nvPr>
-            <p:ph idx="1"/>
-          </p:nvPr>
-        </p:nvSpPr>
-        <p:spPr/>
-        <p:txBody>
-          <a:bodyPr/>
-          <a:lstStyle/>
-          <a:p>
-            <a:endParaRPr lang="fr-FR"/>
-          </a:p>
-        </p:txBody>
-      </p:sp>
+            <a:fld id="{09EA0DBA-1CB7-49FD-A4E9-CB9833829DE4}" type="slidenum">
+              <a:rPr lang="fr-FR" sz="2000" b="1" smtClean="0">
+                <a:solidFill>
+                  <a:srgbClr val="FF0000"/>
+                </a:solidFill>
+                <a:latin typeface="Times New Roman" panose="02020603050405020304" pitchFamily="18" charset="0"/>
+                <a:cs typeface="Times New Roman" panose="02020603050405020304" pitchFamily="18" charset="0"/>
+              </a:rPr>
+              <a:t>5</a:t>
+            </a:fld>
+            <a:endParaRPr lang="fr-FR" sz="2000" b="1" dirty="0">
+              <a:solidFill>
+                <a:srgbClr val="FF0000"/>
+              </a:solidFill>
+              <a:latin typeface="Times New Roman" panose="02020603050405020304" pitchFamily="18" charset="0"/>
+              <a:cs typeface="Times New Roman" panose="02020603050405020304" pitchFamily="18" charset="0"/>
+            </a:endParaRPr>
+          </a:p>
+        </p:txBody>
+      </p:sp>
+      <p:pic>
+        <p:nvPicPr>
+          <p:cNvPr id="10" name="Image 9"/>
+          <p:cNvPicPr>
+            <a:picLocks noChangeAspect="1"/>
+          </p:cNvPicPr>
+          <p:nvPr/>
+        </p:nvPicPr>
+        <p:blipFill>
+          <a:blip r:embed="rId2"/>
+          <a:stretch>
+            <a:fillRect/>
+          </a:stretch>
+        </p:blipFill>
+        <p:spPr>
+          <a:xfrm>
+            <a:off x="0" y="1072694"/>
+            <a:ext cx="11101583" cy="5923100"/>
+          </a:xfrm>
+          <a:prstGeom prst="rect">
+            <a:avLst/>
+          </a:prstGeom>
+        </p:spPr>
+      </p:pic>
     </p:spTree>
     <p:extLst>
       <p:ext uri="{BB962C8B-B14F-4D97-AF65-F5344CB8AC3E}">
-        <p14:creationId xmlns:p14="http://schemas.microsoft.com/office/powerpoint/2010/main" val="3870182786"/>
+        <p14:creationId xmlns:p14="http://schemas.microsoft.com/office/powerpoint/2010/main" val="3715760350"/>
       </p:ext>
     </p:extLst>
   </p:cSld>
   <p:clrMapOvr>
     <a:masterClrMapping/>
   </p:clrMapOvr>
+  <p:timing>
+    <p:tnLst>
+      <p:par>
+        <p:cTn id="1" dur="indefinite" restart="never" nodeType="tmRoot"/>
+      </p:par>
+    </p:tnLst>
+  </p:timing>
 </p:sld>
 </file>
 
@@ -13940,7 +14070,7 @@
                   <a:schemeClr val="bg1"/>
                 </a:solidFill>
               </a:rPr>
-              <a:t>Présentation du logiciel: Interface</a:t>
+              <a:t>Présentation du logiciel: Le ruban</a:t>
             </a:r>
             <a:endParaRPr lang="fr-FR" sz="4000" dirty="0">
               <a:solidFill>
@@ -14096,7 +14226,7 @@
       </p:sp>
       <p:pic>
         <p:nvPicPr>
-          <p:cNvPr id="10" name="Image 9"/>
+          <p:cNvPr id="2" name="Image 1"/>
           <p:cNvPicPr>
             <a:picLocks noChangeAspect="1"/>
           </p:cNvPicPr>
@@ -14110,8 +14240,8 @@
         </p:blipFill>
         <p:spPr>
           <a:xfrm>
-            <a:off x="0" y="1072694"/>
-            <a:ext cx="11101583" cy="5923100"/>
+            <a:off x="548640" y="1593670"/>
+            <a:ext cx="10881360" cy="4761410"/>
           </a:xfrm>
           <a:prstGeom prst="rect">
             <a:avLst/>
@@ -14121,7 +14251,7 @@
     </p:spTree>
     <p:extLst>
       <p:ext uri="{BB962C8B-B14F-4D97-AF65-F5344CB8AC3E}">
-        <p14:creationId xmlns:p14="http://schemas.microsoft.com/office/powerpoint/2010/main" val="3715760350"/>
+        <p14:creationId xmlns:p14="http://schemas.microsoft.com/office/powerpoint/2010/main" val="4172587323"/>
       </p:ext>
     </p:extLst>
   </p:cSld>
@@ -14209,7 +14339,7 @@
                   <a:schemeClr val="bg1"/>
                 </a:solidFill>
               </a:rPr>
-              <a:t>Présentation du logiciel: Le ruban</a:t>
+              <a:t>Présentation du logiciel: La barre d’état</a:t>
             </a:r>
             <a:endParaRPr lang="fr-FR" sz="4000" dirty="0">
               <a:solidFill>
@@ -14365,7 +14495,7 @@
       </p:sp>
       <p:pic>
         <p:nvPicPr>
-          <p:cNvPr id="2" name="Image 1"/>
+          <p:cNvPr id="5" name="Image 4"/>
           <p:cNvPicPr>
             <a:picLocks noChangeAspect="1"/>
           </p:cNvPicPr>
@@ -14379,8 +14509,8 @@
         </p:blipFill>
         <p:spPr>
           <a:xfrm>
-            <a:off x="548640" y="1593670"/>
-            <a:ext cx="10881360" cy="4761410"/>
+            <a:off x="594360" y="1710776"/>
+            <a:ext cx="11018520" cy="4530004"/>
           </a:xfrm>
           <a:prstGeom prst="rect">
             <a:avLst/>
@@ -14390,7 +14520,7 @@
     </p:spTree>
     <p:extLst>
       <p:ext uri="{BB962C8B-B14F-4D97-AF65-F5344CB8AC3E}">
-        <p14:creationId xmlns:p14="http://schemas.microsoft.com/office/powerpoint/2010/main" val="4172587323"/>
+        <p14:creationId xmlns:p14="http://schemas.microsoft.com/office/powerpoint/2010/main" val="689766448"/>
       </p:ext>
     </p:extLst>
   </p:cSld>
@@ -14438,8 +14568,8 @@
         </p:nvSpPr>
         <p:spPr>
           <a:xfrm>
-            <a:off x="1919416" y="295004"/>
-            <a:ext cx="8353167" cy="707886"/>
+            <a:off x="594360" y="168957"/>
+            <a:ext cx="10835640" cy="707886"/>
           </a:xfrm>
           <a:prstGeom prst="rect">
             <a:avLst/>
@@ -14478,7 +14608,7 @@
                   <a:schemeClr val="bg1"/>
                 </a:solidFill>
               </a:rPr>
-              <a:t>Présentation du logiciel: La barre d’état</a:t>
+              <a:t>Saisie de données simples et mise en forme simple</a:t>
             </a:r>
             <a:endParaRPr lang="fr-FR" sz="4000" dirty="0">
               <a:solidFill>
@@ -14502,8 +14632,8 @@
         </p:nvCxnSpPr>
         <p:spPr>
           <a:xfrm>
-            <a:off x="1327355" y="1002890"/>
-            <a:ext cx="9674942" cy="0"/>
+            <a:off x="594360" y="876843"/>
+            <a:ext cx="10835640" cy="137795"/>
           </a:xfrm>
           <a:prstGeom prst="line">
             <a:avLst/>
@@ -14632,34 +14762,151 @@
           </a:p>
         </p:txBody>
       </p:sp>
-      <p:pic>
-        <p:nvPicPr>
-          <p:cNvPr id="5" name="Image 4"/>
-          <p:cNvPicPr>
-            <a:picLocks noChangeAspect="1"/>
-          </p:cNvPicPr>
+      <p:sp>
+        <p:nvSpPr>
+          <p:cNvPr id="9" name="Rectangle 8"/>
+          <p:cNvSpPr/>
           <p:nvPr/>
-        </p:nvPicPr>
-        <p:blipFill>
-          <a:blip r:embed="rId2"/>
-          <a:stretch>
-            <a:fillRect/>
-          </a:stretch>
-        </p:blipFill>
-        <p:spPr>
-          <a:xfrm>
-            <a:off x="594360" y="1710776"/>
-            <a:ext cx="11018520" cy="4530004"/>
+        </p:nvSpPr>
+        <p:spPr>
+          <a:xfrm>
+            <a:off x="231486" y="2254401"/>
+            <a:ext cx="10588914" cy="830997"/>
           </a:xfrm>
           <a:prstGeom prst="rect">
             <a:avLst/>
           </a:prstGeom>
-        </p:spPr>
-      </p:pic>
+          <a:noFill/>
+        </p:spPr>
+        <p:txBody>
+          <a:bodyPr wrap="square" lIns="91440" tIns="45720" rIns="91440" bIns="45720">
+            <a:spAutoFit/>
+          </a:bodyPr>
+          <a:lstStyle/>
+          <a:p>
+            <a:r>
+              <a:rPr lang="fr-FR" sz="2400" b="0" cap="none" spc="0" dirty="0" smtClean="0">
+                <a:ln w="0"/>
+                <a:solidFill>
+                  <a:schemeClr val="tx1"/>
+                </a:solidFill>
+                <a:effectLst>
+                  <a:outerShdw blurRad="38100" dist="19050" dir="2700000" algn="tl" rotWithShape="0">
+                    <a:schemeClr val="dk1">
+                      <a:alpha val="40000"/>
+                    </a:schemeClr>
+                  </a:outerShdw>
+                </a:effectLst>
+              </a:rPr>
+              <a:t>Dans cette partie, nous verrons comment </a:t>
+            </a:r>
+            <a:r>
+              <a:rPr lang="fr-FR" sz="2400" b="0" cap="none" spc="0" dirty="0" smtClean="0">
+                <a:ln w="0"/>
+                <a:solidFill>
+                  <a:schemeClr val="tx1"/>
+                </a:solidFill>
+                <a:effectLst>
+                  <a:outerShdw blurRad="38100" dist="19050" dir="2700000" algn="tl" rotWithShape="0">
+                    <a:schemeClr val="dk1">
+                      <a:alpha val="40000"/>
+                    </a:schemeClr>
+                  </a:outerShdw>
+                </a:effectLst>
+              </a:rPr>
+              <a:t>sélectionner </a:t>
+            </a:r>
+            <a:r>
+              <a:rPr lang="fr-FR" sz="2400" b="0" cap="none" spc="0" dirty="0" smtClean="0">
+                <a:ln w="0"/>
+                <a:solidFill>
+                  <a:schemeClr val="tx1"/>
+                </a:solidFill>
+                <a:effectLst>
+                  <a:outerShdw blurRad="38100" dist="19050" dir="2700000" algn="tl" rotWithShape="0">
+                    <a:schemeClr val="dk1">
+                      <a:alpha val="40000"/>
+                    </a:schemeClr>
+                  </a:outerShdw>
+                </a:effectLst>
+              </a:rPr>
+              <a:t>des objets de votre zone de travail (colonnes, cellules, lignes).</a:t>
+            </a:r>
+            <a:endParaRPr lang="fr-FR" sz="2400" b="0" cap="none" spc="0" dirty="0">
+              <a:ln w="0"/>
+              <a:solidFill>
+                <a:schemeClr val="tx1"/>
+              </a:solidFill>
+              <a:effectLst>
+                <a:outerShdw blurRad="38100" dist="19050" dir="2700000" algn="tl" rotWithShape="0">
+                  <a:schemeClr val="dk1">
+                    <a:alpha val="40000"/>
+                  </a:schemeClr>
+                </a:outerShdw>
+              </a:effectLst>
+            </a:endParaRPr>
+          </a:p>
+        </p:txBody>
+      </p:sp>
+      <p:sp>
+        <p:nvSpPr>
+          <p:cNvPr id="10" name="Rectangle 9"/>
+          <p:cNvSpPr/>
+          <p:nvPr/>
+        </p:nvSpPr>
+        <p:spPr>
+          <a:xfrm>
+            <a:off x="231486" y="4741073"/>
+            <a:ext cx="9332170" cy="461665"/>
+          </a:xfrm>
+          <a:prstGeom prst="rect">
+            <a:avLst/>
+          </a:prstGeom>
+          <a:noFill/>
+        </p:spPr>
+        <p:txBody>
+          <a:bodyPr wrap="none" lIns="91440" tIns="45720" rIns="91440" bIns="45720">
+            <a:spAutoFit/>
+          </a:bodyPr>
+          <a:lstStyle/>
+          <a:p>
+            <a:pPr algn="ctr"/>
+            <a:r>
+              <a:rPr lang="fr-FR" sz="2400" b="0" cap="none" spc="0" dirty="0" smtClean="0">
+                <a:ln w="0"/>
+                <a:solidFill>
+                  <a:schemeClr val="tx1"/>
+                </a:solidFill>
+                <a:effectLst>
+                  <a:outerShdw blurRad="38100" dist="19050" dir="2700000" algn="tl" rotWithShape="0">
+                    <a:schemeClr val="dk1">
+                      <a:alpha val="40000"/>
+                    </a:schemeClr>
+                  </a:outerShdw>
+                </a:effectLst>
+              </a:rPr>
+              <a:t>Comment saisir des données, choisir leur format, mettre de la couleur …?</a:t>
+            </a:r>
+            <a:endParaRPr lang="fr-FR" sz="2400" b="0" cap="none" spc="0" dirty="0">
+              <a:ln w="0"/>
+              <a:solidFill>
+                <a:schemeClr val="tx1"/>
+              </a:solidFill>
+              <a:effectLst>
+                <a:outerShdw blurRad="38100" dist="19050" dir="2700000" algn="tl" rotWithShape="0">
+                  <a:schemeClr val="dk1">
+                    <a:alpha val="40000"/>
+                  </a:schemeClr>
+                </a:outerShdw>
+              </a:effectLst>
+            </a:endParaRPr>
+          </a:p>
+        </p:txBody>
+      </p:sp>
     </p:spTree>
     <p:extLst>
       <p:ext uri="{BB962C8B-B14F-4D97-AF65-F5344CB8AC3E}">
-        <p14:creationId xmlns:p14="http://schemas.microsoft.com/office/powerpoint/2010/main" val="689766448"/>
+        <p14:creationId xmlns:p14="http://schemas.microsoft.com/office/powerpoint/2010/main" val="1641989782"/>
       </p:ext>
     </p:extLst>
   </p:cSld>
@@ -14909,8 +15156,8 @@
         </p:nvSpPr>
         <p:spPr>
           <a:xfrm>
-            <a:off x="-164754" y="1710776"/>
-            <a:ext cx="9395393" cy="830997"/>
+            <a:off x="594360" y="1698300"/>
+            <a:ext cx="10342845" cy="1200329"/>
           </a:xfrm>
           <a:prstGeom prst="rect">
             <a:avLst/>
@@ -14918,12 +15165,11 @@
           <a:noFill/>
         </p:spPr>
         <p:txBody>
-          <a:bodyPr wrap="none" lIns="91440" tIns="45720" rIns="91440" bIns="45720">
+          <a:bodyPr wrap="square" lIns="91440" tIns="45720" rIns="91440" bIns="45720">
             <a:spAutoFit/>
           </a:bodyPr>
           <a:lstStyle/>
           <a:p>
-            <a:pPr algn="ctr"/>
             <a:r>
               <a:rPr lang="fr-FR" sz="2400" b="0" cap="none" spc="0" dirty="0" smtClean="0">
                 <a:ln w="0"/>
@@ -14938,11 +15184,8 @@
                   </a:outerShdw>
                 </a:effectLst>
               </a:rPr>
-              <a:t>Dans cette partie, nous verrons comment </a:t>
-            </a:r>
-          </a:p>
-          <a:p>
-            <a:pPr algn="ctr"/>
+              <a:t>Pour sélectionner une cellule ( et attention, je dis bien une seule), </a:t>
+            </a:r>
             <a:r>
               <a:rPr lang="fr-FR" sz="2400" b="0" cap="none" spc="0" dirty="0" smtClean="0">
                 <a:ln w="0"/>
@@ -14957,8 +15200,26 @@
                   </a:outerShdw>
                 </a:effectLst>
               </a:rPr>
-              <a:t>sélectionner des objets de votre zone de travail (colonnes, cellules, lignes).</a:t>
-            </a:r>
+              <a:t> il </a:t>
+            </a:r>
+            <a:r>
+              <a:rPr lang="fr-FR" sz="2400" b="0" cap="none" spc="0" dirty="0" smtClean="0">
+                <a:ln w="0"/>
+                <a:solidFill>
+                  <a:schemeClr val="tx1"/>
+                </a:solidFill>
+                <a:effectLst>
+                  <a:outerShdw blurRad="38100" dist="19050" dir="2700000" algn="tl" rotWithShape="0">
+                    <a:schemeClr val="dk1">
+                      <a:alpha val="40000"/>
+                    </a:schemeClr>
+                  </a:outerShdw>
+                </a:effectLst>
+              </a:rPr>
+              <a:t>faut cliquer sur celle-ci.</a:t>
+            </a:r>
+          </a:p>
+          <a:p>
             <a:endParaRPr lang="fr-FR" sz="2400" b="0" cap="none" spc="0" dirty="0">
               <a:ln w="0"/>
               <a:solidFill>
@@ -14983,8 +15244,8 @@
         </p:nvSpPr>
         <p:spPr>
           <a:xfrm>
-            <a:off x="31627" y="3036424"/>
-            <a:ext cx="9332170" cy="461665"/>
+            <a:off x="1" y="3064477"/>
+            <a:ext cx="11430000" cy="1569660"/>
           </a:xfrm>
           <a:prstGeom prst="rect">
             <a:avLst/>
@@ -14992,12 +15253,11 @@
           <a:noFill/>
         </p:spPr>
         <p:txBody>
-          <a:bodyPr wrap="none" lIns="91440" tIns="45720" rIns="91440" bIns="45720">
+          <a:bodyPr wrap="square" lIns="91440" tIns="45720" rIns="91440" bIns="45720">
             <a:spAutoFit/>
           </a:bodyPr>
           <a:lstStyle/>
           <a:p>
-            <a:pPr algn="ctr"/>
             <a:r>
               <a:rPr lang="fr-FR" sz="2400" b="0" cap="none" spc="0" dirty="0" smtClean="0">
                 <a:ln w="0"/>
@@ -15012,7 +15272,72 @@
                   </a:outerShdw>
                 </a:effectLst>
               </a:rPr>
-              <a:t>Comment saisir des données, choisir leur format, mettre de la couleur …?</a:t>
+              <a:t>Pour sélectionner un bloc de cellules, </a:t>
+            </a:r>
+            <a:r>
+              <a:rPr lang="fr-FR" sz="2400" b="0" cap="none" spc="0" dirty="0" smtClean="0">
+                <a:ln w="0"/>
+                <a:solidFill>
+                  <a:schemeClr val="tx1"/>
+                </a:solidFill>
+                <a:effectLst>
+                  <a:outerShdw blurRad="38100" dist="19050" dir="2700000" algn="tl" rotWithShape="0">
+                    <a:schemeClr val="dk1">
+                      <a:alpha val="40000"/>
+                    </a:schemeClr>
+                  </a:outerShdw>
+                </a:effectLst>
+              </a:rPr>
+              <a:t>maintenez </a:t>
+            </a:r>
+            <a:r>
+              <a:rPr lang="fr-FR" sz="2400" b="0" cap="none" spc="0" dirty="0" smtClean="0">
+                <a:ln w="0"/>
+                <a:solidFill>
+                  <a:schemeClr val="tx1"/>
+                </a:solidFill>
+                <a:effectLst>
+                  <a:outerShdw blurRad="38100" dist="19050" dir="2700000" algn="tl" rotWithShape="0">
+                    <a:schemeClr val="dk1">
+                      <a:alpha val="40000"/>
+                    </a:schemeClr>
+                  </a:outerShdw>
+                </a:effectLst>
+              </a:rPr>
+              <a:t>le bouton gauche de la souris enfoncé</a:t>
+            </a:r>
+          </a:p>
+          <a:p>
+            <a:r>
+              <a:rPr lang="fr-FR" sz="2400" dirty="0" smtClean="0">
+                <a:ln w="0"/>
+                <a:effectLst>
+                  <a:outerShdw blurRad="38100" dist="19050" dir="2700000" algn="tl" rotWithShape="0">
+                    <a:schemeClr val="dk1">
+                      <a:alpha val="40000"/>
+                    </a:schemeClr>
+                  </a:outerShdw>
+                </a:effectLst>
+              </a:rPr>
+              <a:t>Et glissez dans la zone de travail pour définir un bloc. Relâchez le bouton lorsque vous avez terminé.</a:t>
+            </a:r>
+          </a:p>
+          <a:p>
+            <a:r>
+              <a:rPr lang="fr-FR" sz="2400" b="0" cap="none" spc="0" dirty="0" smtClean="0">
+                <a:ln w="0"/>
+                <a:solidFill>
+                  <a:schemeClr val="tx1"/>
+                </a:solidFill>
+                <a:effectLst>
+                  <a:outerShdw blurRad="38100" dist="19050" dir="2700000" algn="tl" rotWithShape="0">
+                    <a:schemeClr val="dk1">
+                      <a:alpha val="40000"/>
+                    </a:schemeClr>
+                  </a:outerShdw>
+                </a:effectLst>
+              </a:rPr>
+              <a:t>Autres sélections: sur la feuille de travail </a:t>
             </a:r>
             <a:endParaRPr lang="fr-FR" sz="2400" b="0" cap="none" spc="0" dirty="0">
               <a:ln w="0"/>
@@ -15033,7 +15358,7 @@
     </p:spTree>
     <p:extLst>
       <p:ext uri="{BB962C8B-B14F-4D97-AF65-F5344CB8AC3E}">
-        <p14:creationId xmlns:p14="http://schemas.microsoft.com/office/powerpoint/2010/main" val="1641989782"/>
+        <p14:creationId xmlns:p14="http://schemas.microsoft.com/office/powerpoint/2010/main" val="3693816991"/>
       </p:ext>
     </p:extLst>
   </p:cSld>

--- a/Cours/IFDC_1.pptx
+++ b/Cours/IFDC_1.pptx
@@ -4623,8 +4623,8 @@
         </p:nvSpPr>
         <p:spPr>
           <a:xfrm>
-            <a:off x="78327" y="1710776"/>
-            <a:ext cx="8909298" cy="830997"/>
+            <a:off x="78327" y="1356668"/>
+            <a:ext cx="11836510" cy="954107"/>
           </a:xfrm>
           <a:prstGeom prst="rect">
             <a:avLst/>
@@ -4639,7 +4639,7 @@
           <a:p>
             <a:pPr algn="ctr"/>
             <a:r>
-              <a:rPr lang="fr-FR" sz="2400" b="0" cap="none" spc="0" dirty="0" err="1" smtClean="0">
+              <a:rPr lang="fr-FR" sz="3200" b="0" cap="none" spc="0" dirty="0" smtClean="0">
                 <a:ln w="0"/>
                 <a:solidFill>
                   <a:schemeClr val="tx1"/>
@@ -4652,10 +4652,10 @@
                   </a:outerShdw>
                 </a:effectLst>
               </a:rPr>
-              <a:t>Saisissze</a:t>
-            </a:r>
-            <a:r>
-              <a:rPr lang="fr-FR" sz="2400" b="0" cap="none" spc="0" dirty="0" smtClean="0">
+              <a:t>Saisissez </a:t>
+            </a:r>
+            <a:r>
+              <a:rPr lang="fr-FR" sz="3200" b="0" cap="none" spc="0" dirty="0" smtClean="0">
                 <a:ln w="0"/>
                 <a:solidFill>
                   <a:schemeClr val="tx1"/>
@@ -4668,7 +4668,7 @@
                   </a:outerShdw>
                 </a:effectLst>
               </a:rPr>
-              <a:t> des données numériques sur quelques cellules (cas pratique)</a:t>
+              <a:t>des données numériques sur quelques cellules (cas pratique)</a:t>
             </a:r>
           </a:p>
           <a:p>
@@ -4710,8 +4710,8 @@
         </p:nvSpPr>
         <p:spPr>
           <a:xfrm>
-            <a:off x="78327" y="2309279"/>
-            <a:ext cx="10117950" cy="1200329"/>
+            <a:off x="109523" y="1933578"/>
+            <a:ext cx="11805314" cy="1077218"/>
           </a:xfrm>
           <a:prstGeom prst="rect">
             <a:avLst/>
@@ -4724,9 +4724,8 @@
           </a:bodyPr>
           <a:lstStyle/>
           <a:p>
-            <a:pPr algn="ctr"/>
-            <a:r>
-              <a:rPr lang="fr-FR" sz="2400" b="0" cap="none" spc="0" dirty="0" smtClean="0">
+            <a:r>
+              <a:rPr lang="fr-FR" sz="3200" b="0" cap="none" spc="0" dirty="0" smtClean="0">
                 <a:ln w="0"/>
                 <a:solidFill>
                   <a:schemeClr val="tx1"/>
@@ -4741,11 +4740,8 @@
               </a:rPr>
               <a:t>Sélectionnez la plage qui contient ces données puis faîtes un </a:t>
             </a:r>
-          </a:p>
-          <a:p>
-            <a:pPr algn="ctr"/>
-            <a:r>
-              <a:rPr lang="fr-FR" sz="2400" b="0" cap="none" spc="0" dirty="0" smtClean="0">
+            <a:r>
+              <a:rPr lang="fr-FR" sz="3200" b="0" cap="none" spc="0" dirty="0" smtClean="0">
                 <a:ln w="0"/>
                 <a:solidFill>
                   <a:schemeClr val="tx1"/>
@@ -4758,13 +4754,10 @@
                   </a:outerShdw>
                 </a:effectLst>
               </a:rPr>
-              <a:t>clic droit dessus puis cliquez sur</a:t>
-            </a:r>
-          </a:p>
-          <a:p>
-            <a:pPr algn="ctr"/>
-            <a:r>
-              <a:rPr lang="fr-FR" sz="2400" b="0" cap="none" spc="0" dirty="0" smtClean="0">
+              <a:t>clic </a:t>
+            </a:r>
+            <a:r>
+              <a:rPr lang="fr-FR" sz="3200" b="0" cap="none" spc="0" dirty="0" smtClean="0">
                 <a:ln w="0"/>
                 <a:solidFill>
                   <a:schemeClr val="tx1"/>
@@ -4777,9 +4770,73 @@
                   </a:outerShdw>
                 </a:effectLst>
               </a:rPr>
-              <a:t>« Format de cellule » dans le menu déroulant.</a:t>
-            </a:r>
-            <a:endParaRPr lang="fr-FR" sz="2400" b="0" cap="none" spc="0" dirty="0">
+              <a:t>droit </a:t>
+            </a:r>
+            <a:r>
+              <a:rPr lang="fr-FR" sz="3200" b="0" cap="none" spc="0" dirty="0" smtClean="0">
+                <a:ln w="0"/>
+                <a:solidFill>
+                  <a:schemeClr val="tx1"/>
+                </a:solidFill>
+                <a:effectLst>
+                  <a:outerShdw blurRad="38100" dist="19050" dir="2700000" algn="tl" rotWithShape="0">
+                    <a:schemeClr val="dk1">
+                      <a:alpha val="40000"/>
+                    </a:schemeClr>
+                  </a:outerShdw>
+                </a:effectLst>
+              </a:rPr>
+              <a:t>dessus puis </a:t>
+            </a:r>
+            <a:r>
+              <a:rPr lang="fr-FR" sz="3200" b="0" cap="none" spc="0" dirty="0" smtClean="0">
+                <a:ln w="0"/>
+                <a:solidFill>
+                  <a:schemeClr val="tx1"/>
+                </a:solidFill>
+                <a:effectLst>
+                  <a:outerShdw blurRad="38100" dist="19050" dir="2700000" algn="tl" rotWithShape="0">
+                    <a:schemeClr val="dk1">
+                      <a:alpha val="40000"/>
+                    </a:schemeClr>
+                  </a:outerShdw>
+                </a:effectLst>
+              </a:rPr>
+              <a:t>cliquez </a:t>
+            </a:r>
+            <a:r>
+              <a:rPr lang="fr-FR" sz="3200" b="0" cap="none" spc="0" dirty="0" smtClean="0">
+                <a:ln w="0"/>
+                <a:solidFill>
+                  <a:schemeClr val="tx1"/>
+                </a:solidFill>
+                <a:effectLst>
+                  <a:outerShdw blurRad="38100" dist="19050" dir="2700000" algn="tl" rotWithShape="0">
+                    <a:schemeClr val="dk1">
+                      <a:alpha val="40000"/>
+                    </a:schemeClr>
+                  </a:outerShdw>
+                </a:effectLst>
+              </a:rPr>
+              <a:t>sur «</a:t>
+            </a:r>
+            <a:r>
+              <a:rPr lang="fr-FR" sz="3200" b="0" cap="none" spc="0" dirty="0" smtClean="0">
+                <a:ln w="0"/>
+                <a:solidFill>
+                  <a:schemeClr val="tx1"/>
+                </a:solidFill>
+                <a:effectLst>
+                  <a:outerShdw blurRad="38100" dist="19050" dir="2700000" algn="tl" rotWithShape="0">
+                    <a:schemeClr val="dk1">
+                      <a:alpha val="40000"/>
+                    </a:schemeClr>
+                  </a:outerShdw>
+                </a:effectLst>
+              </a:rPr>
+              <a:t> Format de cellule » dans le menu déroulant.</a:t>
+            </a:r>
+            <a:endParaRPr lang="fr-FR" sz="3200" b="0" cap="none" spc="0" dirty="0">
               <a:ln w="0"/>
               <a:solidFill>
                 <a:schemeClr val="tx1"/>
@@ -4811,7 +4868,7 @@
         </p:blipFill>
         <p:spPr>
           <a:xfrm>
-            <a:off x="273232" y="3412012"/>
+            <a:off x="334192" y="3469144"/>
             <a:ext cx="2743200" cy="3381375"/>
           </a:xfrm>
           <a:prstGeom prst="rect">
@@ -4889,9 +4946,264 @@
   <p:timing>
     <p:tnLst>
       <p:par>
-        <p:cTn id="1" dur="indefinite" restart="never" nodeType="tmRoot"/>
+        <p:cTn id="1" dur="indefinite" restart="never" nodeType="tmRoot">
+          <p:childTnLst>
+            <p:seq concurrent="1" nextAc="seek">
+              <p:cTn id="2" dur="indefinite" nodeType="mainSeq">
+                <p:childTnLst>
+                  <p:par>
+                    <p:cTn id="3" fill="hold">
+                      <p:stCondLst>
+                        <p:cond delay="indefinite"/>
+                      </p:stCondLst>
+                      <p:childTnLst>
+                        <p:par>
+                          <p:cTn id="4" fill="hold">
+                            <p:stCondLst>
+                              <p:cond delay="0"/>
+                            </p:stCondLst>
+                            <p:childTnLst>
+                              <p:par>
+                                <p:cTn id="5" presetID="1" presetClass="entr" presetSubtype="0" fill="hold" grpId="0" nodeType="clickEffect">
+                                  <p:stCondLst>
+                                    <p:cond delay="0"/>
+                                  </p:stCondLst>
+                                  <p:childTnLst>
+                                    <p:set>
+                                      <p:cBhvr>
+                                        <p:cTn id="6" dur="1" fill="hold">
+                                          <p:stCondLst>
+                                            <p:cond delay="0"/>
+                                          </p:stCondLst>
+                                        </p:cTn>
+                                        <p:tgtEl>
+                                          <p:spTgt spid="9"/>
+                                        </p:tgtEl>
+                                        <p:attrNameLst>
+                                          <p:attrName>style.visibility</p:attrName>
+                                        </p:attrNameLst>
+                                      </p:cBhvr>
+                                      <p:to>
+                                        <p:strVal val="visible"/>
+                                      </p:to>
+                                    </p:set>
+                                  </p:childTnLst>
+                                </p:cTn>
+                              </p:par>
+                            </p:childTnLst>
+                          </p:cTn>
+                        </p:par>
+                      </p:childTnLst>
+                    </p:cTn>
+                  </p:par>
+                  <p:par>
+                    <p:cTn id="7" fill="hold">
+                      <p:stCondLst>
+                        <p:cond delay="indefinite"/>
+                      </p:stCondLst>
+                      <p:childTnLst>
+                        <p:par>
+                          <p:cTn id="8" fill="hold">
+                            <p:stCondLst>
+                              <p:cond delay="0"/>
+                            </p:stCondLst>
+                            <p:childTnLst>
+                              <p:par>
+                                <p:cTn id="9" presetID="1" presetClass="entr" presetSubtype="0" fill="hold" nodeType="clickEffect">
+                                  <p:stCondLst>
+                                    <p:cond delay="0"/>
+                                  </p:stCondLst>
+                                  <p:childTnLst>
+                                    <p:set>
+                                      <p:cBhvr>
+                                        <p:cTn id="10" dur="1" fill="hold">
+                                          <p:stCondLst>
+                                            <p:cond delay="0"/>
+                                          </p:stCondLst>
+                                        </p:cTn>
+                                        <p:tgtEl>
+                                          <p:spTgt spid="10">
+                                            <p:txEl>
+                                              <p:pRg st="0" end="0"/>
+                                            </p:txEl>
+                                          </p:spTgt>
+                                        </p:tgtEl>
+                                        <p:attrNameLst>
+                                          <p:attrName>style.visibility</p:attrName>
+                                        </p:attrNameLst>
+                                      </p:cBhvr>
+                                      <p:to>
+                                        <p:strVal val="visible"/>
+                                      </p:to>
+                                    </p:set>
+                                  </p:childTnLst>
+                                </p:cTn>
+                              </p:par>
+                            </p:childTnLst>
+                          </p:cTn>
+                        </p:par>
+                      </p:childTnLst>
+                    </p:cTn>
+                  </p:par>
+                  <p:par>
+                    <p:cTn id="11" fill="hold">
+                      <p:stCondLst>
+                        <p:cond delay="indefinite"/>
+                      </p:stCondLst>
+                      <p:childTnLst>
+                        <p:par>
+                          <p:cTn id="12" fill="hold">
+                            <p:stCondLst>
+                              <p:cond delay="0"/>
+                            </p:stCondLst>
+                            <p:childTnLst>
+                              <p:par>
+                                <p:cTn id="13" presetID="1" presetClass="entr" presetSubtype="0" fill="hold" nodeType="clickEffect">
+                                  <p:stCondLst>
+                                    <p:cond delay="0"/>
+                                  </p:stCondLst>
+                                  <p:childTnLst>
+                                    <p:set>
+                                      <p:cBhvr>
+                                        <p:cTn id="14" dur="1" fill="hold">
+                                          <p:stCondLst>
+                                            <p:cond delay="0"/>
+                                          </p:stCondLst>
+                                        </p:cTn>
+                                        <p:tgtEl>
+                                          <p:spTgt spid="2"/>
+                                        </p:tgtEl>
+                                        <p:attrNameLst>
+                                          <p:attrName>style.visibility</p:attrName>
+                                        </p:attrNameLst>
+                                      </p:cBhvr>
+                                      <p:to>
+                                        <p:strVal val="visible"/>
+                                      </p:to>
+                                    </p:set>
+                                  </p:childTnLst>
+                                </p:cTn>
+                              </p:par>
+                            </p:childTnLst>
+                          </p:cTn>
+                        </p:par>
+                      </p:childTnLst>
+                    </p:cTn>
+                  </p:par>
+                  <p:par>
+                    <p:cTn id="15" fill="hold">
+                      <p:stCondLst>
+                        <p:cond delay="indefinite"/>
+                      </p:stCondLst>
+                      <p:childTnLst>
+                        <p:par>
+                          <p:cTn id="16" fill="hold">
+                            <p:stCondLst>
+                              <p:cond delay="0"/>
+                            </p:stCondLst>
+                            <p:childTnLst>
+                              <p:par>
+                                <p:cTn id="17" presetID="1" presetClass="entr" presetSubtype="0" fill="hold" nodeType="clickEffect">
+                                  <p:stCondLst>
+                                    <p:cond delay="0"/>
+                                  </p:stCondLst>
+                                  <p:childTnLst>
+                                    <p:set>
+                                      <p:cBhvr>
+                                        <p:cTn id="18" dur="1" fill="hold">
+                                          <p:stCondLst>
+                                            <p:cond delay="0"/>
+                                          </p:stCondLst>
+                                        </p:cTn>
+                                        <p:tgtEl>
+                                          <p:spTgt spid="7"/>
+                                        </p:tgtEl>
+                                        <p:attrNameLst>
+                                          <p:attrName>style.visibility</p:attrName>
+                                        </p:attrNameLst>
+                                      </p:cBhvr>
+                                      <p:to>
+                                        <p:strVal val="visible"/>
+                                      </p:to>
+                                    </p:set>
+                                  </p:childTnLst>
+                                </p:cTn>
+                              </p:par>
+                            </p:childTnLst>
+                          </p:cTn>
+                        </p:par>
+                      </p:childTnLst>
+                    </p:cTn>
+                  </p:par>
+                  <p:par>
+                    <p:cTn id="19" fill="hold">
+                      <p:stCondLst>
+                        <p:cond delay="indefinite"/>
+                      </p:stCondLst>
+                      <p:childTnLst>
+                        <p:par>
+                          <p:cTn id="20" fill="hold">
+                            <p:stCondLst>
+                              <p:cond delay="0"/>
+                            </p:stCondLst>
+                            <p:childTnLst>
+                              <p:par>
+                                <p:cTn id="21" presetID="1" presetClass="entr" presetSubtype="0" fill="hold" nodeType="clickEffect">
+                                  <p:stCondLst>
+                                    <p:cond delay="0"/>
+                                  </p:stCondLst>
+                                  <p:childTnLst>
+                                    <p:set>
+                                      <p:cBhvr>
+                                        <p:cTn id="22" dur="1" fill="hold">
+                                          <p:stCondLst>
+                                            <p:cond delay="0"/>
+                                          </p:stCondLst>
+                                        </p:cTn>
+                                        <p:tgtEl>
+                                          <p:spTgt spid="5"/>
+                                        </p:tgtEl>
+                                        <p:attrNameLst>
+                                          <p:attrName>style.visibility</p:attrName>
+                                        </p:attrNameLst>
+                                      </p:cBhvr>
+                                      <p:to>
+                                        <p:strVal val="visible"/>
+                                      </p:to>
+                                    </p:set>
+                                  </p:childTnLst>
+                                </p:cTn>
+                              </p:par>
+                            </p:childTnLst>
+                          </p:cTn>
+                        </p:par>
+                      </p:childTnLst>
+                    </p:cTn>
+                  </p:par>
+                </p:childTnLst>
+              </p:cTn>
+              <p:prevCondLst>
+                <p:cond evt="onPrev" delay="0">
+                  <p:tgtEl>
+                    <p:sldTgt/>
+                  </p:tgtEl>
+                </p:cond>
+              </p:prevCondLst>
+              <p:nextCondLst>
+                <p:cond evt="onNext" delay="0">
+                  <p:tgtEl>
+                    <p:sldTgt/>
+                  </p:tgtEl>
+                </p:cond>
+              </p:nextCondLst>
+            </p:seq>
+          </p:childTnLst>
+        </p:cTn>
       </p:par>
     </p:tnLst>
+    <p:bldLst>
+      <p:bldP spid="9" grpId="0"/>
+    </p:bldLst>
   </p:timing>
 </p:sld>
 </file>
@@ -5129,8 +5441,8 @@
         </p:nvSpPr>
         <p:spPr>
           <a:xfrm>
-            <a:off x="-1861415" y="1710776"/>
-            <a:ext cx="12788822" cy="1200329"/>
+            <a:off x="396240" y="1269910"/>
+            <a:ext cx="11262360" cy="1754326"/>
           </a:xfrm>
           <a:prstGeom prst="rect">
             <a:avLst/>
@@ -5138,14 +5450,13 @@
           <a:noFill/>
         </p:spPr>
         <p:txBody>
-          <a:bodyPr wrap="none" lIns="91440" tIns="45720" rIns="91440" bIns="45720">
+          <a:bodyPr wrap="square" lIns="91440" tIns="45720" rIns="91440" bIns="45720">
             <a:spAutoFit/>
           </a:bodyPr>
           <a:lstStyle/>
           <a:p>
-            <a:pPr algn="ctr"/>
-            <a:r>
-              <a:rPr lang="fr-FR" sz="2400" b="0" cap="none" spc="0" dirty="0" smtClean="0">
+            <a:r>
+              <a:rPr lang="fr-FR" sz="2800" b="0" cap="none" spc="0" dirty="0" smtClean="0">
                 <a:ln w="0"/>
                 <a:solidFill>
                   <a:schemeClr val="tx1"/>
@@ -5162,9 +5473,8 @@
             </a:r>
           </a:p>
           <a:p>
-            <a:pPr algn="ctr"/>
-            <a:r>
-              <a:rPr lang="fr-FR" sz="2400" dirty="0" smtClean="0">
+            <a:r>
+              <a:rPr lang="fr-FR" sz="2800" dirty="0" smtClean="0">
                 <a:ln w="0"/>
                 <a:effectLst>
                   <a:outerShdw blurRad="38100" dist="19050" dir="2700000" algn="tl" rotWithShape="0">
@@ -5174,10 +5484,10 @@
                   </a:outerShdw>
                 </a:effectLst>
               </a:rPr>
-              <a:t>Mais nous nous attardons sur les bordures. Cliquez sur l’</a:t>
-            </a:r>
-            <a:r>
-              <a:rPr lang="fr-FR" sz="2400" dirty="0" err="1" smtClean="0">
+              <a:t>Mais nous nous attardons sur les bordures. Cliquez sur </a:t>
+            </a:r>
+            <a:r>
+              <a:rPr lang="fr-FR" sz="2800" dirty="0" smtClean="0">
                 <a:ln w="0"/>
                 <a:effectLst>
                   <a:outerShdw blurRad="38100" dist="19050" dir="2700000" algn="tl" rotWithShape="0">
@@ -5187,10 +5497,10 @@
                   </a:outerShdw>
                 </a:effectLst>
               </a:rPr>
-              <a:t>o,glet</a:t>
-            </a:r>
-            <a:r>
-              <a:rPr lang="fr-FR" sz="2400" dirty="0" smtClean="0">
+              <a:t>l’onglet </a:t>
+            </a:r>
+            <a:r>
+              <a:rPr lang="fr-FR" sz="2800" dirty="0" smtClean="0">
                 <a:ln w="0"/>
                 <a:effectLst>
                   <a:outerShdw blurRad="38100" dist="19050" dir="2700000" algn="tl" rotWithShape="0">
@@ -5200,9 +5510,9 @@
                   </a:outerShdw>
                 </a:effectLst>
               </a:rPr>
-              <a:t> « Bordure »:</a:t>
-            </a:r>
-            <a:endParaRPr lang="fr-FR" sz="2400" b="0" cap="none" spc="0" dirty="0" smtClean="0">
+              <a:t>« Bordure »:</a:t>
+            </a:r>
+            <a:endParaRPr lang="fr-FR" sz="2800" b="0" cap="none" spc="0" dirty="0" smtClean="0">
               <a:ln w="0"/>
               <a:solidFill>
                 <a:schemeClr val="tx1"/>
@@ -5263,8 +5573,8 @@
         </p:blipFill>
         <p:spPr>
           <a:xfrm>
-            <a:off x="1965960" y="2395220"/>
-            <a:ext cx="6972300" cy="4600575"/>
+            <a:off x="1859280" y="2665707"/>
+            <a:ext cx="6972300" cy="4192293"/>
           </a:xfrm>
           <a:prstGeom prst="rect">
             <a:avLst/>
@@ -5284,7 +5594,155 @@
   <p:timing>
     <p:tnLst>
       <p:par>
-        <p:cTn id="1" dur="indefinite" restart="never" nodeType="tmRoot"/>
+        <p:cTn id="1" dur="indefinite" restart="never" nodeType="tmRoot">
+          <p:childTnLst>
+            <p:seq concurrent="1" nextAc="seek">
+              <p:cTn id="2" dur="indefinite" nodeType="mainSeq">
+                <p:childTnLst>
+                  <p:par>
+                    <p:cTn id="3" fill="hold">
+                      <p:stCondLst>
+                        <p:cond delay="indefinite"/>
+                      </p:stCondLst>
+                      <p:childTnLst>
+                        <p:par>
+                          <p:cTn id="4" fill="hold">
+                            <p:stCondLst>
+                              <p:cond delay="0"/>
+                            </p:stCondLst>
+                            <p:childTnLst>
+                              <p:par>
+                                <p:cTn id="5" presetID="1" presetClass="entr" presetSubtype="0" fill="hold" nodeType="clickEffect">
+                                  <p:stCondLst>
+                                    <p:cond delay="0"/>
+                                  </p:stCondLst>
+                                  <p:childTnLst>
+                                    <p:set>
+                                      <p:cBhvr>
+                                        <p:cTn id="6" dur="1" fill="hold">
+                                          <p:stCondLst>
+                                            <p:cond delay="0"/>
+                                          </p:stCondLst>
+                                        </p:cTn>
+                                        <p:tgtEl>
+                                          <p:spTgt spid="9">
+                                            <p:txEl>
+                                              <p:pRg st="0" end="0"/>
+                                            </p:txEl>
+                                          </p:spTgt>
+                                        </p:tgtEl>
+                                        <p:attrNameLst>
+                                          <p:attrName>style.visibility</p:attrName>
+                                        </p:attrNameLst>
+                                      </p:cBhvr>
+                                      <p:to>
+                                        <p:strVal val="visible"/>
+                                      </p:to>
+                                    </p:set>
+                                  </p:childTnLst>
+                                </p:cTn>
+                              </p:par>
+                              <p:par>
+                                <p:cTn id="7" presetID="1" presetClass="entr" presetSubtype="0" fill="hold" nodeType="withEffect">
+                                  <p:stCondLst>
+                                    <p:cond delay="0"/>
+                                  </p:stCondLst>
+                                  <p:childTnLst>
+                                    <p:set>
+                                      <p:cBhvr>
+                                        <p:cTn id="8" dur="1" fill="hold">
+                                          <p:stCondLst>
+                                            <p:cond delay="0"/>
+                                          </p:stCondLst>
+                                        </p:cTn>
+                                        <p:tgtEl>
+                                          <p:spTgt spid="9">
+                                            <p:txEl>
+                                              <p:pRg st="1" end="1"/>
+                                            </p:txEl>
+                                          </p:spTgt>
+                                        </p:tgtEl>
+                                        <p:attrNameLst>
+                                          <p:attrName>style.visibility</p:attrName>
+                                        </p:attrNameLst>
+                                      </p:cBhvr>
+                                      <p:to>
+                                        <p:strVal val="visible"/>
+                                      </p:to>
+                                    </p:set>
+                                  </p:childTnLst>
+                                </p:cTn>
+                              </p:par>
+                            </p:childTnLst>
+                          </p:cTn>
+                        </p:par>
+                      </p:childTnLst>
+                    </p:cTn>
+                  </p:par>
+                  <p:par>
+                    <p:cTn id="9" fill="hold">
+                      <p:stCondLst>
+                        <p:cond delay="indefinite"/>
+                      </p:stCondLst>
+                      <p:childTnLst>
+                        <p:par>
+                          <p:cTn id="10" fill="hold">
+                            <p:stCondLst>
+                              <p:cond delay="0"/>
+                            </p:stCondLst>
+                            <p:childTnLst>
+                              <p:par>
+                                <p:cTn id="11" presetID="1" presetClass="entr" presetSubtype="0" fill="hold" nodeType="clickEffect">
+                                  <p:stCondLst>
+                                    <p:cond delay="0"/>
+                                  </p:stCondLst>
+                                  <p:childTnLst>
+                                    <p:set>
+                                      <p:cBhvr>
+                                        <p:cTn id="12" dur="1" fill="hold">
+                                          <p:stCondLst>
+                                            <p:cond delay="0"/>
+                                          </p:stCondLst>
+                                        </p:cTn>
+                                        <p:tgtEl>
+                                          <p:spTgt spid="6"/>
+                                        </p:tgtEl>
+                                        <p:attrNameLst>
+                                          <p:attrName>style.visibility</p:attrName>
+                                        </p:attrNameLst>
+                                      </p:cBhvr>
+                                      <p:to>
+                                        <p:strVal val="visible"/>
+                                      </p:to>
+                                    </p:set>
+                                  </p:childTnLst>
+                                </p:cTn>
+                              </p:par>
+                            </p:childTnLst>
+                          </p:cTn>
+                        </p:par>
+                      </p:childTnLst>
+                    </p:cTn>
+                  </p:par>
+                </p:childTnLst>
+              </p:cTn>
+              <p:prevCondLst>
+                <p:cond evt="onPrev" delay="0">
+                  <p:tgtEl>
+                    <p:sldTgt/>
+                  </p:tgtEl>
+                </p:cond>
+              </p:prevCondLst>
+              <p:nextCondLst>
+                <p:cond evt="onNext" delay="0">
+                  <p:tgtEl>
+                    <p:sldTgt/>
+                  </p:tgtEl>
+                </p:cond>
+              </p:nextCondLst>
+            </p:seq>
+          </p:childTnLst>
+        </p:cTn>
       </p:par>
     </p:tnLst>
   </p:timing>
@@ -5524,8 +5982,8 @@
         </p:nvSpPr>
         <p:spPr>
           <a:xfrm>
-            <a:off x="1095143" y="1710776"/>
-            <a:ext cx="6875728" cy="830997"/>
+            <a:off x="594360" y="1449871"/>
+            <a:ext cx="9111918" cy="954107"/>
           </a:xfrm>
           <a:prstGeom prst="rect">
             <a:avLst/>
@@ -5540,7 +5998,7 @@
           <a:p>
             <a:pPr algn="ctr"/>
             <a:r>
-              <a:rPr lang="fr-FR" sz="2400" b="0" cap="none" spc="0" dirty="0" smtClean="0">
+              <a:rPr lang="fr-FR" sz="3200" b="0" cap="none" spc="0" dirty="0" smtClean="0">
                 <a:ln w="0"/>
                 <a:solidFill>
                   <a:schemeClr val="tx1"/>
@@ -5648,7 +6106,169 @@
   <p:timing>
     <p:tnLst>
       <p:par>
-        <p:cTn id="1" dur="indefinite" restart="never" nodeType="tmRoot"/>
+        <p:cTn id="1" dur="indefinite" restart="never" nodeType="tmRoot">
+          <p:childTnLst>
+            <p:seq concurrent="1" nextAc="seek">
+              <p:cTn id="2" dur="indefinite" nodeType="mainSeq">
+                <p:childTnLst>
+                  <p:par>
+                    <p:cTn id="3" fill="hold">
+                      <p:stCondLst>
+                        <p:cond delay="indefinite"/>
+                      </p:stCondLst>
+                      <p:childTnLst>
+                        <p:par>
+                          <p:cTn id="4" fill="hold">
+                            <p:stCondLst>
+                              <p:cond delay="0"/>
+                            </p:stCondLst>
+                            <p:childTnLst>
+                              <p:par>
+                                <p:cTn id="5" presetID="1" presetClass="entr" presetSubtype="0" fill="hold" nodeType="clickEffect">
+                                  <p:stCondLst>
+                                    <p:cond delay="0"/>
+                                  </p:stCondLst>
+                                  <p:childTnLst>
+                                    <p:set>
+                                      <p:cBhvr>
+                                        <p:cTn id="6" dur="1" fill="hold">
+                                          <p:stCondLst>
+                                            <p:cond delay="0"/>
+                                          </p:stCondLst>
+                                        </p:cTn>
+                                        <p:tgtEl>
+                                          <p:spTgt spid="9">
+                                            <p:txEl>
+                                              <p:pRg st="0" end="0"/>
+                                            </p:txEl>
+                                          </p:spTgt>
+                                        </p:tgtEl>
+                                        <p:attrNameLst>
+                                          <p:attrName>style.visibility</p:attrName>
+                                        </p:attrNameLst>
+                                      </p:cBhvr>
+                                      <p:to>
+                                        <p:strVal val="visible"/>
+                                      </p:to>
+                                    </p:set>
+                                  </p:childTnLst>
+                                </p:cTn>
+                              </p:par>
+                            </p:childTnLst>
+                          </p:cTn>
+                        </p:par>
+                      </p:childTnLst>
+                    </p:cTn>
+                  </p:par>
+                  <p:par>
+                    <p:cTn id="7" fill="hold">
+                      <p:stCondLst>
+                        <p:cond delay="indefinite"/>
+                      </p:stCondLst>
+                      <p:childTnLst>
+                        <p:par>
+                          <p:cTn id="8" fill="hold">
+                            <p:stCondLst>
+                              <p:cond delay="0"/>
+                            </p:stCondLst>
+                            <p:childTnLst>
+                              <p:par>
+                                <p:cTn id="9" presetID="1" presetClass="entr" presetSubtype="0" fill="hold" nodeType="clickEffect">
+                                  <p:stCondLst>
+                                    <p:cond delay="0"/>
+                                  </p:stCondLst>
+                                  <p:childTnLst>
+                                    <p:set>
+                                      <p:cBhvr>
+                                        <p:cTn id="10" dur="1" fill="hold">
+                                          <p:stCondLst>
+                                            <p:cond delay="0"/>
+                                          </p:stCondLst>
+                                        </p:cTn>
+                                        <p:tgtEl>
+                                          <p:spTgt spid="2"/>
+                                        </p:tgtEl>
+                                        <p:attrNameLst>
+                                          <p:attrName>style.visibility</p:attrName>
+                                        </p:attrNameLst>
+                                      </p:cBhvr>
+                                      <p:to>
+                                        <p:strVal val="visible"/>
+                                      </p:to>
+                                    </p:set>
+                                  </p:childTnLst>
+                                </p:cTn>
+                              </p:par>
+                            </p:childTnLst>
+                          </p:cTn>
+                        </p:par>
+                      </p:childTnLst>
+                    </p:cTn>
+                  </p:par>
+                  <p:par>
+                    <p:cTn id="11" fill="hold">
+                      <p:stCondLst>
+                        <p:cond delay="indefinite"/>
+                      </p:stCondLst>
+                      <p:childTnLst>
+                        <p:par>
+                          <p:cTn id="12" fill="hold">
+                            <p:stCondLst>
+                              <p:cond delay="0"/>
+                            </p:stCondLst>
+                            <p:childTnLst>
+                              <p:par>
+                                <p:cTn id="13" presetID="1" presetClass="entr" presetSubtype="0" fill="hold" nodeType="clickEffect">
+                                  <p:stCondLst>
+                                    <p:cond delay="0"/>
+                                  </p:stCondLst>
+                                  <p:childTnLst>
+                                    <p:set>
+                                      <p:cBhvr>
+                                        <p:cTn id="14" dur="1" fill="hold">
+                                          <p:stCondLst>
+                                            <p:cond delay="0"/>
+                                          </p:stCondLst>
+                                        </p:cTn>
+                                        <p:tgtEl>
+                                          <p:spTgt spid="5"/>
+                                        </p:tgtEl>
+                                        <p:attrNameLst>
+                                          <p:attrName>style.visibility</p:attrName>
+                                        </p:attrNameLst>
+                                      </p:cBhvr>
+                                      <p:to>
+                                        <p:strVal val="visible"/>
+                                      </p:to>
+                                    </p:set>
+                                  </p:childTnLst>
+                                </p:cTn>
+                              </p:par>
+                            </p:childTnLst>
+                          </p:cTn>
+                        </p:par>
+                      </p:childTnLst>
+                    </p:cTn>
+                  </p:par>
+                </p:childTnLst>
+              </p:cTn>
+              <p:prevCondLst>
+                <p:cond evt="onPrev" delay="0">
+                  <p:tgtEl>
+                    <p:sldTgt/>
+                  </p:tgtEl>
+                </p:cond>
+              </p:prevCondLst>
+              <p:nextCondLst>
+                <p:cond evt="onNext" delay="0">
+                  <p:tgtEl>
+                    <p:sldTgt/>
+                  </p:tgtEl>
+                </p:cond>
+              </p:nextCondLst>
+            </p:seq>
+          </p:childTnLst>
+        </p:cTn>
       </p:par>
     </p:tnLst>
   </p:timing>
@@ -6228,8 +6848,8 @@
         </p:nvSpPr>
         <p:spPr>
           <a:xfrm>
-            <a:off x="1670893" y="2135826"/>
-            <a:ext cx="8010270" cy="1200329"/>
+            <a:off x="358290" y="2135826"/>
+            <a:ext cx="10635477" cy="1446550"/>
           </a:xfrm>
           <a:prstGeom prst="rect">
             <a:avLst/>
@@ -6244,7 +6864,7 @@
           <a:p>
             <a:pPr algn="ctr"/>
             <a:r>
-              <a:rPr lang="fr-FR" sz="2400" b="0" cap="none" spc="0" dirty="0" smtClean="0">
+              <a:rPr lang="fr-FR" sz="3200" b="0" cap="none" spc="0" dirty="0" smtClean="0">
                 <a:ln w="0"/>
                 <a:solidFill>
                   <a:schemeClr val="tx1"/>
@@ -6263,7 +6883,7 @@
           <a:p>
             <a:pPr algn="ctr"/>
             <a:r>
-              <a:rPr lang="fr-FR" sz="2400" b="0" cap="none" spc="0" dirty="0" smtClean="0">
+              <a:rPr lang="fr-FR" sz="3200" b="0" cap="none" spc="0" dirty="0" smtClean="0">
                 <a:ln w="0"/>
                 <a:solidFill>
                   <a:schemeClr val="tx1"/>
@@ -8296,8 +8916,8 @@
         </p:nvSpPr>
         <p:spPr>
           <a:xfrm>
-            <a:off x="1327355" y="1710776"/>
-            <a:ext cx="9674942" cy="1003736"/>
+            <a:off x="893402" y="1345248"/>
+            <a:ext cx="9674942" cy="1200329"/>
           </a:xfrm>
           <a:prstGeom prst="rect">
             <a:avLst/>
@@ -8315,27 +8935,27 @@
               </a:lnSpc>
             </a:pPr>
             <a:r>
-              <a:rPr lang="fr-FR" sz="2100" dirty="0" smtClean="0">
+              <a:rPr lang="fr-FR" sz="2400" dirty="0" smtClean="0">
                 <a:latin typeface="Times New Roman" panose="02020603050405020304" pitchFamily="18" charset="0"/>
                 <a:cs typeface="Times New Roman" panose="02020603050405020304" pitchFamily="18" charset="0"/>
               </a:rPr>
               <a:t>Cette fois-ci, nous voulons obtenir un tableau pré-rempli afin de le compléter en fonction de l’âge (par </a:t>
             </a:r>
             <a:r>
-              <a:rPr lang="fr-FR" sz="2100" dirty="0" err="1" smtClean="0">
+              <a:rPr lang="fr-FR" sz="2400" dirty="0" smtClean="0">
                 <a:latin typeface="Times New Roman" panose="02020603050405020304" pitchFamily="18" charset="0"/>
                 <a:cs typeface="Times New Roman" panose="02020603050405020304" pitchFamily="18" charset="0"/>
               </a:rPr>
-              <a:t>ecemple</a:t>
-            </a:r>
-            <a:r>
-              <a:rPr lang="fr-FR" sz="2100" dirty="0" smtClean="0">
+              <a:t>exemple</a:t>
+            </a:r>
+            <a:r>
+              <a:rPr lang="fr-FR" sz="2400" dirty="0" smtClean="0">
                 <a:latin typeface="Times New Roman" panose="02020603050405020304" pitchFamily="18" charset="0"/>
                 <a:cs typeface="Times New Roman" panose="02020603050405020304" pitchFamily="18" charset="0"/>
               </a:rPr>
               <a:t>). L’âge doit être compris entre 12-17 ans.</a:t>
             </a:r>
-            <a:endParaRPr lang="fr-FR" sz="1600" dirty="0">
+            <a:endParaRPr lang="fr-FR" sz="2400" dirty="0">
               <a:latin typeface="Times New Roman" panose="02020603050405020304" pitchFamily="18" charset="0"/>
               <a:cs typeface="Times New Roman" panose="02020603050405020304" pitchFamily="18" charset="0"/>
             </a:endParaRPr>
@@ -8403,7 +9023,151 @@
   <p:timing>
     <p:tnLst>
       <p:par>
-        <p:cTn id="1" dur="indefinite" restart="never" nodeType="tmRoot"/>
+        <p:cTn id="1" dur="indefinite" restart="never" nodeType="tmRoot">
+          <p:childTnLst>
+            <p:seq concurrent="1" nextAc="seek">
+              <p:cTn id="2" dur="indefinite" nodeType="mainSeq">
+                <p:childTnLst>
+                  <p:par>
+                    <p:cTn id="3" fill="hold">
+                      <p:stCondLst>
+                        <p:cond delay="indefinite"/>
+                      </p:stCondLst>
+                      <p:childTnLst>
+                        <p:par>
+                          <p:cTn id="4" fill="hold">
+                            <p:stCondLst>
+                              <p:cond delay="0"/>
+                            </p:stCondLst>
+                            <p:childTnLst>
+                              <p:par>
+                                <p:cTn id="5" presetID="1" presetClass="entr" presetSubtype="0" fill="hold" nodeType="clickEffect">
+                                  <p:stCondLst>
+                                    <p:cond delay="0"/>
+                                  </p:stCondLst>
+                                  <p:childTnLst>
+                                    <p:set>
+                                      <p:cBhvr>
+                                        <p:cTn id="6" dur="1" fill="hold">
+                                          <p:stCondLst>
+                                            <p:cond delay="0"/>
+                                          </p:stCondLst>
+                                        </p:cTn>
+                                        <p:tgtEl>
+                                          <p:spTgt spid="7">
+                                            <p:txEl>
+                                              <p:pRg st="0" end="0"/>
+                                            </p:txEl>
+                                          </p:spTgt>
+                                        </p:tgtEl>
+                                        <p:attrNameLst>
+                                          <p:attrName>style.visibility</p:attrName>
+                                        </p:attrNameLst>
+                                      </p:cBhvr>
+                                      <p:to>
+                                        <p:strVal val="visible"/>
+                                      </p:to>
+                                    </p:set>
+                                  </p:childTnLst>
+                                </p:cTn>
+                              </p:par>
+                            </p:childTnLst>
+                          </p:cTn>
+                        </p:par>
+                      </p:childTnLst>
+                    </p:cTn>
+                  </p:par>
+                  <p:par>
+                    <p:cTn id="7" fill="hold">
+                      <p:stCondLst>
+                        <p:cond delay="indefinite"/>
+                      </p:stCondLst>
+                      <p:childTnLst>
+                        <p:par>
+                          <p:cTn id="8" fill="hold">
+                            <p:stCondLst>
+                              <p:cond delay="0"/>
+                            </p:stCondLst>
+                            <p:childTnLst>
+                              <p:par>
+                                <p:cTn id="9" presetID="1" presetClass="entr" presetSubtype="0" fill="hold" nodeType="clickEffect">
+                                  <p:stCondLst>
+                                    <p:cond delay="0"/>
+                                  </p:stCondLst>
+                                  <p:childTnLst>
+                                    <p:set>
+                                      <p:cBhvr>
+                                        <p:cTn id="10" dur="1" fill="hold">
+                                          <p:stCondLst>
+                                            <p:cond delay="0"/>
+                                          </p:stCondLst>
+                                        </p:cTn>
+                                        <p:tgtEl>
+                                          <p:spTgt spid="2"/>
+                                        </p:tgtEl>
+                                        <p:attrNameLst>
+                                          <p:attrName>style.visibility</p:attrName>
+                                        </p:attrNameLst>
+                                      </p:cBhvr>
+                                      <p:to>
+                                        <p:strVal val="visible"/>
+                                      </p:to>
+                                    </p:set>
+                                  </p:childTnLst>
+                                </p:cTn>
+                              </p:par>
+                              <p:par>
+                                <p:cTn id="11" presetID="1" presetClass="entr" presetSubtype="0" fill="hold" nodeType="withEffect">
+                                  <p:stCondLst>
+                                    <p:cond delay="0"/>
+                                  </p:stCondLst>
+                                  <p:childTnLst>
+                                    <p:set>
+                                      <p:cBhvr>
+                                        <p:cTn id="12" dur="1" fill="hold">
+                                          <p:stCondLst>
+                                            <p:cond delay="0"/>
+                                          </p:stCondLst>
+                                        </p:cTn>
+                                        <p:tgtEl>
+                                          <p:spTgt spid="6"/>
+                                        </p:tgtEl>
+                                        <p:attrNameLst>
+                                          <p:attrName>style.visibility</p:attrName>
+                                        </p:attrNameLst>
+                                      </p:cBhvr>
+                                      <p:to>
+                                        <p:strVal val="visible"/>
+                                      </p:to>
+                                    </p:set>
+                                  </p:childTnLst>
+                                </p:cTn>
+                              </p:par>
+                            </p:childTnLst>
+                          </p:cTn>
+                        </p:par>
+                      </p:childTnLst>
+                    </p:cTn>
+                  </p:par>
+                </p:childTnLst>
+              </p:cTn>
+              <p:prevCondLst>
+                <p:cond evt="onPrev" delay="0">
+                  <p:tgtEl>
+                    <p:sldTgt/>
+                  </p:tgtEl>
+                </p:cond>
+              </p:prevCondLst>
+              <p:nextCondLst>
+                <p:cond evt="onNext" delay="0">
+                  <p:tgtEl>
+                    <p:sldTgt/>
+                  </p:tgtEl>
+                </p:cond>
+              </p:nextCondLst>
+            </p:seq>
+          </p:childTnLst>
+        </p:cTn>
       </p:par>
     </p:tnLst>
   </p:timing>
@@ -9562,8 +10326,8 @@
         </p:nvSpPr>
         <p:spPr>
           <a:xfrm>
-            <a:off x="1258529" y="1285086"/>
-            <a:ext cx="9674942" cy="518988"/>
+            <a:off x="1046398" y="1133912"/>
+            <a:ext cx="9674942" cy="742511"/>
           </a:xfrm>
           <a:prstGeom prst="rect">
             <a:avLst/>
@@ -9581,13 +10345,13 @@
               </a:lnSpc>
             </a:pPr>
             <a:r>
-              <a:rPr lang="fr-FR" sz="2100" dirty="0" smtClean="0">
+              <a:rPr lang="fr-FR" sz="3200" dirty="0" smtClean="0">
                 <a:latin typeface="Times New Roman" panose="02020603050405020304" pitchFamily="18" charset="0"/>
                 <a:cs typeface="Times New Roman" panose="02020603050405020304" pitchFamily="18" charset="0"/>
               </a:rPr>
               <a:t>Personnalisation du message d’erreur.</a:t>
             </a:r>
-            <a:endParaRPr lang="fr-FR" sz="1600" dirty="0">
+            <a:endParaRPr lang="fr-FR" sz="3200" dirty="0">
               <a:latin typeface="Times New Roman" panose="02020603050405020304" pitchFamily="18" charset="0"/>
               <a:cs typeface="Times New Roman" panose="02020603050405020304" pitchFamily="18" charset="0"/>
             </a:endParaRPr>
@@ -9877,8 +10641,8 @@
         </p:nvSpPr>
         <p:spPr>
           <a:xfrm>
-            <a:off x="1258529" y="1285086"/>
-            <a:ext cx="9674942" cy="518988"/>
+            <a:off x="1046398" y="1170785"/>
+            <a:ext cx="9674942" cy="742511"/>
           </a:xfrm>
           <a:prstGeom prst="rect">
             <a:avLst/>
@@ -9896,13 +10660,13 @@
               </a:lnSpc>
             </a:pPr>
             <a:r>
-              <a:rPr lang="fr-FR" sz="2100" dirty="0" smtClean="0">
+              <a:rPr lang="fr-FR" sz="3200" dirty="0" smtClean="0">
                 <a:latin typeface="Times New Roman" panose="02020603050405020304" pitchFamily="18" charset="0"/>
                 <a:cs typeface="Times New Roman" panose="02020603050405020304" pitchFamily="18" charset="0"/>
               </a:rPr>
               <a:t>Personnalisation du message d’erreur.</a:t>
             </a:r>
-            <a:endParaRPr lang="fr-FR" sz="1600" dirty="0">
+            <a:endParaRPr lang="fr-FR" sz="3200" dirty="0">
               <a:latin typeface="Times New Roman" panose="02020603050405020304" pitchFamily="18" charset="0"/>
               <a:cs typeface="Times New Roman" panose="02020603050405020304" pitchFamily="18" charset="0"/>
             </a:endParaRPr>
@@ -10240,8 +11004,8 @@
         </p:blipFill>
         <p:spPr>
           <a:xfrm>
-            <a:off x="-182880" y="1826323"/>
-            <a:ext cx="10698480" cy="4666552"/>
+            <a:off x="838200" y="1804074"/>
+            <a:ext cx="10515600" cy="4666552"/>
           </a:xfrm>
           <a:prstGeom prst="rect">
             <a:avLst/>
@@ -10555,7 +11319,7 @@
         </p:blipFill>
         <p:spPr>
           <a:xfrm>
-            <a:off x="320041" y="2086269"/>
+            <a:off x="2396814" y="2280781"/>
             <a:ext cx="6919912" cy="3628327"/>
           </a:xfrm>
           <a:prstGeom prst="rect">
@@ -10822,8 +11586,8 @@
         </p:nvSpPr>
         <p:spPr>
           <a:xfrm>
-            <a:off x="1258529" y="1285086"/>
-            <a:ext cx="9674942" cy="518988"/>
+            <a:off x="2517058" y="1291019"/>
+            <a:ext cx="9674942" cy="742511"/>
           </a:xfrm>
           <a:prstGeom prst="rect">
             <a:avLst/>
@@ -10841,13 +11605,13 @@
               </a:lnSpc>
             </a:pPr>
             <a:r>
-              <a:rPr lang="fr-FR" sz="2100" dirty="0" smtClean="0">
+              <a:rPr lang="fr-FR" sz="3200" dirty="0" smtClean="0">
                 <a:latin typeface="Times New Roman" panose="02020603050405020304" pitchFamily="18" charset="0"/>
                 <a:cs typeface="Times New Roman" panose="02020603050405020304" pitchFamily="18" charset="0"/>
               </a:rPr>
               <a:t>Voici ce que nous allons faire:</a:t>
             </a:r>
-            <a:endParaRPr lang="fr-FR" sz="1600" dirty="0">
+            <a:endParaRPr lang="fr-FR" sz="3200" dirty="0">
               <a:latin typeface="Times New Roman" panose="02020603050405020304" pitchFamily="18" charset="0"/>
               <a:cs typeface="Times New Roman" panose="02020603050405020304" pitchFamily="18" charset="0"/>
             </a:endParaRPr>
@@ -10870,7 +11634,7 @@
         </p:blipFill>
         <p:spPr>
           <a:xfrm>
-            <a:off x="571500" y="2086269"/>
+            <a:off x="3579589" y="2463459"/>
             <a:ext cx="5440680" cy="3262971"/>
           </a:xfrm>
           <a:prstGeom prst="rect">
@@ -13697,16 +14461,6 @@
               </a:rPr>
               <a:t>) en vue d’une utilisation spécifique.</a:t>
             </a:r>
-            <a:endParaRPr lang="fr-FR" sz="2400" dirty="0">
-              <a:ln w="0"/>
-              <a:effectLst>
-                <a:outerShdw blurRad="38100" dist="19050" dir="2700000" algn="tl" rotWithShape="0">
-                  <a:schemeClr val="dk1">
-                    <a:alpha val="40000"/>
-                  </a:schemeClr>
-                </a:outerShdw>
-              </a:effectLst>
-            </a:endParaRPr>
           </a:p>
         </p:txBody>
       </p:sp>
@@ -13992,7 +14746,83 @@
   <p:timing>
     <p:tnLst>
       <p:par>
-        <p:cTn id="1" dur="indefinite" restart="never" nodeType="tmRoot"/>
+        <p:cTn id="1" dur="indefinite" restart="never" nodeType="tmRoot">
+          <p:childTnLst>
+            <p:seq concurrent="1" nextAc="seek">
+              <p:cTn id="2" dur="indefinite" nodeType="mainSeq">
+                <p:childTnLst>
+                  <p:par>
+                    <p:cTn id="3" fill="hold">
+                      <p:stCondLst>
+                        <p:cond delay="indefinite"/>
+                      </p:stCondLst>
+                      <p:childTnLst>
+                        <p:par>
+                          <p:cTn id="4" fill="hold">
+                            <p:stCondLst>
+                              <p:cond delay="0"/>
+                            </p:stCondLst>
+                            <p:childTnLst>
+                              <p:par>
+                                <p:cTn id="5" presetID="22" presetClass="entr" presetSubtype="4" fill="hold" nodeType="clickEffect">
+                                  <p:stCondLst>
+                                    <p:cond delay="0"/>
+                                  </p:stCondLst>
+                                  <p:childTnLst>
+                                    <p:set>
+                                      <p:cBhvr>
+                                        <p:cTn id="6" dur="1" fill="hold">
+                                          <p:stCondLst>
+                                            <p:cond delay="0"/>
+                                          </p:stCondLst>
+                                        </p:cTn>
+                                        <p:tgtEl>
+                                          <p:spTgt spid="10"/>
+                                        </p:tgtEl>
+                                        <p:attrNameLst>
+                                          <p:attrName>style.visibility</p:attrName>
+                                        </p:attrNameLst>
+                                      </p:cBhvr>
+                                      <p:to>
+                                        <p:strVal val="visible"/>
+                                      </p:to>
+                                    </p:set>
+                                    <p:animEffect transition="in" filter="wipe(down)">
+                                      <p:cBhvr>
+                                        <p:cTn id="7" dur="500"/>
+                                        <p:tgtEl>
+                                          <p:spTgt spid="10"/>
+                                        </p:tgtEl>
+                                      </p:cBhvr>
+                                    </p:animEffect>
+                                  </p:childTnLst>
+                                </p:cTn>
+                              </p:par>
+                            </p:childTnLst>
+                          </p:cTn>
+                        </p:par>
+                      </p:childTnLst>
+                    </p:cTn>
+                  </p:par>
+                </p:childTnLst>
+              </p:cTn>
+              <p:prevCondLst>
+                <p:cond evt="onPrev" delay="0">
+                  <p:tgtEl>
+                    <p:sldTgt/>
+                  </p:tgtEl>
+                </p:cond>
+              </p:prevCondLst>
+              <p:nextCondLst>
+                <p:cond evt="onNext" delay="0">
+                  <p:tgtEl>
+                    <p:sldTgt/>
+                  </p:tgtEl>
+                </p:cond>
+              </p:nextCondLst>
+            </p:seq>
+          </p:childTnLst>
+        </p:cTn>
       </p:par>
     </p:tnLst>
   </p:timing>
@@ -14261,7 +15091,83 @@
   <p:timing>
     <p:tnLst>
       <p:par>
-        <p:cTn id="1" dur="indefinite" restart="never" nodeType="tmRoot"/>
+        <p:cTn id="1" dur="indefinite" restart="never" nodeType="tmRoot">
+          <p:childTnLst>
+            <p:seq concurrent="1" nextAc="seek">
+              <p:cTn id="2" dur="indefinite" nodeType="mainSeq">
+                <p:childTnLst>
+                  <p:par>
+                    <p:cTn id="3" fill="hold">
+                      <p:stCondLst>
+                        <p:cond delay="indefinite"/>
+                      </p:stCondLst>
+                      <p:childTnLst>
+                        <p:par>
+                          <p:cTn id="4" fill="hold">
+                            <p:stCondLst>
+                              <p:cond delay="0"/>
+                            </p:stCondLst>
+                            <p:childTnLst>
+                              <p:par>
+                                <p:cTn id="5" presetID="16" presetClass="entr" presetSubtype="21" fill="hold" nodeType="clickEffect">
+                                  <p:stCondLst>
+                                    <p:cond delay="0"/>
+                                  </p:stCondLst>
+                                  <p:childTnLst>
+                                    <p:set>
+                                      <p:cBhvr>
+                                        <p:cTn id="6" dur="1" fill="hold">
+                                          <p:stCondLst>
+                                            <p:cond delay="0"/>
+                                          </p:stCondLst>
+                                        </p:cTn>
+                                        <p:tgtEl>
+                                          <p:spTgt spid="2"/>
+                                        </p:tgtEl>
+                                        <p:attrNameLst>
+                                          <p:attrName>style.visibility</p:attrName>
+                                        </p:attrNameLst>
+                                      </p:cBhvr>
+                                      <p:to>
+                                        <p:strVal val="visible"/>
+                                      </p:to>
+                                    </p:set>
+                                    <p:animEffect transition="in" filter="barn(inVertical)">
+                                      <p:cBhvr>
+                                        <p:cTn id="7" dur="500"/>
+                                        <p:tgtEl>
+                                          <p:spTgt spid="2"/>
+                                        </p:tgtEl>
+                                      </p:cBhvr>
+                                    </p:animEffect>
+                                  </p:childTnLst>
+                                </p:cTn>
+                              </p:par>
+                            </p:childTnLst>
+                          </p:cTn>
+                        </p:par>
+                      </p:childTnLst>
+                    </p:cTn>
+                  </p:par>
+                </p:childTnLst>
+              </p:cTn>
+              <p:prevCondLst>
+                <p:cond evt="onPrev" delay="0">
+                  <p:tgtEl>
+                    <p:sldTgt/>
+                  </p:tgtEl>
+                </p:cond>
+              </p:prevCondLst>
+              <p:nextCondLst>
+                <p:cond evt="onNext" delay="0">
+                  <p:tgtEl>
+                    <p:sldTgt/>
+                  </p:tgtEl>
+                </p:cond>
+              </p:nextCondLst>
+            </p:seq>
+          </p:childTnLst>
+        </p:cTn>
       </p:par>
     </p:tnLst>
   </p:timing>
@@ -14530,7 +15436,83 @@
   <p:timing>
     <p:tnLst>
       <p:par>
-        <p:cTn id="1" dur="indefinite" restart="never" nodeType="tmRoot"/>
+        <p:cTn id="1" dur="indefinite" restart="never" nodeType="tmRoot">
+          <p:childTnLst>
+            <p:seq concurrent="1" nextAc="seek">
+              <p:cTn id="2" dur="indefinite" nodeType="mainSeq">
+                <p:childTnLst>
+                  <p:par>
+                    <p:cTn id="3" fill="hold">
+                      <p:stCondLst>
+                        <p:cond delay="indefinite"/>
+                      </p:stCondLst>
+                      <p:childTnLst>
+                        <p:par>
+                          <p:cTn id="4" fill="hold">
+                            <p:stCondLst>
+                              <p:cond delay="0"/>
+                            </p:stCondLst>
+                            <p:childTnLst>
+                              <p:par>
+                                <p:cTn id="5" presetID="21" presetClass="entr" presetSubtype="1" fill="hold" nodeType="clickEffect">
+                                  <p:stCondLst>
+                                    <p:cond delay="0"/>
+                                  </p:stCondLst>
+                                  <p:childTnLst>
+                                    <p:set>
+                                      <p:cBhvr>
+                                        <p:cTn id="6" dur="1" fill="hold">
+                                          <p:stCondLst>
+                                            <p:cond delay="0"/>
+                                          </p:stCondLst>
+                                        </p:cTn>
+                                        <p:tgtEl>
+                                          <p:spTgt spid="5"/>
+                                        </p:tgtEl>
+                                        <p:attrNameLst>
+                                          <p:attrName>style.visibility</p:attrName>
+                                        </p:attrNameLst>
+                                      </p:cBhvr>
+                                      <p:to>
+                                        <p:strVal val="visible"/>
+                                      </p:to>
+                                    </p:set>
+                                    <p:animEffect transition="in" filter="wheel(1)">
+                                      <p:cBhvr>
+                                        <p:cTn id="7" dur="2000"/>
+                                        <p:tgtEl>
+                                          <p:spTgt spid="5"/>
+                                        </p:tgtEl>
+                                      </p:cBhvr>
+                                    </p:animEffect>
+                                  </p:childTnLst>
+                                </p:cTn>
+                              </p:par>
+                            </p:childTnLst>
+                          </p:cTn>
+                        </p:par>
+                      </p:childTnLst>
+                    </p:cTn>
+                  </p:par>
+                </p:childTnLst>
+              </p:cTn>
+              <p:prevCondLst>
+                <p:cond evt="onPrev" delay="0">
+                  <p:tgtEl>
+                    <p:sldTgt/>
+                  </p:tgtEl>
+                </p:cond>
+              </p:prevCondLst>
+              <p:nextCondLst>
+                <p:cond evt="onNext" delay="0">
+                  <p:tgtEl>
+                    <p:sldTgt/>
+                  </p:tgtEl>
+                </p:cond>
+              </p:nextCondLst>
+            </p:seq>
+          </p:childTnLst>
+        </p:cTn>
       </p:par>
     </p:tnLst>
   </p:timing>
@@ -14771,7 +15753,7 @@
         <p:spPr>
           <a:xfrm>
             <a:off x="231486" y="2254401"/>
-            <a:ext cx="10588914" cy="830997"/>
+            <a:ext cx="10588914" cy="1077218"/>
           </a:xfrm>
           <a:prstGeom prst="rect">
             <a:avLst/>
@@ -14785,7 +15767,7 @@
           <a:lstStyle/>
           <a:p>
             <a:r>
-              <a:rPr lang="fr-FR" sz="2400" b="0" cap="none" spc="0" dirty="0" smtClean="0">
+              <a:rPr lang="fr-FR" sz="3200" b="0" cap="none" spc="0" dirty="0" smtClean="0">
                 <a:ln w="0"/>
                 <a:solidFill>
                   <a:schemeClr val="tx1"/>
@@ -14798,41 +15780,9 @@
                   </a:outerShdw>
                 </a:effectLst>
               </a:rPr>
-              <a:t>Dans cette partie, nous verrons comment </a:t>
-            </a:r>
-            <a:r>
-              <a:rPr lang="fr-FR" sz="2400" b="0" cap="none" spc="0" dirty="0" smtClean="0">
-                <a:ln w="0"/>
-                <a:solidFill>
-                  <a:schemeClr val="tx1"/>
-                </a:solidFill>
-                <a:effectLst>
-                  <a:outerShdw blurRad="38100" dist="19050" dir="2700000" algn="tl" rotWithShape="0">
-                    <a:schemeClr val="dk1">
-                      <a:alpha val="40000"/>
-                    </a:schemeClr>
-                  </a:outerShdw>
-                </a:effectLst>
-              </a:rPr>
-              <a:t>sélectionner </a:t>
-            </a:r>
-            <a:r>
-              <a:rPr lang="fr-FR" sz="2400" b="0" cap="none" spc="0" dirty="0" smtClean="0">
-                <a:ln w="0"/>
-                <a:solidFill>
-                  <a:schemeClr val="tx1"/>
-                </a:solidFill>
-                <a:effectLst>
-                  <a:outerShdw blurRad="38100" dist="19050" dir="2700000" algn="tl" rotWithShape="0">
-                    <a:schemeClr val="dk1">
-                      <a:alpha val="40000"/>
-                    </a:schemeClr>
-                  </a:outerShdw>
-                </a:effectLst>
-              </a:rPr>
-              <a:t>des objets de votre zone de travail (colonnes, cellules, lignes).</a:t>
-            </a:r>
-            <a:endParaRPr lang="fr-FR" sz="2400" b="0" cap="none" spc="0" dirty="0">
+              <a:t>Dans cette partie, nous verrons comment sélectionner des objets de votre zone de travail (colonnes, cellules, lignes).</a:t>
+            </a:r>
+            <a:endParaRPr lang="fr-FR" sz="3200" b="0" cap="none" spc="0" dirty="0">
               <a:ln w="0"/>
               <a:solidFill>
                 <a:schemeClr val="tx1"/>
@@ -14856,8 +15806,8 @@
         </p:nvSpPr>
         <p:spPr>
           <a:xfrm>
-            <a:off x="231486" y="4741073"/>
-            <a:ext cx="9332170" cy="461665"/>
+            <a:off x="231485" y="4709177"/>
+            <a:ext cx="10926837" cy="1077218"/>
           </a:xfrm>
           <a:prstGeom prst="rect">
             <a:avLst/>
@@ -14865,14 +15815,14 @@
           <a:noFill/>
         </p:spPr>
         <p:txBody>
-          <a:bodyPr wrap="none" lIns="91440" tIns="45720" rIns="91440" bIns="45720">
+          <a:bodyPr wrap="square" lIns="91440" tIns="45720" rIns="91440" bIns="45720">
             <a:spAutoFit/>
           </a:bodyPr>
           <a:lstStyle/>
           <a:p>
             <a:pPr algn="ctr"/>
             <a:r>
-              <a:rPr lang="fr-FR" sz="2400" b="0" cap="none" spc="0" dirty="0" smtClean="0">
+              <a:rPr lang="fr-FR" sz="3200" b="0" cap="none" spc="0" dirty="0" smtClean="0">
                 <a:ln w="0"/>
                 <a:solidFill>
                   <a:schemeClr val="tx1"/>
@@ -14887,7 +15837,7 @@
               </a:rPr>
               <a:t>Comment saisir des données, choisir leur format, mettre de la couleur …?</a:t>
             </a:r>
-            <a:endParaRPr lang="fr-FR" sz="2400" b="0" cap="none" spc="0" dirty="0">
+            <a:endParaRPr lang="fr-FR" sz="3200" b="0" cap="none" spc="0" dirty="0">
               <a:ln w="0"/>
               <a:solidFill>
                 <a:schemeClr val="tx1"/>
@@ -14916,9 +15866,126 @@
   <p:timing>
     <p:tnLst>
       <p:par>
-        <p:cTn id="1" dur="indefinite" restart="never" nodeType="tmRoot"/>
+        <p:cTn id="1" dur="indefinite" restart="never" nodeType="tmRoot">
+          <p:childTnLst>
+            <p:seq concurrent="1" nextAc="seek">
+              <p:cTn id="2" dur="indefinite" nodeType="mainSeq">
+                <p:childTnLst>
+                  <p:par>
+                    <p:cTn id="3" fill="hold">
+                      <p:stCondLst>
+                        <p:cond delay="indefinite"/>
+                      </p:stCondLst>
+                      <p:childTnLst>
+                        <p:par>
+                          <p:cTn id="4" fill="hold">
+                            <p:stCondLst>
+                              <p:cond delay="0"/>
+                            </p:stCondLst>
+                            <p:childTnLst>
+                              <p:par>
+                                <p:cTn id="5" presetID="1" presetClass="entr" presetSubtype="0" fill="hold" grpId="0" nodeType="clickEffect">
+                                  <p:stCondLst>
+                                    <p:cond delay="0"/>
+                                  </p:stCondLst>
+                                  <p:childTnLst>
+                                    <p:set>
+                                      <p:cBhvr>
+                                        <p:cTn id="6" dur="1" fill="hold">
+                                          <p:stCondLst>
+                                            <p:cond delay="0"/>
+                                          </p:stCondLst>
+                                        </p:cTn>
+                                        <p:tgtEl>
+                                          <p:spTgt spid="9"/>
+                                        </p:tgtEl>
+                                        <p:attrNameLst>
+                                          <p:attrName>style.visibility</p:attrName>
+                                        </p:attrNameLst>
+                                      </p:cBhvr>
+                                      <p:to>
+                                        <p:strVal val="visible"/>
+                                      </p:to>
+                                    </p:set>
+                                  </p:childTnLst>
+                                </p:cTn>
+                              </p:par>
+                            </p:childTnLst>
+                          </p:cTn>
+                        </p:par>
+                      </p:childTnLst>
+                    </p:cTn>
+                  </p:par>
+                  <p:par>
+                    <p:cTn id="7" fill="hold">
+                      <p:stCondLst>
+                        <p:cond delay="indefinite"/>
+                      </p:stCondLst>
+                      <p:childTnLst>
+                        <p:par>
+                          <p:cTn id="8" fill="hold">
+                            <p:stCondLst>
+                              <p:cond delay="0"/>
+                            </p:stCondLst>
+                            <p:childTnLst>
+                              <p:par>
+                                <p:cTn id="9" presetID="1" presetClass="entr" presetSubtype="0" fill="hold" grpId="0" nodeType="clickEffect">
+                                  <p:stCondLst>
+                                    <p:cond delay="0"/>
+                                  </p:stCondLst>
+                                  <p:childTnLst>
+                                    <p:set>
+                                      <p:cBhvr>
+                                        <p:cTn id="10" dur="1" fill="hold">
+                                          <p:stCondLst>
+                                            <p:cond delay="0"/>
+                                          </p:stCondLst>
+                                        </p:cTn>
+                                        <p:tgtEl>
+                                          <p:spTgt spid="10"/>
+                                        </p:tgtEl>
+                                        <p:attrNameLst>
+                                          <p:attrName>style.visibility</p:attrName>
+                                        </p:attrNameLst>
+                                      </p:cBhvr>
+                                      <p:to>
+                                        <p:strVal val="visible"/>
+                                      </p:to>
+                                    </p:set>
+                                  </p:childTnLst>
+                                </p:cTn>
+                              </p:par>
+                            </p:childTnLst>
+                          </p:cTn>
+                        </p:par>
+                      </p:childTnLst>
+                    </p:cTn>
+                  </p:par>
+                </p:childTnLst>
+              </p:cTn>
+              <p:prevCondLst>
+                <p:cond evt="onPrev" delay="0">
+                  <p:tgtEl>
+                    <p:sldTgt/>
+                  </p:tgtEl>
+                </p:cond>
+              </p:prevCondLst>
+              <p:nextCondLst>
+                <p:cond evt="onNext" delay="0">
+                  <p:tgtEl>
+                    <p:sldTgt/>
+                  </p:tgtEl>
+                </p:cond>
+              </p:nextCondLst>
+            </p:seq>
+          </p:childTnLst>
+        </p:cTn>
       </p:par>
     </p:tnLst>
+    <p:bldLst>
+      <p:bldP spid="9" grpId="0"/>
+      <p:bldP spid="10" grpId="0"/>
+    </p:bldLst>
   </p:timing>
 </p:sld>
 </file>
@@ -15156,8 +16223,8 @@
         </p:nvSpPr>
         <p:spPr>
           <a:xfrm>
-            <a:off x="594360" y="1698300"/>
-            <a:ext cx="10342845" cy="1200329"/>
+            <a:off x="163340" y="1470134"/>
+            <a:ext cx="10835640" cy="1446550"/>
           </a:xfrm>
           <a:prstGeom prst="rect">
             <a:avLst/>
@@ -15171,7 +16238,7 @@
           <a:lstStyle/>
           <a:p>
             <a:r>
-              <a:rPr lang="fr-FR" sz="2400" b="0" cap="none" spc="0" dirty="0" smtClean="0">
+              <a:rPr lang="fr-FR" sz="3200" b="0" cap="none" spc="0" dirty="0" smtClean="0">
                 <a:ln w="0"/>
                 <a:solidFill>
                   <a:schemeClr val="tx1"/>
@@ -15184,39 +16251,7 @@
                   </a:outerShdw>
                 </a:effectLst>
               </a:rPr>
-              <a:t>Pour sélectionner une cellule ( et attention, je dis bien une seule), </a:t>
-            </a:r>
-            <a:r>
-              <a:rPr lang="fr-FR" sz="2400" b="0" cap="none" spc="0" dirty="0" smtClean="0">
-                <a:ln w="0"/>
-                <a:solidFill>
-                  <a:schemeClr val="tx1"/>
-                </a:solidFill>
-                <a:effectLst>
-                  <a:outerShdw blurRad="38100" dist="19050" dir="2700000" algn="tl" rotWithShape="0">
-                    <a:schemeClr val="dk1">
-                      <a:alpha val="40000"/>
-                    </a:schemeClr>
-                  </a:outerShdw>
-                </a:effectLst>
-              </a:rPr>
-              <a:t> il </a:t>
-            </a:r>
-            <a:r>
-              <a:rPr lang="fr-FR" sz="2400" b="0" cap="none" spc="0" dirty="0" smtClean="0">
-                <a:ln w="0"/>
-                <a:solidFill>
-                  <a:schemeClr val="tx1"/>
-                </a:solidFill>
-                <a:effectLst>
-                  <a:outerShdw blurRad="38100" dist="19050" dir="2700000" algn="tl" rotWithShape="0">
-                    <a:schemeClr val="dk1">
-                      <a:alpha val="40000"/>
-                    </a:schemeClr>
-                  </a:outerShdw>
-                </a:effectLst>
-              </a:rPr>
-              <a:t>faut cliquer sur celle-ci.</a:t>
+              <a:t>Pour sélectionner une cellule ( et attention, je dis bien une seule),  il faut cliquer sur celle-ci.</a:t>
             </a:r>
           </a:p>
           <a:p>
@@ -15244,8 +16279,8 @@
         </p:nvSpPr>
         <p:spPr>
           <a:xfrm>
-            <a:off x="1" y="3064477"/>
-            <a:ext cx="11430000" cy="1569660"/>
+            <a:off x="163340" y="4069488"/>
+            <a:ext cx="11430000" cy="2554545"/>
           </a:xfrm>
           <a:prstGeom prst="rect">
             <a:avLst/>
@@ -15259,7 +16294,7 @@
           <a:lstStyle/>
           <a:p>
             <a:r>
-              <a:rPr lang="fr-FR" sz="2400" b="0" cap="none" spc="0" dirty="0" smtClean="0">
+              <a:rPr lang="fr-FR" sz="3200" b="0" cap="none" spc="0" dirty="0" smtClean="0">
                 <a:ln w="0"/>
                 <a:solidFill>
                   <a:schemeClr val="tx1"/>
@@ -15272,44 +16307,12 @@
                   </a:outerShdw>
                 </a:effectLst>
               </a:rPr>
-              <a:t>Pour sélectionner un bloc de cellules, </a:t>
-            </a:r>
-            <a:r>
-              <a:rPr lang="fr-FR" sz="2400" b="0" cap="none" spc="0" dirty="0" smtClean="0">
-                <a:ln w="0"/>
-                <a:solidFill>
-                  <a:schemeClr val="tx1"/>
-                </a:solidFill>
-                <a:effectLst>
-                  <a:outerShdw blurRad="38100" dist="19050" dir="2700000" algn="tl" rotWithShape="0">
-                    <a:schemeClr val="dk1">
-                      <a:alpha val="40000"/>
-                    </a:schemeClr>
-                  </a:outerShdw>
-                </a:effectLst>
-              </a:rPr>
-              <a:t>maintenez </a:t>
-            </a:r>
-            <a:r>
-              <a:rPr lang="fr-FR" sz="2400" b="0" cap="none" spc="0" dirty="0" smtClean="0">
-                <a:ln w="0"/>
-                <a:solidFill>
-                  <a:schemeClr val="tx1"/>
-                </a:solidFill>
-                <a:effectLst>
-                  <a:outerShdw blurRad="38100" dist="19050" dir="2700000" algn="tl" rotWithShape="0">
-                    <a:schemeClr val="dk1">
-                      <a:alpha val="40000"/>
-                    </a:schemeClr>
-                  </a:outerShdw>
-                </a:effectLst>
-              </a:rPr>
-              <a:t>le bouton gauche de la souris enfoncé</a:t>
-            </a:r>
-          </a:p>
-          <a:p>
-            <a:r>
-              <a:rPr lang="fr-FR" sz="2400" dirty="0" smtClean="0">
+              <a:t>Pour sélectionner un bloc de cellules, maintenez le bouton gauche de la souris enfoncé</a:t>
+            </a:r>
+          </a:p>
+          <a:p>
+            <a:r>
+              <a:rPr lang="fr-FR" sz="3200" dirty="0">
                 <a:ln w="0"/>
                 <a:effectLst>
                   <a:outerShdw blurRad="38100" dist="19050" dir="2700000" algn="tl" rotWithShape="0">
@@ -15319,12 +16322,38 @@
                   </a:outerShdw>
                 </a:effectLst>
               </a:rPr>
-              <a:t>Et glissez dans la zone de travail pour définir un bloc. Relâchez le bouton lorsque vous avez terminé.</a:t>
-            </a:r>
-          </a:p>
-          <a:p>
-            <a:r>
-              <a:rPr lang="fr-FR" sz="2400" b="0" cap="none" spc="0" dirty="0" smtClean="0">
+              <a:t>e</a:t>
+            </a:r>
+            <a:r>
+              <a:rPr lang="fr-FR" sz="3200" dirty="0" smtClean="0">
+                <a:ln w="0"/>
+                <a:effectLst>
+                  <a:outerShdw blurRad="38100" dist="19050" dir="2700000" algn="tl" rotWithShape="0">
+                    <a:schemeClr val="dk1">
+                      <a:alpha val="40000"/>
+                    </a:schemeClr>
+                  </a:outerShdw>
+                </a:effectLst>
+              </a:rPr>
+              <a:t>t </a:t>
+            </a:r>
+            <a:r>
+              <a:rPr lang="fr-FR" sz="3200" dirty="0" smtClean="0">
+                <a:ln w="0"/>
+                <a:effectLst>
+                  <a:outerShdw blurRad="38100" dist="19050" dir="2700000" algn="tl" rotWithShape="0">
+                    <a:schemeClr val="dk1">
+                      <a:alpha val="40000"/>
+                    </a:schemeClr>
+                  </a:outerShdw>
+                </a:effectLst>
+              </a:rPr>
+              <a:t>glissez dans la zone de travail pour définir un bloc. Relâchez le bouton lorsque vous avez terminé.</a:t>
+            </a:r>
+          </a:p>
+          <a:p>
+            <a:r>
+              <a:rPr lang="fr-FR" sz="3200" b="0" cap="none" spc="0" dirty="0" smtClean="0">
                 <a:ln w="0"/>
                 <a:solidFill>
                   <a:schemeClr val="tx1"/>
@@ -15339,7 +16368,7 @@
               </a:rPr>
               <a:t>Autres sélections: sur la feuille de travail </a:t>
             </a:r>
-            <a:endParaRPr lang="fr-FR" sz="2400" b="0" cap="none" spc="0" dirty="0">
+            <a:endParaRPr lang="fr-FR" sz="3200" b="0" cap="none" spc="0" dirty="0">
               <a:ln w="0"/>
               <a:solidFill>
                 <a:schemeClr val="tx1"/>
@@ -15368,9 +16397,129 @@
   <p:timing>
     <p:tnLst>
       <p:par>
-        <p:cTn id="1" dur="indefinite" restart="never" nodeType="tmRoot"/>
+        <p:cTn id="1" dur="indefinite" restart="never" nodeType="tmRoot">
+          <p:childTnLst>
+            <p:seq concurrent="1" nextAc="seek">
+              <p:cTn id="2" dur="indefinite" nodeType="mainSeq">
+                <p:childTnLst>
+                  <p:par>
+                    <p:cTn id="3" fill="hold">
+                      <p:stCondLst>
+                        <p:cond delay="indefinite"/>
+                      </p:stCondLst>
+                      <p:childTnLst>
+                        <p:par>
+                          <p:cTn id="4" fill="hold">
+                            <p:stCondLst>
+                              <p:cond delay="0"/>
+                            </p:stCondLst>
+                            <p:childTnLst>
+                              <p:par>
+                                <p:cTn id="5" presetID="1" presetClass="entr" presetSubtype="0" fill="hold" nodeType="clickEffect">
+                                  <p:stCondLst>
+                                    <p:cond delay="0"/>
+                                  </p:stCondLst>
+                                  <p:childTnLst>
+                                    <p:set>
+                                      <p:cBhvr>
+                                        <p:cTn id="6" dur="1" fill="hold">
+                                          <p:stCondLst>
+                                            <p:cond delay="0"/>
+                                          </p:stCondLst>
+                                        </p:cTn>
+                                        <p:tgtEl>
+                                          <p:spTgt spid="9">
+                                            <p:txEl>
+                                              <p:pRg st="0" end="0"/>
+                                            </p:txEl>
+                                          </p:spTgt>
+                                        </p:tgtEl>
+                                        <p:attrNameLst>
+                                          <p:attrName>style.visibility</p:attrName>
+                                        </p:attrNameLst>
+                                      </p:cBhvr>
+                                      <p:to>
+                                        <p:strVal val="visible"/>
+                                      </p:to>
+                                    </p:set>
+                                  </p:childTnLst>
+                                </p:cTn>
+                              </p:par>
+                            </p:childTnLst>
+                          </p:cTn>
+                        </p:par>
+                      </p:childTnLst>
+                    </p:cTn>
+                  </p:par>
+                  <p:par>
+                    <p:cTn id="7" fill="hold">
+                      <p:stCondLst>
+                        <p:cond delay="indefinite"/>
+                      </p:stCondLst>
+                      <p:childTnLst>
+                        <p:par>
+                          <p:cTn id="8" fill="hold">
+                            <p:stCondLst>
+                              <p:cond delay="0"/>
+                            </p:stCondLst>
+                            <p:childTnLst>
+                              <p:par>
+                                <p:cTn id="9" presetID="1" presetClass="entr" presetSubtype="0" fill="hold" grpId="0" nodeType="clickEffect">
+                                  <p:stCondLst>
+                                    <p:cond delay="0"/>
+                                  </p:stCondLst>
+                                  <p:childTnLst>
+                                    <p:set>
+                                      <p:cBhvr>
+                                        <p:cTn id="10" dur="1" fill="hold">
+                                          <p:stCondLst>
+                                            <p:cond delay="0"/>
+                                          </p:stCondLst>
+                                        </p:cTn>
+                                        <p:tgtEl>
+                                          <p:spTgt spid="10"/>
+                                        </p:tgtEl>
+                                        <p:attrNameLst>
+                                          <p:attrName>style.visibility</p:attrName>
+                                        </p:attrNameLst>
+                                      </p:cBhvr>
+                                      <p:to>
+                                        <p:strVal val="visible"/>
+                                      </p:to>
+                                    </p:set>
+                                  </p:childTnLst>
+                                </p:cTn>
+                              </p:par>
+                            </p:childTnLst>
+                          </p:cTn>
+                        </p:par>
+                      </p:childTnLst>
+                    </p:cTn>
+                  </p:par>
+                </p:childTnLst>
+              </p:cTn>
+              <p:prevCondLst>
+                <p:cond evt="onPrev" delay="0">
+                  <p:tgtEl>
+                    <p:sldTgt/>
+                  </p:tgtEl>
+                </p:cond>
+              </p:prevCondLst>
+              <p:nextCondLst>
+                <p:cond evt="onNext" delay="0">
+                  <p:tgtEl>
+                    <p:sldTgt/>
+                  </p:tgtEl>
+                </p:cond>
+              </p:nextCondLst>
+            </p:seq>
+          </p:childTnLst>
+        </p:cTn>
       </p:par>
     </p:tnLst>
+    <p:bldLst>
+      <p:bldP spid="10" grpId="0"/>
+    </p:bldLst>
   </p:timing>
 </p:sld>
 </file>

--- a/Cours/IFDC_1.pptx
+++ b/Cours/IFDC_1.pptx
@@ -5,7 +5,7 @@
     <p:sldMasterId id="2147483648" r:id="rId1"/>
   </p:sldMasterIdLst>
   <p:notesMasterIdLst>
-    <p:notesMasterId r:id="rId33"/>
+    <p:notesMasterId r:id="rId30"/>
   </p:notesMasterIdLst>
   <p:sldIdLst>
     <p:sldId id="285" r:id="rId2"/>
@@ -24,21 +24,18 @@
     <p:sldId id="348" r:id="rId15"/>
     <p:sldId id="320" r:id="rId16"/>
     <p:sldId id="297" r:id="rId17"/>
-    <p:sldId id="298" r:id="rId18"/>
-    <p:sldId id="326" r:id="rId19"/>
-    <p:sldId id="349" r:id="rId20"/>
-    <p:sldId id="350" r:id="rId21"/>
-    <p:sldId id="351" r:id="rId22"/>
-    <p:sldId id="352" r:id="rId23"/>
-    <p:sldId id="353" r:id="rId24"/>
-    <p:sldId id="354" r:id="rId25"/>
-    <p:sldId id="355" r:id="rId26"/>
-    <p:sldId id="356" r:id="rId27"/>
-    <p:sldId id="357" r:id="rId28"/>
-    <p:sldId id="358" r:id="rId29"/>
-    <p:sldId id="359" r:id="rId30"/>
-    <p:sldId id="335" r:id="rId31"/>
-    <p:sldId id="316" r:id="rId32"/>
+    <p:sldId id="350" r:id="rId18"/>
+    <p:sldId id="351" r:id="rId19"/>
+    <p:sldId id="352" r:id="rId20"/>
+    <p:sldId id="353" r:id="rId21"/>
+    <p:sldId id="354" r:id="rId22"/>
+    <p:sldId id="355" r:id="rId23"/>
+    <p:sldId id="356" r:id="rId24"/>
+    <p:sldId id="357" r:id="rId25"/>
+    <p:sldId id="358" r:id="rId26"/>
+    <p:sldId id="359" r:id="rId27"/>
+    <p:sldId id="335" r:id="rId28"/>
+    <p:sldId id="316" r:id="rId29"/>
   </p:sldIdLst>
   <p:sldSz cx="12192000" cy="6858000"/>
   <p:notesSz cx="6858000" cy="9144000"/>
@@ -239,7 +236,7 @@
           <a:p>
             <a:fld id="{4D4C40A0-6BBE-4DBE-B061-D31F9ACB94AF}" type="datetimeFigureOut">
               <a:rPr lang="fr-FR" smtClean="0"/>
-              <a:t>29/06/2021</a:t>
+              <a:t>30/06/2021</a:t>
             </a:fld>
             <a:endParaRPr lang="fr-FR"/>
           </a:p>
@@ -940,7 +937,7 @@
           <a:p>
             <a:fld id="{BE1F1DDC-4961-4DFF-8961-DF0A67287833}" type="datetimeFigureOut">
               <a:rPr lang="fr-FR" smtClean="0"/>
-              <a:t>29/06/2021</a:t>
+              <a:t>30/06/2021</a:t>
             </a:fld>
             <a:endParaRPr lang="fr-FR"/>
           </a:p>
@@ -1138,7 +1135,7 @@
           <a:p>
             <a:fld id="{BE1F1DDC-4961-4DFF-8961-DF0A67287833}" type="datetimeFigureOut">
               <a:rPr lang="fr-FR" smtClean="0"/>
-              <a:t>29/06/2021</a:t>
+              <a:t>30/06/2021</a:t>
             </a:fld>
             <a:endParaRPr lang="fr-FR"/>
           </a:p>
@@ -1346,7 +1343,7 @@
           <a:p>
             <a:fld id="{BE1F1DDC-4961-4DFF-8961-DF0A67287833}" type="datetimeFigureOut">
               <a:rPr lang="fr-FR" smtClean="0"/>
-              <a:t>29/06/2021</a:t>
+              <a:t>30/06/2021</a:t>
             </a:fld>
             <a:endParaRPr lang="fr-FR"/>
           </a:p>
@@ -1544,7 +1541,7 @@
           <a:p>
             <a:fld id="{BE1F1DDC-4961-4DFF-8961-DF0A67287833}" type="datetimeFigureOut">
               <a:rPr lang="fr-FR" smtClean="0"/>
-              <a:t>29/06/2021</a:t>
+              <a:t>30/06/2021</a:t>
             </a:fld>
             <a:endParaRPr lang="fr-FR"/>
           </a:p>
@@ -1819,7 +1816,7 @@
           <a:p>
             <a:fld id="{BE1F1DDC-4961-4DFF-8961-DF0A67287833}" type="datetimeFigureOut">
               <a:rPr lang="fr-FR" smtClean="0"/>
-              <a:t>29/06/2021</a:t>
+              <a:t>30/06/2021</a:t>
             </a:fld>
             <a:endParaRPr lang="fr-FR"/>
           </a:p>
@@ -2084,7 +2081,7 @@
           <a:p>
             <a:fld id="{BE1F1DDC-4961-4DFF-8961-DF0A67287833}" type="datetimeFigureOut">
               <a:rPr lang="fr-FR" smtClean="0"/>
-              <a:t>29/06/2021</a:t>
+              <a:t>30/06/2021</a:t>
             </a:fld>
             <a:endParaRPr lang="fr-FR"/>
           </a:p>
@@ -2496,7 +2493,7 @@
           <a:p>
             <a:fld id="{BE1F1DDC-4961-4DFF-8961-DF0A67287833}" type="datetimeFigureOut">
               <a:rPr lang="fr-FR" smtClean="0"/>
-              <a:t>29/06/2021</a:t>
+              <a:t>30/06/2021</a:t>
             </a:fld>
             <a:endParaRPr lang="fr-FR"/>
           </a:p>
@@ -2637,7 +2634,7 @@
           <a:p>
             <a:fld id="{BE1F1DDC-4961-4DFF-8961-DF0A67287833}" type="datetimeFigureOut">
               <a:rPr lang="fr-FR" smtClean="0"/>
-              <a:t>29/06/2021</a:t>
+              <a:t>30/06/2021</a:t>
             </a:fld>
             <a:endParaRPr lang="fr-FR"/>
           </a:p>
@@ -2750,7 +2747,7 @@
           <a:p>
             <a:fld id="{BE1F1DDC-4961-4DFF-8961-DF0A67287833}" type="datetimeFigureOut">
               <a:rPr lang="fr-FR" smtClean="0"/>
-              <a:t>29/06/2021</a:t>
+              <a:t>30/06/2021</a:t>
             </a:fld>
             <a:endParaRPr lang="fr-FR"/>
           </a:p>
@@ -3061,7 +3058,7 @@
           <a:p>
             <a:fld id="{BE1F1DDC-4961-4DFF-8961-DF0A67287833}" type="datetimeFigureOut">
               <a:rPr lang="fr-FR" smtClean="0"/>
-              <a:t>29/06/2021</a:t>
+              <a:t>30/06/2021</a:t>
             </a:fld>
             <a:endParaRPr lang="fr-FR"/>
           </a:p>
@@ -3349,7 +3346,7 @@
           <a:p>
             <a:fld id="{BE1F1DDC-4961-4DFF-8961-DF0A67287833}" type="datetimeFigureOut">
               <a:rPr lang="fr-FR" smtClean="0"/>
-              <a:t>29/06/2021</a:t>
+              <a:t>30/06/2021</a:t>
             </a:fld>
             <a:endParaRPr lang="fr-FR"/>
           </a:p>
@@ -3618,7 +3615,7 @@
           <a:p>
             <a:fld id="{BE1F1DDC-4961-4DFF-8961-DF0A67287833}" type="datetimeFigureOut">
               <a:rPr lang="fr-FR" smtClean="0"/>
-              <a:t>29/06/2021</a:t>
+              <a:t>30/06/2021</a:t>
             </a:fld>
             <a:endParaRPr lang="fr-FR"/>
           </a:p>
@@ -4652,8 +4649,62 @@
                   </a:outerShdw>
                 </a:effectLst>
               </a:rPr>
-              <a:t>Saisissez </a:t>
-            </a:r>
+              <a:t>Saisissez des données numériques sur quelques cellules (cas pratique)</a:t>
+            </a:r>
+          </a:p>
+          <a:p>
+            <a:pPr algn="ctr"/>
+            <a:r>
+              <a:rPr lang="fr-FR" sz="2400" dirty="0">
+                <a:ln w="0"/>
+                <a:effectLst>
+                  <a:outerShdw blurRad="38100" dist="19050" dir="2700000" algn="tl" rotWithShape="0">
+                    <a:schemeClr val="dk1">
+                      <a:alpha val="40000"/>
+                    </a:schemeClr>
+                  </a:outerShdw>
+                </a:effectLst>
+              </a:rPr>
+              <a:t>.</a:t>
+            </a:r>
+            <a:endParaRPr lang="fr-FR" sz="2400" b="0" cap="none" spc="0" dirty="0">
+              <a:ln w="0"/>
+              <a:solidFill>
+                <a:schemeClr val="tx1"/>
+              </a:solidFill>
+              <a:effectLst>
+                <a:outerShdw blurRad="38100" dist="19050" dir="2700000" algn="tl" rotWithShape="0">
+                  <a:schemeClr val="dk1">
+                    <a:alpha val="40000"/>
+                  </a:schemeClr>
+                </a:outerShdw>
+              </a:effectLst>
+            </a:endParaRPr>
+          </a:p>
+        </p:txBody>
+      </p:sp>
+      <p:sp>
+        <p:nvSpPr>
+          <p:cNvPr id="10" name="Rectangle 9"/>
+          <p:cNvSpPr/>
+          <p:nvPr/>
+        </p:nvSpPr>
+        <p:spPr>
+          <a:xfrm>
+            <a:off x="109523" y="1933578"/>
+            <a:ext cx="11805314" cy="1077218"/>
+          </a:xfrm>
+          <a:prstGeom prst="rect">
+            <a:avLst/>
+          </a:prstGeom>
+          <a:noFill/>
+        </p:spPr>
+        <p:txBody>
+          <a:bodyPr wrap="square" lIns="91440" tIns="45720" rIns="91440" bIns="45720">
+            <a:spAutoFit/>
+          </a:bodyPr>
+          <a:lstStyle/>
+          <a:p>
             <a:r>
               <a:rPr lang="fr-FR" sz="3200" b="0" cap="none" spc="0" dirty="0" smtClean="0">
                 <a:ln w="0"/>
@@ -4668,173 +4719,7 @@
                   </a:outerShdw>
                 </a:effectLst>
               </a:rPr>
-              <a:t>des données numériques sur quelques cellules (cas pratique)</a:t>
-            </a:r>
-          </a:p>
-          <a:p>
-            <a:pPr algn="ctr"/>
-            <a:r>
-              <a:rPr lang="fr-FR" sz="2400" dirty="0">
-                <a:ln w="0"/>
-                <a:effectLst>
-                  <a:outerShdw blurRad="38100" dist="19050" dir="2700000" algn="tl" rotWithShape="0">
-                    <a:schemeClr val="dk1">
-                      <a:alpha val="40000"/>
-                    </a:schemeClr>
-                  </a:outerShdw>
-                </a:effectLst>
-              </a:rPr>
-              <a:t>.</a:t>
-            </a:r>
-            <a:endParaRPr lang="fr-FR" sz="2400" b="0" cap="none" spc="0" dirty="0">
-              <a:ln w="0"/>
-              <a:solidFill>
-                <a:schemeClr val="tx1"/>
-              </a:solidFill>
-              <a:effectLst>
-                <a:outerShdw blurRad="38100" dist="19050" dir="2700000" algn="tl" rotWithShape="0">
-                  <a:schemeClr val="dk1">
-                    <a:alpha val="40000"/>
-                  </a:schemeClr>
-                </a:outerShdw>
-              </a:effectLst>
-            </a:endParaRPr>
-          </a:p>
-        </p:txBody>
-      </p:sp>
-      <p:sp>
-        <p:nvSpPr>
-          <p:cNvPr id="10" name="Rectangle 9"/>
-          <p:cNvSpPr/>
-          <p:nvPr/>
-        </p:nvSpPr>
-        <p:spPr>
-          <a:xfrm>
-            <a:off x="109523" y="1933578"/>
-            <a:ext cx="11805314" cy="1077218"/>
-          </a:xfrm>
-          <a:prstGeom prst="rect">
-            <a:avLst/>
-          </a:prstGeom>
-          <a:noFill/>
-        </p:spPr>
-        <p:txBody>
-          <a:bodyPr wrap="square" lIns="91440" tIns="45720" rIns="91440" bIns="45720">
-            <a:spAutoFit/>
-          </a:bodyPr>
-          <a:lstStyle/>
-          <a:p>
-            <a:r>
-              <a:rPr lang="fr-FR" sz="3200" b="0" cap="none" spc="0" dirty="0" smtClean="0">
-                <a:ln w="0"/>
-                <a:solidFill>
-                  <a:schemeClr val="tx1"/>
-                </a:solidFill>
-                <a:effectLst>
-                  <a:outerShdw blurRad="38100" dist="19050" dir="2700000" algn="tl" rotWithShape="0">
-                    <a:schemeClr val="dk1">
-                      <a:alpha val="40000"/>
-                    </a:schemeClr>
-                  </a:outerShdw>
-                </a:effectLst>
-              </a:rPr>
-              <a:t>Sélectionnez la plage qui contient ces données puis faîtes un </a:t>
-            </a:r>
-            <a:r>
-              <a:rPr lang="fr-FR" sz="3200" b="0" cap="none" spc="0" dirty="0" smtClean="0">
-                <a:ln w="0"/>
-                <a:solidFill>
-                  <a:schemeClr val="tx1"/>
-                </a:solidFill>
-                <a:effectLst>
-                  <a:outerShdw blurRad="38100" dist="19050" dir="2700000" algn="tl" rotWithShape="0">
-                    <a:schemeClr val="dk1">
-                      <a:alpha val="40000"/>
-                    </a:schemeClr>
-                  </a:outerShdw>
-                </a:effectLst>
-              </a:rPr>
-              <a:t>clic </a:t>
-            </a:r>
-            <a:r>
-              <a:rPr lang="fr-FR" sz="3200" b="0" cap="none" spc="0" dirty="0" smtClean="0">
-                <a:ln w="0"/>
-                <a:solidFill>
-                  <a:schemeClr val="tx1"/>
-                </a:solidFill>
-                <a:effectLst>
-                  <a:outerShdw blurRad="38100" dist="19050" dir="2700000" algn="tl" rotWithShape="0">
-                    <a:schemeClr val="dk1">
-                      <a:alpha val="40000"/>
-                    </a:schemeClr>
-                  </a:outerShdw>
-                </a:effectLst>
-              </a:rPr>
-              <a:t>droit </a:t>
-            </a:r>
-            <a:r>
-              <a:rPr lang="fr-FR" sz="3200" b="0" cap="none" spc="0" dirty="0" smtClean="0">
-                <a:ln w="0"/>
-                <a:solidFill>
-                  <a:schemeClr val="tx1"/>
-                </a:solidFill>
-                <a:effectLst>
-                  <a:outerShdw blurRad="38100" dist="19050" dir="2700000" algn="tl" rotWithShape="0">
-                    <a:schemeClr val="dk1">
-                      <a:alpha val="40000"/>
-                    </a:schemeClr>
-                  </a:outerShdw>
-                </a:effectLst>
-              </a:rPr>
-              <a:t>dessus puis </a:t>
-            </a:r>
-            <a:r>
-              <a:rPr lang="fr-FR" sz="3200" b="0" cap="none" spc="0" dirty="0" smtClean="0">
-                <a:ln w="0"/>
-                <a:solidFill>
-                  <a:schemeClr val="tx1"/>
-                </a:solidFill>
-                <a:effectLst>
-                  <a:outerShdw blurRad="38100" dist="19050" dir="2700000" algn="tl" rotWithShape="0">
-                    <a:schemeClr val="dk1">
-                      <a:alpha val="40000"/>
-                    </a:schemeClr>
-                  </a:outerShdw>
-                </a:effectLst>
-              </a:rPr>
-              <a:t>cliquez </a:t>
-            </a:r>
-            <a:r>
-              <a:rPr lang="fr-FR" sz="3200" b="0" cap="none" spc="0" dirty="0" smtClean="0">
-                <a:ln w="0"/>
-                <a:solidFill>
-                  <a:schemeClr val="tx1"/>
-                </a:solidFill>
-                <a:effectLst>
-                  <a:outerShdw blurRad="38100" dist="19050" dir="2700000" algn="tl" rotWithShape="0">
-                    <a:schemeClr val="dk1">
-                      <a:alpha val="40000"/>
-                    </a:schemeClr>
-                  </a:outerShdw>
-                </a:effectLst>
-              </a:rPr>
-              <a:t>sur «</a:t>
-            </a:r>
-            <a:r>
-              <a:rPr lang="fr-FR" sz="3200" b="0" cap="none" spc="0" dirty="0" smtClean="0">
-                <a:ln w="0"/>
-                <a:solidFill>
-                  <a:schemeClr val="tx1"/>
-                </a:solidFill>
-                <a:effectLst>
-                  <a:outerShdw blurRad="38100" dist="19050" dir="2700000" algn="tl" rotWithShape="0">
-                    <a:schemeClr val="dk1">
-                      <a:alpha val="40000"/>
-                    </a:schemeClr>
-                  </a:outerShdw>
-                </a:effectLst>
-              </a:rPr>
-              <a:t> Format de cellule » dans le menu déroulant.</a:t>
+              <a:t>Sélectionnez la plage qui contient ces données puis faîtes un clic droit dessus puis cliquez sur « Format de cellule » dans le menu déroulant.</a:t>
             </a:r>
             <a:endParaRPr lang="fr-FR" sz="3200" b="0" cap="none" spc="0" dirty="0">
               <a:ln w="0"/>
@@ -5484,33 +5369,7 @@
                   </a:outerShdw>
                 </a:effectLst>
               </a:rPr>
-              <a:t>Mais nous nous attardons sur les bordures. Cliquez sur </a:t>
-            </a:r>
-            <a:r>
-              <a:rPr lang="fr-FR" sz="2800" dirty="0" smtClean="0">
-                <a:ln w="0"/>
-                <a:effectLst>
-                  <a:outerShdw blurRad="38100" dist="19050" dir="2700000" algn="tl" rotWithShape="0">
-                    <a:schemeClr val="dk1">
-                      <a:alpha val="40000"/>
-                    </a:schemeClr>
-                  </a:outerShdw>
-                </a:effectLst>
-              </a:rPr>
-              <a:t>l’onglet </a:t>
-            </a:r>
-            <a:r>
-              <a:rPr lang="fr-FR" sz="2800" dirty="0" smtClean="0">
-                <a:ln w="0"/>
-                <a:effectLst>
-                  <a:outerShdw blurRad="38100" dist="19050" dir="2700000" algn="tl" rotWithShape="0">
-                    <a:schemeClr val="dk1">
-                      <a:alpha val="40000"/>
-                    </a:schemeClr>
-                  </a:outerShdw>
-                </a:effectLst>
-              </a:rPr>
-              <a:t>« Bordure »:</a:t>
+              <a:t>Mais nous nous attardons sur les bordures. Cliquez sur l’onglet « Bordure »:</a:t>
             </a:r>
             <a:endParaRPr lang="fr-FR" sz="2800" b="0" cap="none" spc="0" dirty="0" smtClean="0">
               <a:ln w="0"/>
@@ -7389,7 +7248,7 @@
         <p:spPr>
           <a:xfrm>
             <a:off x="1327355" y="1710776"/>
-            <a:ext cx="9674942" cy="1061829"/>
+            <a:ext cx="9674942" cy="518988"/>
           </a:xfrm>
           <a:prstGeom prst="rect">
             <a:avLst/>
@@ -7411,7 +7270,7 @@
                 <a:latin typeface="Times New Roman" panose="02020603050405020304" pitchFamily="18" charset="0"/>
                 <a:cs typeface="Times New Roman" panose="02020603050405020304" pitchFamily="18" charset="0"/>
               </a:rPr>
-              <a:t>Choisissez une colonne, et saisissez une marque par cellule, les unes en dessous des autres:</a:t>
+              <a:t>                                                     Cas pratique!</a:t>
             </a:r>
             <a:endParaRPr lang="fr-FR" sz="1600" dirty="0">
               <a:latin typeface="Times New Roman" panose="02020603050405020304" pitchFamily="18" charset="0"/>
@@ -7521,54 +7380,6 @@
           </a:p>
         </p:txBody>
       </p:sp>
-      <p:pic>
-        <p:nvPicPr>
-          <p:cNvPr id="8" name="Image 7"/>
-          <p:cNvPicPr>
-            <a:picLocks noChangeAspect="1"/>
-          </p:cNvPicPr>
-          <p:nvPr/>
-        </p:nvPicPr>
-        <p:blipFill>
-          <a:blip r:embed="rId2"/>
-          <a:stretch>
-            <a:fillRect/>
-          </a:stretch>
-        </p:blipFill>
-        <p:spPr>
-          <a:xfrm>
-            <a:off x="824041" y="2971800"/>
-            <a:ext cx="1987739" cy="3108959"/>
-          </a:xfrm>
-          <a:prstGeom prst="rect">
-            <a:avLst/>
-          </a:prstGeom>
-        </p:spPr>
-      </p:pic>
-      <p:pic>
-        <p:nvPicPr>
-          <p:cNvPr id="9" name="Image 8"/>
-          <p:cNvPicPr>
-            <a:picLocks noChangeAspect="1"/>
-          </p:cNvPicPr>
-          <p:nvPr/>
-        </p:nvPicPr>
-        <p:blipFill>
-          <a:blip r:embed="rId3"/>
-          <a:stretch>
-            <a:fillRect/>
-          </a:stretch>
-        </p:blipFill>
-        <p:spPr>
-          <a:xfrm>
-            <a:off x="5896927" y="2583180"/>
-            <a:ext cx="3795713" cy="3802634"/>
-          </a:xfrm>
-          <a:prstGeom prst="rect">
-            <a:avLst/>
-          </a:prstGeom>
-        </p:spPr>
-      </p:pic>
     </p:spTree>
     <p:extLst>
       <p:ext uri="{BB962C8B-B14F-4D97-AF65-F5344CB8AC3E}">
@@ -7621,7 +7432,7 @@
         <p:spPr>
           <a:xfrm>
             <a:off x="1919416" y="295004"/>
-            <a:ext cx="8353167" cy="707886"/>
+            <a:ext cx="8801924" cy="707886"/>
           </a:xfrm>
           <a:prstGeom prst="rect">
             <a:avLst/>
@@ -7655,13 +7466,18 @@
           <a:p>
             <a:pPr algn="ctr"/>
             <a:r>
-              <a:rPr lang="fr-FR" sz="4000" dirty="0">
+              <a:rPr lang="fr-FR" sz="4000" dirty="0" smtClean="0">
                 <a:solidFill>
                   <a:schemeClr val="bg1"/>
                 </a:solidFill>
               </a:rPr>
-              <a:t>Une liste personnalisable</a:t>
-            </a:r>
+              <a:t>Validation de saisie : Gérer les contrôles</a:t>
+            </a:r>
+            <a:endParaRPr lang="fr-FR" sz="4000" dirty="0">
+              <a:solidFill>
+                <a:schemeClr val="bg1"/>
+              </a:solidFill>
+            </a:endParaRPr>
           </a:p>
         </p:txBody>
       </p:sp>
@@ -7809,1099 +7625,6 @@
           </a:p>
         </p:txBody>
       </p:sp>
-      <p:pic>
-        <p:nvPicPr>
-          <p:cNvPr id="2" name="Image 1"/>
-          <p:cNvPicPr>
-            <a:picLocks noChangeAspect="1"/>
-          </p:cNvPicPr>
-          <p:nvPr/>
-        </p:nvPicPr>
-        <p:blipFill>
-          <a:blip r:embed="rId2"/>
-          <a:stretch>
-            <a:fillRect/>
-          </a:stretch>
-        </p:blipFill>
-        <p:spPr>
-          <a:xfrm>
-            <a:off x="1051560" y="1188720"/>
-            <a:ext cx="9950737" cy="5197094"/>
-          </a:xfrm>
-          <a:prstGeom prst="rect">
-            <a:avLst/>
-          </a:prstGeom>
-        </p:spPr>
-      </p:pic>
-    </p:spTree>
-    <p:extLst>
-      <p:ext uri="{BB962C8B-B14F-4D97-AF65-F5344CB8AC3E}">
-        <p14:creationId xmlns:p14="http://schemas.microsoft.com/office/powerpoint/2010/main" val="3905002071"/>
-      </p:ext>
-    </p:extLst>
-  </p:cSld>
-  <p:clrMapOvr>
-    <a:masterClrMapping/>
-  </p:clrMapOvr>
-  <p:timing>
-    <p:tnLst>
-      <p:par>
-        <p:cTn id="1" dur="indefinite" restart="never" nodeType="tmRoot"/>
-      </p:par>
-    </p:tnLst>
-  </p:timing>
-</p:sld>
-</file>
-
-<file path=ppt/slides/slide18.xml><?xml version="1.0" encoding="utf-8"?>
-<p:sld xmlns:a="http://schemas.openxmlformats.org/drawingml/2006/main" xmlns:r="http://schemas.openxmlformats.org/officeDocument/2006/relationships" xmlns:p="http://schemas.openxmlformats.org/presentationml/2006/main">
-  <p:cSld>
-    <p:spTree>
-      <p:nvGrpSpPr>
-        <p:cNvPr id="1" name=""/>
-        <p:cNvGrpSpPr/>
-        <p:nvPr/>
-      </p:nvGrpSpPr>
-      <p:grpSpPr>
-        <a:xfrm>
-          <a:off x="0" y="0"/>
-          <a:ext cx="0" cy="0"/>
-          <a:chOff x="0" y="0"/>
-          <a:chExt cx="0" cy="0"/>
-        </a:xfrm>
-      </p:grpSpPr>
-      <p:sp>
-        <p:nvSpPr>
-          <p:cNvPr id="4" name="ZoneTexte 3">
-            <a:extLst>
-              <a:ext uri="{FF2B5EF4-FFF2-40B4-BE49-F238E27FC236}">
-                <a16:creationId xmlns:a16="http://schemas.microsoft.com/office/drawing/2014/main" id="{B7191FEF-1E3F-48E9-A65A-B5A88B9994F6}"/>
-              </a:ext>
-            </a:extLst>
-          </p:cNvPr>
-          <p:cNvSpPr txBox="1"/>
-          <p:nvPr/>
-        </p:nvSpPr>
-        <p:spPr>
-          <a:xfrm>
-            <a:off x="1919416" y="295004"/>
-            <a:ext cx="8353167" cy="707886"/>
-          </a:xfrm>
-          <a:prstGeom prst="rect">
-            <a:avLst/>
-          </a:prstGeom>
-          <a:solidFill>
-            <a:schemeClr val="accent6">
-              <a:lumMod val="50000"/>
-            </a:schemeClr>
-          </a:solidFill>
-          <a:ln>
-            <a:solidFill>
-              <a:schemeClr val="accent6">
-                <a:lumMod val="50000"/>
-              </a:schemeClr>
-            </a:solidFill>
-          </a:ln>
-          <a:effectLst>
-            <a:outerShdw blurRad="50800" dist="38100" dir="13500000" algn="br" rotWithShape="0">
-              <a:schemeClr val="accent1">
-                <a:alpha val="40000"/>
-              </a:schemeClr>
-            </a:outerShdw>
-            <a:reflection blurRad="6350" stA="50000" endA="300" endPos="55000" dir="5400000" sy="-100000" algn="bl" rotWithShape="0"/>
-          </a:effectLst>
-        </p:spPr>
-        <p:txBody>
-          <a:bodyPr wrap="square" rtlCol="0">
-            <a:spAutoFit/>
-          </a:bodyPr>
-          <a:lstStyle/>
-          <a:p>
-            <a:pPr algn="ctr"/>
-            <a:r>
-              <a:rPr lang="fr-FR" sz="4000" dirty="0">
-                <a:solidFill>
-                  <a:schemeClr val="bg1"/>
-                </a:solidFill>
-              </a:rPr>
-              <a:t>Une liste personnalisable</a:t>
-            </a:r>
-          </a:p>
-        </p:txBody>
-      </p:sp>
-      <p:cxnSp>
-        <p:nvCxnSpPr>
-          <p:cNvPr id="3" name="Connecteur droit 2">
-            <a:extLst>
-              <a:ext uri="{FF2B5EF4-FFF2-40B4-BE49-F238E27FC236}">
-                <a16:creationId xmlns:a16="http://schemas.microsoft.com/office/drawing/2014/main" id="{2E5FFC58-89E0-45F1-AB54-88B4500CE745}"/>
-              </a:ext>
-            </a:extLst>
-          </p:cNvPr>
-          <p:cNvCxnSpPr/>
-          <p:nvPr/>
-        </p:nvCxnSpPr>
-        <p:spPr>
-          <a:xfrm>
-            <a:off x="1327355" y="1002890"/>
-            <a:ext cx="9674942" cy="0"/>
-          </a:xfrm>
-          <a:prstGeom prst="line">
-            <a:avLst/>
-          </a:prstGeom>
-          <a:ln w="38100">
-            <a:solidFill>
-              <a:schemeClr val="accent6">
-                <a:lumMod val="50000"/>
-              </a:schemeClr>
-            </a:solidFill>
-          </a:ln>
-        </p:spPr>
-        <p:style>
-          <a:lnRef idx="1">
-            <a:schemeClr val="accent1"/>
-          </a:lnRef>
-          <a:fillRef idx="0">
-            <a:schemeClr val="accent1"/>
-          </a:fillRef>
-          <a:effectRef idx="0">
-            <a:schemeClr val="accent1"/>
-          </a:effectRef>
-          <a:fontRef idx="minor">
-            <a:schemeClr val="tx1"/>
-          </a:fontRef>
-        </p:style>
-      </p:cxnSp>
-      <p:sp>
-        <p:nvSpPr>
-          <p:cNvPr id="14" name="Rectangle 13">
-            <a:extLst>
-              <a:ext uri="{FF2B5EF4-FFF2-40B4-BE49-F238E27FC236}">
-                <a16:creationId xmlns:a16="http://schemas.microsoft.com/office/drawing/2014/main" id="{7F448B43-D049-47E2-AFB8-3F156777C439}"/>
-              </a:ext>
-            </a:extLst>
-          </p:cNvPr>
-          <p:cNvSpPr/>
-          <p:nvPr/>
-        </p:nvSpPr>
-        <p:spPr>
-          <a:xfrm>
-            <a:off x="0" y="6385815"/>
-            <a:ext cx="12192000" cy="472186"/>
-          </a:xfrm>
-          <a:prstGeom prst="rect">
-            <a:avLst/>
-          </a:prstGeom>
-          <a:solidFill>
-            <a:schemeClr val="accent1">
-              <a:lumMod val="20000"/>
-              <a:lumOff val="80000"/>
-            </a:schemeClr>
-          </a:solidFill>
-          <a:ln>
-            <a:noFill/>
-          </a:ln>
-        </p:spPr>
-        <p:style>
-          <a:lnRef idx="2">
-            <a:schemeClr val="accent1">
-              <a:shade val="50000"/>
-            </a:schemeClr>
-          </a:lnRef>
-          <a:fillRef idx="1">
-            <a:schemeClr val="accent1"/>
-          </a:fillRef>
-          <a:effectRef idx="0">
-            <a:schemeClr val="accent1"/>
-          </a:effectRef>
-          <a:fontRef idx="minor">
-            <a:schemeClr val="lt1"/>
-          </a:fontRef>
-        </p:style>
-        <p:txBody>
-          <a:bodyPr rtlCol="0" anchor="ctr"/>
-          <a:lstStyle/>
-          <a:p>
-            <a:pPr algn="ctr"/>
-            <a:endParaRPr lang="fr-FR"/>
-          </a:p>
-        </p:txBody>
-      </p:sp>
-      <p:sp>
-        <p:nvSpPr>
-          <p:cNvPr id="15" name="Espace réservé du numéro de diapositive 11">
-            <a:extLst>
-              <a:ext uri="{FF2B5EF4-FFF2-40B4-BE49-F238E27FC236}">
-                <a16:creationId xmlns:a16="http://schemas.microsoft.com/office/drawing/2014/main" id="{43514CE0-42FD-4E8C-A570-33D26B0F86F6}"/>
-              </a:ext>
-            </a:extLst>
-          </p:cNvPr>
-          <p:cNvSpPr>
-            <a:spLocks noGrp="1"/>
-          </p:cNvSpPr>
-          <p:nvPr>
-            <p:ph type="sldNum" sz="quarter" idx="12"/>
-          </p:nvPr>
-        </p:nvSpPr>
-        <p:spPr>
-          <a:xfrm>
-            <a:off x="11158322" y="6492875"/>
-            <a:ext cx="870036" cy="365125"/>
-          </a:xfrm>
-        </p:spPr>
-        <p:txBody>
-          <a:bodyPr/>
-          <a:lstStyle/>
-          <a:p>
-            <a:fld id="{09EA0DBA-1CB7-49FD-A4E9-CB9833829DE4}" type="slidenum">
-              <a:rPr lang="fr-FR" sz="2000" b="1" smtClean="0">
-                <a:solidFill>
-                  <a:srgbClr val="FF0000"/>
-                </a:solidFill>
-                <a:latin typeface="Times New Roman" panose="02020603050405020304" pitchFamily="18" charset="0"/>
-                <a:cs typeface="Times New Roman" panose="02020603050405020304" pitchFamily="18" charset="0"/>
-              </a:rPr>
-              <a:t>18</a:t>
-            </a:fld>
-            <a:endParaRPr lang="fr-FR" sz="2000" b="1" dirty="0">
-              <a:solidFill>
-                <a:srgbClr val="FF0000"/>
-              </a:solidFill>
-              <a:latin typeface="Times New Roman" panose="02020603050405020304" pitchFamily="18" charset="0"/>
-              <a:cs typeface="Times New Roman" panose="02020603050405020304" pitchFamily="18" charset="0"/>
-            </a:endParaRPr>
-          </a:p>
-        </p:txBody>
-      </p:sp>
-      <p:pic>
-        <p:nvPicPr>
-          <p:cNvPr id="2" name="Image 1"/>
-          <p:cNvPicPr>
-            <a:picLocks noChangeAspect="1"/>
-          </p:cNvPicPr>
-          <p:nvPr/>
-        </p:nvPicPr>
-        <p:blipFill>
-          <a:blip r:embed="rId2"/>
-          <a:stretch>
-            <a:fillRect/>
-          </a:stretch>
-        </p:blipFill>
-        <p:spPr>
-          <a:xfrm>
-            <a:off x="731520" y="1917939"/>
-            <a:ext cx="10426802" cy="4254261"/>
-          </a:xfrm>
-          <a:prstGeom prst="rect">
-            <a:avLst/>
-          </a:prstGeom>
-        </p:spPr>
-      </p:pic>
-    </p:spTree>
-    <p:extLst>
-      <p:ext uri="{BB962C8B-B14F-4D97-AF65-F5344CB8AC3E}">
-        <p14:creationId xmlns:p14="http://schemas.microsoft.com/office/powerpoint/2010/main" val="3821304507"/>
-      </p:ext>
-    </p:extLst>
-  </p:cSld>
-  <p:clrMapOvr>
-    <a:masterClrMapping/>
-  </p:clrMapOvr>
-  <p:timing>
-    <p:tnLst>
-      <p:par>
-        <p:cTn id="1" dur="indefinite" restart="never" nodeType="tmRoot"/>
-      </p:par>
-    </p:tnLst>
-  </p:timing>
-</p:sld>
-</file>
-
-<file path=ppt/slides/slide19.xml><?xml version="1.0" encoding="utf-8"?>
-<p:sld xmlns:a="http://schemas.openxmlformats.org/drawingml/2006/main" xmlns:r="http://schemas.openxmlformats.org/officeDocument/2006/relationships" xmlns:p="http://schemas.openxmlformats.org/presentationml/2006/main">
-  <p:cSld>
-    <p:spTree>
-      <p:nvGrpSpPr>
-        <p:cNvPr id="1" name=""/>
-        <p:cNvGrpSpPr/>
-        <p:nvPr/>
-      </p:nvGrpSpPr>
-      <p:grpSpPr>
-        <a:xfrm>
-          <a:off x="0" y="0"/>
-          <a:ext cx="0" cy="0"/>
-          <a:chOff x="0" y="0"/>
-          <a:chExt cx="0" cy="0"/>
-        </a:xfrm>
-      </p:grpSpPr>
-      <p:sp>
-        <p:nvSpPr>
-          <p:cNvPr id="4" name="ZoneTexte 3">
-            <a:extLst>
-              <a:ext uri="{FF2B5EF4-FFF2-40B4-BE49-F238E27FC236}">
-                <a16:creationId xmlns:a16="http://schemas.microsoft.com/office/drawing/2014/main" id="{B7191FEF-1E3F-48E9-A65A-B5A88B9994F6}"/>
-              </a:ext>
-            </a:extLst>
-          </p:cNvPr>
-          <p:cNvSpPr txBox="1"/>
-          <p:nvPr/>
-        </p:nvSpPr>
-        <p:spPr>
-          <a:xfrm>
-            <a:off x="1919416" y="295004"/>
-            <a:ext cx="8353167" cy="707886"/>
-          </a:xfrm>
-          <a:prstGeom prst="rect">
-            <a:avLst/>
-          </a:prstGeom>
-          <a:solidFill>
-            <a:schemeClr val="accent6">
-              <a:lumMod val="50000"/>
-            </a:schemeClr>
-          </a:solidFill>
-          <a:ln>
-            <a:solidFill>
-              <a:schemeClr val="accent6">
-                <a:lumMod val="50000"/>
-              </a:schemeClr>
-            </a:solidFill>
-          </a:ln>
-          <a:effectLst>
-            <a:outerShdw blurRad="50800" dist="38100" dir="13500000" algn="br" rotWithShape="0">
-              <a:schemeClr val="accent1">
-                <a:alpha val="40000"/>
-              </a:schemeClr>
-            </a:outerShdw>
-            <a:reflection blurRad="6350" stA="50000" endA="300" endPos="55000" dir="5400000" sy="-100000" algn="bl" rotWithShape="0"/>
-          </a:effectLst>
-        </p:spPr>
-        <p:txBody>
-          <a:bodyPr wrap="square" rtlCol="0">
-            <a:spAutoFit/>
-          </a:bodyPr>
-          <a:lstStyle/>
-          <a:p>
-            <a:pPr algn="ctr"/>
-            <a:r>
-              <a:rPr lang="fr-FR" sz="4000" dirty="0">
-                <a:solidFill>
-                  <a:schemeClr val="bg1"/>
-                </a:solidFill>
-              </a:rPr>
-              <a:t>Une liste personnalisable</a:t>
-            </a:r>
-          </a:p>
-        </p:txBody>
-      </p:sp>
-      <p:cxnSp>
-        <p:nvCxnSpPr>
-          <p:cNvPr id="3" name="Connecteur droit 2">
-            <a:extLst>
-              <a:ext uri="{FF2B5EF4-FFF2-40B4-BE49-F238E27FC236}">
-                <a16:creationId xmlns:a16="http://schemas.microsoft.com/office/drawing/2014/main" id="{2E5FFC58-89E0-45F1-AB54-88B4500CE745}"/>
-              </a:ext>
-            </a:extLst>
-          </p:cNvPr>
-          <p:cNvCxnSpPr/>
-          <p:nvPr/>
-        </p:nvCxnSpPr>
-        <p:spPr>
-          <a:xfrm>
-            <a:off x="1327355" y="1002890"/>
-            <a:ext cx="9674942" cy="0"/>
-          </a:xfrm>
-          <a:prstGeom prst="line">
-            <a:avLst/>
-          </a:prstGeom>
-          <a:ln w="38100">
-            <a:solidFill>
-              <a:schemeClr val="accent6">
-                <a:lumMod val="50000"/>
-              </a:schemeClr>
-            </a:solidFill>
-          </a:ln>
-        </p:spPr>
-        <p:style>
-          <a:lnRef idx="1">
-            <a:schemeClr val="accent1"/>
-          </a:lnRef>
-          <a:fillRef idx="0">
-            <a:schemeClr val="accent1"/>
-          </a:fillRef>
-          <a:effectRef idx="0">
-            <a:schemeClr val="accent1"/>
-          </a:effectRef>
-          <a:fontRef idx="minor">
-            <a:schemeClr val="tx1"/>
-          </a:fontRef>
-        </p:style>
-      </p:cxnSp>
-      <p:sp>
-        <p:nvSpPr>
-          <p:cNvPr id="14" name="Rectangle 13">
-            <a:extLst>
-              <a:ext uri="{FF2B5EF4-FFF2-40B4-BE49-F238E27FC236}">
-                <a16:creationId xmlns:a16="http://schemas.microsoft.com/office/drawing/2014/main" id="{7F448B43-D049-47E2-AFB8-3F156777C439}"/>
-              </a:ext>
-            </a:extLst>
-          </p:cNvPr>
-          <p:cNvSpPr/>
-          <p:nvPr/>
-        </p:nvSpPr>
-        <p:spPr>
-          <a:xfrm>
-            <a:off x="0" y="6385815"/>
-            <a:ext cx="12192000" cy="472186"/>
-          </a:xfrm>
-          <a:prstGeom prst="rect">
-            <a:avLst/>
-          </a:prstGeom>
-          <a:solidFill>
-            <a:schemeClr val="accent1">
-              <a:lumMod val="20000"/>
-              <a:lumOff val="80000"/>
-            </a:schemeClr>
-          </a:solidFill>
-          <a:ln>
-            <a:noFill/>
-          </a:ln>
-        </p:spPr>
-        <p:style>
-          <a:lnRef idx="2">
-            <a:schemeClr val="accent1">
-              <a:shade val="50000"/>
-            </a:schemeClr>
-          </a:lnRef>
-          <a:fillRef idx="1">
-            <a:schemeClr val="accent1"/>
-          </a:fillRef>
-          <a:effectRef idx="0">
-            <a:schemeClr val="accent1"/>
-          </a:effectRef>
-          <a:fontRef idx="minor">
-            <a:schemeClr val="lt1"/>
-          </a:fontRef>
-        </p:style>
-        <p:txBody>
-          <a:bodyPr rtlCol="0" anchor="ctr"/>
-          <a:lstStyle/>
-          <a:p>
-            <a:pPr algn="ctr"/>
-            <a:endParaRPr lang="fr-FR"/>
-          </a:p>
-        </p:txBody>
-      </p:sp>
-      <p:sp>
-        <p:nvSpPr>
-          <p:cNvPr id="15" name="Espace réservé du numéro de diapositive 11">
-            <a:extLst>
-              <a:ext uri="{FF2B5EF4-FFF2-40B4-BE49-F238E27FC236}">
-                <a16:creationId xmlns:a16="http://schemas.microsoft.com/office/drawing/2014/main" id="{43514CE0-42FD-4E8C-A570-33D26B0F86F6}"/>
-              </a:ext>
-            </a:extLst>
-          </p:cNvPr>
-          <p:cNvSpPr>
-            <a:spLocks noGrp="1"/>
-          </p:cNvSpPr>
-          <p:nvPr>
-            <p:ph type="sldNum" sz="quarter" idx="12"/>
-          </p:nvPr>
-        </p:nvSpPr>
-        <p:spPr>
-          <a:xfrm>
-            <a:off x="11158322" y="6492875"/>
-            <a:ext cx="870036" cy="365125"/>
-          </a:xfrm>
-        </p:spPr>
-        <p:txBody>
-          <a:bodyPr/>
-          <a:lstStyle/>
-          <a:p>
-            <a:fld id="{09EA0DBA-1CB7-49FD-A4E9-CB9833829DE4}" type="slidenum">
-              <a:rPr lang="fr-FR" sz="2000" b="1" smtClean="0">
-                <a:solidFill>
-                  <a:srgbClr val="FF0000"/>
-                </a:solidFill>
-                <a:latin typeface="Times New Roman" panose="02020603050405020304" pitchFamily="18" charset="0"/>
-                <a:cs typeface="Times New Roman" panose="02020603050405020304" pitchFamily="18" charset="0"/>
-              </a:rPr>
-              <a:t>19</a:t>
-            </a:fld>
-            <a:endParaRPr lang="fr-FR" sz="2000" b="1" dirty="0">
-              <a:solidFill>
-                <a:srgbClr val="FF0000"/>
-              </a:solidFill>
-              <a:latin typeface="Times New Roman" panose="02020603050405020304" pitchFamily="18" charset="0"/>
-              <a:cs typeface="Times New Roman" panose="02020603050405020304" pitchFamily="18" charset="0"/>
-            </a:endParaRPr>
-          </a:p>
-        </p:txBody>
-      </p:sp>
-      <p:pic>
-        <p:nvPicPr>
-          <p:cNvPr id="5" name="Image 4"/>
-          <p:cNvPicPr>
-            <a:picLocks noChangeAspect="1"/>
-          </p:cNvPicPr>
-          <p:nvPr/>
-        </p:nvPicPr>
-        <p:blipFill>
-          <a:blip r:embed="rId2"/>
-          <a:stretch>
-            <a:fillRect/>
-          </a:stretch>
-        </p:blipFill>
-        <p:spPr>
-          <a:xfrm>
-            <a:off x="346709" y="1163479"/>
-            <a:ext cx="11498579" cy="5511958"/>
-          </a:xfrm>
-          <a:prstGeom prst="rect">
-            <a:avLst/>
-          </a:prstGeom>
-        </p:spPr>
-      </p:pic>
-    </p:spTree>
-    <p:extLst>
-      <p:ext uri="{BB962C8B-B14F-4D97-AF65-F5344CB8AC3E}">
-        <p14:creationId xmlns:p14="http://schemas.microsoft.com/office/powerpoint/2010/main" val="1194607497"/>
-      </p:ext>
-    </p:extLst>
-  </p:cSld>
-  <p:clrMapOvr>
-    <a:masterClrMapping/>
-  </p:clrMapOvr>
-  <p:timing>
-    <p:tnLst>
-      <p:par>
-        <p:cTn id="1" dur="indefinite" restart="never" nodeType="tmRoot"/>
-      </p:par>
-    </p:tnLst>
-  </p:timing>
-</p:sld>
-</file>
-
-<file path=ppt/slides/slide2.xml><?xml version="1.0" encoding="utf-8"?>
-<p:sld xmlns:a="http://schemas.openxmlformats.org/drawingml/2006/main" xmlns:r="http://schemas.openxmlformats.org/officeDocument/2006/relationships" xmlns:p="http://schemas.openxmlformats.org/presentationml/2006/main">
-  <p:cSld>
-    <p:spTree>
-      <p:nvGrpSpPr>
-        <p:cNvPr id="1" name=""/>
-        <p:cNvGrpSpPr/>
-        <p:nvPr/>
-      </p:nvGrpSpPr>
-      <p:grpSpPr>
-        <a:xfrm>
-          <a:off x="0" y="0"/>
-          <a:ext cx="0" cy="0"/>
-          <a:chOff x="0" y="0"/>
-          <a:chExt cx="0" cy="0"/>
-        </a:xfrm>
-      </p:grpSpPr>
-      <p:sp>
-        <p:nvSpPr>
-          <p:cNvPr id="10" name="Rectangle 9">
-            <a:extLst>
-              <a:ext uri="{FF2B5EF4-FFF2-40B4-BE49-F238E27FC236}">
-                <a16:creationId xmlns:a16="http://schemas.microsoft.com/office/drawing/2014/main" id="{DA4BA0ED-4844-4C8B-82B9-1189524149F8}"/>
-              </a:ext>
-            </a:extLst>
-          </p:cNvPr>
-          <p:cNvSpPr/>
-          <p:nvPr/>
-        </p:nvSpPr>
-        <p:spPr>
-          <a:xfrm>
-            <a:off x="0" y="6385815"/>
-            <a:ext cx="12192000" cy="472186"/>
-          </a:xfrm>
-          <a:prstGeom prst="rect">
-            <a:avLst/>
-          </a:prstGeom>
-          <a:solidFill>
-            <a:schemeClr val="accent1">
-              <a:lumMod val="20000"/>
-              <a:lumOff val="80000"/>
-            </a:schemeClr>
-          </a:solidFill>
-          <a:ln>
-            <a:noFill/>
-          </a:ln>
-        </p:spPr>
-        <p:style>
-          <a:lnRef idx="2">
-            <a:schemeClr val="accent1">
-              <a:shade val="50000"/>
-            </a:schemeClr>
-          </a:lnRef>
-          <a:fillRef idx="1">
-            <a:schemeClr val="accent1"/>
-          </a:fillRef>
-          <a:effectRef idx="0">
-            <a:schemeClr val="accent1"/>
-          </a:effectRef>
-          <a:fontRef idx="minor">
-            <a:schemeClr val="lt1"/>
-          </a:fontRef>
-        </p:style>
-        <p:txBody>
-          <a:bodyPr rtlCol="0" anchor="ctr"/>
-          <a:lstStyle/>
-          <a:p>
-            <a:pPr algn="ctr"/>
-            <a:endParaRPr lang="fr-FR"/>
-          </a:p>
-        </p:txBody>
-      </p:sp>
-      <p:sp>
-        <p:nvSpPr>
-          <p:cNvPr id="11" name="Espace réservé du numéro de diapositive 11">
-            <a:extLst>
-              <a:ext uri="{FF2B5EF4-FFF2-40B4-BE49-F238E27FC236}">
-                <a16:creationId xmlns:a16="http://schemas.microsoft.com/office/drawing/2014/main" id="{6E09DCDB-AE7D-46A6-BB24-B19F551B132C}"/>
-              </a:ext>
-            </a:extLst>
-          </p:cNvPr>
-          <p:cNvSpPr>
-            <a:spLocks noGrp="1"/>
-          </p:cNvSpPr>
-          <p:nvPr>
-            <p:ph type="sldNum" sz="quarter" idx="12"/>
-          </p:nvPr>
-        </p:nvSpPr>
-        <p:spPr>
-          <a:xfrm>
-            <a:off x="11158322" y="6492875"/>
-            <a:ext cx="870036" cy="365125"/>
-          </a:xfrm>
-        </p:spPr>
-        <p:txBody>
-          <a:bodyPr/>
-          <a:lstStyle/>
-          <a:p>
-            <a:fld id="{09EA0DBA-1CB7-49FD-A4E9-CB9833829DE4}" type="slidenum">
-              <a:rPr lang="fr-FR" sz="2000" b="1" smtClean="0">
-                <a:solidFill>
-                  <a:srgbClr val="FF0000"/>
-                </a:solidFill>
-                <a:latin typeface="Times New Roman" panose="02020603050405020304" pitchFamily="18" charset="0"/>
-                <a:cs typeface="Times New Roman" panose="02020603050405020304" pitchFamily="18" charset="0"/>
-              </a:rPr>
-              <a:t>2</a:t>
-            </a:fld>
-            <a:endParaRPr lang="fr-FR" sz="2000" b="1" dirty="0">
-              <a:solidFill>
-                <a:srgbClr val="FF0000"/>
-              </a:solidFill>
-              <a:latin typeface="Times New Roman" panose="02020603050405020304" pitchFamily="18" charset="0"/>
-              <a:cs typeface="Times New Roman" panose="02020603050405020304" pitchFamily="18" charset="0"/>
-            </a:endParaRPr>
-          </a:p>
-        </p:txBody>
-      </p:sp>
-      <p:sp>
-        <p:nvSpPr>
-          <p:cNvPr id="8" name="ZoneTexte 7">
-            <a:extLst>
-              <a:ext uri="{FF2B5EF4-FFF2-40B4-BE49-F238E27FC236}">
-                <a16:creationId xmlns:a16="http://schemas.microsoft.com/office/drawing/2014/main" id="{0A62A2AD-5162-491A-A819-15508085BEFB}"/>
-              </a:ext>
-            </a:extLst>
-          </p:cNvPr>
-          <p:cNvSpPr txBox="1"/>
-          <p:nvPr/>
-        </p:nvSpPr>
-        <p:spPr>
-          <a:xfrm>
-            <a:off x="234778" y="1828804"/>
-            <a:ext cx="11728622" cy="2308324"/>
-          </a:xfrm>
-          <a:prstGeom prst="rect">
-            <a:avLst/>
-          </a:prstGeom>
-          <a:solidFill>
-            <a:schemeClr val="accent6">
-              <a:lumMod val="50000"/>
-            </a:schemeClr>
-          </a:solidFill>
-          <a:ln>
-            <a:solidFill>
-              <a:schemeClr val="accent6">
-                <a:lumMod val="50000"/>
-              </a:schemeClr>
-            </a:solidFill>
-          </a:ln>
-          <a:effectLst>
-            <a:outerShdw blurRad="50800" dist="38100" dir="13500000" algn="br" rotWithShape="0">
-              <a:schemeClr val="accent1">
-                <a:alpha val="40000"/>
-              </a:schemeClr>
-            </a:outerShdw>
-            <a:reflection blurRad="6350" stA="50000" endA="300" endPos="55000" dir="5400000" sy="-100000" algn="bl" rotWithShape="0"/>
-          </a:effectLst>
-        </p:spPr>
-        <p:txBody>
-          <a:bodyPr wrap="square" rtlCol="0">
-            <a:spAutoFit/>
-          </a:bodyPr>
-          <a:lstStyle/>
-          <a:p>
-            <a:pPr algn="ctr"/>
-            <a:endParaRPr lang="fr-FR" sz="4800" dirty="0"/>
-          </a:p>
-          <a:p>
-            <a:pPr algn="ctr"/>
-            <a:r>
-              <a:rPr lang="fr-FR" sz="4800" dirty="0" smtClean="0">
-                <a:solidFill>
-                  <a:schemeClr val="bg1"/>
-                </a:solidFill>
-              </a:rPr>
-              <a:t>Les fondamentaux de Excel</a:t>
-            </a:r>
-            <a:endParaRPr lang="fr-FR" sz="4800" dirty="0">
-              <a:solidFill>
-                <a:schemeClr val="bg1"/>
-              </a:solidFill>
-            </a:endParaRPr>
-          </a:p>
-          <a:p>
-            <a:pPr algn="ctr"/>
-            <a:endParaRPr lang="fr-FR" sz="4800" dirty="0"/>
-          </a:p>
-        </p:txBody>
-      </p:sp>
-      <p:cxnSp>
-        <p:nvCxnSpPr>
-          <p:cNvPr id="9" name="Connecteur droit 8">
-            <a:extLst>
-              <a:ext uri="{FF2B5EF4-FFF2-40B4-BE49-F238E27FC236}">
-                <a16:creationId xmlns:a16="http://schemas.microsoft.com/office/drawing/2014/main" id="{CA91B1E3-FD56-4F80-9C4D-68FE7BB35AA6}"/>
-              </a:ext>
-            </a:extLst>
-          </p:cNvPr>
-          <p:cNvCxnSpPr/>
-          <p:nvPr/>
-        </p:nvCxnSpPr>
-        <p:spPr>
-          <a:xfrm>
-            <a:off x="1327355" y="1002890"/>
-            <a:ext cx="9674942" cy="0"/>
-          </a:xfrm>
-          <a:prstGeom prst="line">
-            <a:avLst/>
-          </a:prstGeom>
-          <a:ln w="38100">
-            <a:solidFill>
-              <a:schemeClr val="accent6">
-                <a:lumMod val="50000"/>
-              </a:schemeClr>
-            </a:solidFill>
-          </a:ln>
-        </p:spPr>
-        <p:style>
-          <a:lnRef idx="1">
-            <a:schemeClr val="accent1"/>
-          </a:lnRef>
-          <a:fillRef idx="0">
-            <a:schemeClr val="accent1"/>
-          </a:fillRef>
-          <a:effectRef idx="0">
-            <a:schemeClr val="accent1"/>
-          </a:effectRef>
-          <a:fontRef idx="minor">
-            <a:schemeClr val="tx1"/>
-          </a:fontRef>
-        </p:style>
-      </p:cxnSp>
-      <p:cxnSp>
-        <p:nvCxnSpPr>
-          <p:cNvPr id="12" name="Connecteur droit 11">
-            <a:extLst>
-              <a:ext uri="{FF2B5EF4-FFF2-40B4-BE49-F238E27FC236}">
-                <a16:creationId xmlns:a16="http://schemas.microsoft.com/office/drawing/2014/main" id="{34364D99-1E04-4083-84DA-21B4C64D9EAA}"/>
-              </a:ext>
-            </a:extLst>
-          </p:cNvPr>
-          <p:cNvCxnSpPr/>
-          <p:nvPr/>
-        </p:nvCxnSpPr>
-        <p:spPr>
-          <a:xfrm>
-            <a:off x="1327355" y="5776718"/>
-            <a:ext cx="9674942" cy="0"/>
-          </a:xfrm>
-          <a:prstGeom prst="line">
-            <a:avLst/>
-          </a:prstGeom>
-          <a:ln w="38100">
-            <a:solidFill>
-              <a:schemeClr val="accent6">
-                <a:lumMod val="50000"/>
-              </a:schemeClr>
-            </a:solidFill>
-          </a:ln>
-        </p:spPr>
-        <p:style>
-          <a:lnRef idx="1">
-            <a:schemeClr val="accent1"/>
-          </a:lnRef>
-          <a:fillRef idx="0">
-            <a:schemeClr val="accent1"/>
-          </a:fillRef>
-          <a:effectRef idx="0">
-            <a:schemeClr val="accent1"/>
-          </a:effectRef>
-          <a:fontRef idx="minor">
-            <a:schemeClr val="tx1"/>
-          </a:fontRef>
-        </p:style>
-      </p:cxnSp>
-    </p:spTree>
-    <p:extLst>
-      <p:ext uri="{BB962C8B-B14F-4D97-AF65-F5344CB8AC3E}">
-        <p14:creationId xmlns:p14="http://schemas.microsoft.com/office/powerpoint/2010/main" val="1454883434"/>
-      </p:ext>
-    </p:extLst>
-  </p:cSld>
-  <p:clrMapOvr>
-    <a:masterClrMapping/>
-  </p:clrMapOvr>
-  <p:timing>
-    <p:tnLst>
-      <p:par>
-        <p:cTn id="1" dur="indefinite" restart="never" nodeType="tmRoot"/>
-      </p:par>
-    </p:tnLst>
-  </p:timing>
-</p:sld>
-</file>
-
-<file path=ppt/slides/slide20.xml><?xml version="1.0" encoding="utf-8"?>
-<p:sld xmlns:a="http://schemas.openxmlformats.org/drawingml/2006/main" xmlns:r="http://schemas.openxmlformats.org/officeDocument/2006/relationships" xmlns:p="http://schemas.openxmlformats.org/presentationml/2006/main">
-  <p:cSld>
-    <p:spTree>
-      <p:nvGrpSpPr>
-        <p:cNvPr id="1" name=""/>
-        <p:cNvGrpSpPr/>
-        <p:nvPr/>
-      </p:nvGrpSpPr>
-      <p:grpSpPr>
-        <a:xfrm>
-          <a:off x="0" y="0"/>
-          <a:ext cx="0" cy="0"/>
-          <a:chOff x="0" y="0"/>
-          <a:chExt cx="0" cy="0"/>
-        </a:xfrm>
-      </p:grpSpPr>
-      <p:sp>
-        <p:nvSpPr>
-          <p:cNvPr id="4" name="ZoneTexte 3">
-            <a:extLst>
-              <a:ext uri="{FF2B5EF4-FFF2-40B4-BE49-F238E27FC236}">
-                <a16:creationId xmlns:a16="http://schemas.microsoft.com/office/drawing/2014/main" id="{B7191FEF-1E3F-48E9-A65A-B5A88B9994F6}"/>
-              </a:ext>
-            </a:extLst>
-          </p:cNvPr>
-          <p:cNvSpPr txBox="1"/>
-          <p:nvPr/>
-        </p:nvSpPr>
-        <p:spPr>
-          <a:xfrm>
-            <a:off x="1919416" y="295004"/>
-            <a:ext cx="8801924" cy="707886"/>
-          </a:xfrm>
-          <a:prstGeom prst="rect">
-            <a:avLst/>
-          </a:prstGeom>
-          <a:solidFill>
-            <a:schemeClr val="accent6">
-              <a:lumMod val="50000"/>
-            </a:schemeClr>
-          </a:solidFill>
-          <a:ln>
-            <a:solidFill>
-              <a:schemeClr val="accent6">
-                <a:lumMod val="50000"/>
-              </a:schemeClr>
-            </a:solidFill>
-          </a:ln>
-          <a:effectLst>
-            <a:outerShdw blurRad="50800" dist="38100" dir="13500000" algn="br" rotWithShape="0">
-              <a:schemeClr val="accent1">
-                <a:alpha val="40000"/>
-              </a:schemeClr>
-            </a:outerShdw>
-            <a:reflection blurRad="6350" stA="50000" endA="300" endPos="55000" dir="5400000" sy="-100000" algn="bl" rotWithShape="0"/>
-          </a:effectLst>
-        </p:spPr>
-        <p:txBody>
-          <a:bodyPr wrap="square" rtlCol="0">
-            <a:spAutoFit/>
-          </a:bodyPr>
-          <a:lstStyle/>
-          <a:p>
-            <a:pPr algn="ctr"/>
-            <a:r>
-              <a:rPr lang="fr-FR" sz="4000" dirty="0" smtClean="0">
-                <a:solidFill>
-                  <a:schemeClr val="bg1"/>
-                </a:solidFill>
-              </a:rPr>
-              <a:t>Validation de saisie : Gérer les contrôles</a:t>
-            </a:r>
-            <a:endParaRPr lang="fr-FR" sz="4000" dirty="0">
-              <a:solidFill>
-                <a:schemeClr val="bg1"/>
-              </a:solidFill>
-            </a:endParaRPr>
-          </a:p>
-        </p:txBody>
-      </p:sp>
-      <p:cxnSp>
-        <p:nvCxnSpPr>
-          <p:cNvPr id="3" name="Connecteur droit 2">
-            <a:extLst>
-              <a:ext uri="{FF2B5EF4-FFF2-40B4-BE49-F238E27FC236}">
-                <a16:creationId xmlns:a16="http://schemas.microsoft.com/office/drawing/2014/main" id="{2E5FFC58-89E0-45F1-AB54-88B4500CE745}"/>
-              </a:ext>
-            </a:extLst>
-          </p:cNvPr>
-          <p:cNvCxnSpPr/>
-          <p:nvPr/>
-        </p:nvCxnSpPr>
-        <p:spPr>
-          <a:xfrm>
-            <a:off x="1327355" y="1002890"/>
-            <a:ext cx="9674942" cy="0"/>
-          </a:xfrm>
-          <a:prstGeom prst="line">
-            <a:avLst/>
-          </a:prstGeom>
-          <a:ln w="38100">
-            <a:solidFill>
-              <a:schemeClr val="accent6">
-                <a:lumMod val="50000"/>
-              </a:schemeClr>
-            </a:solidFill>
-          </a:ln>
-        </p:spPr>
-        <p:style>
-          <a:lnRef idx="1">
-            <a:schemeClr val="accent1"/>
-          </a:lnRef>
-          <a:fillRef idx="0">
-            <a:schemeClr val="accent1"/>
-          </a:fillRef>
-          <a:effectRef idx="0">
-            <a:schemeClr val="accent1"/>
-          </a:effectRef>
-          <a:fontRef idx="minor">
-            <a:schemeClr val="tx1"/>
-          </a:fontRef>
-        </p:style>
-      </p:cxnSp>
-      <p:sp>
-        <p:nvSpPr>
-          <p:cNvPr id="14" name="Rectangle 13">
-            <a:extLst>
-              <a:ext uri="{FF2B5EF4-FFF2-40B4-BE49-F238E27FC236}">
-                <a16:creationId xmlns:a16="http://schemas.microsoft.com/office/drawing/2014/main" id="{7F448B43-D049-47E2-AFB8-3F156777C439}"/>
-              </a:ext>
-            </a:extLst>
-          </p:cNvPr>
-          <p:cNvSpPr/>
-          <p:nvPr/>
-        </p:nvSpPr>
-        <p:spPr>
-          <a:xfrm>
-            <a:off x="0" y="6385815"/>
-            <a:ext cx="12192000" cy="472186"/>
-          </a:xfrm>
-          <a:prstGeom prst="rect">
-            <a:avLst/>
-          </a:prstGeom>
-          <a:solidFill>
-            <a:schemeClr val="accent1">
-              <a:lumMod val="20000"/>
-              <a:lumOff val="80000"/>
-            </a:schemeClr>
-          </a:solidFill>
-          <a:ln>
-            <a:noFill/>
-          </a:ln>
-        </p:spPr>
-        <p:style>
-          <a:lnRef idx="2">
-            <a:schemeClr val="accent1">
-              <a:shade val="50000"/>
-            </a:schemeClr>
-          </a:lnRef>
-          <a:fillRef idx="1">
-            <a:schemeClr val="accent1"/>
-          </a:fillRef>
-          <a:effectRef idx="0">
-            <a:schemeClr val="accent1"/>
-          </a:effectRef>
-          <a:fontRef idx="minor">
-            <a:schemeClr val="lt1"/>
-          </a:fontRef>
-        </p:style>
-        <p:txBody>
-          <a:bodyPr rtlCol="0" anchor="ctr"/>
-          <a:lstStyle/>
-          <a:p>
-            <a:pPr algn="ctr"/>
-            <a:endParaRPr lang="fr-FR"/>
-          </a:p>
-        </p:txBody>
-      </p:sp>
-      <p:sp>
-        <p:nvSpPr>
-          <p:cNvPr id="15" name="Espace réservé du numéro de diapositive 11">
-            <a:extLst>
-              <a:ext uri="{FF2B5EF4-FFF2-40B4-BE49-F238E27FC236}">
-                <a16:creationId xmlns:a16="http://schemas.microsoft.com/office/drawing/2014/main" id="{43514CE0-42FD-4E8C-A570-33D26B0F86F6}"/>
-              </a:ext>
-            </a:extLst>
-          </p:cNvPr>
-          <p:cNvSpPr>
-            <a:spLocks noGrp="1"/>
-          </p:cNvSpPr>
-          <p:nvPr>
-            <p:ph type="sldNum" sz="quarter" idx="12"/>
-          </p:nvPr>
-        </p:nvSpPr>
-        <p:spPr>
-          <a:xfrm>
-            <a:off x="11158322" y="6492875"/>
-            <a:ext cx="870036" cy="365125"/>
-          </a:xfrm>
-        </p:spPr>
-        <p:txBody>
-          <a:bodyPr/>
-          <a:lstStyle/>
-          <a:p>
-            <a:fld id="{09EA0DBA-1CB7-49FD-A4E9-CB9833829DE4}" type="slidenum">
-              <a:rPr lang="fr-FR" sz="2000" b="1" smtClean="0">
-                <a:solidFill>
-                  <a:srgbClr val="FF0000"/>
-                </a:solidFill>
-                <a:latin typeface="Times New Roman" panose="02020603050405020304" pitchFamily="18" charset="0"/>
-                <a:cs typeface="Times New Roman" panose="02020603050405020304" pitchFamily="18" charset="0"/>
-              </a:rPr>
-              <a:t>20</a:t>
-            </a:fld>
-            <a:endParaRPr lang="fr-FR" sz="2000" b="1" dirty="0">
-              <a:solidFill>
-                <a:srgbClr val="FF0000"/>
-              </a:solidFill>
-              <a:latin typeface="Times New Roman" panose="02020603050405020304" pitchFamily="18" charset="0"/>
-              <a:cs typeface="Times New Roman" panose="02020603050405020304" pitchFamily="18" charset="0"/>
-            </a:endParaRPr>
-          </a:p>
-        </p:txBody>
-      </p:sp>
       <p:sp>
         <p:nvSpPr>
           <p:cNvPr id="7" name="Rectangle 6">
@@ -8939,21 +7662,7 @@
                 <a:latin typeface="Times New Roman" panose="02020603050405020304" pitchFamily="18" charset="0"/>
                 <a:cs typeface="Times New Roman" panose="02020603050405020304" pitchFamily="18" charset="0"/>
               </a:rPr>
-              <a:t>Cette fois-ci, nous voulons obtenir un tableau pré-rempli afin de le compléter en fonction de l’âge (par </a:t>
-            </a:r>
-            <a:r>
-              <a:rPr lang="fr-FR" sz="2400" dirty="0" smtClean="0">
-                <a:latin typeface="Times New Roman" panose="02020603050405020304" pitchFamily="18" charset="0"/>
-                <a:cs typeface="Times New Roman" panose="02020603050405020304" pitchFamily="18" charset="0"/>
-              </a:rPr>
-              <a:t>exemple</a:t>
-            </a:r>
-            <a:r>
-              <a:rPr lang="fr-FR" sz="2400" dirty="0" smtClean="0">
-                <a:latin typeface="Times New Roman" panose="02020603050405020304" pitchFamily="18" charset="0"/>
-                <a:cs typeface="Times New Roman" panose="02020603050405020304" pitchFamily="18" charset="0"/>
-              </a:rPr>
-              <a:t>). L’âge doit être compris entre 12-17 ans.</a:t>
+              <a:t>Cette fois-ci, nous voulons obtenir un tableau pré-rempli afin de le compléter en fonction de l’âge (par exemple). L’âge doit être compris entre 12-17 ans.</a:t>
             </a:r>
             <a:endParaRPr lang="fr-FR" sz="2400" dirty="0">
               <a:latin typeface="Times New Roman" panose="02020603050405020304" pitchFamily="18" charset="0"/>
@@ -9174,7 +7883,7 @@
 </p:sld>
 </file>
 
-<file path=ppt/slides/slide21.xml><?xml version="1.0" encoding="utf-8"?>
+<file path=ppt/slides/slide18.xml><?xml version="1.0" encoding="utf-8"?>
 <p:sld xmlns:a="http://schemas.openxmlformats.org/drawingml/2006/main" xmlns:r="http://schemas.openxmlformats.org/officeDocument/2006/relationships" xmlns:p="http://schemas.openxmlformats.org/presentationml/2006/main">
   <p:cSld>
     <p:spTree>
@@ -9387,72 +8096,12 @@
                 <a:latin typeface="Times New Roman" panose="02020603050405020304" pitchFamily="18" charset="0"/>
                 <a:cs typeface="Times New Roman" panose="02020603050405020304" pitchFamily="18" charset="0"/>
               </a:rPr>
-              <a:t>21</a:t>
+              <a:t>18</a:t>
             </a:fld>
             <a:endParaRPr lang="fr-FR" sz="2000" b="1" dirty="0">
               <a:solidFill>
                 <a:srgbClr val="FF0000"/>
               </a:solidFill>
-              <a:latin typeface="Times New Roman" panose="02020603050405020304" pitchFamily="18" charset="0"/>
-              <a:cs typeface="Times New Roman" panose="02020603050405020304" pitchFamily="18" charset="0"/>
-            </a:endParaRPr>
-          </a:p>
-        </p:txBody>
-      </p:sp>
-      <p:sp>
-        <p:nvSpPr>
-          <p:cNvPr id="7" name="Rectangle 6">
-            <a:extLst>
-              <a:ext uri="{FF2B5EF4-FFF2-40B4-BE49-F238E27FC236}">
-                <a16:creationId xmlns:a16="http://schemas.microsoft.com/office/drawing/2014/main" id="{C2327DB0-0A90-4C8F-9443-ADC8C8E788A1}"/>
-              </a:ext>
-            </a:extLst>
-          </p:cNvPr>
-          <p:cNvSpPr/>
-          <p:nvPr/>
-        </p:nvSpPr>
-        <p:spPr>
-          <a:xfrm>
-            <a:off x="1327355" y="1710776"/>
-            <a:ext cx="9674942" cy="1003736"/>
-          </a:xfrm>
-          <a:prstGeom prst="rect">
-            <a:avLst/>
-          </a:prstGeom>
-        </p:spPr>
-        <p:txBody>
-          <a:bodyPr wrap="square">
-            <a:spAutoFit/>
-          </a:bodyPr>
-          <a:lstStyle/>
-          <a:p>
-            <a:pPr algn="just">
-              <a:lnSpc>
-                <a:spcPct val="150000"/>
-              </a:lnSpc>
-            </a:pPr>
-            <a:r>
-              <a:rPr lang="fr-FR" sz="2100" dirty="0" smtClean="0">
-                <a:latin typeface="Times New Roman" panose="02020603050405020304" pitchFamily="18" charset="0"/>
-                <a:cs typeface="Times New Roman" panose="02020603050405020304" pitchFamily="18" charset="0"/>
-              </a:rPr>
-              <a:t>Cette fois-ci, nous voulons obtenir un tableau pré-rempli afin de le compléter en fonction de l’âge (par </a:t>
-            </a:r>
-            <a:r>
-              <a:rPr lang="fr-FR" sz="2100" dirty="0" err="1" smtClean="0">
-                <a:latin typeface="Times New Roman" panose="02020603050405020304" pitchFamily="18" charset="0"/>
-                <a:cs typeface="Times New Roman" panose="02020603050405020304" pitchFamily="18" charset="0"/>
-              </a:rPr>
-              <a:t>ecemple</a:t>
-            </a:r>
-            <a:r>
-              <a:rPr lang="fr-FR" sz="2100" dirty="0" smtClean="0">
-                <a:latin typeface="Times New Roman" panose="02020603050405020304" pitchFamily="18" charset="0"/>
-                <a:cs typeface="Times New Roman" panose="02020603050405020304" pitchFamily="18" charset="0"/>
-              </a:rPr>
-              <a:t>). L’âge doit être compris entre 12-17 ans.</a:t>
-            </a:r>
-            <a:endParaRPr lang="fr-FR" sz="1600" dirty="0">
               <a:latin typeface="Times New Roman" panose="02020603050405020304" pitchFamily="18" charset="0"/>
               <a:cs typeface="Times New Roman" panose="02020603050405020304" pitchFamily="18" charset="0"/>
             </a:endParaRPr>
@@ -9475,7 +8124,7 @@
         </p:blipFill>
         <p:spPr>
           <a:xfrm>
-            <a:off x="822960" y="2821572"/>
+            <a:off x="597002" y="1710776"/>
             <a:ext cx="10561320" cy="3350627"/>
           </a:xfrm>
           <a:prstGeom prst="rect">
@@ -9487,6 +8136,1201 @@
     <p:extLst>
       <p:ext uri="{BB962C8B-B14F-4D97-AF65-F5344CB8AC3E}">
         <p14:creationId xmlns:p14="http://schemas.microsoft.com/office/powerpoint/2010/main" val="1631989333"/>
+      </p:ext>
+    </p:extLst>
+  </p:cSld>
+  <p:clrMapOvr>
+    <a:masterClrMapping/>
+  </p:clrMapOvr>
+  <p:timing>
+    <p:tnLst>
+      <p:par>
+        <p:cTn id="1" dur="indefinite" restart="never" nodeType="tmRoot"/>
+      </p:par>
+    </p:tnLst>
+  </p:timing>
+</p:sld>
+</file>
+
+<file path=ppt/slides/slide19.xml><?xml version="1.0" encoding="utf-8"?>
+<p:sld xmlns:a="http://schemas.openxmlformats.org/drawingml/2006/main" xmlns:r="http://schemas.openxmlformats.org/officeDocument/2006/relationships" xmlns:p="http://schemas.openxmlformats.org/presentationml/2006/main">
+  <p:cSld>
+    <p:spTree>
+      <p:nvGrpSpPr>
+        <p:cNvPr id="1" name=""/>
+        <p:cNvGrpSpPr/>
+        <p:nvPr/>
+      </p:nvGrpSpPr>
+      <p:grpSpPr>
+        <a:xfrm>
+          <a:off x="0" y="0"/>
+          <a:ext cx="0" cy="0"/>
+          <a:chOff x="0" y="0"/>
+          <a:chExt cx="0" cy="0"/>
+        </a:xfrm>
+      </p:grpSpPr>
+      <p:sp>
+        <p:nvSpPr>
+          <p:cNvPr id="4" name="ZoneTexte 3">
+            <a:extLst>
+              <a:ext uri="{FF2B5EF4-FFF2-40B4-BE49-F238E27FC236}">
+                <a16:creationId xmlns:a16="http://schemas.microsoft.com/office/drawing/2014/main" id="{B7191FEF-1E3F-48E9-A65A-B5A88B9994F6}"/>
+              </a:ext>
+            </a:extLst>
+          </p:cNvPr>
+          <p:cNvSpPr txBox="1"/>
+          <p:nvPr/>
+        </p:nvSpPr>
+        <p:spPr>
+          <a:xfrm>
+            <a:off x="1919416" y="295004"/>
+            <a:ext cx="8801924" cy="707886"/>
+          </a:xfrm>
+          <a:prstGeom prst="rect">
+            <a:avLst/>
+          </a:prstGeom>
+          <a:solidFill>
+            <a:schemeClr val="accent6">
+              <a:lumMod val="50000"/>
+            </a:schemeClr>
+          </a:solidFill>
+          <a:ln>
+            <a:solidFill>
+              <a:schemeClr val="accent6">
+                <a:lumMod val="50000"/>
+              </a:schemeClr>
+            </a:solidFill>
+          </a:ln>
+          <a:effectLst>
+            <a:outerShdw blurRad="50800" dist="38100" dir="13500000" algn="br" rotWithShape="0">
+              <a:schemeClr val="accent1">
+                <a:alpha val="40000"/>
+              </a:schemeClr>
+            </a:outerShdw>
+            <a:reflection blurRad="6350" stA="50000" endA="300" endPos="55000" dir="5400000" sy="-100000" algn="bl" rotWithShape="0"/>
+          </a:effectLst>
+        </p:spPr>
+        <p:txBody>
+          <a:bodyPr wrap="square" rtlCol="0">
+            <a:spAutoFit/>
+          </a:bodyPr>
+          <a:lstStyle/>
+          <a:p>
+            <a:pPr algn="ctr"/>
+            <a:r>
+              <a:rPr lang="fr-FR" sz="4000" dirty="0" smtClean="0">
+                <a:solidFill>
+                  <a:schemeClr val="bg1"/>
+                </a:solidFill>
+              </a:rPr>
+              <a:t>Validation de saisie : Gérer les contrôles</a:t>
+            </a:r>
+            <a:endParaRPr lang="fr-FR" sz="4000" dirty="0">
+              <a:solidFill>
+                <a:schemeClr val="bg1"/>
+              </a:solidFill>
+            </a:endParaRPr>
+          </a:p>
+        </p:txBody>
+      </p:sp>
+      <p:cxnSp>
+        <p:nvCxnSpPr>
+          <p:cNvPr id="3" name="Connecteur droit 2">
+            <a:extLst>
+              <a:ext uri="{FF2B5EF4-FFF2-40B4-BE49-F238E27FC236}">
+                <a16:creationId xmlns:a16="http://schemas.microsoft.com/office/drawing/2014/main" id="{2E5FFC58-89E0-45F1-AB54-88B4500CE745}"/>
+              </a:ext>
+            </a:extLst>
+          </p:cNvPr>
+          <p:cNvCxnSpPr/>
+          <p:nvPr/>
+        </p:nvCxnSpPr>
+        <p:spPr>
+          <a:xfrm>
+            <a:off x="1327355" y="1002890"/>
+            <a:ext cx="9674942" cy="0"/>
+          </a:xfrm>
+          <a:prstGeom prst="line">
+            <a:avLst/>
+          </a:prstGeom>
+          <a:ln w="38100">
+            <a:solidFill>
+              <a:schemeClr val="accent6">
+                <a:lumMod val="50000"/>
+              </a:schemeClr>
+            </a:solidFill>
+          </a:ln>
+        </p:spPr>
+        <p:style>
+          <a:lnRef idx="1">
+            <a:schemeClr val="accent1"/>
+          </a:lnRef>
+          <a:fillRef idx="0">
+            <a:schemeClr val="accent1"/>
+          </a:fillRef>
+          <a:effectRef idx="0">
+            <a:schemeClr val="accent1"/>
+          </a:effectRef>
+          <a:fontRef idx="minor">
+            <a:schemeClr val="tx1"/>
+          </a:fontRef>
+        </p:style>
+      </p:cxnSp>
+      <p:sp>
+        <p:nvSpPr>
+          <p:cNvPr id="14" name="Rectangle 13">
+            <a:extLst>
+              <a:ext uri="{FF2B5EF4-FFF2-40B4-BE49-F238E27FC236}">
+                <a16:creationId xmlns:a16="http://schemas.microsoft.com/office/drawing/2014/main" id="{7F448B43-D049-47E2-AFB8-3F156777C439}"/>
+              </a:ext>
+            </a:extLst>
+          </p:cNvPr>
+          <p:cNvSpPr/>
+          <p:nvPr/>
+        </p:nvSpPr>
+        <p:spPr>
+          <a:xfrm>
+            <a:off x="0" y="6385815"/>
+            <a:ext cx="12192000" cy="472186"/>
+          </a:xfrm>
+          <a:prstGeom prst="rect">
+            <a:avLst/>
+          </a:prstGeom>
+          <a:solidFill>
+            <a:schemeClr val="accent1">
+              <a:lumMod val="20000"/>
+              <a:lumOff val="80000"/>
+            </a:schemeClr>
+          </a:solidFill>
+          <a:ln>
+            <a:noFill/>
+          </a:ln>
+        </p:spPr>
+        <p:style>
+          <a:lnRef idx="2">
+            <a:schemeClr val="accent1">
+              <a:shade val="50000"/>
+            </a:schemeClr>
+          </a:lnRef>
+          <a:fillRef idx="1">
+            <a:schemeClr val="accent1"/>
+          </a:fillRef>
+          <a:effectRef idx="0">
+            <a:schemeClr val="accent1"/>
+          </a:effectRef>
+          <a:fontRef idx="minor">
+            <a:schemeClr val="lt1"/>
+          </a:fontRef>
+        </p:style>
+        <p:txBody>
+          <a:bodyPr rtlCol="0" anchor="ctr"/>
+          <a:lstStyle/>
+          <a:p>
+            <a:pPr algn="ctr"/>
+            <a:endParaRPr lang="fr-FR"/>
+          </a:p>
+        </p:txBody>
+      </p:sp>
+      <p:sp>
+        <p:nvSpPr>
+          <p:cNvPr id="15" name="Espace réservé du numéro de diapositive 11">
+            <a:extLst>
+              <a:ext uri="{FF2B5EF4-FFF2-40B4-BE49-F238E27FC236}">
+                <a16:creationId xmlns:a16="http://schemas.microsoft.com/office/drawing/2014/main" id="{43514CE0-42FD-4E8C-A570-33D26B0F86F6}"/>
+              </a:ext>
+            </a:extLst>
+          </p:cNvPr>
+          <p:cNvSpPr>
+            <a:spLocks noGrp="1"/>
+          </p:cNvSpPr>
+          <p:nvPr>
+            <p:ph type="sldNum" sz="quarter" idx="12"/>
+          </p:nvPr>
+        </p:nvSpPr>
+        <p:spPr>
+          <a:xfrm>
+            <a:off x="11158322" y="6492875"/>
+            <a:ext cx="870036" cy="365125"/>
+          </a:xfrm>
+        </p:spPr>
+        <p:txBody>
+          <a:bodyPr/>
+          <a:lstStyle/>
+          <a:p>
+            <a:fld id="{09EA0DBA-1CB7-49FD-A4E9-CB9833829DE4}" type="slidenum">
+              <a:rPr lang="fr-FR" sz="2000" b="1" smtClean="0">
+                <a:solidFill>
+                  <a:srgbClr val="FF0000"/>
+                </a:solidFill>
+                <a:latin typeface="Times New Roman" panose="02020603050405020304" pitchFamily="18" charset="0"/>
+                <a:cs typeface="Times New Roman" panose="02020603050405020304" pitchFamily="18" charset="0"/>
+              </a:rPr>
+              <a:t>19</a:t>
+            </a:fld>
+            <a:endParaRPr lang="fr-FR" sz="2000" b="1" dirty="0">
+              <a:solidFill>
+                <a:srgbClr val="FF0000"/>
+              </a:solidFill>
+              <a:latin typeface="Times New Roman" panose="02020603050405020304" pitchFamily="18" charset="0"/>
+              <a:cs typeface="Times New Roman" panose="02020603050405020304" pitchFamily="18" charset="0"/>
+            </a:endParaRPr>
+          </a:p>
+        </p:txBody>
+      </p:sp>
+      <p:pic>
+        <p:nvPicPr>
+          <p:cNvPr id="6" name="Image 5"/>
+          <p:cNvPicPr>
+            <a:picLocks noChangeAspect="1"/>
+          </p:cNvPicPr>
+          <p:nvPr/>
+        </p:nvPicPr>
+        <p:blipFill>
+          <a:blip r:embed="rId2"/>
+          <a:stretch>
+            <a:fillRect/>
+          </a:stretch>
+        </p:blipFill>
+        <p:spPr>
+          <a:xfrm>
+            <a:off x="617219" y="1002891"/>
+            <a:ext cx="10385077" cy="5489984"/>
+          </a:xfrm>
+          <a:prstGeom prst="rect">
+            <a:avLst/>
+          </a:prstGeom>
+        </p:spPr>
+      </p:pic>
+    </p:spTree>
+    <p:extLst>
+      <p:ext uri="{BB962C8B-B14F-4D97-AF65-F5344CB8AC3E}">
+        <p14:creationId xmlns:p14="http://schemas.microsoft.com/office/powerpoint/2010/main" val="2624798917"/>
+      </p:ext>
+    </p:extLst>
+  </p:cSld>
+  <p:clrMapOvr>
+    <a:masterClrMapping/>
+  </p:clrMapOvr>
+  <p:timing>
+    <p:tnLst>
+      <p:par>
+        <p:cTn id="1" dur="indefinite" restart="never" nodeType="tmRoot"/>
+      </p:par>
+    </p:tnLst>
+  </p:timing>
+</p:sld>
+</file>
+
+<file path=ppt/slides/slide2.xml><?xml version="1.0" encoding="utf-8"?>
+<p:sld xmlns:a="http://schemas.openxmlformats.org/drawingml/2006/main" xmlns:r="http://schemas.openxmlformats.org/officeDocument/2006/relationships" xmlns:p="http://schemas.openxmlformats.org/presentationml/2006/main">
+  <p:cSld>
+    <p:spTree>
+      <p:nvGrpSpPr>
+        <p:cNvPr id="1" name=""/>
+        <p:cNvGrpSpPr/>
+        <p:nvPr/>
+      </p:nvGrpSpPr>
+      <p:grpSpPr>
+        <a:xfrm>
+          <a:off x="0" y="0"/>
+          <a:ext cx="0" cy="0"/>
+          <a:chOff x="0" y="0"/>
+          <a:chExt cx="0" cy="0"/>
+        </a:xfrm>
+      </p:grpSpPr>
+      <p:sp>
+        <p:nvSpPr>
+          <p:cNvPr id="10" name="Rectangle 9">
+            <a:extLst>
+              <a:ext uri="{FF2B5EF4-FFF2-40B4-BE49-F238E27FC236}">
+                <a16:creationId xmlns:a16="http://schemas.microsoft.com/office/drawing/2014/main" id="{DA4BA0ED-4844-4C8B-82B9-1189524149F8}"/>
+              </a:ext>
+            </a:extLst>
+          </p:cNvPr>
+          <p:cNvSpPr/>
+          <p:nvPr/>
+        </p:nvSpPr>
+        <p:spPr>
+          <a:xfrm>
+            <a:off x="0" y="6385815"/>
+            <a:ext cx="12192000" cy="472186"/>
+          </a:xfrm>
+          <a:prstGeom prst="rect">
+            <a:avLst/>
+          </a:prstGeom>
+          <a:solidFill>
+            <a:schemeClr val="accent1">
+              <a:lumMod val="20000"/>
+              <a:lumOff val="80000"/>
+            </a:schemeClr>
+          </a:solidFill>
+          <a:ln>
+            <a:noFill/>
+          </a:ln>
+        </p:spPr>
+        <p:style>
+          <a:lnRef idx="2">
+            <a:schemeClr val="accent1">
+              <a:shade val="50000"/>
+            </a:schemeClr>
+          </a:lnRef>
+          <a:fillRef idx="1">
+            <a:schemeClr val="accent1"/>
+          </a:fillRef>
+          <a:effectRef idx="0">
+            <a:schemeClr val="accent1"/>
+          </a:effectRef>
+          <a:fontRef idx="minor">
+            <a:schemeClr val="lt1"/>
+          </a:fontRef>
+        </p:style>
+        <p:txBody>
+          <a:bodyPr rtlCol="0" anchor="ctr"/>
+          <a:lstStyle/>
+          <a:p>
+            <a:pPr algn="ctr"/>
+            <a:endParaRPr lang="fr-FR"/>
+          </a:p>
+        </p:txBody>
+      </p:sp>
+      <p:sp>
+        <p:nvSpPr>
+          <p:cNvPr id="11" name="Espace réservé du numéro de diapositive 11">
+            <a:extLst>
+              <a:ext uri="{FF2B5EF4-FFF2-40B4-BE49-F238E27FC236}">
+                <a16:creationId xmlns:a16="http://schemas.microsoft.com/office/drawing/2014/main" id="{6E09DCDB-AE7D-46A6-BB24-B19F551B132C}"/>
+              </a:ext>
+            </a:extLst>
+          </p:cNvPr>
+          <p:cNvSpPr>
+            <a:spLocks noGrp="1"/>
+          </p:cNvSpPr>
+          <p:nvPr>
+            <p:ph type="sldNum" sz="quarter" idx="12"/>
+          </p:nvPr>
+        </p:nvSpPr>
+        <p:spPr>
+          <a:xfrm>
+            <a:off x="11158322" y="6492875"/>
+            <a:ext cx="870036" cy="365125"/>
+          </a:xfrm>
+        </p:spPr>
+        <p:txBody>
+          <a:bodyPr/>
+          <a:lstStyle/>
+          <a:p>
+            <a:fld id="{09EA0DBA-1CB7-49FD-A4E9-CB9833829DE4}" type="slidenum">
+              <a:rPr lang="fr-FR" sz="2000" b="1" smtClean="0">
+                <a:solidFill>
+                  <a:srgbClr val="FF0000"/>
+                </a:solidFill>
+                <a:latin typeface="Times New Roman" panose="02020603050405020304" pitchFamily="18" charset="0"/>
+                <a:cs typeface="Times New Roman" panose="02020603050405020304" pitchFamily="18" charset="0"/>
+              </a:rPr>
+              <a:t>2</a:t>
+            </a:fld>
+            <a:endParaRPr lang="fr-FR" sz="2000" b="1" dirty="0">
+              <a:solidFill>
+                <a:srgbClr val="FF0000"/>
+              </a:solidFill>
+              <a:latin typeface="Times New Roman" panose="02020603050405020304" pitchFamily="18" charset="0"/>
+              <a:cs typeface="Times New Roman" panose="02020603050405020304" pitchFamily="18" charset="0"/>
+            </a:endParaRPr>
+          </a:p>
+        </p:txBody>
+      </p:sp>
+      <p:sp>
+        <p:nvSpPr>
+          <p:cNvPr id="8" name="ZoneTexte 7">
+            <a:extLst>
+              <a:ext uri="{FF2B5EF4-FFF2-40B4-BE49-F238E27FC236}">
+                <a16:creationId xmlns:a16="http://schemas.microsoft.com/office/drawing/2014/main" id="{0A62A2AD-5162-491A-A819-15508085BEFB}"/>
+              </a:ext>
+            </a:extLst>
+          </p:cNvPr>
+          <p:cNvSpPr txBox="1"/>
+          <p:nvPr/>
+        </p:nvSpPr>
+        <p:spPr>
+          <a:xfrm>
+            <a:off x="234778" y="1828804"/>
+            <a:ext cx="11728622" cy="2308324"/>
+          </a:xfrm>
+          <a:prstGeom prst="rect">
+            <a:avLst/>
+          </a:prstGeom>
+          <a:solidFill>
+            <a:schemeClr val="accent6">
+              <a:lumMod val="50000"/>
+            </a:schemeClr>
+          </a:solidFill>
+          <a:ln>
+            <a:solidFill>
+              <a:schemeClr val="accent6">
+                <a:lumMod val="50000"/>
+              </a:schemeClr>
+            </a:solidFill>
+          </a:ln>
+          <a:effectLst>
+            <a:outerShdw blurRad="50800" dist="38100" dir="13500000" algn="br" rotWithShape="0">
+              <a:schemeClr val="accent1">
+                <a:alpha val="40000"/>
+              </a:schemeClr>
+            </a:outerShdw>
+            <a:reflection blurRad="6350" stA="50000" endA="300" endPos="55000" dir="5400000" sy="-100000" algn="bl" rotWithShape="0"/>
+          </a:effectLst>
+        </p:spPr>
+        <p:txBody>
+          <a:bodyPr wrap="square" rtlCol="0">
+            <a:spAutoFit/>
+          </a:bodyPr>
+          <a:lstStyle/>
+          <a:p>
+            <a:pPr algn="ctr"/>
+            <a:endParaRPr lang="fr-FR" sz="4800" dirty="0"/>
+          </a:p>
+          <a:p>
+            <a:pPr algn="ctr"/>
+            <a:r>
+              <a:rPr lang="fr-FR" sz="4800" dirty="0" smtClean="0">
+                <a:solidFill>
+                  <a:schemeClr val="bg1"/>
+                </a:solidFill>
+              </a:rPr>
+              <a:t>Les fondamentaux de Excel</a:t>
+            </a:r>
+            <a:endParaRPr lang="fr-FR" sz="4800" dirty="0">
+              <a:solidFill>
+                <a:schemeClr val="bg1"/>
+              </a:solidFill>
+            </a:endParaRPr>
+          </a:p>
+          <a:p>
+            <a:pPr algn="ctr"/>
+            <a:endParaRPr lang="fr-FR" sz="4800" dirty="0"/>
+          </a:p>
+        </p:txBody>
+      </p:sp>
+      <p:cxnSp>
+        <p:nvCxnSpPr>
+          <p:cNvPr id="9" name="Connecteur droit 8">
+            <a:extLst>
+              <a:ext uri="{FF2B5EF4-FFF2-40B4-BE49-F238E27FC236}">
+                <a16:creationId xmlns:a16="http://schemas.microsoft.com/office/drawing/2014/main" id="{CA91B1E3-FD56-4F80-9C4D-68FE7BB35AA6}"/>
+              </a:ext>
+            </a:extLst>
+          </p:cNvPr>
+          <p:cNvCxnSpPr/>
+          <p:nvPr/>
+        </p:nvCxnSpPr>
+        <p:spPr>
+          <a:xfrm>
+            <a:off x="1327355" y="1002890"/>
+            <a:ext cx="9674942" cy="0"/>
+          </a:xfrm>
+          <a:prstGeom prst="line">
+            <a:avLst/>
+          </a:prstGeom>
+          <a:ln w="38100">
+            <a:solidFill>
+              <a:schemeClr val="accent6">
+                <a:lumMod val="50000"/>
+              </a:schemeClr>
+            </a:solidFill>
+          </a:ln>
+        </p:spPr>
+        <p:style>
+          <a:lnRef idx="1">
+            <a:schemeClr val="accent1"/>
+          </a:lnRef>
+          <a:fillRef idx="0">
+            <a:schemeClr val="accent1"/>
+          </a:fillRef>
+          <a:effectRef idx="0">
+            <a:schemeClr val="accent1"/>
+          </a:effectRef>
+          <a:fontRef idx="minor">
+            <a:schemeClr val="tx1"/>
+          </a:fontRef>
+        </p:style>
+      </p:cxnSp>
+      <p:cxnSp>
+        <p:nvCxnSpPr>
+          <p:cNvPr id="12" name="Connecteur droit 11">
+            <a:extLst>
+              <a:ext uri="{FF2B5EF4-FFF2-40B4-BE49-F238E27FC236}">
+                <a16:creationId xmlns:a16="http://schemas.microsoft.com/office/drawing/2014/main" id="{34364D99-1E04-4083-84DA-21B4C64D9EAA}"/>
+              </a:ext>
+            </a:extLst>
+          </p:cNvPr>
+          <p:cNvCxnSpPr/>
+          <p:nvPr/>
+        </p:nvCxnSpPr>
+        <p:spPr>
+          <a:xfrm>
+            <a:off x="1327355" y="5776718"/>
+            <a:ext cx="9674942" cy="0"/>
+          </a:xfrm>
+          <a:prstGeom prst="line">
+            <a:avLst/>
+          </a:prstGeom>
+          <a:ln w="38100">
+            <a:solidFill>
+              <a:schemeClr val="accent6">
+                <a:lumMod val="50000"/>
+              </a:schemeClr>
+            </a:solidFill>
+          </a:ln>
+        </p:spPr>
+        <p:style>
+          <a:lnRef idx="1">
+            <a:schemeClr val="accent1"/>
+          </a:lnRef>
+          <a:fillRef idx="0">
+            <a:schemeClr val="accent1"/>
+          </a:fillRef>
+          <a:effectRef idx="0">
+            <a:schemeClr val="accent1"/>
+          </a:effectRef>
+          <a:fontRef idx="minor">
+            <a:schemeClr val="tx1"/>
+          </a:fontRef>
+        </p:style>
+      </p:cxnSp>
+    </p:spTree>
+    <p:extLst>
+      <p:ext uri="{BB962C8B-B14F-4D97-AF65-F5344CB8AC3E}">
+        <p14:creationId xmlns:p14="http://schemas.microsoft.com/office/powerpoint/2010/main" val="1454883434"/>
+      </p:ext>
+    </p:extLst>
+  </p:cSld>
+  <p:clrMapOvr>
+    <a:masterClrMapping/>
+  </p:clrMapOvr>
+  <p:timing>
+    <p:tnLst>
+      <p:par>
+        <p:cTn id="1" dur="indefinite" restart="never" nodeType="tmRoot"/>
+      </p:par>
+    </p:tnLst>
+  </p:timing>
+</p:sld>
+</file>
+
+<file path=ppt/slides/slide20.xml><?xml version="1.0" encoding="utf-8"?>
+<p:sld xmlns:a="http://schemas.openxmlformats.org/drawingml/2006/main" xmlns:r="http://schemas.openxmlformats.org/officeDocument/2006/relationships" xmlns:p="http://schemas.openxmlformats.org/presentationml/2006/main">
+  <p:cSld>
+    <p:spTree>
+      <p:nvGrpSpPr>
+        <p:cNvPr id="1" name=""/>
+        <p:cNvGrpSpPr/>
+        <p:nvPr/>
+      </p:nvGrpSpPr>
+      <p:grpSpPr>
+        <a:xfrm>
+          <a:off x="0" y="0"/>
+          <a:ext cx="0" cy="0"/>
+          <a:chOff x="0" y="0"/>
+          <a:chExt cx="0" cy="0"/>
+        </a:xfrm>
+      </p:grpSpPr>
+      <p:sp>
+        <p:nvSpPr>
+          <p:cNvPr id="4" name="ZoneTexte 3">
+            <a:extLst>
+              <a:ext uri="{FF2B5EF4-FFF2-40B4-BE49-F238E27FC236}">
+                <a16:creationId xmlns:a16="http://schemas.microsoft.com/office/drawing/2014/main" id="{B7191FEF-1E3F-48E9-A65A-B5A88B9994F6}"/>
+              </a:ext>
+            </a:extLst>
+          </p:cNvPr>
+          <p:cNvSpPr txBox="1"/>
+          <p:nvPr/>
+        </p:nvSpPr>
+        <p:spPr>
+          <a:xfrm>
+            <a:off x="1919416" y="295004"/>
+            <a:ext cx="8801924" cy="707886"/>
+          </a:xfrm>
+          <a:prstGeom prst="rect">
+            <a:avLst/>
+          </a:prstGeom>
+          <a:solidFill>
+            <a:schemeClr val="accent6">
+              <a:lumMod val="50000"/>
+            </a:schemeClr>
+          </a:solidFill>
+          <a:ln>
+            <a:solidFill>
+              <a:schemeClr val="accent6">
+                <a:lumMod val="50000"/>
+              </a:schemeClr>
+            </a:solidFill>
+          </a:ln>
+          <a:effectLst>
+            <a:outerShdw blurRad="50800" dist="38100" dir="13500000" algn="br" rotWithShape="0">
+              <a:schemeClr val="accent1">
+                <a:alpha val="40000"/>
+              </a:schemeClr>
+            </a:outerShdw>
+            <a:reflection blurRad="6350" stA="50000" endA="300" endPos="55000" dir="5400000" sy="-100000" algn="bl" rotWithShape="0"/>
+          </a:effectLst>
+        </p:spPr>
+        <p:txBody>
+          <a:bodyPr wrap="square" rtlCol="0">
+            <a:spAutoFit/>
+          </a:bodyPr>
+          <a:lstStyle/>
+          <a:p>
+            <a:pPr algn="ctr"/>
+            <a:r>
+              <a:rPr lang="fr-FR" sz="4000" dirty="0" smtClean="0">
+                <a:solidFill>
+                  <a:schemeClr val="bg1"/>
+                </a:solidFill>
+              </a:rPr>
+              <a:t>Validation de saisie : Gérer les contrôles</a:t>
+            </a:r>
+            <a:endParaRPr lang="fr-FR" sz="4000" dirty="0">
+              <a:solidFill>
+                <a:schemeClr val="bg1"/>
+              </a:solidFill>
+            </a:endParaRPr>
+          </a:p>
+        </p:txBody>
+      </p:sp>
+      <p:cxnSp>
+        <p:nvCxnSpPr>
+          <p:cNvPr id="3" name="Connecteur droit 2">
+            <a:extLst>
+              <a:ext uri="{FF2B5EF4-FFF2-40B4-BE49-F238E27FC236}">
+                <a16:creationId xmlns:a16="http://schemas.microsoft.com/office/drawing/2014/main" id="{2E5FFC58-89E0-45F1-AB54-88B4500CE745}"/>
+              </a:ext>
+            </a:extLst>
+          </p:cNvPr>
+          <p:cNvCxnSpPr/>
+          <p:nvPr/>
+        </p:nvCxnSpPr>
+        <p:spPr>
+          <a:xfrm>
+            <a:off x="1327355" y="1002890"/>
+            <a:ext cx="9674942" cy="0"/>
+          </a:xfrm>
+          <a:prstGeom prst="line">
+            <a:avLst/>
+          </a:prstGeom>
+          <a:ln w="38100">
+            <a:solidFill>
+              <a:schemeClr val="accent6">
+                <a:lumMod val="50000"/>
+              </a:schemeClr>
+            </a:solidFill>
+          </a:ln>
+        </p:spPr>
+        <p:style>
+          <a:lnRef idx="1">
+            <a:schemeClr val="accent1"/>
+          </a:lnRef>
+          <a:fillRef idx="0">
+            <a:schemeClr val="accent1"/>
+          </a:fillRef>
+          <a:effectRef idx="0">
+            <a:schemeClr val="accent1"/>
+          </a:effectRef>
+          <a:fontRef idx="minor">
+            <a:schemeClr val="tx1"/>
+          </a:fontRef>
+        </p:style>
+      </p:cxnSp>
+      <p:sp>
+        <p:nvSpPr>
+          <p:cNvPr id="14" name="Rectangle 13">
+            <a:extLst>
+              <a:ext uri="{FF2B5EF4-FFF2-40B4-BE49-F238E27FC236}">
+                <a16:creationId xmlns:a16="http://schemas.microsoft.com/office/drawing/2014/main" id="{7F448B43-D049-47E2-AFB8-3F156777C439}"/>
+              </a:ext>
+            </a:extLst>
+          </p:cNvPr>
+          <p:cNvSpPr/>
+          <p:nvPr/>
+        </p:nvSpPr>
+        <p:spPr>
+          <a:xfrm>
+            <a:off x="0" y="6385815"/>
+            <a:ext cx="12192000" cy="472186"/>
+          </a:xfrm>
+          <a:prstGeom prst="rect">
+            <a:avLst/>
+          </a:prstGeom>
+          <a:solidFill>
+            <a:schemeClr val="accent1">
+              <a:lumMod val="20000"/>
+              <a:lumOff val="80000"/>
+            </a:schemeClr>
+          </a:solidFill>
+          <a:ln>
+            <a:noFill/>
+          </a:ln>
+        </p:spPr>
+        <p:style>
+          <a:lnRef idx="2">
+            <a:schemeClr val="accent1">
+              <a:shade val="50000"/>
+            </a:schemeClr>
+          </a:lnRef>
+          <a:fillRef idx="1">
+            <a:schemeClr val="accent1"/>
+          </a:fillRef>
+          <a:effectRef idx="0">
+            <a:schemeClr val="accent1"/>
+          </a:effectRef>
+          <a:fontRef idx="minor">
+            <a:schemeClr val="lt1"/>
+          </a:fontRef>
+        </p:style>
+        <p:txBody>
+          <a:bodyPr rtlCol="0" anchor="ctr"/>
+          <a:lstStyle/>
+          <a:p>
+            <a:pPr algn="ctr"/>
+            <a:endParaRPr lang="fr-FR"/>
+          </a:p>
+        </p:txBody>
+      </p:sp>
+      <p:sp>
+        <p:nvSpPr>
+          <p:cNvPr id="15" name="Espace réservé du numéro de diapositive 11">
+            <a:extLst>
+              <a:ext uri="{FF2B5EF4-FFF2-40B4-BE49-F238E27FC236}">
+                <a16:creationId xmlns:a16="http://schemas.microsoft.com/office/drawing/2014/main" id="{43514CE0-42FD-4E8C-A570-33D26B0F86F6}"/>
+              </a:ext>
+            </a:extLst>
+          </p:cNvPr>
+          <p:cNvSpPr>
+            <a:spLocks noGrp="1"/>
+          </p:cNvSpPr>
+          <p:nvPr>
+            <p:ph type="sldNum" sz="quarter" idx="12"/>
+          </p:nvPr>
+        </p:nvSpPr>
+        <p:spPr>
+          <a:xfrm>
+            <a:off x="11158322" y="6492875"/>
+            <a:ext cx="870036" cy="365125"/>
+          </a:xfrm>
+        </p:spPr>
+        <p:txBody>
+          <a:bodyPr/>
+          <a:lstStyle/>
+          <a:p>
+            <a:fld id="{09EA0DBA-1CB7-49FD-A4E9-CB9833829DE4}" type="slidenum">
+              <a:rPr lang="fr-FR" sz="2000" b="1" smtClean="0">
+                <a:solidFill>
+                  <a:srgbClr val="FF0000"/>
+                </a:solidFill>
+                <a:latin typeface="Times New Roman" panose="02020603050405020304" pitchFamily="18" charset="0"/>
+                <a:cs typeface="Times New Roman" panose="02020603050405020304" pitchFamily="18" charset="0"/>
+              </a:rPr>
+              <a:t>20</a:t>
+            </a:fld>
+            <a:endParaRPr lang="fr-FR" sz="2000" b="1" dirty="0">
+              <a:solidFill>
+                <a:srgbClr val="FF0000"/>
+              </a:solidFill>
+              <a:latin typeface="Times New Roman" panose="02020603050405020304" pitchFamily="18" charset="0"/>
+              <a:cs typeface="Times New Roman" panose="02020603050405020304" pitchFamily="18" charset="0"/>
+            </a:endParaRPr>
+          </a:p>
+        </p:txBody>
+      </p:sp>
+      <p:pic>
+        <p:nvPicPr>
+          <p:cNvPr id="2" name="Image 1"/>
+          <p:cNvPicPr>
+            <a:picLocks noChangeAspect="1"/>
+          </p:cNvPicPr>
+          <p:nvPr/>
+        </p:nvPicPr>
+        <p:blipFill>
+          <a:blip r:embed="rId2"/>
+          <a:stretch>
+            <a:fillRect/>
+          </a:stretch>
+        </p:blipFill>
+        <p:spPr>
+          <a:xfrm>
+            <a:off x="525780" y="2217420"/>
+            <a:ext cx="11087099" cy="3886199"/>
+          </a:xfrm>
+          <a:prstGeom prst="rect">
+            <a:avLst/>
+          </a:prstGeom>
+        </p:spPr>
+      </p:pic>
+      <p:sp>
+        <p:nvSpPr>
+          <p:cNvPr id="8" name="Rectangle 7">
+            <a:extLst>
+              <a:ext uri="{FF2B5EF4-FFF2-40B4-BE49-F238E27FC236}">
+                <a16:creationId xmlns:a16="http://schemas.microsoft.com/office/drawing/2014/main" id="{C2327DB0-0A90-4C8F-9443-ADC8C8E788A1}"/>
+              </a:ext>
+            </a:extLst>
+          </p:cNvPr>
+          <p:cNvSpPr/>
+          <p:nvPr/>
+        </p:nvSpPr>
+        <p:spPr>
+          <a:xfrm>
+            <a:off x="1258529" y="1285086"/>
+            <a:ext cx="9674942" cy="518988"/>
+          </a:xfrm>
+          <a:prstGeom prst="rect">
+            <a:avLst/>
+          </a:prstGeom>
+        </p:spPr>
+        <p:txBody>
+          <a:bodyPr wrap="square">
+            <a:spAutoFit/>
+          </a:bodyPr>
+          <a:lstStyle/>
+          <a:p>
+            <a:pPr algn="just">
+              <a:lnSpc>
+                <a:spcPct val="150000"/>
+              </a:lnSpc>
+            </a:pPr>
+            <a:r>
+              <a:rPr lang="fr-FR" sz="2100" dirty="0" smtClean="0">
+                <a:latin typeface="Times New Roman" panose="02020603050405020304" pitchFamily="18" charset="0"/>
+                <a:cs typeface="Times New Roman" panose="02020603050405020304" pitchFamily="18" charset="0"/>
+              </a:rPr>
+              <a:t>Message d’erreur!</a:t>
+            </a:r>
+            <a:endParaRPr lang="fr-FR" sz="1600" dirty="0">
+              <a:latin typeface="Times New Roman" panose="02020603050405020304" pitchFamily="18" charset="0"/>
+              <a:cs typeface="Times New Roman" panose="02020603050405020304" pitchFamily="18" charset="0"/>
+            </a:endParaRPr>
+          </a:p>
+        </p:txBody>
+      </p:sp>
+    </p:spTree>
+    <p:extLst>
+      <p:ext uri="{BB962C8B-B14F-4D97-AF65-F5344CB8AC3E}">
+        <p14:creationId xmlns:p14="http://schemas.microsoft.com/office/powerpoint/2010/main" val="2924691015"/>
+      </p:ext>
+    </p:extLst>
+  </p:cSld>
+  <p:clrMapOvr>
+    <a:masterClrMapping/>
+  </p:clrMapOvr>
+  <p:timing>
+    <p:tnLst>
+      <p:par>
+        <p:cTn id="1" dur="indefinite" restart="never" nodeType="tmRoot"/>
+      </p:par>
+    </p:tnLst>
+  </p:timing>
+</p:sld>
+</file>
+
+<file path=ppt/slides/slide21.xml><?xml version="1.0" encoding="utf-8"?>
+<p:sld xmlns:a="http://schemas.openxmlformats.org/drawingml/2006/main" xmlns:r="http://schemas.openxmlformats.org/officeDocument/2006/relationships" xmlns:p="http://schemas.openxmlformats.org/presentationml/2006/main">
+  <p:cSld>
+    <p:spTree>
+      <p:nvGrpSpPr>
+        <p:cNvPr id="1" name=""/>
+        <p:cNvGrpSpPr/>
+        <p:nvPr/>
+      </p:nvGrpSpPr>
+      <p:grpSpPr>
+        <a:xfrm>
+          <a:off x="0" y="0"/>
+          <a:ext cx="0" cy="0"/>
+          <a:chOff x="0" y="0"/>
+          <a:chExt cx="0" cy="0"/>
+        </a:xfrm>
+      </p:grpSpPr>
+      <p:sp>
+        <p:nvSpPr>
+          <p:cNvPr id="4" name="ZoneTexte 3">
+            <a:extLst>
+              <a:ext uri="{FF2B5EF4-FFF2-40B4-BE49-F238E27FC236}">
+                <a16:creationId xmlns:a16="http://schemas.microsoft.com/office/drawing/2014/main" id="{B7191FEF-1E3F-48E9-A65A-B5A88B9994F6}"/>
+              </a:ext>
+            </a:extLst>
+          </p:cNvPr>
+          <p:cNvSpPr txBox="1"/>
+          <p:nvPr/>
+        </p:nvSpPr>
+        <p:spPr>
+          <a:xfrm>
+            <a:off x="1919416" y="295004"/>
+            <a:ext cx="8801924" cy="707886"/>
+          </a:xfrm>
+          <a:prstGeom prst="rect">
+            <a:avLst/>
+          </a:prstGeom>
+          <a:solidFill>
+            <a:schemeClr val="accent6">
+              <a:lumMod val="50000"/>
+            </a:schemeClr>
+          </a:solidFill>
+          <a:ln>
+            <a:solidFill>
+              <a:schemeClr val="accent6">
+                <a:lumMod val="50000"/>
+              </a:schemeClr>
+            </a:solidFill>
+          </a:ln>
+          <a:effectLst>
+            <a:outerShdw blurRad="50800" dist="38100" dir="13500000" algn="br" rotWithShape="0">
+              <a:schemeClr val="accent1">
+                <a:alpha val="40000"/>
+              </a:schemeClr>
+            </a:outerShdw>
+            <a:reflection blurRad="6350" stA="50000" endA="300" endPos="55000" dir="5400000" sy="-100000" algn="bl" rotWithShape="0"/>
+          </a:effectLst>
+        </p:spPr>
+        <p:txBody>
+          <a:bodyPr wrap="square" rtlCol="0">
+            <a:spAutoFit/>
+          </a:bodyPr>
+          <a:lstStyle/>
+          <a:p>
+            <a:pPr algn="ctr"/>
+            <a:r>
+              <a:rPr lang="fr-FR" sz="4000" dirty="0" smtClean="0">
+                <a:solidFill>
+                  <a:schemeClr val="bg1"/>
+                </a:solidFill>
+              </a:rPr>
+              <a:t>Validation de saisie : Gérer les contrôles</a:t>
+            </a:r>
+            <a:endParaRPr lang="fr-FR" sz="4000" dirty="0">
+              <a:solidFill>
+                <a:schemeClr val="bg1"/>
+              </a:solidFill>
+            </a:endParaRPr>
+          </a:p>
+        </p:txBody>
+      </p:sp>
+      <p:cxnSp>
+        <p:nvCxnSpPr>
+          <p:cNvPr id="3" name="Connecteur droit 2">
+            <a:extLst>
+              <a:ext uri="{FF2B5EF4-FFF2-40B4-BE49-F238E27FC236}">
+                <a16:creationId xmlns:a16="http://schemas.microsoft.com/office/drawing/2014/main" id="{2E5FFC58-89E0-45F1-AB54-88B4500CE745}"/>
+              </a:ext>
+            </a:extLst>
+          </p:cNvPr>
+          <p:cNvCxnSpPr/>
+          <p:nvPr/>
+        </p:nvCxnSpPr>
+        <p:spPr>
+          <a:xfrm>
+            <a:off x="1327355" y="1002890"/>
+            <a:ext cx="9674942" cy="0"/>
+          </a:xfrm>
+          <a:prstGeom prst="line">
+            <a:avLst/>
+          </a:prstGeom>
+          <a:ln w="38100">
+            <a:solidFill>
+              <a:schemeClr val="accent6">
+                <a:lumMod val="50000"/>
+              </a:schemeClr>
+            </a:solidFill>
+          </a:ln>
+        </p:spPr>
+        <p:style>
+          <a:lnRef idx="1">
+            <a:schemeClr val="accent1"/>
+          </a:lnRef>
+          <a:fillRef idx="0">
+            <a:schemeClr val="accent1"/>
+          </a:fillRef>
+          <a:effectRef idx="0">
+            <a:schemeClr val="accent1"/>
+          </a:effectRef>
+          <a:fontRef idx="minor">
+            <a:schemeClr val="tx1"/>
+          </a:fontRef>
+        </p:style>
+      </p:cxnSp>
+      <p:sp>
+        <p:nvSpPr>
+          <p:cNvPr id="14" name="Rectangle 13">
+            <a:extLst>
+              <a:ext uri="{FF2B5EF4-FFF2-40B4-BE49-F238E27FC236}">
+                <a16:creationId xmlns:a16="http://schemas.microsoft.com/office/drawing/2014/main" id="{7F448B43-D049-47E2-AFB8-3F156777C439}"/>
+              </a:ext>
+            </a:extLst>
+          </p:cNvPr>
+          <p:cNvSpPr/>
+          <p:nvPr/>
+        </p:nvSpPr>
+        <p:spPr>
+          <a:xfrm>
+            <a:off x="0" y="6385815"/>
+            <a:ext cx="12192000" cy="472186"/>
+          </a:xfrm>
+          <a:prstGeom prst="rect">
+            <a:avLst/>
+          </a:prstGeom>
+          <a:solidFill>
+            <a:schemeClr val="accent1">
+              <a:lumMod val="20000"/>
+              <a:lumOff val="80000"/>
+            </a:schemeClr>
+          </a:solidFill>
+          <a:ln>
+            <a:noFill/>
+          </a:ln>
+        </p:spPr>
+        <p:style>
+          <a:lnRef idx="2">
+            <a:schemeClr val="accent1">
+              <a:shade val="50000"/>
+            </a:schemeClr>
+          </a:lnRef>
+          <a:fillRef idx="1">
+            <a:schemeClr val="accent1"/>
+          </a:fillRef>
+          <a:effectRef idx="0">
+            <a:schemeClr val="accent1"/>
+          </a:effectRef>
+          <a:fontRef idx="minor">
+            <a:schemeClr val="lt1"/>
+          </a:fontRef>
+        </p:style>
+        <p:txBody>
+          <a:bodyPr rtlCol="0" anchor="ctr"/>
+          <a:lstStyle/>
+          <a:p>
+            <a:pPr algn="ctr"/>
+            <a:endParaRPr lang="fr-FR"/>
+          </a:p>
+        </p:txBody>
+      </p:sp>
+      <p:sp>
+        <p:nvSpPr>
+          <p:cNvPr id="15" name="Espace réservé du numéro de diapositive 11">
+            <a:extLst>
+              <a:ext uri="{FF2B5EF4-FFF2-40B4-BE49-F238E27FC236}">
+                <a16:creationId xmlns:a16="http://schemas.microsoft.com/office/drawing/2014/main" id="{43514CE0-42FD-4E8C-A570-33D26B0F86F6}"/>
+              </a:ext>
+            </a:extLst>
+          </p:cNvPr>
+          <p:cNvSpPr>
+            <a:spLocks noGrp="1"/>
+          </p:cNvSpPr>
+          <p:nvPr>
+            <p:ph type="sldNum" sz="quarter" idx="12"/>
+          </p:nvPr>
+        </p:nvSpPr>
+        <p:spPr>
+          <a:xfrm>
+            <a:off x="11158322" y="6492875"/>
+            <a:ext cx="870036" cy="365125"/>
+          </a:xfrm>
+        </p:spPr>
+        <p:txBody>
+          <a:bodyPr/>
+          <a:lstStyle/>
+          <a:p>
+            <a:fld id="{09EA0DBA-1CB7-49FD-A4E9-CB9833829DE4}" type="slidenum">
+              <a:rPr lang="fr-FR" sz="2000" b="1" smtClean="0">
+                <a:solidFill>
+                  <a:srgbClr val="FF0000"/>
+                </a:solidFill>
+                <a:latin typeface="Times New Roman" panose="02020603050405020304" pitchFamily="18" charset="0"/>
+                <a:cs typeface="Times New Roman" panose="02020603050405020304" pitchFamily="18" charset="0"/>
+              </a:rPr>
+              <a:t>21</a:t>
+            </a:fld>
+            <a:endParaRPr lang="fr-FR" sz="2000" b="1" dirty="0">
+              <a:solidFill>
+                <a:srgbClr val="FF0000"/>
+              </a:solidFill>
+              <a:latin typeface="Times New Roman" panose="02020603050405020304" pitchFamily="18" charset="0"/>
+              <a:cs typeface="Times New Roman" panose="02020603050405020304" pitchFamily="18" charset="0"/>
+            </a:endParaRPr>
+          </a:p>
+        </p:txBody>
+      </p:sp>
+      <p:sp>
+        <p:nvSpPr>
+          <p:cNvPr id="8" name="Rectangle 7">
+            <a:extLst>
+              <a:ext uri="{FF2B5EF4-FFF2-40B4-BE49-F238E27FC236}">
+                <a16:creationId xmlns:a16="http://schemas.microsoft.com/office/drawing/2014/main" id="{C2327DB0-0A90-4C8F-9443-ADC8C8E788A1}"/>
+              </a:ext>
+            </a:extLst>
+          </p:cNvPr>
+          <p:cNvSpPr/>
+          <p:nvPr/>
+        </p:nvSpPr>
+        <p:spPr>
+          <a:xfrm>
+            <a:off x="1046398" y="1133912"/>
+            <a:ext cx="9674942" cy="742511"/>
+          </a:xfrm>
+          <a:prstGeom prst="rect">
+            <a:avLst/>
+          </a:prstGeom>
+        </p:spPr>
+        <p:txBody>
+          <a:bodyPr wrap="square">
+            <a:spAutoFit/>
+          </a:bodyPr>
+          <a:lstStyle/>
+          <a:p>
+            <a:pPr algn="just">
+              <a:lnSpc>
+                <a:spcPct val="150000"/>
+              </a:lnSpc>
+            </a:pPr>
+            <a:r>
+              <a:rPr lang="fr-FR" sz="3200" dirty="0" smtClean="0">
+                <a:latin typeface="Times New Roman" panose="02020603050405020304" pitchFamily="18" charset="0"/>
+                <a:cs typeface="Times New Roman" panose="02020603050405020304" pitchFamily="18" charset="0"/>
+              </a:rPr>
+              <a:t>Personnalisation du message d’erreur.</a:t>
+            </a:r>
+            <a:endParaRPr lang="fr-FR" sz="3200" dirty="0">
+              <a:latin typeface="Times New Roman" panose="02020603050405020304" pitchFamily="18" charset="0"/>
+              <a:cs typeface="Times New Roman" panose="02020603050405020304" pitchFamily="18" charset="0"/>
+            </a:endParaRPr>
+          </a:p>
+        </p:txBody>
+      </p:sp>
+      <p:pic>
+        <p:nvPicPr>
+          <p:cNvPr id="5" name="Image 4"/>
+          <p:cNvPicPr>
+            <a:picLocks noChangeAspect="1"/>
+          </p:cNvPicPr>
+          <p:nvPr/>
+        </p:nvPicPr>
+        <p:blipFill>
+          <a:blip r:embed="rId2"/>
+          <a:stretch>
+            <a:fillRect/>
+          </a:stretch>
+        </p:blipFill>
+        <p:spPr>
+          <a:xfrm>
+            <a:off x="297180" y="1876424"/>
+            <a:ext cx="11731177" cy="4509389"/>
+          </a:xfrm>
+          <a:prstGeom prst="rect">
+            <a:avLst/>
+          </a:prstGeom>
+        </p:spPr>
+      </p:pic>
+    </p:spTree>
+    <p:extLst>
+      <p:ext uri="{BB962C8B-B14F-4D97-AF65-F5344CB8AC3E}">
+        <p14:creationId xmlns:p14="http://schemas.microsoft.com/office/powerpoint/2010/main" val="3042654821"/>
       </p:ext>
     </p:extLst>
   </p:cSld>
@@ -9728,9 +9572,55 @@
           </a:p>
         </p:txBody>
       </p:sp>
+      <p:sp>
+        <p:nvSpPr>
+          <p:cNvPr id="8" name="Rectangle 7">
+            <a:extLst>
+              <a:ext uri="{FF2B5EF4-FFF2-40B4-BE49-F238E27FC236}">
+                <a16:creationId xmlns:a16="http://schemas.microsoft.com/office/drawing/2014/main" id="{C2327DB0-0A90-4C8F-9443-ADC8C8E788A1}"/>
+              </a:ext>
+            </a:extLst>
+          </p:cNvPr>
+          <p:cNvSpPr/>
+          <p:nvPr/>
+        </p:nvSpPr>
+        <p:spPr>
+          <a:xfrm>
+            <a:off x="1046398" y="1170785"/>
+            <a:ext cx="9674942" cy="742511"/>
+          </a:xfrm>
+          <a:prstGeom prst="rect">
+            <a:avLst/>
+          </a:prstGeom>
+        </p:spPr>
+        <p:txBody>
+          <a:bodyPr wrap="square">
+            <a:spAutoFit/>
+          </a:bodyPr>
+          <a:lstStyle/>
+          <a:p>
+            <a:pPr algn="just">
+              <a:lnSpc>
+                <a:spcPct val="150000"/>
+              </a:lnSpc>
+            </a:pPr>
+            <a:r>
+              <a:rPr lang="fr-FR" sz="3200" dirty="0" smtClean="0">
+                <a:latin typeface="Times New Roman" panose="02020603050405020304" pitchFamily="18" charset="0"/>
+                <a:cs typeface="Times New Roman" panose="02020603050405020304" pitchFamily="18" charset="0"/>
+              </a:rPr>
+              <a:t>Personnalisation du message d’erreur.</a:t>
+            </a:r>
+            <a:endParaRPr lang="fr-FR" sz="3200" dirty="0">
+              <a:latin typeface="Times New Roman" panose="02020603050405020304" pitchFamily="18" charset="0"/>
+              <a:cs typeface="Times New Roman" panose="02020603050405020304" pitchFamily="18" charset="0"/>
+            </a:endParaRPr>
+          </a:p>
+        </p:txBody>
+      </p:sp>
       <p:pic>
         <p:nvPicPr>
-          <p:cNvPr id="6" name="Image 5"/>
+          <p:cNvPr id="2" name="Image 1"/>
           <p:cNvPicPr>
             <a:picLocks noChangeAspect="1"/>
           </p:cNvPicPr>
@@ -9744,8 +9634,8 @@
         </p:blipFill>
         <p:spPr>
           <a:xfrm>
-            <a:off x="617219" y="1002891"/>
-            <a:ext cx="10385077" cy="5489984"/>
+            <a:off x="205740" y="2086269"/>
+            <a:ext cx="11658599" cy="4131651"/>
           </a:xfrm>
           <a:prstGeom prst="rect">
             <a:avLst/>
@@ -9755,7 +9645,7 @@
     </p:spTree>
     <p:extLst>
       <p:ext uri="{BB962C8B-B14F-4D97-AF65-F5344CB8AC3E}">
-        <p14:creationId xmlns:p14="http://schemas.microsoft.com/office/powerpoint/2010/main" val="2624798917"/>
+        <p14:creationId xmlns:p14="http://schemas.microsoft.com/office/powerpoint/2010/main" val="1112073871"/>
       </p:ext>
     </p:extLst>
   </p:cSld>
@@ -9997,9 +9887,55 @@
           </a:p>
         </p:txBody>
       </p:sp>
+      <p:sp>
+        <p:nvSpPr>
+          <p:cNvPr id="8" name="Rectangle 7">
+            <a:extLst>
+              <a:ext uri="{FF2B5EF4-FFF2-40B4-BE49-F238E27FC236}">
+                <a16:creationId xmlns:a16="http://schemas.microsoft.com/office/drawing/2014/main" id="{C2327DB0-0A90-4C8F-9443-ADC8C8E788A1}"/>
+              </a:ext>
+            </a:extLst>
+          </p:cNvPr>
+          <p:cNvSpPr/>
+          <p:nvPr/>
+        </p:nvSpPr>
+        <p:spPr>
+          <a:xfrm>
+            <a:off x="1258529" y="1285086"/>
+            <a:ext cx="9674942" cy="518988"/>
+          </a:xfrm>
+          <a:prstGeom prst="rect">
+            <a:avLst/>
+          </a:prstGeom>
+        </p:spPr>
+        <p:txBody>
+          <a:bodyPr wrap="square">
+            <a:spAutoFit/>
+          </a:bodyPr>
+          <a:lstStyle/>
+          <a:p>
+            <a:pPr algn="just">
+              <a:lnSpc>
+                <a:spcPct val="150000"/>
+              </a:lnSpc>
+            </a:pPr>
+            <a:r>
+              <a:rPr lang="fr-FR" sz="2100" dirty="0" smtClean="0">
+                <a:latin typeface="Times New Roman" panose="02020603050405020304" pitchFamily="18" charset="0"/>
+                <a:cs typeface="Times New Roman" panose="02020603050405020304" pitchFamily="18" charset="0"/>
+              </a:rPr>
+              <a:t>Message de saisie.</a:t>
+            </a:r>
+            <a:endParaRPr lang="fr-FR" sz="1600" dirty="0">
+              <a:latin typeface="Times New Roman" panose="02020603050405020304" pitchFamily="18" charset="0"/>
+              <a:cs typeface="Times New Roman" panose="02020603050405020304" pitchFamily="18" charset="0"/>
+            </a:endParaRPr>
+          </a:p>
+        </p:txBody>
+      </p:sp>
       <p:pic>
         <p:nvPicPr>
-          <p:cNvPr id="2" name="Image 1"/>
+          <p:cNvPr id="5" name="Image 4"/>
           <p:cNvPicPr>
             <a:picLocks noChangeAspect="1"/>
           </p:cNvPicPr>
@@ -10013,64 +9949,18 @@
         </p:blipFill>
         <p:spPr>
           <a:xfrm>
-            <a:off x="525780" y="2217420"/>
-            <a:ext cx="11087099" cy="3886199"/>
+            <a:off x="838200" y="1804074"/>
+            <a:ext cx="10515600" cy="4666552"/>
           </a:xfrm>
           <a:prstGeom prst="rect">
             <a:avLst/>
           </a:prstGeom>
         </p:spPr>
       </p:pic>
-      <p:sp>
-        <p:nvSpPr>
-          <p:cNvPr id="8" name="Rectangle 7">
-            <a:extLst>
-              <a:ext uri="{FF2B5EF4-FFF2-40B4-BE49-F238E27FC236}">
-                <a16:creationId xmlns:a16="http://schemas.microsoft.com/office/drawing/2014/main" id="{C2327DB0-0A90-4C8F-9443-ADC8C8E788A1}"/>
-              </a:ext>
-            </a:extLst>
-          </p:cNvPr>
-          <p:cNvSpPr/>
-          <p:nvPr/>
-        </p:nvSpPr>
-        <p:spPr>
-          <a:xfrm>
-            <a:off x="1258529" y="1285086"/>
-            <a:ext cx="9674942" cy="518988"/>
-          </a:xfrm>
-          <a:prstGeom prst="rect">
-            <a:avLst/>
-          </a:prstGeom>
-        </p:spPr>
-        <p:txBody>
-          <a:bodyPr wrap="square">
-            <a:spAutoFit/>
-          </a:bodyPr>
-          <a:lstStyle/>
-          <a:p>
-            <a:pPr algn="just">
-              <a:lnSpc>
-                <a:spcPct val="150000"/>
-              </a:lnSpc>
-            </a:pPr>
-            <a:r>
-              <a:rPr lang="fr-FR" sz="2100" dirty="0" smtClean="0">
-                <a:latin typeface="Times New Roman" panose="02020603050405020304" pitchFamily="18" charset="0"/>
-                <a:cs typeface="Times New Roman" panose="02020603050405020304" pitchFamily="18" charset="0"/>
-              </a:rPr>
-              <a:t>Message d’erreur!</a:t>
-            </a:r>
-            <a:endParaRPr lang="fr-FR" sz="1600" dirty="0">
-              <a:latin typeface="Times New Roman" panose="02020603050405020304" pitchFamily="18" charset="0"/>
-              <a:cs typeface="Times New Roman" panose="02020603050405020304" pitchFamily="18" charset="0"/>
-            </a:endParaRPr>
-          </a:p>
-        </p:txBody>
-      </p:sp>
     </p:spTree>
     <p:extLst>
       <p:ext uri="{BB962C8B-B14F-4D97-AF65-F5344CB8AC3E}">
-        <p14:creationId xmlns:p14="http://schemas.microsoft.com/office/powerpoint/2010/main" val="2924691015"/>
+        <p14:creationId xmlns:p14="http://schemas.microsoft.com/office/powerpoint/2010/main" val="1821266383"/>
       </p:ext>
     </p:extLst>
   </p:cSld>
@@ -10326,8 +10216,8 @@
         </p:nvSpPr>
         <p:spPr>
           <a:xfrm>
-            <a:off x="1046398" y="1133912"/>
-            <a:ext cx="9674942" cy="742511"/>
+            <a:off x="1258529" y="1285086"/>
+            <a:ext cx="9674942" cy="518988"/>
           </a:xfrm>
           <a:prstGeom prst="rect">
             <a:avLst/>
@@ -10345,13 +10235,13 @@
               </a:lnSpc>
             </a:pPr>
             <a:r>
-              <a:rPr lang="fr-FR" sz="3200" dirty="0" smtClean="0">
+              <a:rPr lang="fr-FR" sz="2100" dirty="0" smtClean="0">
                 <a:latin typeface="Times New Roman" panose="02020603050405020304" pitchFamily="18" charset="0"/>
                 <a:cs typeface="Times New Roman" panose="02020603050405020304" pitchFamily="18" charset="0"/>
               </a:rPr>
-              <a:t>Personnalisation du message d’erreur.</a:t>
-            </a:r>
-            <a:endParaRPr lang="fr-FR" sz="3200" dirty="0">
+              <a:t>Message de saisie.</a:t>
+            </a:r>
+            <a:endParaRPr lang="fr-FR" sz="1600" dirty="0">
               <a:latin typeface="Times New Roman" panose="02020603050405020304" pitchFamily="18" charset="0"/>
               <a:cs typeface="Times New Roman" panose="02020603050405020304" pitchFamily="18" charset="0"/>
             </a:endParaRPr>
@@ -10360,7 +10250,7 @@
       </p:sp>
       <p:pic>
         <p:nvPicPr>
-          <p:cNvPr id="5" name="Image 4"/>
+          <p:cNvPr id="2" name="Image 1"/>
           <p:cNvPicPr>
             <a:picLocks noChangeAspect="1"/>
           </p:cNvPicPr>
@@ -10374,8 +10264,8 @@
         </p:blipFill>
         <p:spPr>
           <a:xfrm>
-            <a:off x="297180" y="1876424"/>
-            <a:ext cx="11731177" cy="4509389"/>
+            <a:off x="2396814" y="2280781"/>
+            <a:ext cx="6919912" cy="3628327"/>
           </a:xfrm>
           <a:prstGeom prst="rect">
             <a:avLst/>
@@ -10385,7 +10275,7 @@
     </p:spTree>
     <p:extLst>
       <p:ext uri="{BB962C8B-B14F-4D97-AF65-F5344CB8AC3E}">
-        <p14:creationId xmlns:p14="http://schemas.microsoft.com/office/powerpoint/2010/main" val="3042654821"/>
+        <p14:creationId xmlns:p14="http://schemas.microsoft.com/office/powerpoint/2010/main" val="876702520"/>
       </p:ext>
     </p:extLst>
   </p:cSld>
@@ -10433,8 +10323,8 @@
         </p:nvSpPr>
         <p:spPr>
           <a:xfrm>
-            <a:off x="1919416" y="295004"/>
-            <a:ext cx="8801924" cy="707886"/>
+            <a:off x="571500" y="295004"/>
+            <a:ext cx="11456858" cy="707886"/>
           </a:xfrm>
           <a:prstGeom prst="rect">
             <a:avLst/>
@@ -10473,7 +10363,7 @@
                   <a:schemeClr val="bg1"/>
                 </a:solidFill>
               </a:rPr>
-              <a:t>Validation de saisie : Gérer les contrôles</a:t>
+              <a:t>Validation de saisie : Utiliser une liste déroulante</a:t>
             </a:r>
             <a:endParaRPr lang="fr-FR" sz="4000" dirty="0">
               <a:solidFill>
@@ -10641,7 +10531,7 @@
         </p:nvSpPr>
         <p:spPr>
           <a:xfrm>
-            <a:off x="1046398" y="1170785"/>
+            <a:off x="2517058" y="1291019"/>
             <a:ext cx="9674942" cy="742511"/>
           </a:xfrm>
           <a:prstGeom prst="rect">
@@ -10664,7 +10554,7 @@
                 <a:latin typeface="Times New Roman" panose="02020603050405020304" pitchFamily="18" charset="0"/>
                 <a:cs typeface="Times New Roman" panose="02020603050405020304" pitchFamily="18" charset="0"/>
               </a:rPr>
-              <a:t>Personnalisation du message d’erreur.</a:t>
+              <a:t>Voici ce que nous allons faire:</a:t>
             </a:r>
             <a:endParaRPr lang="fr-FR" sz="3200" dirty="0">
               <a:latin typeface="Times New Roman" panose="02020603050405020304" pitchFamily="18" charset="0"/>
@@ -10675,7 +10565,7 @@
       </p:sp>
       <p:pic>
         <p:nvPicPr>
-          <p:cNvPr id="2" name="Image 1"/>
+          <p:cNvPr id="5" name="Image 4"/>
           <p:cNvPicPr>
             <a:picLocks noChangeAspect="1"/>
           </p:cNvPicPr>
@@ -10689,8 +10579,8 @@
         </p:blipFill>
         <p:spPr>
           <a:xfrm>
-            <a:off x="205740" y="2086269"/>
-            <a:ext cx="11658599" cy="4131651"/>
+            <a:off x="3579589" y="2463459"/>
+            <a:ext cx="5440680" cy="3262971"/>
           </a:xfrm>
           <a:prstGeom prst="rect">
             <a:avLst/>
@@ -10700,7 +10590,7 @@
     </p:spTree>
     <p:extLst>
       <p:ext uri="{BB962C8B-B14F-4D97-AF65-F5344CB8AC3E}">
-        <p14:creationId xmlns:p14="http://schemas.microsoft.com/office/powerpoint/2010/main" val="1112073871"/>
+        <p14:creationId xmlns:p14="http://schemas.microsoft.com/office/powerpoint/2010/main" val="3942230049"/>
       </p:ext>
     </p:extLst>
   </p:cSld>
@@ -10748,8 +10638,8 @@
         </p:nvSpPr>
         <p:spPr>
           <a:xfrm>
-            <a:off x="1919416" y="295004"/>
-            <a:ext cx="8801924" cy="707886"/>
+            <a:off x="571500" y="295004"/>
+            <a:ext cx="11456858" cy="707886"/>
           </a:xfrm>
           <a:prstGeom prst="rect">
             <a:avLst/>
@@ -10788,7 +10678,7 @@
                   <a:schemeClr val="bg1"/>
                 </a:solidFill>
               </a:rPr>
-              <a:t>Validation de saisie : Gérer les contrôles</a:t>
+              <a:t>Validation de saisie : Utiliser une liste déroulante</a:t>
             </a:r>
             <a:endParaRPr lang="fr-FR" sz="4000" dirty="0">
               <a:solidFill>
@@ -10942,55 +10832,9 @@
           </a:p>
         </p:txBody>
       </p:sp>
-      <p:sp>
-        <p:nvSpPr>
-          <p:cNvPr id="8" name="Rectangle 7">
-            <a:extLst>
-              <a:ext uri="{FF2B5EF4-FFF2-40B4-BE49-F238E27FC236}">
-                <a16:creationId xmlns:a16="http://schemas.microsoft.com/office/drawing/2014/main" id="{C2327DB0-0A90-4C8F-9443-ADC8C8E788A1}"/>
-              </a:ext>
-            </a:extLst>
-          </p:cNvPr>
-          <p:cNvSpPr/>
-          <p:nvPr/>
-        </p:nvSpPr>
-        <p:spPr>
-          <a:xfrm>
-            <a:off x="1258529" y="1285086"/>
-            <a:ext cx="9674942" cy="518988"/>
-          </a:xfrm>
-          <a:prstGeom prst="rect">
-            <a:avLst/>
-          </a:prstGeom>
-        </p:spPr>
-        <p:txBody>
-          <a:bodyPr wrap="square">
-            <a:spAutoFit/>
-          </a:bodyPr>
-          <a:lstStyle/>
-          <a:p>
-            <a:pPr algn="just">
-              <a:lnSpc>
-                <a:spcPct val="150000"/>
-              </a:lnSpc>
-            </a:pPr>
-            <a:r>
-              <a:rPr lang="fr-FR" sz="2100" dirty="0" smtClean="0">
-                <a:latin typeface="Times New Roman" panose="02020603050405020304" pitchFamily="18" charset="0"/>
-                <a:cs typeface="Times New Roman" panose="02020603050405020304" pitchFamily="18" charset="0"/>
-              </a:rPr>
-              <a:t>Message de saisie.</a:t>
-            </a:r>
-            <a:endParaRPr lang="fr-FR" sz="1600" dirty="0">
-              <a:latin typeface="Times New Roman" panose="02020603050405020304" pitchFamily="18" charset="0"/>
-              <a:cs typeface="Times New Roman" panose="02020603050405020304" pitchFamily="18" charset="0"/>
-            </a:endParaRPr>
-          </a:p>
-        </p:txBody>
-      </p:sp>
       <p:pic>
         <p:nvPicPr>
-          <p:cNvPr id="5" name="Image 4"/>
+          <p:cNvPr id="2" name="Image 1"/>
           <p:cNvPicPr>
             <a:picLocks noChangeAspect="1"/>
           </p:cNvPicPr>
@@ -11004,8 +10848,8 @@
         </p:blipFill>
         <p:spPr>
           <a:xfrm>
-            <a:off x="838200" y="1804074"/>
-            <a:ext cx="10515600" cy="4666552"/>
+            <a:off x="1258529" y="2086270"/>
+            <a:ext cx="9257071" cy="3960348"/>
           </a:xfrm>
           <a:prstGeom prst="rect">
             <a:avLst/>
@@ -11015,7 +10859,7 @@
     </p:spTree>
     <p:extLst>
       <p:ext uri="{BB962C8B-B14F-4D97-AF65-F5344CB8AC3E}">
-        <p14:creationId xmlns:p14="http://schemas.microsoft.com/office/powerpoint/2010/main" val="1821266383"/>
+        <p14:creationId xmlns:p14="http://schemas.microsoft.com/office/powerpoint/2010/main" val="32716136"/>
       </p:ext>
     </p:extLst>
   </p:cSld>
@@ -11051,10 +10895,111 @@
       </p:grpSpPr>
       <p:sp>
         <p:nvSpPr>
-          <p:cNvPr id="4" name="ZoneTexte 3">
-            <a:extLst>
-              <a:ext uri="{FF2B5EF4-FFF2-40B4-BE49-F238E27FC236}">
-                <a16:creationId xmlns:a16="http://schemas.microsoft.com/office/drawing/2014/main" id="{B7191FEF-1E3F-48E9-A65A-B5A88B9994F6}"/>
+          <p:cNvPr id="10" name="Rectangle 9">
+            <a:extLst>
+              <a:ext uri="{FF2B5EF4-FFF2-40B4-BE49-F238E27FC236}">
+                <a16:creationId xmlns:a16="http://schemas.microsoft.com/office/drawing/2014/main" id="{DA4BA0ED-4844-4C8B-82B9-1189524149F8}"/>
+              </a:ext>
+            </a:extLst>
+          </p:cNvPr>
+          <p:cNvSpPr/>
+          <p:nvPr/>
+        </p:nvSpPr>
+        <p:spPr>
+          <a:xfrm>
+            <a:off x="0" y="6385815"/>
+            <a:ext cx="12192000" cy="472186"/>
+          </a:xfrm>
+          <a:prstGeom prst="rect">
+            <a:avLst/>
+          </a:prstGeom>
+          <a:solidFill>
+            <a:schemeClr val="accent1">
+              <a:lumMod val="20000"/>
+              <a:lumOff val="80000"/>
+            </a:schemeClr>
+          </a:solidFill>
+          <a:ln>
+            <a:noFill/>
+          </a:ln>
+        </p:spPr>
+        <p:style>
+          <a:lnRef idx="2">
+            <a:schemeClr val="accent1">
+              <a:shade val="50000"/>
+            </a:schemeClr>
+          </a:lnRef>
+          <a:fillRef idx="1">
+            <a:schemeClr val="accent1"/>
+          </a:fillRef>
+          <a:effectRef idx="0">
+            <a:schemeClr val="accent1"/>
+          </a:effectRef>
+          <a:fontRef idx="minor">
+            <a:schemeClr val="lt1"/>
+          </a:fontRef>
+        </p:style>
+        <p:txBody>
+          <a:bodyPr rtlCol="0" anchor="ctr"/>
+          <a:lstStyle/>
+          <a:p>
+            <a:pPr algn="ctr"/>
+            <a:endParaRPr lang="fr-FR"/>
+          </a:p>
+        </p:txBody>
+      </p:sp>
+      <p:sp>
+        <p:nvSpPr>
+          <p:cNvPr id="11" name="Espace réservé du numéro de diapositive 11">
+            <a:extLst>
+              <a:ext uri="{FF2B5EF4-FFF2-40B4-BE49-F238E27FC236}">
+                <a16:creationId xmlns:a16="http://schemas.microsoft.com/office/drawing/2014/main" id="{6E09DCDB-AE7D-46A6-BB24-B19F551B132C}"/>
+              </a:ext>
+            </a:extLst>
+          </p:cNvPr>
+          <p:cNvSpPr>
+            <a:spLocks noGrp="1"/>
+          </p:cNvSpPr>
+          <p:nvPr>
+            <p:ph type="sldNum" sz="quarter" idx="12"/>
+          </p:nvPr>
+        </p:nvSpPr>
+        <p:spPr>
+          <a:xfrm>
+            <a:off x="11158322" y="6492875"/>
+            <a:ext cx="870036" cy="365125"/>
+          </a:xfrm>
+        </p:spPr>
+        <p:txBody>
+          <a:bodyPr/>
+          <a:lstStyle/>
+          <a:p>
+            <a:fld id="{09EA0DBA-1CB7-49FD-A4E9-CB9833829DE4}" type="slidenum">
+              <a:rPr lang="fr-FR" sz="2000" b="1" smtClean="0">
+                <a:solidFill>
+                  <a:srgbClr val="FF0000"/>
+                </a:solidFill>
+                <a:latin typeface="Times New Roman" panose="02020603050405020304" pitchFamily="18" charset="0"/>
+                <a:cs typeface="Times New Roman" panose="02020603050405020304" pitchFamily="18" charset="0"/>
+              </a:rPr>
+              <a:t>27</a:t>
+            </a:fld>
+            <a:endParaRPr lang="fr-FR" sz="2000" b="1" dirty="0">
+              <a:solidFill>
+                <a:srgbClr val="FF0000"/>
+              </a:solidFill>
+              <a:latin typeface="Times New Roman" panose="02020603050405020304" pitchFamily="18" charset="0"/>
+              <a:cs typeface="Times New Roman" panose="02020603050405020304" pitchFamily="18" charset="0"/>
+            </a:endParaRPr>
+          </a:p>
+        </p:txBody>
+      </p:sp>
+      <p:sp>
+        <p:nvSpPr>
+          <p:cNvPr id="8" name="ZoneTexte 7">
+            <a:extLst>
+              <a:ext uri="{FF2B5EF4-FFF2-40B4-BE49-F238E27FC236}">
+                <a16:creationId xmlns:a16="http://schemas.microsoft.com/office/drawing/2014/main" id="{0A62A2AD-5162-491A-A819-15508085BEFB}"/>
               </a:ext>
             </a:extLst>
           </p:cNvPr>
@@ -11063,8 +11008,8 @@
         </p:nvSpPr>
         <p:spPr>
           <a:xfrm>
-            <a:off x="1919416" y="295004"/>
-            <a:ext cx="8801924" cy="707886"/>
+            <a:off x="234778" y="1828804"/>
+            <a:ext cx="11728622" cy="2308324"/>
           </a:xfrm>
           <a:prstGeom prst="rect">
             <a:avLst/>
@@ -11097,28 +11042,36 @@
           <a:lstStyle/>
           <a:p>
             <a:pPr algn="ctr"/>
-            <a:r>
-              <a:rPr lang="fr-FR" sz="4000" dirty="0" smtClean="0">
+            <a:endParaRPr lang="fr-FR" sz="4800" dirty="0"/>
+          </a:p>
+          <a:p>
+            <a:pPr algn="ctr"/>
+            <a:r>
+              <a:rPr lang="fr-FR" sz="4800" dirty="0" smtClean="0">
                 <a:solidFill>
                   <a:schemeClr val="bg1"/>
                 </a:solidFill>
               </a:rPr>
-              <a:t>Validation de saisie : Gérer les contrôles</a:t>
-            </a:r>
-            <a:endParaRPr lang="fr-FR" sz="4000" dirty="0">
+              <a:t>Résumons</a:t>
+            </a:r>
+            <a:endParaRPr lang="fr-FR" sz="4800" dirty="0">
               <a:solidFill>
                 <a:schemeClr val="bg1"/>
               </a:solidFill>
             </a:endParaRPr>
           </a:p>
+          <a:p>
+            <a:pPr algn="ctr"/>
+            <a:endParaRPr lang="fr-FR" sz="4800" dirty="0"/>
+          </a:p>
         </p:txBody>
       </p:sp>
       <p:cxnSp>
         <p:nvCxnSpPr>
-          <p:cNvPr id="3" name="Connecteur droit 2">
-            <a:extLst>
-              <a:ext uri="{FF2B5EF4-FFF2-40B4-BE49-F238E27FC236}">
-                <a16:creationId xmlns:a16="http://schemas.microsoft.com/office/drawing/2014/main" id="{2E5FFC58-89E0-45F1-AB54-88B4500CE745}"/>
+          <p:cNvPr id="9" name="Connecteur droit 8">
+            <a:extLst>
+              <a:ext uri="{FF2B5EF4-FFF2-40B4-BE49-F238E27FC236}">
+                <a16:creationId xmlns:a16="http://schemas.microsoft.com/office/drawing/2014/main" id="{CA91B1E3-FD56-4F80-9C4D-68FE7BB35AA6}"/>
               </a:ext>
             </a:extLst>
           </p:cNvPr>
@@ -11156,181 +11109,53 @@
           </a:fontRef>
         </p:style>
       </p:cxnSp>
-      <p:sp>
-        <p:nvSpPr>
-          <p:cNvPr id="14" name="Rectangle 13">
-            <a:extLst>
-              <a:ext uri="{FF2B5EF4-FFF2-40B4-BE49-F238E27FC236}">
-                <a16:creationId xmlns:a16="http://schemas.microsoft.com/office/drawing/2014/main" id="{7F448B43-D049-47E2-AFB8-3F156777C439}"/>
-              </a:ext>
-            </a:extLst>
-          </p:cNvPr>
-          <p:cNvSpPr/>
+      <p:cxnSp>
+        <p:nvCxnSpPr>
+          <p:cNvPr id="12" name="Connecteur droit 11">
+            <a:extLst>
+              <a:ext uri="{FF2B5EF4-FFF2-40B4-BE49-F238E27FC236}">
+                <a16:creationId xmlns:a16="http://schemas.microsoft.com/office/drawing/2014/main" id="{34364D99-1E04-4083-84DA-21B4C64D9EAA}"/>
+              </a:ext>
+            </a:extLst>
+          </p:cNvPr>
+          <p:cNvCxnSpPr/>
           <p:nvPr/>
-        </p:nvSpPr>
-        <p:spPr>
-          <a:xfrm>
-            <a:off x="0" y="6385815"/>
-            <a:ext cx="12192000" cy="472186"/>
-          </a:xfrm>
-          <a:prstGeom prst="rect">
+        </p:nvCxnSpPr>
+        <p:spPr>
+          <a:xfrm>
+            <a:off x="1327355" y="5776718"/>
+            <a:ext cx="9674942" cy="0"/>
+          </a:xfrm>
+          <a:prstGeom prst="line">
             <a:avLst/>
           </a:prstGeom>
-          <a:solidFill>
-            <a:schemeClr val="accent1">
-              <a:lumMod val="20000"/>
-              <a:lumOff val="80000"/>
-            </a:schemeClr>
-          </a:solidFill>
-          <a:ln>
-            <a:noFill/>
+          <a:ln w="38100">
+            <a:solidFill>
+              <a:schemeClr val="accent6">
+                <a:lumMod val="50000"/>
+              </a:schemeClr>
+            </a:solidFill>
           </a:ln>
         </p:spPr>
         <p:style>
-          <a:lnRef idx="2">
-            <a:schemeClr val="accent1">
-              <a:shade val="50000"/>
-            </a:schemeClr>
+          <a:lnRef idx="1">
+            <a:schemeClr val="accent1"/>
           </a:lnRef>
-          <a:fillRef idx="1">
+          <a:fillRef idx="0">
             <a:schemeClr val="accent1"/>
           </a:fillRef>
           <a:effectRef idx="0">
             <a:schemeClr val="accent1"/>
           </a:effectRef>
           <a:fontRef idx="minor">
-            <a:schemeClr val="lt1"/>
+            <a:schemeClr val="tx1"/>
           </a:fontRef>
         </p:style>
-        <p:txBody>
-          <a:bodyPr rtlCol="0" anchor="ctr"/>
-          <a:lstStyle/>
-          <a:p>
-            <a:pPr algn="ctr"/>
-            <a:endParaRPr lang="fr-FR"/>
-          </a:p>
-        </p:txBody>
-      </p:sp>
-      <p:sp>
-        <p:nvSpPr>
-          <p:cNvPr id="15" name="Espace réservé du numéro de diapositive 11">
-            <a:extLst>
-              <a:ext uri="{FF2B5EF4-FFF2-40B4-BE49-F238E27FC236}">
-                <a16:creationId xmlns:a16="http://schemas.microsoft.com/office/drawing/2014/main" id="{43514CE0-42FD-4E8C-A570-33D26B0F86F6}"/>
-              </a:ext>
-            </a:extLst>
-          </p:cNvPr>
-          <p:cNvSpPr>
-            <a:spLocks noGrp="1"/>
-          </p:cNvSpPr>
-          <p:nvPr>
-            <p:ph type="sldNum" sz="quarter" idx="12"/>
-          </p:nvPr>
-        </p:nvSpPr>
-        <p:spPr>
-          <a:xfrm>
-            <a:off x="11158322" y="6492875"/>
-            <a:ext cx="870036" cy="365125"/>
-          </a:xfrm>
-        </p:spPr>
-        <p:txBody>
-          <a:bodyPr/>
-          <a:lstStyle/>
-          <a:p>
-            <a:fld id="{09EA0DBA-1CB7-49FD-A4E9-CB9833829DE4}" type="slidenum">
-              <a:rPr lang="fr-FR" sz="2000" b="1" smtClean="0">
-                <a:solidFill>
-                  <a:srgbClr val="FF0000"/>
-                </a:solidFill>
-                <a:latin typeface="Times New Roman" panose="02020603050405020304" pitchFamily="18" charset="0"/>
-                <a:cs typeface="Times New Roman" panose="02020603050405020304" pitchFamily="18" charset="0"/>
-              </a:rPr>
-              <a:t>27</a:t>
-            </a:fld>
-            <a:endParaRPr lang="fr-FR" sz="2000" b="1" dirty="0">
-              <a:solidFill>
-                <a:srgbClr val="FF0000"/>
-              </a:solidFill>
-              <a:latin typeface="Times New Roman" panose="02020603050405020304" pitchFamily="18" charset="0"/>
-              <a:cs typeface="Times New Roman" panose="02020603050405020304" pitchFamily="18" charset="0"/>
-            </a:endParaRPr>
-          </a:p>
-        </p:txBody>
-      </p:sp>
-      <p:sp>
-        <p:nvSpPr>
-          <p:cNvPr id="8" name="Rectangle 7">
-            <a:extLst>
-              <a:ext uri="{FF2B5EF4-FFF2-40B4-BE49-F238E27FC236}">
-                <a16:creationId xmlns:a16="http://schemas.microsoft.com/office/drawing/2014/main" id="{C2327DB0-0A90-4C8F-9443-ADC8C8E788A1}"/>
-              </a:ext>
-            </a:extLst>
-          </p:cNvPr>
-          <p:cNvSpPr/>
-          <p:nvPr/>
-        </p:nvSpPr>
-        <p:spPr>
-          <a:xfrm>
-            <a:off x="1258529" y="1285086"/>
-            <a:ext cx="9674942" cy="518988"/>
-          </a:xfrm>
-          <a:prstGeom prst="rect">
-            <a:avLst/>
-          </a:prstGeom>
-        </p:spPr>
-        <p:txBody>
-          <a:bodyPr wrap="square">
-            <a:spAutoFit/>
-          </a:bodyPr>
-          <a:lstStyle/>
-          <a:p>
-            <a:pPr algn="just">
-              <a:lnSpc>
-                <a:spcPct val="150000"/>
-              </a:lnSpc>
-            </a:pPr>
-            <a:r>
-              <a:rPr lang="fr-FR" sz="2100" dirty="0" smtClean="0">
-                <a:latin typeface="Times New Roman" panose="02020603050405020304" pitchFamily="18" charset="0"/>
-                <a:cs typeface="Times New Roman" panose="02020603050405020304" pitchFamily="18" charset="0"/>
-              </a:rPr>
-              <a:t>Message de saisie.</a:t>
-            </a:r>
-            <a:endParaRPr lang="fr-FR" sz="1600" dirty="0">
-              <a:latin typeface="Times New Roman" panose="02020603050405020304" pitchFamily="18" charset="0"/>
-              <a:cs typeface="Times New Roman" panose="02020603050405020304" pitchFamily="18" charset="0"/>
-            </a:endParaRPr>
-          </a:p>
-        </p:txBody>
-      </p:sp>
-      <p:pic>
-        <p:nvPicPr>
-          <p:cNvPr id="2" name="Image 1"/>
-          <p:cNvPicPr>
-            <a:picLocks noChangeAspect="1"/>
-          </p:cNvPicPr>
-          <p:nvPr/>
-        </p:nvPicPr>
-        <p:blipFill>
-          <a:blip r:embed="rId2"/>
-          <a:stretch>
-            <a:fillRect/>
-          </a:stretch>
-        </p:blipFill>
-        <p:spPr>
-          <a:xfrm>
-            <a:off x="2396814" y="2280781"/>
-            <a:ext cx="6919912" cy="3628327"/>
-          </a:xfrm>
-          <a:prstGeom prst="rect">
-            <a:avLst/>
-          </a:prstGeom>
-        </p:spPr>
-      </p:pic>
+      </p:cxnSp>
     </p:spTree>
     <p:extLst>
       <p:ext uri="{BB962C8B-B14F-4D97-AF65-F5344CB8AC3E}">
-        <p14:creationId xmlns:p14="http://schemas.microsoft.com/office/powerpoint/2010/main" val="876702520"/>
+        <p14:creationId xmlns:p14="http://schemas.microsoft.com/office/powerpoint/2010/main" val="3929391315"/>
       </p:ext>
     </p:extLst>
   </p:cSld>
@@ -11378,8 +11203,8 @@
         </p:nvSpPr>
         <p:spPr>
           <a:xfrm>
-            <a:off x="571500" y="295004"/>
-            <a:ext cx="11456858" cy="707886"/>
+            <a:off x="234778" y="1828804"/>
+            <a:ext cx="11728622" cy="2123658"/>
           </a:xfrm>
           <a:prstGeom prst="rect">
             <a:avLst/>
@@ -11412,19 +11237,22 @@
           <a:lstStyle/>
           <a:p>
             <a:pPr algn="ctr"/>
-            <a:r>
-              <a:rPr lang="fr-FR" sz="4000" dirty="0" smtClean="0">
+            <a:endParaRPr lang="fr-FR" sz="4400" dirty="0"/>
+          </a:p>
+          <a:p>
+            <a:pPr algn="ctr"/>
+            <a:r>
+              <a:rPr lang="fr-FR" sz="4400" dirty="0">
                 <a:solidFill>
                   <a:schemeClr val="bg1"/>
                 </a:solidFill>
               </a:rPr>
-              <a:t>Validation de saisie : Utiliser une liste déroulante</a:t>
-            </a:r>
-            <a:endParaRPr lang="fr-FR" sz="4000" dirty="0">
-              <a:solidFill>
-                <a:schemeClr val="bg1"/>
-              </a:solidFill>
-            </a:endParaRPr>
+              <a:t>Merci pour votre attention !</a:t>
+            </a:r>
+          </a:p>
+          <a:p>
+            <a:pPr algn="ctr"/>
+            <a:endParaRPr lang="fr-FR" sz="4400" dirty="0"/>
           </a:p>
         </p:txBody>
       </p:sp>
@@ -11471,284 +11299,12 @@
           </a:fontRef>
         </p:style>
       </p:cxnSp>
-      <p:sp>
-        <p:nvSpPr>
-          <p:cNvPr id="14" name="Rectangle 13">
-            <a:extLst>
-              <a:ext uri="{FF2B5EF4-FFF2-40B4-BE49-F238E27FC236}">
-                <a16:creationId xmlns:a16="http://schemas.microsoft.com/office/drawing/2014/main" id="{7F448B43-D049-47E2-AFB8-3F156777C439}"/>
-              </a:ext>
-            </a:extLst>
-          </p:cNvPr>
-          <p:cNvSpPr/>
-          <p:nvPr/>
-        </p:nvSpPr>
-        <p:spPr>
-          <a:xfrm>
-            <a:off x="0" y="6385815"/>
-            <a:ext cx="12192000" cy="472186"/>
-          </a:xfrm>
-          <a:prstGeom prst="rect">
-            <a:avLst/>
-          </a:prstGeom>
-          <a:solidFill>
-            <a:schemeClr val="accent1">
-              <a:lumMod val="20000"/>
-              <a:lumOff val="80000"/>
-            </a:schemeClr>
-          </a:solidFill>
-          <a:ln>
-            <a:noFill/>
-          </a:ln>
-        </p:spPr>
-        <p:style>
-          <a:lnRef idx="2">
-            <a:schemeClr val="accent1">
-              <a:shade val="50000"/>
-            </a:schemeClr>
-          </a:lnRef>
-          <a:fillRef idx="1">
-            <a:schemeClr val="accent1"/>
-          </a:fillRef>
-          <a:effectRef idx="0">
-            <a:schemeClr val="accent1"/>
-          </a:effectRef>
-          <a:fontRef idx="minor">
-            <a:schemeClr val="lt1"/>
-          </a:fontRef>
-        </p:style>
-        <p:txBody>
-          <a:bodyPr rtlCol="0" anchor="ctr"/>
-          <a:lstStyle/>
-          <a:p>
-            <a:pPr algn="ctr"/>
-            <a:endParaRPr lang="fr-FR"/>
-          </a:p>
-        </p:txBody>
-      </p:sp>
-      <p:sp>
-        <p:nvSpPr>
-          <p:cNvPr id="15" name="Espace réservé du numéro de diapositive 11">
-            <a:extLst>
-              <a:ext uri="{FF2B5EF4-FFF2-40B4-BE49-F238E27FC236}">
-                <a16:creationId xmlns:a16="http://schemas.microsoft.com/office/drawing/2014/main" id="{43514CE0-42FD-4E8C-A570-33D26B0F86F6}"/>
-              </a:ext>
-            </a:extLst>
-          </p:cNvPr>
-          <p:cNvSpPr>
-            <a:spLocks noGrp="1"/>
-          </p:cNvSpPr>
-          <p:nvPr>
-            <p:ph type="sldNum" sz="quarter" idx="12"/>
-          </p:nvPr>
-        </p:nvSpPr>
-        <p:spPr>
-          <a:xfrm>
-            <a:off x="11158322" y="6492875"/>
-            <a:ext cx="870036" cy="365125"/>
-          </a:xfrm>
-        </p:spPr>
-        <p:txBody>
-          <a:bodyPr/>
-          <a:lstStyle/>
-          <a:p>
-            <a:fld id="{09EA0DBA-1CB7-49FD-A4E9-CB9833829DE4}" type="slidenum">
-              <a:rPr lang="fr-FR" sz="2000" b="1" smtClean="0">
-                <a:solidFill>
-                  <a:srgbClr val="FF0000"/>
-                </a:solidFill>
-                <a:latin typeface="Times New Roman" panose="02020603050405020304" pitchFamily="18" charset="0"/>
-                <a:cs typeface="Times New Roman" panose="02020603050405020304" pitchFamily="18" charset="0"/>
-              </a:rPr>
-              <a:t>28</a:t>
-            </a:fld>
-            <a:endParaRPr lang="fr-FR" sz="2000" b="1" dirty="0">
-              <a:solidFill>
-                <a:srgbClr val="FF0000"/>
-              </a:solidFill>
-              <a:latin typeface="Times New Roman" panose="02020603050405020304" pitchFamily="18" charset="0"/>
-              <a:cs typeface="Times New Roman" panose="02020603050405020304" pitchFamily="18" charset="0"/>
-            </a:endParaRPr>
-          </a:p>
-        </p:txBody>
-      </p:sp>
-      <p:sp>
-        <p:nvSpPr>
-          <p:cNvPr id="8" name="Rectangle 7">
-            <a:extLst>
-              <a:ext uri="{FF2B5EF4-FFF2-40B4-BE49-F238E27FC236}">
-                <a16:creationId xmlns:a16="http://schemas.microsoft.com/office/drawing/2014/main" id="{C2327DB0-0A90-4C8F-9443-ADC8C8E788A1}"/>
-              </a:ext>
-            </a:extLst>
-          </p:cNvPr>
-          <p:cNvSpPr/>
-          <p:nvPr/>
-        </p:nvSpPr>
-        <p:spPr>
-          <a:xfrm>
-            <a:off x="2517058" y="1291019"/>
-            <a:ext cx="9674942" cy="742511"/>
-          </a:xfrm>
-          <a:prstGeom prst="rect">
-            <a:avLst/>
-          </a:prstGeom>
-        </p:spPr>
-        <p:txBody>
-          <a:bodyPr wrap="square">
-            <a:spAutoFit/>
-          </a:bodyPr>
-          <a:lstStyle/>
-          <a:p>
-            <a:pPr algn="just">
-              <a:lnSpc>
-                <a:spcPct val="150000"/>
-              </a:lnSpc>
-            </a:pPr>
-            <a:r>
-              <a:rPr lang="fr-FR" sz="3200" dirty="0" smtClean="0">
-                <a:latin typeface="Times New Roman" panose="02020603050405020304" pitchFamily="18" charset="0"/>
-                <a:cs typeface="Times New Roman" panose="02020603050405020304" pitchFamily="18" charset="0"/>
-              </a:rPr>
-              <a:t>Voici ce que nous allons faire:</a:t>
-            </a:r>
-            <a:endParaRPr lang="fr-FR" sz="3200" dirty="0">
-              <a:latin typeface="Times New Roman" panose="02020603050405020304" pitchFamily="18" charset="0"/>
-              <a:cs typeface="Times New Roman" panose="02020603050405020304" pitchFamily="18" charset="0"/>
-            </a:endParaRPr>
-          </a:p>
-        </p:txBody>
-      </p:sp>
-      <p:pic>
-        <p:nvPicPr>
-          <p:cNvPr id="5" name="Image 4"/>
-          <p:cNvPicPr>
-            <a:picLocks noChangeAspect="1"/>
-          </p:cNvPicPr>
-          <p:nvPr/>
-        </p:nvPicPr>
-        <p:blipFill>
-          <a:blip r:embed="rId2"/>
-          <a:stretch>
-            <a:fillRect/>
-          </a:stretch>
-        </p:blipFill>
-        <p:spPr>
-          <a:xfrm>
-            <a:off x="3579589" y="2463459"/>
-            <a:ext cx="5440680" cy="3262971"/>
-          </a:xfrm>
-          <a:prstGeom prst="rect">
-            <a:avLst/>
-          </a:prstGeom>
-        </p:spPr>
-      </p:pic>
-    </p:spTree>
-    <p:extLst>
-      <p:ext uri="{BB962C8B-B14F-4D97-AF65-F5344CB8AC3E}">
-        <p14:creationId xmlns:p14="http://schemas.microsoft.com/office/powerpoint/2010/main" val="3942230049"/>
-      </p:ext>
-    </p:extLst>
-  </p:cSld>
-  <p:clrMapOvr>
-    <a:masterClrMapping/>
-  </p:clrMapOvr>
-  <p:timing>
-    <p:tnLst>
-      <p:par>
-        <p:cTn id="1" dur="indefinite" restart="never" nodeType="tmRoot"/>
-      </p:par>
-    </p:tnLst>
-  </p:timing>
-</p:sld>
-</file>
-
-<file path=ppt/slides/slide29.xml><?xml version="1.0" encoding="utf-8"?>
-<p:sld xmlns:a="http://schemas.openxmlformats.org/drawingml/2006/main" xmlns:r="http://schemas.openxmlformats.org/officeDocument/2006/relationships" xmlns:p="http://schemas.openxmlformats.org/presentationml/2006/main">
-  <p:cSld>
-    <p:spTree>
-      <p:nvGrpSpPr>
-        <p:cNvPr id="1" name=""/>
-        <p:cNvGrpSpPr/>
-        <p:nvPr/>
-      </p:nvGrpSpPr>
-      <p:grpSpPr>
-        <a:xfrm>
-          <a:off x="0" y="0"/>
-          <a:ext cx="0" cy="0"/>
-          <a:chOff x="0" y="0"/>
-          <a:chExt cx="0" cy="0"/>
-        </a:xfrm>
-      </p:grpSpPr>
-      <p:sp>
-        <p:nvSpPr>
-          <p:cNvPr id="4" name="ZoneTexte 3">
-            <a:extLst>
-              <a:ext uri="{FF2B5EF4-FFF2-40B4-BE49-F238E27FC236}">
-                <a16:creationId xmlns:a16="http://schemas.microsoft.com/office/drawing/2014/main" id="{B7191FEF-1E3F-48E9-A65A-B5A88B9994F6}"/>
-              </a:ext>
-            </a:extLst>
-          </p:cNvPr>
-          <p:cNvSpPr txBox="1"/>
-          <p:nvPr/>
-        </p:nvSpPr>
-        <p:spPr>
-          <a:xfrm>
-            <a:off x="571500" y="295004"/>
-            <a:ext cx="11456858" cy="707886"/>
-          </a:xfrm>
-          <a:prstGeom prst="rect">
-            <a:avLst/>
-          </a:prstGeom>
-          <a:solidFill>
-            <a:schemeClr val="accent6">
-              <a:lumMod val="50000"/>
-            </a:schemeClr>
-          </a:solidFill>
-          <a:ln>
-            <a:solidFill>
-              <a:schemeClr val="accent6">
-                <a:lumMod val="50000"/>
-              </a:schemeClr>
-            </a:solidFill>
-          </a:ln>
-          <a:effectLst>
-            <a:outerShdw blurRad="50800" dist="38100" dir="13500000" algn="br" rotWithShape="0">
-              <a:schemeClr val="accent1">
-                <a:alpha val="40000"/>
-              </a:schemeClr>
-            </a:outerShdw>
-            <a:reflection blurRad="6350" stA="50000" endA="300" endPos="55000" dir="5400000" sy="-100000" algn="bl" rotWithShape="0"/>
-          </a:effectLst>
-        </p:spPr>
-        <p:txBody>
-          <a:bodyPr wrap="square" rtlCol="0">
-            <a:spAutoFit/>
-          </a:bodyPr>
-          <a:lstStyle/>
-          <a:p>
-            <a:pPr algn="ctr"/>
-            <a:r>
-              <a:rPr lang="fr-FR" sz="4000" dirty="0" smtClean="0">
-                <a:solidFill>
-                  <a:schemeClr val="bg1"/>
-                </a:solidFill>
-              </a:rPr>
-              <a:t>Validation de saisie : Utiliser une liste déroulante</a:t>
-            </a:r>
-            <a:endParaRPr lang="fr-FR" sz="4000" dirty="0">
-              <a:solidFill>
-                <a:schemeClr val="bg1"/>
-              </a:solidFill>
-            </a:endParaRPr>
-          </a:p>
-        </p:txBody>
-      </p:sp>
       <p:cxnSp>
         <p:nvCxnSpPr>
-          <p:cNvPr id="3" name="Connecteur droit 2">
-            <a:extLst>
-              <a:ext uri="{FF2B5EF4-FFF2-40B4-BE49-F238E27FC236}">
-                <a16:creationId xmlns:a16="http://schemas.microsoft.com/office/drawing/2014/main" id="{2E5FFC58-89E0-45F1-AB54-88B4500CE745}"/>
+          <p:cNvPr id="7" name="Connecteur droit 6">
+            <a:extLst>
+              <a:ext uri="{FF2B5EF4-FFF2-40B4-BE49-F238E27FC236}">
+                <a16:creationId xmlns:a16="http://schemas.microsoft.com/office/drawing/2014/main" id="{6B0D6A19-00B4-479C-A250-CE50D3FEE044}"/>
               </a:ext>
             </a:extLst>
           </p:cNvPr>
@@ -11757,7 +11313,7 @@
         </p:nvCxnSpPr>
         <p:spPr>
           <a:xfrm>
-            <a:off x="1327355" y="1002890"/>
+            <a:off x="1327355" y="5776718"/>
             <a:ext cx="9674942" cy="0"/>
           </a:xfrm>
           <a:prstGeom prst="line">
@@ -11788,133 +11344,51 @@
       </p:cxnSp>
       <p:sp>
         <p:nvSpPr>
-          <p:cNvPr id="14" name="Rectangle 13">
-            <a:extLst>
-              <a:ext uri="{FF2B5EF4-FFF2-40B4-BE49-F238E27FC236}">
-                <a16:creationId xmlns:a16="http://schemas.microsoft.com/office/drawing/2014/main" id="{7F448B43-D049-47E2-AFB8-3F156777C439}"/>
-              </a:ext>
-            </a:extLst>
-          </p:cNvPr>
-          <p:cNvSpPr/>
+          <p:cNvPr id="8" name="ZoneTexte 7">
+            <a:extLst>
+              <a:ext uri="{FF2B5EF4-FFF2-40B4-BE49-F238E27FC236}">
+                <a16:creationId xmlns:a16="http://schemas.microsoft.com/office/drawing/2014/main" id="{B1339F96-F5E8-4590-85C7-AA9285DFAC8C}"/>
+              </a:ext>
+            </a:extLst>
+          </p:cNvPr>
+          <p:cNvSpPr txBox="1"/>
           <p:nvPr/>
         </p:nvSpPr>
         <p:spPr>
           <a:xfrm>
-            <a:off x="0" y="6385815"/>
-            <a:ext cx="12192000" cy="472186"/>
+            <a:off x="4490446" y="3952462"/>
+            <a:ext cx="2651760" cy="369332"/>
           </a:xfrm>
           <a:prstGeom prst="rect">
             <a:avLst/>
           </a:prstGeom>
-          <a:solidFill>
-            <a:schemeClr val="accent1">
-              <a:lumMod val="20000"/>
-              <a:lumOff val="80000"/>
-            </a:schemeClr>
-          </a:solidFill>
-          <a:ln>
-            <a:noFill/>
-          </a:ln>
-        </p:spPr>
-        <p:style>
-          <a:lnRef idx="2">
-            <a:schemeClr val="accent1">
-              <a:shade val="50000"/>
-            </a:schemeClr>
-          </a:lnRef>
-          <a:fillRef idx="1">
-            <a:schemeClr val="accent1"/>
-          </a:fillRef>
-          <a:effectRef idx="0">
-            <a:schemeClr val="accent1"/>
-          </a:effectRef>
-          <a:fontRef idx="minor">
-            <a:schemeClr val="lt1"/>
-          </a:fontRef>
-        </p:style>
-        <p:txBody>
-          <a:bodyPr rtlCol="0" anchor="ctr"/>
+          <a:noFill/>
+        </p:spPr>
+        <p:txBody>
+          <a:bodyPr wrap="square" rtlCol="0">
+            <a:spAutoFit/>
+          </a:bodyPr>
           <a:lstStyle/>
           <a:p>
             <a:pPr algn="ctr"/>
-            <a:endParaRPr lang="fr-FR"/>
-          </a:p>
-        </p:txBody>
-      </p:sp>
-      <p:sp>
-        <p:nvSpPr>
-          <p:cNvPr id="15" name="Espace réservé du numéro de diapositive 11">
-            <a:extLst>
-              <a:ext uri="{FF2B5EF4-FFF2-40B4-BE49-F238E27FC236}">
-                <a16:creationId xmlns:a16="http://schemas.microsoft.com/office/drawing/2014/main" id="{43514CE0-42FD-4E8C-A570-33D26B0F86F6}"/>
-              </a:ext>
-            </a:extLst>
-          </p:cNvPr>
-          <p:cNvSpPr>
-            <a:spLocks noGrp="1"/>
-          </p:cNvSpPr>
-          <p:nvPr>
-            <p:ph type="sldNum" sz="quarter" idx="12"/>
-          </p:nvPr>
-        </p:nvSpPr>
-        <p:spPr>
-          <a:xfrm>
-            <a:off x="11158322" y="6492875"/>
-            <a:ext cx="870036" cy="365125"/>
-          </a:xfrm>
-        </p:spPr>
-        <p:txBody>
-          <a:bodyPr/>
-          <a:lstStyle/>
-          <a:p>
-            <a:fld id="{09EA0DBA-1CB7-49FD-A4E9-CB9833829DE4}" type="slidenum">
-              <a:rPr lang="fr-FR" sz="2000" b="1" smtClean="0">
-                <a:solidFill>
-                  <a:srgbClr val="FF0000"/>
-                </a:solidFill>
+            <a:r>
+              <a:rPr lang="fr-FR" dirty="0" smtClean="0">
                 <a:latin typeface="Times New Roman" panose="02020603050405020304" pitchFamily="18" charset="0"/>
                 <a:cs typeface="Times New Roman" panose="02020603050405020304" pitchFamily="18" charset="0"/>
               </a:rPr>
-              <a:t>29</a:t>
-            </a:fld>
-            <a:endParaRPr lang="fr-FR" sz="2000" b="1" dirty="0">
-              <a:solidFill>
-                <a:srgbClr val="FF0000"/>
-              </a:solidFill>
+              <a:t>Juin 2021</a:t>
+            </a:r>
+            <a:endParaRPr lang="fr-FR" dirty="0">
               <a:latin typeface="Times New Roman" panose="02020603050405020304" pitchFamily="18" charset="0"/>
               <a:cs typeface="Times New Roman" panose="02020603050405020304" pitchFamily="18" charset="0"/>
             </a:endParaRPr>
           </a:p>
         </p:txBody>
       </p:sp>
-      <p:pic>
-        <p:nvPicPr>
-          <p:cNvPr id="2" name="Image 1"/>
-          <p:cNvPicPr>
-            <a:picLocks noChangeAspect="1"/>
-          </p:cNvPicPr>
-          <p:nvPr/>
-        </p:nvPicPr>
-        <p:blipFill>
-          <a:blip r:embed="rId2"/>
-          <a:stretch>
-            <a:fillRect/>
-          </a:stretch>
-        </p:blipFill>
-        <p:spPr>
-          <a:xfrm>
-            <a:off x="1258529" y="2086270"/>
-            <a:ext cx="9257071" cy="3960348"/>
-          </a:xfrm>
-          <a:prstGeom prst="rect">
-            <a:avLst/>
-          </a:prstGeom>
-        </p:spPr>
-      </p:pic>
     </p:spTree>
     <p:extLst>
       <p:ext uri="{BB962C8B-B14F-4D97-AF65-F5344CB8AC3E}">
-        <p14:creationId xmlns:p14="http://schemas.microsoft.com/office/powerpoint/2010/main" val="32716136"/>
+        <p14:creationId xmlns:p14="http://schemas.microsoft.com/office/powerpoint/2010/main" val="1896917406"/>
       </p:ext>
     </p:extLst>
   </p:cSld>
@@ -13418,535 +12892,6 @@
 </p:sld>
 </file>
 
-<file path=ppt/slides/slide30.xml><?xml version="1.0" encoding="utf-8"?>
-<p:sld xmlns:a="http://schemas.openxmlformats.org/drawingml/2006/main" xmlns:r="http://schemas.openxmlformats.org/officeDocument/2006/relationships" xmlns:p="http://schemas.openxmlformats.org/presentationml/2006/main">
-  <p:cSld>
-    <p:spTree>
-      <p:nvGrpSpPr>
-        <p:cNvPr id="1" name=""/>
-        <p:cNvGrpSpPr/>
-        <p:nvPr/>
-      </p:nvGrpSpPr>
-      <p:grpSpPr>
-        <a:xfrm>
-          <a:off x="0" y="0"/>
-          <a:ext cx="0" cy="0"/>
-          <a:chOff x="0" y="0"/>
-          <a:chExt cx="0" cy="0"/>
-        </a:xfrm>
-      </p:grpSpPr>
-      <p:sp>
-        <p:nvSpPr>
-          <p:cNvPr id="10" name="Rectangle 9">
-            <a:extLst>
-              <a:ext uri="{FF2B5EF4-FFF2-40B4-BE49-F238E27FC236}">
-                <a16:creationId xmlns:a16="http://schemas.microsoft.com/office/drawing/2014/main" id="{DA4BA0ED-4844-4C8B-82B9-1189524149F8}"/>
-              </a:ext>
-            </a:extLst>
-          </p:cNvPr>
-          <p:cNvSpPr/>
-          <p:nvPr/>
-        </p:nvSpPr>
-        <p:spPr>
-          <a:xfrm>
-            <a:off x="0" y="6385815"/>
-            <a:ext cx="12192000" cy="472186"/>
-          </a:xfrm>
-          <a:prstGeom prst="rect">
-            <a:avLst/>
-          </a:prstGeom>
-          <a:solidFill>
-            <a:schemeClr val="accent1">
-              <a:lumMod val="20000"/>
-              <a:lumOff val="80000"/>
-            </a:schemeClr>
-          </a:solidFill>
-          <a:ln>
-            <a:noFill/>
-          </a:ln>
-        </p:spPr>
-        <p:style>
-          <a:lnRef idx="2">
-            <a:schemeClr val="accent1">
-              <a:shade val="50000"/>
-            </a:schemeClr>
-          </a:lnRef>
-          <a:fillRef idx="1">
-            <a:schemeClr val="accent1"/>
-          </a:fillRef>
-          <a:effectRef idx="0">
-            <a:schemeClr val="accent1"/>
-          </a:effectRef>
-          <a:fontRef idx="minor">
-            <a:schemeClr val="lt1"/>
-          </a:fontRef>
-        </p:style>
-        <p:txBody>
-          <a:bodyPr rtlCol="0" anchor="ctr"/>
-          <a:lstStyle/>
-          <a:p>
-            <a:pPr algn="ctr"/>
-            <a:endParaRPr lang="fr-FR"/>
-          </a:p>
-        </p:txBody>
-      </p:sp>
-      <p:sp>
-        <p:nvSpPr>
-          <p:cNvPr id="11" name="Espace réservé du numéro de diapositive 11">
-            <a:extLst>
-              <a:ext uri="{FF2B5EF4-FFF2-40B4-BE49-F238E27FC236}">
-                <a16:creationId xmlns:a16="http://schemas.microsoft.com/office/drawing/2014/main" id="{6E09DCDB-AE7D-46A6-BB24-B19F551B132C}"/>
-              </a:ext>
-            </a:extLst>
-          </p:cNvPr>
-          <p:cNvSpPr>
-            <a:spLocks noGrp="1"/>
-          </p:cNvSpPr>
-          <p:nvPr>
-            <p:ph type="sldNum" sz="quarter" idx="12"/>
-          </p:nvPr>
-        </p:nvSpPr>
-        <p:spPr>
-          <a:xfrm>
-            <a:off x="11158322" y="6492875"/>
-            <a:ext cx="870036" cy="365125"/>
-          </a:xfrm>
-        </p:spPr>
-        <p:txBody>
-          <a:bodyPr/>
-          <a:lstStyle/>
-          <a:p>
-            <a:fld id="{09EA0DBA-1CB7-49FD-A4E9-CB9833829DE4}" type="slidenum">
-              <a:rPr lang="fr-FR" sz="2000" b="1" smtClean="0">
-                <a:solidFill>
-                  <a:srgbClr val="FF0000"/>
-                </a:solidFill>
-                <a:latin typeface="Times New Roman" panose="02020603050405020304" pitchFamily="18" charset="0"/>
-                <a:cs typeface="Times New Roman" panose="02020603050405020304" pitchFamily="18" charset="0"/>
-              </a:rPr>
-              <a:t>30</a:t>
-            </a:fld>
-            <a:endParaRPr lang="fr-FR" sz="2000" b="1" dirty="0">
-              <a:solidFill>
-                <a:srgbClr val="FF0000"/>
-              </a:solidFill>
-              <a:latin typeface="Times New Roman" panose="02020603050405020304" pitchFamily="18" charset="0"/>
-              <a:cs typeface="Times New Roman" panose="02020603050405020304" pitchFamily="18" charset="0"/>
-            </a:endParaRPr>
-          </a:p>
-        </p:txBody>
-      </p:sp>
-      <p:sp>
-        <p:nvSpPr>
-          <p:cNvPr id="8" name="ZoneTexte 7">
-            <a:extLst>
-              <a:ext uri="{FF2B5EF4-FFF2-40B4-BE49-F238E27FC236}">
-                <a16:creationId xmlns:a16="http://schemas.microsoft.com/office/drawing/2014/main" id="{0A62A2AD-5162-491A-A819-15508085BEFB}"/>
-              </a:ext>
-            </a:extLst>
-          </p:cNvPr>
-          <p:cNvSpPr txBox="1"/>
-          <p:nvPr/>
-        </p:nvSpPr>
-        <p:spPr>
-          <a:xfrm>
-            <a:off x="234778" y="1828804"/>
-            <a:ext cx="11728622" cy="2308324"/>
-          </a:xfrm>
-          <a:prstGeom prst="rect">
-            <a:avLst/>
-          </a:prstGeom>
-          <a:solidFill>
-            <a:schemeClr val="accent6">
-              <a:lumMod val="50000"/>
-            </a:schemeClr>
-          </a:solidFill>
-          <a:ln>
-            <a:solidFill>
-              <a:schemeClr val="accent6">
-                <a:lumMod val="50000"/>
-              </a:schemeClr>
-            </a:solidFill>
-          </a:ln>
-          <a:effectLst>
-            <a:outerShdw blurRad="50800" dist="38100" dir="13500000" algn="br" rotWithShape="0">
-              <a:schemeClr val="accent1">
-                <a:alpha val="40000"/>
-              </a:schemeClr>
-            </a:outerShdw>
-            <a:reflection blurRad="6350" stA="50000" endA="300" endPos="55000" dir="5400000" sy="-100000" algn="bl" rotWithShape="0"/>
-          </a:effectLst>
-        </p:spPr>
-        <p:txBody>
-          <a:bodyPr wrap="square" rtlCol="0">
-            <a:spAutoFit/>
-          </a:bodyPr>
-          <a:lstStyle/>
-          <a:p>
-            <a:pPr algn="ctr"/>
-            <a:endParaRPr lang="fr-FR" sz="4800" dirty="0"/>
-          </a:p>
-          <a:p>
-            <a:pPr algn="ctr"/>
-            <a:r>
-              <a:rPr lang="fr-FR" sz="4800" dirty="0" smtClean="0">
-                <a:solidFill>
-                  <a:schemeClr val="bg1"/>
-                </a:solidFill>
-              </a:rPr>
-              <a:t>Résumons</a:t>
-            </a:r>
-            <a:endParaRPr lang="fr-FR" sz="4800" dirty="0">
-              <a:solidFill>
-                <a:schemeClr val="bg1"/>
-              </a:solidFill>
-            </a:endParaRPr>
-          </a:p>
-          <a:p>
-            <a:pPr algn="ctr"/>
-            <a:endParaRPr lang="fr-FR" sz="4800" dirty="0"/>
-          </a:p>
-        </p:txBody>
-      </p:sp>
-      <p:cxnSp>
-        <p:nvCxnSpPr>
-          <p:cNvPr id="9" name="Connecteur droit 8">
-            <a:extLst>
-              <a:ext uri="{FF2B5EF4-FFF2-40B4-BE49-F238E27FC236}">
-                <a16:creationId xmlns:a16="http://schemas.microsoft.com/office/drawing/2014/main" id="{CA91B1E3-FD56-4F80-9C4D-68FE7BB35AA6}"/>
-              </a:ext>
-            </a:extLst>
-          </p:cNvPr>
-          <p:cNvCxnSpPr/>
-          <p:nvPr/>
-        </p:nvCxnSpPr>
-        <p:spPr>
-          <a:xfrm>
-            <a:off x="1327355" y="1002890"/>
-            <a:ext cx="9674942" cy="0"/>
-          </a:xfrm>
-          <a:prstGeom prst="line">
-            <a:avLst/>
-          </a:prstGeom>
-          <a:ln w="38100">
-            <a:solidFill>
-              <a:schemeClr val="accent6">
-                <a:lumMod val="50000"/>
-              </a:schemeClr>
-            </a:solidFill>
-          </a:ln>
-        </p:spPr>
-        <p:style>
-          <a:lnRef idx="1">
-            <a:schemeClr val="accent1"/>
-          </a:lnRef>
-          <a:fillRef idx="0">
-            <a:schemeClr val="accent1"/>
-          </a:fillRef>
-          <a:effectRef idx="0">
-            <a:schemeClr val="accent1"/>
-          </a:effectRef>
-          <a:fontRef idx="minor">
-            <a:schemeClr val="tx1"/>
-          </a:fontRef>
-        </p:style>
-      </p:cxnSp>
-      <p:cxnSp>
-        <p:nvCxnSpPr>
-          <p:cNvPr id="12" name="Connecteur droit 11">
-            <a:extLst>
-              <a:ext uri="{FF2B5EF4-FFF2-40B4-BE49-F238E27FC236}">
-                <a16:creationId xmlns:a16="http://schemas.microsoft.com/office/drawing/2014/main" id="{34364D99-1E04-4083-84DA-21B4C64D9EAA}"/>
-              </a:ext>
-            </a:extLst>
-          </p:cNvPr>
-          <p:cNvCxnSpPr/>
-          <p:nvPr/>
-        </p:nvCxnSpPr>
-        <p:spPr>
-          <a:xfrm>
-            <a:off x="1327355" y="5776718"/>
-            <a:ext cx="9674942" cy="0"/>
-          </a:xfrm>
-          <a:prstGeom prst="line">
-            <a:avLst/>
-          </a:prstGeom>
-          <a:ln w="38100">
-            <a:solidFill>
-              <a:schemeClr val="accent6">
-                <a:lumMod val="50000"/>
-              </a:schemeClr>
-            </a:solidFill>
-          </a:ln>
-        </p:spPr>
-        <p:style>
-          <a:lnRef idx="1">
-            <a:schemeClr val="accent1"/>
-          </a:lnRef>
-          <a:fillRef idx="0">
-            <a:schemeClr val="accent1"/>
-          </a:fillRef>
-          <a:effectRef idx="0">
-            <a:schemeClr val="accent1"/>
-          </a:effectRef>
-          <a:fontRef idx="minor">
-            <a:schemeClr val="tx1"/>
-          </a:fontRef>
-        </p:style>
-      </p:cxnSp>
-    </p:spTree>
-    <p:extLst>
-      <p:ext uri="{BB962C8B-B14F-4D97-AF65-F5344CB8AC3E}">
-        <p14:creationId xmlns:p14="http://schemas.microsoft.com/office/powerpoint/2010/main" val="3929391315"/>
-      </p:ext>
-    </p:extLst>
-  </p:cSld>
-  <p:clrMapOvr>
-    <a:masterClrMapping/>
-  </p:clrMapOvr>
-  <p:timing>
-    <p:tnLst>
-      <p:par>
-        <p:cTn id="1" dur="indefinite" restart="never" nodeType="tmRoot"/>
-      </p:par>
-    </p:tnLst>
-  </p:timing>
-</p:sld>
-</file>
-
-<file path=ppt/slides/slide31.xml><?xml version="1.0" encoding="utf-8"?>
-<p:sld xmlns:a="http://schemas.openxmlformats.org/drawingml/2006/main" xmlns:r="http://schemas.openxmlformats.org/officeDocument/2006/relationships" xmlns:p="http://schemas.openxmlformats.org/presentationml/2006/main">
-  <p:cSld>
-    <p:spTree>
-      <p:nvGrpSpPr>
-        <p:cNvPr id="1" name=""/>
-        <p:cNvGrpSpPr/>
-        <p:nvPr/>
-      </p:nvGrpSpPr>
-      <p:grpSpPr>
-        <a:xfrm>
-          <a:off x="0" y="0"/>
-          <a:ext cx="0" cy="0"/>
-          <a:chOff x="0" y="0"/>
-          <a:chExt cx="0" cy="0"/>
-        </a:xfrm>
-      </p:grpSpPr>
-      <p:sp>
-        <p:nvSpPr>
-          <p:cNvPr id="4" name="ZoneTexte 3">
-            <a:extLst>
-              <a:ext uri="{FF2B5EF4-FFF2-40B4-BE49-F238E27FC236}">
-                <a16:creationId xmlns:a16="http://schemas.microsoft.com/office/drawing/2014/main" id="{B7191FEF-1E3F-48E9-A65A-B5A88B9994F6}"/>
-              </a:ext>
-            </a:extLst>
-          </p:cNvPr>
-          <p:cNvSpPr txBox="1"/>
-          <p:nvPr/>
-        </p:nvSpPr>
-        <p:spPr>
-          <a:xfrm>
-            <a:off x="234778" y="1828804"/>
-            <a:ext cx="11728622" cy="2123658"/>
-          </a:xfrm>
-          <a:prstGeom prst="rect">
-            <a:avLst/>
-          </a:prstGeom>
-          <a:solidFill>
-            <a:schemeClr val="accent6">
-              <a:lumMod val="50000"/>
-            </a:schemeClr>
-          </a:solidFill>
-          <a:ln>
-            <a:solidFill>
-              <a:schemeClr val="accent6">
-                <a:lumMod val="50000"/>
-              </a:schemeClr>
-            </a:solidFill>
-          </a:ln>
-          <a:effectLst>
-            <a:outerShdw blurRad="50800" dist="38100" dir="13500000" algn="br" rotWithShape="0">
-              <a:schemeClr val="accent1">
-                <a:alpha val="40000"/>
-              </a:schemeClr>
-            </a:outerShdw>
-            <a:reflection blurRad="6350" stA="50000" endA="300" endPos="55000" dir="5400000" sy="-100000" algn="bl" rotWithShape="0"/>
-          </a:effectLst>
-        </p:spPr>
-        <p:txBody>
-          <a:bodyPr wrap="square" rtlCol="0">
-            <a:spAutoFit/>
-          </a:bodyPr>
-          <a:lstStyle/>
-          <a:p>
-            <a:pPr algn="ctr"/>
-            <a:endParaRPr lang="fr-FR" sz="4400" dirty="0"/>
-          </a:p>
-          <a:p>
-            <a:pPr algn="ctr"/>
-            <a:r>
-              <a:rPr lang="fr-FR" sz="4400" dirty="0">
-                <a:solidFill>
-                  <a:schemeClr val="bg1"/>
-                </a:solidFill>
-              </a:rPr>
-              <a:t>Merci pour votre attention !</a:t>
-            </a:r>
-          </a:p>
-          <a:p>
-            <a:pPr algn="ctr"/>
-            <a:endParaRPr lang="fr-FR" sz="4400" dirty="0"/>
-          </a:p>
-        </p:txBody>
-      </p:sp>
-      <p:cxnSp>
-        <p:nvCxnSpPr>
-          <p:cNvPr id="3" name="Connecteur droit 2">
-            <a:extLst>
-              <a:ext uri="{FF2B5EF4-FFF2-40B4-BE49-F238E27FC236}">
-                <a16:creationId xmlns:a16="http://schemas.microsoft.com/office/drawing/2014/main" id="{2E5FFC58-89E0-45F1-AB54-88B4500CE745}"/>
-              </a:ext>
-            </a:extLst>
-          </p:cNvPr>
-          <p:cNvCxnSpPr/>
-          <p:nvPr/>
-        </p:nvCxnSpPr>
-        <p:spPr>
-          <a:xfrm>
-            <a:off x="1327355" y="1002890"/>
-            <a:ext cx="9674942" cy="0"/>
-          </a:xfrm>
-          <a:prstGeom prst="line">
-            <a:avLst/>
-          </a:prstGeom>
-          <a:ln w="38100">
-            <a:solidFill>
-              <a:schemeClr val="accent6">
-                <a:lumMod val="50000"/>
-              </a:schemeClr>
-            </a:solidFill>
-          </a:ln>
-        </p:spPr>
-        <p:style>
-          <a:lnRef idx="1">
-            <a:schemeClr val="accent1"/>
-          </a:lnRef>
-          <a:fillRef idx="0">
-            <a:schemeClr val="accent1"/>
-          </a:fillRef>
-          <a:effectRef idx="0">
-            <a:schemeClr val="accent1"/>
-          </a:effectRef>
-          <a:fontRef idx="minor">
-            <a:schemeClr val="tx1"/>
-          </a:fontRef>
-        </p:style>
-      </p:cxnSp>
-      <p:cxnSp>
-        <p:nvCxnSpPr>
-          <p:cNvPr id="7" name="Connecteur droit 6">
-            <a:extLst>
-              <a:ext uri="{FF2B5EF4-FFF2-40B4-BE49-F238E27FC236}">
-                <a16:creationId xmlns:a16="http://schemas.microsoft.com/office/drawing/2014/main" id="{6B0D6A19-00B4-479C-A250-CE50D3FEE044}"/>
-              </a:ext>
-            </a:extLst>
-          </p:cNvPr>
-          <p:cNvCxnSpPr/>
-          <p:nvPr/>
-        </p:nvCxnSpPr>
-        <p:spPr>
-          <a:xfrm>
-            <a:off x="1327355" y="5776718"/>
-            <a:ext cx="9674942" cy="0"/>
-          </a:xfrm>
-          <a:prstGeom prst="line">
-            <a:avLst/>
-          </a:prstGeom>
-          <a:ln w="38100">
-            <a:solidFill>
-              <a:schemeClr val="accent6">
-                <a:lumMod val="50000"/>
-              </a:schemeClr>
-            </a:solidFill>
-          </a:ln>
-        </p:spPr>
-        <p:style>
-          <a:lnRef idx="1">
-            <a:schemeClr val="accent1"/>
-          </a:lnRef>
-          <a:fillRef idx="0">
-            <a:schemeClr val="accent1"/>
-          </a:fillRef>
-          <a:effectRef idx="0">
-            <a:schemeClr val="accent1"/>
-          </a:effectRef>
-          <a:fontRef idx="minor">
-            <a:schemeClr val="tx1"/>
-          </a:fontRef>
-        </p:style>
-      </p:cxnSp>
-      <p:sp>
-        <p:nvSpPr>
-          <p:cNvPr id="8" name="ZoneTexte 7">
-            <a:extLst>
-              <a:ext uri="{FF2B5EF4-FFF2-40B4-BE49-F238E27FC236}">
-                <a16:creationId xmlns:a16="http://schemas.microsoft.com/office/drawing/2014/main" id="{B1339F96-F5E8-4590-85C7-AA9285DFAC8C}"/>
-              </a:ext>
-            </a:extLst>
-          </p:cNvPr>
-          <p:cNvSpPr txBox="1"/>
-          <p:nvPr/>
-        </p:nvSpPr>
-        <p:spPr>
-          <a:xfrm>
-            <a:off x="4490446" y="3952462"/>
-            <a:ext cx="2651760" cy="369332"/>
-          </a:xfrm>
-          <a:prstGeom prst="rect">
-            <a:avLst/>
-          </a:prstGeom>
-          <a:noFill/>
-        </p:spPr>
-        <p:txBody>
-          <a:bodyPr wrap="square" rtlCol="0">
-            <a:spAutoFit/>
-          </a:bodyPr>
-          <a:lstStyle/>
-          <a:p>
-            <a:pPr algn="ctr"/>
-            <a:r>
-              <a:rPr lang="fr-FR" dirty="0" smtClean="0">
-                <a:latin typeface="Times New Roman" panose="02020603050405020304" pitchFamily="18" charset="0"/>
-                <a:cs typeface="Times New Roman" panose="02020603050405020304" pitchFamily="18" charset="0"/>
-              </a:rPr>
-              <a:t>Juin 2021</a:t>
-            </a:r>
-            <a:endParaRPr lang="fr-FR" dirty="0">
-              <a:latin typeface="Times New Roman" panose="02020603050405020304" pitchFamily="18" charset="0"/>
-              <a:cs typeface="Times New Roman" panose="02020603050405020304" pitchFamily="18" charset="0"/>
-            </a:endParaRPr>
-          </a:p>
-        </p:txBody>
-      </p:sp>
-    </p:spTree>
-    <p:extLst>
-      <p:ext uri="{BB962C8B-B14F-4D97-AF65-F5344CB8AC3E}">
-        <p14:creationId xmlns:p14="http://schemas.microsoft.com/office/powerpoint/2010/main" val="1896917406"/>
-      </p:ext>
-    </p:extLst>
-  </p:cSld>
-  <p:clrMapOvr>
-    <a:masterClrMapping/>
-  </p:clrMapOvr>
-  <p:timing>
-    <p:tnLst>
-      <p:par>
-        <p:cTn id="1" dur="indefinite" restart="never" nodeType="tmRoot"/>
-      </p:par>
-    </p:tnLst>
-  </p:timing>
-</p:sld>
-</file>
-
 <file path=ppt/slides/slide4.xml><?xml version="1.0" encoding="utf-8"?>
 <p:sld xmlns:a="http://schemas.openxmlformats.org/drawingml/2006/main" xmlns:r="http://schemas.openxmlformats.org/officeDocument/2006/relationships" xmlns:p="http://schemas.openxmlformats.org/presentationml/2006/main">
   <p:cSld>
@@ -16335,20 +15280,7 @@
                   </a:outerShdw>
                 </a:effectLst>
               </a:rPr>
-              <a:t>t </a:t>
-            </a:r>
-            <a:r>
-              <a:rPr lang="fr-FR" sz="3200" dirty="0" smtClean="0">
-                <a:ln w="0"/>
-                <a:effectLst>
-                  <a:outerShdw blurRad="38100" dist="19050" dir="2700000" algn="tl" rotWithShape="0">
-                    <a:schemeClr val="dk1">
-                      <a:alpha val="40000"/>
-                    </a:schemeClr>
-                  </a:outerShdw>
-                </a:effectLst>
-              </a:rPr>
-              <a:t>glissez dans la zone de travail pour définir un bloc. Relâchez le bouton lorsque vous avez terminé.</a:t>
+              <a:t>t glissez dans la zone de travail pour définir un bloc. Relâchez le bouton lorsque vous avez terminé.</a:t>
             </a:r>
           </a:p>
           <a:p>
